--- a/resources/WealthWise.pptx
+++ b/resources/WealthWise.pptx
@@ -6,11 +6,11 @@
   </p:sldMasterIdLst>
   <p:sldIdLst>
     <p:sldId id="256" r:id="rId2"/>
-    <p:sldId id="257" r:id="rId3"/>
-    <p:sldId id="258" r:id="rId4"/>
-    <p:sldId id="259" r:id="rId5"/>
-    <p:sldId id="260" r:id="rId6"/>
-    <p:sldId id="261" r:id="rId7"/>
+    <p:sldId id="262" r:id="rId3"/>
+    <p:sldId id="257" r:id="rId4"/>
+    <p:sldId id="258" r:id="rId5"/>
+    <p:sldId id="263" r:id="rId6"/>
+    <p:sldId id="264" r:id="rId7"/>
   </p:sldIdLst>
   <p:sldSz cx="12192000" cy="6858000"/>
   <p:notesSz cx="6858000" cy="9144000"/>
@@ -109,7 +109,7387 @@
       </a:defRPr>
     </a:lvl9pPr>
   </p:defaultTextStyle>
+  <p:extLst>
+    <p:ext uri="{EFAFB233-063F-42B5-8137-9DF3F51BA10A}">
+      <p15:sldGuideLst xmlns:p15="http://schemas.microsoft.com/office/powerpoint/2012/main"/>
+    </p:ext>
+  </p:extLst>
 </p:presentation>
+</file>
+
+<file path=ppt/revisionInfo.xml><?xml version="1.0" encoding="utf-8"?>
+<p1510:revInfo xmlns:a="http://schemas.openxmlformats.org/drawingml/2006/main" xmlns:r="http://schemas.openxmlformats.org/officeDocument/2006/relationships" xmlns:p1510="http://schemas.microsoft.com/office/powerpoint/2015/10/main">
+  <p1510:revLst>
+    <p1510:client id="{F13EC199-B523-4D71-89DE-522B03381AD1}" v="752" dt="2025-02-09T11:19:52.576"/>
+  </p1510:revLst>
+</p1510:revInfo>
+</file>
+
+<file path=ppt/changesInfos/changesInfo1.xml><?xml version="1.0" encoding="utf-8"?>
+<pc:chgInfo xmlns:a="http://schemas.openxmlformats.org/drawingml/2006/main" xmlns:r="http://schemas.openxmlformats.org/officeDocument/2006/relationships" xmlns:ac="http://schemas.microsoft.com/office/drawing/2013/main/command" xmlns:pc="http://schemas.microsoft.com/office/powerpoint/2013/main/command">
+  <pc:docChgLst>
+    <pc:chgData name="jill palmer" userId="7ae96487bb3885b3" providerId="LiveId" clId="{F13EC199-B523-4D71-89DE-522B03381AD1}"/>
+    <pc:docChg chg="undo custSel addSld delSld modSld sldOrd">
+      <pc:chgData name="jill palmer" userId="7ae96487bb3885b3" providerId="LiveId" clId="{F13EC199-B523-4D71-89DE-522B03381AD1}" dt="2025-02-09T11:28:20.677" v="2450" actId="1076"/>
+      <pc:docMkLst>
+        <pc:docMk/>
+      </pc:docMkLst>
+      <pc:sldChg chg="addSp delSp modSp mod setBg">
+        <pc:chgData name="jill palmer" userId="7ae96487bb3885b3" providerId="LiveId" clId="{F13EC199-B523-4D71-89DE-522B03381AD1}" dt="2025-02-09T11:28:20.677" v="2450" actId="1076"/>
+        <pc:sldMkLst>
+          <pc:docMk/>
+          <pc:sldMk cId="568436820" sldId="257"/>
+        </pc:sldMkLst>
+        <pc:spChg chg="mod">
+          <ac:chgData name="jill palmer" userId="7ae96487bb3885b3" providerId="LiveId" clId="{F13EC199-B523-4D71-89DE-522B03381AD1}" dt="2025-02-09T11:09:44.442" v="1853" actId="26606"/>
+          <ac:spMkLst>
+            <pc:docMk/>
+            <pc:sldMk cId="568436820" sldId="257"/>
+            <ac:spMk id="2" creationId="{95A823FA-AA6F-DA33-0A51-7B0CE4A562D6}"/>
+          </ac:spMkLst>
+        </pc:spChg>
+        <pc:spChg chg="del">
+          <ac:chgData name="jill palmer" userId="7ae96487bb3885b3" providerId="LiveId" clId="{F13EC199-B523-4D71-89DE-522B03381AD1}" dt="2025-02-09T11:00:06.196" v="1544" actId="26606"/>
+          <ac:spMkLst>
+            <pc:docMk/>
+            <pc:sldMk cId="568436820" sldId="257"/>
+            <ac:spMk id="3" creationId="{74ADEF36-DFDA-85A4-D177-B1882FCEA46F}"/>
+          </ac:spMkLst>
+        </pc:spChg>
+        <pc:spChg chg="add del mod">
+          <ac:chgData name="jill palmer" userId="7ae96487bb3885b3" providerId="LiveId" clId="{F13EC199-B523-4D71-89DE-522B03381AD1}" dt="2025-02-09T11:00:21.672" v="1548"/>
+          <ac:spMkLst>
+            <pc:docMk/>
+            <pc:sldMk cId="568436820" sldId="257"/>
+            <ac:spMk id="4" creationId="{3610E257-03DF-D747-AB33-DA940E36B5F6}"/>
+          </ac:spMkLst>
+        </pc:spChg>
+        <pc:spChg chg="add mod">
+          <ac:chgData name="jill palmer" userId="7ae96487bb3885b3" providerId="LiveId" clId="{F13EC199-B523-4D71-89DE-522B03381AD1}" dt="2025-02-09T11:28:20.677" v="2450" actId="1076"/>
+          <ac:spMkLst>
+            <pc:docMk/>
+            <pc:sldMk cId="568436820" sldId="257"/>
+            <ac:spMk id="6" creationId="{78357BF7-EF6E-A19A-74D3-C0F987936B48}"/>
+          </ac:spMkLst>
+        </pc:spChg>
+        <pc:spChg chg="add del">
+          <ac:chgData name="jill palmer" userId="7ae96487bb3885b3" providerId="LiveId" clId="{F13EC199-B523-4D71-89DE-522B03381AD1}" dt="2025-02-09T11:09:44.442" v="1853" actId="26606"/>
+          <ac:spMkLst>
+            <pc:docMk/>
+            <pc:sldMk cId="568436820" sldId="257"/>
+            <ac:spMk id="9" creationId="{A34066D6-1B59-4642-A86D-39464CEE971B}"/>
+          </ac:spMkLst>
+        </pc:spChg>
+        <pc:spChg chg="add del">
+          <ac:chgData name="jill palmer" userId="7ae96487bb3885b3" providerId="LiveId" clId="{F13EC199-B523-4D71-89DE-522B03381AD1}" dt="2025-02-09T11:09:44.442" v="1853" actId="26606"/>
+          <ac:spMkLst>
+            <pc:docMk/>
+            <pc:sldMk cId="568436820" sldId="257"/>
+            <ac:spMk id="11" creationId="{18E928D9-3091-4385-B979-265D55AD02CE}"/>
+          </ac:spMkLst>
+        </pc:spChg>
+        <pc:spChg chg="add del">
+          <ac:chgData name="jill palmer" userId="7ae96487bb3885b3" providerId="LiveId" clId="{F13EC199-B523-4D71-89DE-522B03381AD1}" dt="2025-02-09T11:09:44.442" v="1853" actId="26606"/>
+          <ac:spMkLst>
+            <pc:docMk/>
+            <pc:sldMk cId="568436820" sldId="257"/>
+            <ac:spMk id="13" creationId="{7D602432-D774-4CF5-94E8-7D52D01059D2}"/>
+          </ac:spMkLst>
+        </pc:spChg>
+        <pc:spChg chg="add del">
+          <ac:chgData name="jill palmer" userId="7ae96487bb3885b3" providerId="LiveId" clId="{F13EC199-B523-4D71-89DE-522B03381AD1}" dt="2025-02-09T11:09:44.442" v="1853" actId="26606"/>
+          <ac:spMkLst>
+            <pc:docMk/>
+            <pc:sldMk cId="568436820" sldId="257"/>
+            <ac:spMk id="15" creationId="{CBF9EBB4-5078-47B2-AAA0-DF4A88D8182A}"/>
+          </ac:spMkLst>
+        </pc:spChg>
+        <pc:spChg chg="add">
+          <ac:chgData name="jill palmer" userId="7ae96487bb3885b3" providerId="LiveId" clId="{F13EC199-B523-4D71-89DE-522B03381AD1}" dt="2025-02-09T11:09:44.442" v="1853" actId="26606"/>
+          <ac:spMkLst>
+            <pc:docMk/>
+            <pc:sldMk cId="568436820" sldId="257"/>
+            <ac:spMk id="20" creationId="{327D73B4-9F5C-4A64-A179-51B9500CB8B5}"/>
+          </ac:spMkLst>
+        </pc:spChg>
+        <pc:spChg chg="add">
+          <ac:chgData name="jill palmer" userId="7ae96487bb3885b3" providerId="LiveId" clId="{F13EC199-B523-4D71-89DE-522B03381AD1}" dt="2025-02-09T11:09:44.442" v="1853" actId="26606"/>
+          <ac:spMkLst>
+            <pc:docMk/>
+            <pc:sldMk cId="568436820" sldId="257"/>
+            <ac:spMk id="22" creationId="{C1F06963-6374-4B48-844F-071A9BAAAE02}"/>
+          </ac:spMkLst>
+        </pc:spChg>
+        <pc:spChg chg="add">
+          <ac:chgData name="jill palmer" userId="7ae96487bb3885b3" providerId="LiveId" clId="{F13EC199-B523-4D71-89DE-522B03381AD1}" dt="2025-02-09T11:09:44.442" v="1853" actId="26606"/>
+          <ac:spMkLst>
+            <pc:docMk/>
+            <pc:sldMk cId="568436820" sldId="257"/>
+            <ac:spMk id="24" creationId="{6CB927A4-E432-4310-9CD5-E89FF5063179}"/>
+          </ac:spMkLst>
+        </pc:spChg>
+        <pc:spChg chg="add">
+          <ac:chgData name="jill palmer" userId="7ae96487bb3885b3" providerId="LiveId" clId="{F13EC199-B523-4D71-89DE-522B03381AD1}" dt="2025-02-09T11:09:44.442" v="1853" actId="26606"/>
+          <ac:spMkLst>
+            <pc:docMk/>
+            <pc:sldMk cId="568436820" sldId="257"/>
+            <ac:spMk id="28" creationId="{E3020543-B24B-4EC4-8FFC-8DD88EEA91A8}"/>
+          </ac:spMkLst>
+        </pc:spChg>
+        <pc:picChg chg="add mod">
+          <ac:chgData name="jill palmer" userId="7ae96487bb3885b3" providerId="LiveId" clId="{F13EC199-B523-4D71-89DE-522B03381AD1}" dt="2025-02-09T11:07:18.366" v="1642" actId="1076"/>
+          <ac:picMkLst>
+            <pc:docMk/>
+            <pc:sldMk cId="568436820" sldId="257"/>
+            <ac:picMk id="5" creationId="{45527D05-68E6-87D7-79CE-FAE02FD72F0E}"/>
+          </ac:picMkLst>
+        </pc:picChg>
+      </pc:sldChg>
+      <pc:sldChg chg="addSp delSp modSp mod setBg">
+        <pc:chgData name="jill palmer" userId="7ae96487bb3885b3" providerId="LiveId" clId="{F13EC199-B523-4D71-89DE-522B03381AD1}" dt="2025-02-09T11:19:49.237" v="2312" actId="33524"/>
+        <pc:sldMkLst>
+          <pc:docMk/>
+          <pc:sldMk cId="807085202" sldId="258"/>
+        </pc:sldMkLst>
+        <pc:spChg chg="mod">
+          <ac:chgData name="jill palmer" userId="7ae96487bb3885b3" providerId="LiveId" clId="{F13EC199-B523-4D71-89DE-522B03381AD1}" dt="2025-02-09T11:17:59.246" v="2220" actId="26606"/>
+          <ac:spMkLst>
+            <pc:docMk/>
+            <pc:sldMk cId="807085202" sldId="258"/>
+            <ac:spMk id="2" creationId="{EFA6139B-5498-0B91-537E-13DCF3A321BA}"/>
+          </ac:spMkLst>
+        </pc:spChg>
+        <pc:spChg chg="del">
+          <ac:chgData name="jill palmer" userId="7ae96487bb3885b3" providerId="LiveId" clId="{F13EC199-B523-4D71-89DE-522B03381AD1}" dt="2025-02-09T11:11:22.104" v="1917" actId="478"/>
+          <ac:spMkLst>
+            <pc:docMk/>
+            <pc:sldMk cId="807085202" sldId="258"/>
+            <ac:spMk id="3" creationId="{66083186-FA13-2613-542F-9D18870DA737}"/>
+          </ac:spMkLst>
+        </pc:spChg>
+        <pc:spChg chg="add mod">
+          <ac:chgData name="jill palmer" userId="7ae96487bb3885b3" providerId="LiveId" clId="{F13EC199-B523-4D71-89DE-522B03381AD1}" dt="2025-02-09T11:19:49.237" v="2312" actId="33524"/>
+          <ac:spMkLst>
+            <pc:docMk/>
+            <pc:sldMk cId="807085202" sldId="258"/>
+            <ac:spMk id="4" creationId="{AE748AC6-44E0-82D5-AA32-921953AD86E7}"/>
+          </ac:spMkLst>
+        </pc:spChg>
+        <pc:spChg chg="add del">
+          <ac:chgData name="jill palmer" userId="7ae96487bb3885b3" providerId="LiveId" clId="{F13EC199-B523-4D71-89DE-522B03381AD1}" dt="2025-02-09T11:16:38.173" v="2186" actId="26606"/>
+          <ac:spMkLst>
+            <pc:docMk/>
+            <pc:sldMk cId="807085202" sldId="258"/>
+            <ac:spMk id="1031" creationId="{327D73B4-9F5C-4A64-A179-51B9500CB8B5}"/>
+          </ac:spMkLst>
+        </pc:spChg>
+        <pc:spChg chg="add del">
+          <ac:chgData name="jill palmer" userId="7ae96487bb3885b3" providerId="LiveId" clId="{F13EC199-B523-4D71-89DE-522B03381AD1}" dt="2025-02-09T11:16:38.173" v="2186" actId="26606"/>
+          <ac:spMkLst>
+            <pc:docMk/>
+            <pc:sldMk cId="807085202" sldId="258"/>
+            <ac:spMk id="1033" creationId="{C1F06963-6374-4B48-844F-071A9BAAAE02}"/>
+          </ac:spMkLst>
+        </pc:spChg>
+        <pc:spChg chg="add del">
+          <ac:chgData name="jill palmer" userId="7ae96487bb3885b3" providerId="LiveId" clId="{F13EC199-B523-4D71-89DE-522B03381AD1}" dt="2025-02-09T11:16:38.173" v="2186" actId="26606"/>
+          <ac:spMkLst>
+            <pc:docMk/>
+            <pc:sldMk cId="807085202" sldId="258"/>
+            <ac:spMk id="1035" creationId="{6CB927A4-E432-4310-9CD5-E89FF5063179}"/>
+          </ac:spMkLst>
+        </pc:spChg>
+        <pc:spChg chg="add del">
+          <ac:chgData name="jill palmer" userId="7ae96487bb3885b3" providerId="LiveId" clId="{F13EC199-B523-4D71-89DE-522B03381AD1}" dt="2025-02-09T11:16:38.173" v="2186" actId="26606"/>
+          <ac:spMkLst>
+            <pc:docMk/>
+            <pc:sldMk cId="807085202" sldId="258"/>
+            <ac:spMk id="1037" creationId="{1453BF6C-B012-48B7-B4E8-6D7AC7C27D02}"/>
+          </ac:spMkLst>
+        </pc:spChg>
+        <pc:spChg chg="add del">
+          <ac:chgData name="jill palmer" userId="7ae96487bb3885b3" providerId="LiveId" clId="{F13EC199-B523-4D71-89DE-522B03381AD1}" dt="2025-02-09T11:16:38.173" v="2186" actId="26606"/>
+          <ac:spMkLst>
+            <pc:docMk/>
+            <pc:sldMk cId="807085202" sldId="258"/>
+            <ac:spMk id="1039" creationId="{E3020543-B24B-4EC4-8FFC-8DD88EEA91A8}"/>
+          </ac:spMkLst>
+        </pc:spChg>
+        <pc:spChg chg="add del">
+          <ac:chgData name="jill palmer" userId="7ae96487bb3885b3" providerId="LiveId" clId="{F13EC199-B523-4D71-89DE-522B03381AD1}" dt="2025-02-09T11:16:48.628" v="2188" actId="26606"/>
+          <ac:spMkLst>
+            <pc:docMk/>
+            <pc:sldMk cId="807085202" sldId="258"/>
+            <ac:spMk id="1043" creationId="{3756B343-807D-456E-AA26-80E96B75D13B}"/>
+          </ac:spMkLst>
+        </pc:spChg>
+        <pc:spChg chg="add del">
+          <ac:chgData name="jill palmer" userId="7ae96487bb3885b3" providerId="LiveId" clId="{F13EC199-B523-4D71-89DE-522B03381AD1}" dt="2025-02-09T11:16:48.628" v="2188" actId="26606"/>
+          <ac:spMkLst>
+            <pc:docMk/>
+            <pc:sldMk cId="807085202" sldId="258"/>
+            <ac:spMk id="1044" creationId="{08980754-6F4B-43C9-B9BE-127B6BED6586}"/>
+          </ac:spMkLst>
+        </pc:spChg>
+        <pc:spChg chg="add del">
+          <ac:chgData name="jill palmer" userId="7ae96487bb3885b3" providerId="LiveId" clId="{F13EC199-B523-4D71-89DE-522B03381AD1}" dt="2025-02-09T11:16:48.628" v="2188" actId="26606"/>
+          <ac:spMkLst>
+            <pc:docMk/>
+            <pc:sldMk cId="807085202" sldId="258"/>
+            <ac:spMk id="1045" creationId="{2C1BBA94-3F40-40AA-8BB9-E69E25E537C1}"/>
+          </ac:spMkLst>
+        </pc:spChg>
+        <pc:spChg chg="add del">
+          <ac:chgData name="jill palmer" userId="7ae96487bb3885b3" providerId="LiveId" clId="{F13EC199-B523-4D71-89DE-522B03381AD1}" dt="2025-02-09T11:16:48.628" v="2188" actId="26606"/>
+          <ac:spMkLst>
+            <pc:docMk/>
+            <pc:sldMk cId="807085202" sldId="258"/>
+            <ac:spMk id="1046" creationId="{169CC832-2974-4E8D-90ED-3E2941BA7336}"/>
+          </ac:spMkLst>
+        </pc:spChg>
+        <pc:spChg chg="add del">
+          <ac:chgData name="jill palmer" userId="7ae96487bb3885b3" providerId="LiveId" clId="{F13EC199-B523-4D71-89DE-522B03381AD1}" dt="2025-02-09T11:16:48.628" v="2188" actId="26606"/>
+          <ac:spMkLst>
+            <pc:docMk/>
+            <pc:sldMk cId="807085202" sldId="258"/>
+            <ac:spMk id="1047" creationId="{55222F96-971A-4F90-B841-6BAB416C7AC1}"/>
+          </ac:spMkLst>
+        </pc:spChg>
+        <pc:spChg chg="add del">
+          <ac:chgData name="jill palmer" userId="7ae96487bb3885b3" providerId="LiveId" clId="{F13EC199-B523-4D71-89DE-522B03381AD1}" dt="2025-02-09T11:17:59.246" v="2220" actId="26606"/>
+          <ac:spMkLst>
+            <pc:docMk/>
+            <pc:sldMk cId="807085202" sldId="258"/>
+            <ac:spMk id="1049" creationId="{8181FC64-B306-4821-98E2-780662EFC486}"/>
+          </ac:spMkLst>
+        </pc:spChg>
+        <pc:spChg chg="add del">
+          <ac:chgData name="jill palmer" userId="7ae96487bb3885b3" providerId="LiveId" clId="{F13EC199-B523-4D71-89DE-522B03381AD1}" dt="2025-02-09T11:17:59.246" v="2220" actId="26606"/>
+          <ac:spMkLst>
+            <pc:docMk/>
+            <pc:sldMk cId="807085202" sldId="258"/>
+            <ac:spMk id="1050" creationId="{5871FC61-DD4E-47D4-81FD-8A7E7D12B371}"/>
+          </ac:spMkLst>
+        </pc:spChg>
+        <pc:spChg chg="add del">
+          <ac:chgData name="jill palmer" userId="7ae96487bb3885b3" providerId="LiveId" clId="{F13EC199-B523-4D71-89DE-522B03381AD1}" dt="2025-02-09T11:17:59.246" v="2220" actId="26606"/>
+          <ac:spMkLst>
+            <pc:docMk/>
+            <pc:sldMk cId="807085202" sldId="258"/>
+            <ac:spMk id="1051" creationId="{F9EC3F91-A75C-4F74-867E-E4C28C13546B}"/>
+          </ac:spMkLst>
+        </pc:spChg>
+        <pc:spChg chg="add del">
+          <ac:chgData name="jill palmer" userId="7ae96487bb3885b3" providerId="LiveId" clId="{F13EC199-B523-4D71-89DE-522B03381AD1}" dt="2025-02-09T11:17:59.246" v="2220" actId="26606"/>
+          <ac:spMkLst>
+            <pc:docMk/>
+            <pc:sldMk cId="807085202" sldId="258"/>
+            <ac:spMk id="1052" creationId="{829A1E2C-5AC8-40FC-99E9-832069D39792}"/>
+          </ac:spMkLst>
+        </pc:spChg>
+        <pc:spChg chg="add del">
+          <ac:chgData name="jill palmer" userId="7ae96487bb3885b3" providerId="LiveId" clId="{F13EC199-B523-4D71-89DE-522B03381AD1}" dt="2025-02-09T11:17:43.853" v="2217" actId="26606"/>
+          <ac:spMkLst>
+            <pc:docMk/>
+            <pc:sldMk cId="807085202" sldId="258"/>
+            <ac:spMk id="1057" creationId="{04812C46-200A-4DEB-A05E-3ED6C68C2387}"/>
+          </ac:spMkLst>
+        </pc:spChg>
+        <pc:spChg chg="add del">
+          <ac:chgData name="jill palmer" userId="7ae96487bb3885b3" providerId="LiveId" clId="{F13EC199-B523-4D71-89DE-522B03381AD1}" dt="2025-02-09T11:17:43.853" v="2217" actId="26606"/>
+          <ac:spMkLst>
+            <pc:docMk/>
+            <pc:sldMk cId="807085202" sldId="258"/>
+            <ac:spMk id="1059" creationId="{D1EA859B-E555-4109-94F3-6700E046E008}"/>
+          </ac:spMkLst>
+        </pc:spChg>
+        <pc:spChg chg="add del">
+          <ac:chgData name="jill palmer" userId="7ae96487bb3885b3" providerId="LiveId" clId="{F13EC199-B523-4D71-89DE-522B03381AD1}" dt="2025-02-09T11:17:59.241" v="2219" actId="26606"/>
+          <ac:spMkLst>
+            <pc:docMk/>
+            <pc:sldMk cId="807085202" sldId="258"/>
+            <ac:spMk id="1061" creationId="{3F0BE7ED-7814-4273-B18A-F26CC0380380}"/>
+          </ac:spMkLst>
+        </pc:spChg>
+        <pc:spChg chg="add del">
+          <ac:chgData name="jill palmer" userId="7ae96487bb3885b3" providerId="LiveId" clId="{F13EC199-B523-4D71-89DE-522B03381AD1}" dt="2025-02-09T11:17:59.241" v="2219" actId="26606"/>
+          <ac:spMkLst>
+            <pc:docMk/>
+            <pc:sldMk cId="807085202" sldId="258"/>
+            <ac:spMk id="1062" creationId="{3AFE8227-C443-417B-BA91-520EB1EF4559}"/>
+          </ac:spMkLst>
+        </pc:spChg>
+        <pc:spChg chg="add del">
+          <ac:chgData name="jill palmer" userId="7ae96487bb3885b3" providerId="LiveId" clId="{F13EC199-B523-4D71-89DE-522B03381AD1}" dt="2025-02-09T11:17:59.241" v="2219" actId="26606"/>
+          <ac:spMkLst>
+            <pc:docMk/>
+            <pc:sldMk cId="807085202" sldId="258"/>
+            <ac:spMk id="1063" creationId="{907741FC-B544-4A6E-B831-6789D042333D}"/>
+          </ac:spMkLst>
+        </pc:spChg>
+        <pc:picChg chg="add mod ord">
+          <ac:chgData name="jill palmer" userId="7ae96487bb3885b3" providerId="LiveId" clId="{F13EC199-B523-4D71-89DE-522B03381AD1}" dt="2025-02-09T11:17:59.246" v="2220" actId="26606"/>
+          <ac:picMkLst>
+            <pc:docMk/>
+            <pc:sldMk cId="807085202" sldId="258"/>
+            <ac:picMk id="1026" creationId="{7D9D55EC-0EDF-8C31-6295-EC2CB95DF7D8}"/>
+          </ac:picMkLst>
+        </pc:picChg>
+        <pc:cxnChg chg="add del">
+          <ac:chgData name="jill palmer" userId="7ae96487bb3885b3" providerId="LiveId" clId="{F13EC199-B523-4D71-89DE-522B03381AD1}" dt="2025-02-09T11:16:38.173" v="2186" actId="26606"/>
+          <ac:cxnSpMkLst>
+            <pc:docMk/>
+            <pc:sldMk cId="807085202" sldId="258"/>
+            <ac:cxnSpMk id="1041" creationId="{C49DA8F6-BCC1-4447-B54C-57856834B94B}"/>
+          </ac:cxnSpMkLst>
+        </pc:cxnChg>
+        <pc:cxnChg chg="add">
+          <ac:chgData name="jill palmer" userId="7ae96487bb3885b3" providerId="LiveId" clId="{F13EC199-B523-4D71-89DE-522B03381AD1}" dt="2025-02-09T11:17:59.246" v="2220" actId="26606"/>
+          <ac:cxnSpMkLst>
+            <pc:docMk/>
+            <pc:sldMk cId="807085202" sldId="258"/>
+            <ac:cxnSpMk id="1065" creationId="{249EDD1B-F94D-B4E6-ACAA-566B9A26FDE3}"/>
+          </ac:cxnSpMkLst>
+        </pc:cxnChg>
+      </pc:sldChg>
+      <pc:sldChg chg="del">
+        <pc:chgData name="jill palmer" userId="7ae96487bb3885b3" providerId="LiveId" clId="{F13EC199-B523-4D71-89DE-522B03381AD1}" dt="2025-02-09T10:31:09.230" v="436" actId="2696"/>
+        <pc:sldMkLst>
+          <pc:docMk/>
+          <pc:sldMk cId="3231247062" sldId="259"/>
+        </pc:sldMkLst>
+      </pc:sldChg>
+      <pc:sldChg chg="addSp delSp modSp del mod">
+        <pc:chgData name="jill palmer" userId="7ae96487bb3885b3" providerId="LiveId" clId="{F13EC199-B523-4D71-89DE-522B03381AD1}" dt="2025-02-09T11:27:28.083" v="2313" actId="2696"/>
+        <pc:sldMkLst>
+          <pc:docMk/>
+          <pc:sldMk cId="250266451" sldId="260"/>
+        </pc:sldMkLst>
+        <pc:spChg chg="mod">
+          <ac:chgData name="jill palmer" userId="7ae96487bb3885b3" providerId="LiveId" clId="{F13EC199-B523-4D71-89DE-522B03381AD1}" dt="2025-02-09T10:30:44.580" v="431" actId="20577"/>
+          <ac:spMkLst>
+            <pc:docMk/>
+            <pc:sldMk cId="250266451" sldId="260"/>
+            <ac:spMk id="2" creationId="{3F07BE41-4E94-CADD-BF52-923F8CCF3847}"/>
+          </ac:spMkLst>
+        </pc:spChg>
+        <pc:spChg chg="add del">
+          <ac:chgData name="jill palmer" userId="7ae96487bb3885b3" providerId="LiveId" clId="{F13EC199-B523-4D71-89DE-522B03381AD1}" dt="2025-02-09T10:31:23.441" v="438" actId="22"/>
+          <ac:spMkLst>
+            <pc:docMk/>
+            <pc:sldMk cId="250266451" sldId="260"/>
+            <ac:spMk id="5" creationId="{8A9A157D-2316-B05B-C632-1A51476C51D3}"/>
+          </ac:spMkLst>
+        </pc:spChg>
+      </pc:sldChg>
+      <pc:sldChg chg="del">
+        <pc:chgData name="jill palmer" userId="7ae96487bb3885b3" providerId="LiveId" clId="{F13EC199-B523-4D71-89DE-522B03381AD1}" dt="2025-02-09T10:30:46.554" v="432" actId="2696"/>
+        <pc:sldMkLst>
+          <pc:docMk/>
+          <pc:sldMk cId="3238173425" sldId="261"/>
+        </pc:sldMkLst>
+      </pc:sldChg>
+      <pc:sldChg chg="addSp delSp modSp add mod ord setBg delDesignElem">
+        <pc:chgData name="jill palmer" userId="7ae96487bb3885b3" providerId="LiveId" clId="{F13EC199-B523-4D71-89DE-522B03381AD1}" dt="2025-02-09T10:49:37.415" v="754" actId="5793"/>
+        <pc:sldMkLst>
+          <pc:docMk/>
+          <pc:sldMk cId="2480205779" sldId="262"/>
+        </pc:sldMkLst>
+        <pc:spChg chg="add">
+          <ac:chgData name="jill palmer" userId="7ae96487bb3885b3" providerId="LiveId" clId="{F13EC199-B523-4D71-89DE-522B03381AD1}" dt="2025-02-09T10:23:40.496" v="46" actId="26606"/>
+          <ac:spMkLst>
+            <pc:docMk/>
+            <pc:sldMk cId="2480205779" sldId="262"/>
+            <ac:spMk id="18" creationId="{B50AB553-2A96-4A92-96F2-93548E096954}"/>
+          </ac:spMkLst>
+        </pc:spChg>
+        <pc:spChg chg="del">
+          <ac:chgData name="jill palmer" userId="7ae96487bb3885b3" providerId="LiveId" clId="{F13EC199-B523-4D71-89DE-522B03381AD1}" dt="2025-02-09T10:23:02.020" v="1"/>
+          <ac:spMkLst>
+            <pc:docMk/>
+            <pc:sldMk cId="2480205779" sldId="262"/>
+            <ac:spMk id="21" creationId="{257363FD-7E77-4145-9483-331A807ADF0E}"/>
+          </ac:spMkLst>
+        </pc:spChg>
+        <pc:graphicFrameChg chg="del mod">
+          <ac:chgData name="jill palmer" userId="7ae96487bb3885b3" providerId="LiveId" clId="{F13EC199-B523-4D71-89DE-522B03381AD1}" dt="2025-02-09T10:23:40.496" v="46" actId="26606"/>
+          <ac:graphicFrameMkLst>
+            <pc:docMk/>
+            <pc:sldMk cId="2480205779" sldId="262"/>
+            <ac:graphicFrameMk id="5" creationId="{3541E48F-505B-1744-E177-5F907E168F91}"/>
+          </ac:graphicFrameMkLst>
+        </pc:graphicFrameChg>
+        <pc:graphicFrameChg chg="add mod">
+          <ac:chgData name="jill palmer" userId="7ae96487bb3885b3" providerId="LiveId" clId="{F13EC199-B523-4D71-89DE-522B03381AD1}" dt="2025-02-09T10:49:37.415" v="754" actId="5793"/>
+          <ac:graphicFrameMkLst>
+            <pc:docMk/>
+            <pc:sldMk cId="2480205779" sldId="262"/>
+            <ac:graphicFrameMk id="14" creationId="{C2502135-51D3-E852-13C6-E3D6793FA648}"/>
+          </ac:graphicFrameMkLst>
+        </pc:graphicFrameChg>
+        <pc:picChg chg="mod">
+          <ac:chgData name="jill palmer" userId="7ae96487bb3885b3" providerId="LiveId" clId="{F13EC199-B523-4D71-89DE-522B03381AD1}" dt="2025-02-09T10:24:50.800" v="197" actId="1076"/>
+          <ac:picMkLst>
+            <pc:docMk/>
+            <pc:sldMk cId="2480205779" sldId="262"/>
+            <ac:picMk id="12" creationId="{EC017FB4-8382-D94D-4768-45361CA061EA}"/>
+          </ac:picMkLst>
+        </pc:picChg>
+      </pc:sldChg>
+      <pc:sldChg chg="addSp delSp modSp add mod ord setBg delDesignElem">
+        <pc:chgData name="jill palmer" userId="7ae96487bb3885b3" providerId="LiveId" clId="{F13EC199-B523-4D71-89DE-522B03381AD1}" dt="2025-02-09T10:46:59.521" v="487" actId="14100"/>
+        <pc:sldMkLst>
+          <pc:docMk/>
+          <pc:sldMk cId="4254749346" sldId="263"/>
+        </pc:sldMkLst>
+        <pc:spChg chg="del mod">
+          <ac:chgData name="jill palmer" userId="7ae96487bb3885b3" providerId="LiveId" clId="{F13EC199-B523-4D71-89DE-522B03381AD1}" dt="2025-02-09T10:44:07.431" v="474" actId="478"/>
+          <ac:spMkLst>
+            <pc:docMk/>
+            <pc:sldMk cId="4254749346" sldId="263"/>
+            <ac:spMk id="2" creationId="{C7CC88AA-2189-C34D-092B-BD703218C731}"/>
+          </ac:spMkLst>
+        </pc:spChg>
+        <pc:spChg chg="add del mod">
+          <ac:chgData name="jill palmer" userId="7ae96487bb3885b3" providerId="LiveId" clId="{F13EC199-B523-4D71-89DE-522B03381AD1}" dt="2025-02-09T10:44:10.152" v="475" actId="478"/>
+          <ac:spMkLst>
+            <pc:docMk/>
+            <pc:sldMk cId="4254749346" sldId="263"/>
+            <ac:spMk id="4" creationId="{46F40A5E-074A-EC98-E569-7F8E3A5CB442}"/>
+          </ac:spMkLst>
+        </pc:spChg>
+        <pc:spChg chg="add del mod">
+          <ac:chgData name="jill palmer" userId="7ae96487bb3885b3" providerId="LiveId" clId="{F13EC199-B523-4D71-89DE-522B03381AD1}" dt="2025-02-09T10:44:10.152" v="475" actId="478"/>
+          <ac:spMkLst>
+            <pc:docMk/>
+            <pc:sldMk cId="4254749346" sldId="263"/>
+            <ac:spMk id="7" creationId="{E4D956E1-B375-F640-B045-B4F8A5FCE58F}"/>
+          </ac:spMkLst>
+        </pc:spChg>
+        <pc:spChg chg="del">
+          <ac:chgData name="jill palmer" userId="7ae96487bb3885b3" providerId="LiveId" clId="{F13EC199-B523-4D71-89DE-522B03381AD1}" dt="2025-02-09T10:31:32.194" v="440"/>
+          <ac:spMkLst>
+            <pc:docMk/>
+            <pc:sldMk cId="4254749346" sldId="263"/>
+            <ac:spMk id="9" creationId="{BACC6370-2D7E-4714-9D71-7542949D7D5D}"/>
+          </ac:spMkLst>
+        </pc:spChg>
+        <pc:spChg chg="del">
+          <ac:chgData name="jill palmer" userId="7ae96487bb3885b3" providerId="LiveId" clId="{F13EC199-B523-4D71-89DE-522B03381AD1}" dt="2025-02-09T10:31:32.194" v="440"/>
+          <ac:spMkLst>
+            <pc:docMk/>
+            <pc:sldMk cId="4254749346" sldId="263"/>
+            <ac:spMk id="11" creationId="{F68B3F68-107C-434F-AA38-110D5EA91B85}"/>
+          </ac:spMkLst>
+        </pc:spChg>
+        <pc:spChg chg="del">
+          <ac:chgData name="jill palmer" userId="7ae96487bb3885b3" providerId="LiveId" clId="{F13EC199-B523-4D71-89DE-522B03381AD1}" dt="2025-02-09T10:31:32.194" v="440"/>
+          <ac:spMkLst>
+            <pc:docMk/>
+            <pc:sldMk cId="4254749346" sldId="263"/>
+            <ac:spMk id="13" creationId="{AAD0DBB9-1A4B-4391-81D4-CB19F9AB918A}"/>
+          </ac:spMkLst>
+        </pc:spChg>
+        <pc:spChg chg="del">
+          <ac:chgData name="jill palmer" userId="7ae96487bb3885b3" providerId="LiveId" clId="{F13EC199-B523-4D71-89DE-522B03381AD1}" dt="2025-02-09T10:31:32.194" v="440"/>
+          <ac:spMkLst>
+            <pc:docMk/>
+            <pc:sldMk cId="4254749346" sldId="263"/>
+            <ac:spMk id="15" creationId="{063BBA22-50EA-4C4D-BE05-F1CE4E63AA56}"/>
+          </ac:spMkLst>
+        </pc:spChg>
+        <pc:graphicFrameChg chg="del">
+          <ac:chgData name="jill palmer" userId="7ae96487bb3885b3" providerId="LiveId" clId="{F13EC199-B523-4D71-89DE-522B03381AD1}" dt="2025-02-09T10:32:14.779" v="472" actId="478"/>
+          <ac:graphicFrameMkLst>
+            <pc:docMk/>
+            <pc:sldMk cId="4254749346" sldId="263"/>
+            <ac:graphicFrameMk id="5" creationId="{61D499F7-054D-7E4A-EFB6-E1B0F2963295}"/>
+          </ac:graphicFrameMkLst>
+        </pc:graphicFrameChg>
+        <pc:picChg chg="add del mod">
+          <ac:chgData name="jill palmer" userId="7ae96487bb3885b3" providerId="LiveId" clId="{F13EC199-B523-4D71-89DE-522B03381AD1}" dt="2025-02-09T10:46:52.887" v="484" actId="478"/>
+          <ac:picMkLst>
+            <pc:docMk/>
+            <pc:sldMk cId="4254749346" sldId="263"/>
+            <ac:picMk id="10" creationId="{5EEFC833-3E3A-FD25-BD3E-F3E1969D1B03}"/>
+          </ac:picMkLst>
+        </pc:picChg>
+        <pc:picChg chg="add mod">
+          <ac:chgData name="jill palmer" userId="7ae96487bb3885b3" providerId="LiveId" clId="{F13EC199-B523-4D71-89DE-522B03381AD1}" dt="2025-02-09T10:46:59.521" v="487" actId="14100"/>
+          <ac:picMkLst>
+            <pc:docMk/>
+            <pc:sldMk cId="4254749346" sldId="263"/>
+            <ac:picMk id="14" creationId="{5B71CC0A-3A60-4CAB-2636-857F7A093791}"/>
+          </ac:picMkLst>
+        </pc:picChg>
+      </pc:sldChg>
+      <pc:sldChg chg="addSp delSp modSp add mod ord setBg delDesignElem">
+        <pc:chgData name="jill palmer" userId="7ae96487bb3885b3" providerId="LiveId" clId="{F13EC199-B523-4D71-89DE-522B03381AD1}" dt="2025-02-09T10:59:40.475" v="1543" actId="26606"/>
+        <pc:sldMkLst>
+          <pc:docMk/>
+          <pc:sldMk cId="1686954681" sldId="264"/>
+        </pc:sldMkLst>
+        <pc:spChg chg="mod">
+          <ac:chgData name="jill palmer" userId="7ae96487bb3885b3" providerId="LiveId" clId="{F13EC199-B523-4D71-89DE-522B03381AD1}" dt="2025-02-09T10:59:40.475" v="1543" actId="26606"/>
+          <ac:spMkLst>
+            <pc:docMk/>
+            <pc:sldMk cId="1686954681" sldId="264"/>
+            <ac:spMk id="2" creationId="{26573775-6147-665A-DB0C-654492673DCD}"/>
+          </ac:spMkLst>
+        </pc:spChg>
+        <pc:spChg chg="add del mod">
+          <ac:chgData name="jill palmer" userId="7ae96487bb3885b3" providerId="LiveId" clId="{F13EC199-B523-4D71-89DE-522B03381AD1}" dt="2025-02-09T10:57:29.695" v="1506" actId="26606"/>
+          <ac:spMkLst>
+            <pc:docMk/>
+            <pc:sldMk cId="1686954681" sldId="264"/>
+            <ac:spMk id="4" creationId="{C9C1DD7C-9932-00E8-25FE-E4459F95F126}"/>
+          </ac:spMkLst>
+        </pc:spChg>
+        <pc:spChg chg="add del">
+          <ac:chgData name="jill palmer" userId="7ae96487bb3885b3" providerId="LiveId" clId="{F13EC199-B523-4D71-89DE-522B03381AD1}" dt="2025-02-09T10:58:43.782" v="1542" actId="26606"/>
+          <ac:spMkLst>
+            <pc:docMk/>
+            <pc:sldMk cId="1686954681" sldId="264"/>
+            <ac:spMk id="10" creationId="{56E9B3E6-E277-4D68-BA48-9CB43FFBD6E2}"/>
+          </ac:spMkLst>
+        </pc:spChg>
+        <pc:spChg chg="del">
+          <ac:chgData name="jill palmer" userId="7ae96487bb3885b3" providerId="LiveId" clId="{F13EC199-B523-4D71-89DE-522B03381AD1}" dt="2025-02-09T10:50:21.364" v="756"/>
+          <ac:spMkLst>
+            <pc:docMk/>
+            <pc:sldMk cId="1686954681" sldId="264"/>
+            <ac:spMk id="16" creationId="{BACC6370-2D7E-4714-9D71-7542949D7D5D}"/>
+          </ac:spMkLst>
+        </pc:spChg>
+        <pc:spChg chg="add del">
+          <ac:chgData name="jill palmer" userId="7ae96487bb3885b3" providerId="LiveId" clId="{F13EC199-B523-4D71-89DE-522B03381AD1}" dt="2025-02-09T10:58:43.782" v="1542" actId="26606"/>
+          <ac:spMkLst>
+            <pc:docMk/>
+            <pc:sldMk cId="1686954681" sldId="264"/>
+            <ac:spMk id="17" creationId="{D5B0017B-2ECA-49AF-B397-DC140825DF8D}"/>
+          </ac:spMkLst>
+        </pc:spChg>
+        <pc:spChg chg="del">
+          <ac:chgData name="jill palmer" userId="7ae96487bb3885b3" providerId="LiveId" clId="{F13EC199-B523-4D71-89DE-522B03381AD1}" dt="2025-02-09T10:50:21.364" v="756"/>
+          <ac:spMkLst>
+            <pc:docMk/>
+            <pc:sldMk cId="1686954681" sldId="264"/>
+            <ac:spMk id="18" creationId="{F68B3F68-107C-434F-AA38-110D5EA91B85}"/>
+          </ac:spMkLst>
+        </pc:spChg>
+        <pc:spChg chg="del">
+          <ac:chgData name="jill palmer" userId="7ae96487bb3885b3" providerId="LiveId" clId="{F13EC199-B523-4D71-89DE-522B03381AD1}" dt="2025-02-09T10:50:21.364" v="756"/>
+          <ac:spMkLst>
+            <pc:docMk/>
+            <pc:sldMk cId="1686954681" sldId="264"/>
+            <ac:spMk id="20" creationId="{AAD0DBB9-1A4B-4391-81D4-CB19F9AB918A}"/>
+          </ac:spMkLst>
+        </pc:spChg>
+        <pc:spChg chg="del">
+          <ac:chgData name="jill palmer" userId="7ae96487bb3885b3" providerId="LiveId" clId="{F13EC199-B523-4D71-89DE-522B03381AD1}" dt="2025-02-09T10:50:21.364" v="756"/>
+          <ac:spMkLst>
+            <pc:docMk/>
+            <pc:sldMk cId="1686954681" sldId="264"/>
+            <ac:spMk id="22" creationId="{063BBA22-50EA-4C4D-BE05-F1CE4E63AA56}"/>
+          </ac:spMkLst>
+        </pc:spChg>
+        <pc:spChg chg="add del">
+          <ac:chgData name="jill palmer" userId="7ae96487bb3885b3" providerId="LiveId" clId="{F13EC199-B523-4D71-89DE-522B03381AD1}" dt="2025-02-09T10:59:40.475" v="1543" actId="26606"/>
+          <ac:spMkLst>
+            <pc:docMk/>
+            <pc:sldMk cId="1686954681" sldId="264"/>
+            <ac:spMk id="24" creationId="{BACC6370-2D7E-4714-9D71-7542949D7D5D}"/>
+          </ac:spMkLst>
+        </pc:spChg>
+        <pc:spChg chg="add del">
+          <ac:chgData name="jill palmer" userId="7ae96487bb3885b3" providerId="LiveId" clId="{F13EC199-B523-4D71-89DE-522B03381AD1}" dt="2025-02-09T10:59:40.475" v="1543" actId="26606"/>
+          <ac:spMkLst>
+            <pc:docMk/>
+            <pc:sldMk cId="1686954681" sldId="264"/>
+            <ac:spMk id="26" creationId="{F68B3F68-107C-434F-AA38-110D5EA91B85}"/>
+          </ac:spMkLst>
+        </pc:spChg>
+        <pc:spChg chg="add del">
+          <ac:chgData name="jill palmer" userId="7ae96487bb3885b3" providerId="LiveId" clId="{F13EC199-B523-4D71-89DE-522B03381AD1}" dt="2025-02-09T10:59:40.475" v="1543" actId="26606"/>
+          <ac:spMkLst>
+            <pc:docMk/>
+            <pc:sldMk cId="1686954681" sldId="264"/>
+            <ac:spMk id="28" creationId="{AAD0DBB9-1A4B-4391-81D4-CB19F9AB918A}"/>
+          </ac:spMkLst>
+        </pc:spChg>
+        <pc:spChg chg="add del">
+          <ac:chgData name="jill palmer" userId="7ae96487bb3885b3" providerId="LiveId" clId="{F13EC199-B523-4D71-89DE-522B03381AD1}" dt="2025-02-09T10:59:40.475" v="1543" actId="26606"/>
+          <ac:spMkLst>
+            <pc:docMk/>
+            <pc:sldMk cId="1686954681" sldId="264"/>
+            <ac:spMk id="30" creationId="{063BBA22-50EA-4C4D-BE05-F1CE4E63AA56}"/>
+          </ac:spMkLst>
+        </pc:spChg>
+        <pc:spChg chg="add">
+          <ac:chgData name="jill palmer" userId="7ae96487bb3885b3" providerId="LiveId" clId="{F13EC199-B523-4D71-89DE-522B03381AD1}" dt="2025-02-09T10:59:40.475" v="1543" actId="26606"/>
+          <ac:spMkLst>
+            <pc:docMk/>
+            <pc:sldMk cId="1686954681" sldId="264"/>
+            <ac:spMk id="35" creationId="{AE2B703B-46F9-481A-A605-82E2A828C4FA}"/>
+          </ac:spMkLst>
+        </pc:spChg>
+        <pc:spChg chg="add">
+          <ac:chgData name="jill palmer" userId="7ae96487bb3885b3" providerId="LiveId" clId="{F13EC199-B523-4D71-89DE-522B03381AD1}" dt="2025-02-09T10:59:40.475" v="1543" actId="26606"/>
+          <ac:spMkLst>
+            <pc:docMk/>
+            <pc:sldMk cId="1686954681" sldId="264"/>
+            <ac:spMk id="37" creationId="{F13BE4D7-0C3D-4906-B230-A1C5B4665CCF}"/>
+          </ac:spMkLst>
+        </pc:spChg>
+        <pc:grpChg chg="add del">
+          <ac:chgData name="jill palmer" userId="7ae96487bb3885b3" providerId="LiveId" clId="{F13EC199-B523-4D71-89DE-522B03381AD1}" dt="2025-02-09T10:58:43.782" v="1542" actId="26606"/>
+          <ac:grpSpMkLst>
+            <pc:docMk/>
+            <pc:sldMk cId="1686954681" sldId="264"/>
+            <ac:grpSpMk id="7" creationId="{AE1C45F0-260A-458C-96ED-C1F6D2151219}"/>
+          </ac:grpSpMkLst>
+        </pc:grpChg>
+        <pc:graphicFrameChg chg="add mod modGraphic">
+          <ac:chgData name="jill palmer" userId="7ae96487bb3885b3" providerId="LiveId" clId="{F13EC199-B523-4D71-89DE-522B03381AD1}" dt="2025-02-09T10:59:40.475" v="1543" actId="26606"/>
+          <ac:graphicFrameMkLst>
+            <pc:docMk/>
+            <pc:sldMk cId="1686954681" sldId="264"/>
+            <ac:graphicFrameMk id="6" creationId="{933E6399-DA49-D716-73B4-195B4DE46950}"/>
+          </ac:graphicFrameMkLst>
+        </pc:graphicFrameChg>
+        <pc:graphicFrameChg chg="del mod">
+          <ac:chgData name="jill palmer" userId="7ae96487bb3885b3" providerId="LiveId" clId="{F13EC199-B523-4D71-89DE-522B03381AD1}" dt="2025-02-09T10:51:00.331" v="762" actId="478"/>
+          <ac:graphicFrameMkLst>
+            <pc:docMk/>
+            <pc:sldMk cId="1686954681" sldId="264"/>
+            <ac:graphicFrameMk id="12" creationId="{FD219585-7C28-B14D-8258-9F8D586775D3}"/>
+          </ac:graphicFrameMkLst>
+        </pc:graphicFrameChg>
+        <pc:cxnChg chg="add del">
+          <ac:chgData name="jill palmer" userId="7ae96487bb3885b3" providerId="LiveId" clId="{F13EC199-B523-4D71-89DE-522B03381AD1}" dt="2025-02-09T10:58:43.782" v="1542" actId="26606"/>
+          <ac:cxnSpMkLst>
+            <pc:docMk/>
+            <pc:sldMk cId="1686954681" sldId="264"/>
+            <ac:cxnSpMk id="19" creationId="{6CF1BAF6-AD41-4082-B212-8A1F9A2E8779}"/>
+          </ac:cxnSpMkLst>
+        </pc:cxnChg>
+      </pc:sldChg>
+    </pc:docChg>
+  </pc:docChgLst>
+</pc:chgInfo>
+</file>
+
+<file path=ppt/diagrams/colors1.xml><?xml version="1.0" encoding="utf-8"?>
+<dgm:colorsDef xmlns:dgm="http://schemas.openxmlformats.org/drawingml/2006/diagram" xmlns:a="http://schemas.openxmlformats.org/drawingml/2006/main" uniqueId="urn:microsoft.com/office/officeart/2005/8/colors/accent2_2">
+  <dgm:title val=""/>
+  <dgm:desc val=""/>
+  <dgm:catLst>
+    <dgm:cat type="accent2" pri="11200"/>
+  </dgm:catLst>
+  <dgm:styleLbl name="node0">
+    <dgm:fillClrLst meth="repeat">
+      <a:schemeClr val="accent2"/>
+    </dgm:fillClrLst>
+    <dgm:linClrLst meth="repeat">
+      <a:schemeClr val="lt1"/>
+    </dgm:linClrLst>
+    <dgm:effectClrLst/>
+    <dgm:txLinClrLst/>
+    <dgm:txFillClrLst/>
+    <dgm:txEffectClrLst/>
+  </dgm:styleLbl>
+  <dgm:styleLbl name="node1">
+    <dgm:fillClrLst meth="repeat">
+      <a:schemeClr val="accent2"/>
+    </dgm:fillClrLst>
+    <dgm:linClrLst meth="repeat">
+      <a:schemeClr val="lt1"/>
+    </dgm:linClrLst>
+    <dgm:effectClrLst/>
+    <dgm:txLinClrLst/>
+    <dgm:txFillClrLst/>
+    <dgm:txEffectClrLst/>
+  </dgm:styleLbl>
+  <dgm:styleLbl name="alignNode1">
+    <dgm:fillClrLst meth="repeat">
+      <a:schemeClr val="accent2"/>
+    </dgm:fillClrLst>
+    <dgm:linClrLst meth="repeat">
+      <a:schemeClr val="accent2"/>
+    </dgm:linClrLst>
+    <dgm:effectClrLst/>
+    <dgm:txLinClrLst/>
+    <dgm:txFillClrLst/>
+    <dgm:txEffectClrLst/>
+  </dgm:styleLbl>
+  <dgm:styleLbl name="lnNode1">
+    <dgm:fillClrLst meth="repeat">
+      <a:schemeClr val="accent2"/>
+    </dgm:fillClrLst>
+    <dgm:linClrLst meth="repeat">
+      <a:schemeClr val="lt1"/>
+    </dgm:linClrLst>
+    <dgm:effectClrLst/>
+    <dgm:txLinClrLst/>
+    <dgm:txFillClrLst/>
+    <dgm:txEffectClrLst/>
+  </dgm:styleLbl>
+  <dgm:styleLbl name="vennNode1">
+    <dgm:fillClrLst meth="repeat">
+      <a:schemeClr val="accent2">
+        <a:alpha val="50000"/>
+      </a:schemeClr>
+    </dgm:fillClrLst>
+    <dgm:linClrLst meth="repeat">
+      <a:schemeClr val="lt1"/>
+    </dgm:linClrLst>
+    <dgm:effectClrLst/>
+    <dgm:txLinClrLst/>
+    <dgm:txFillClrLst/>
+    <dgm:txEffectClrLst/>
+  </dgm:styleLbl>
+  <dgm:styleLbl name="node2">
+    <dgm:fillClrLst meth="repeat">
+      <a:schemeClr val="accent2"/>
+    </dgm:fillClrLst>
+    <dgm:linClrLst meth="repeat">
+      <a:schemeClr val="lt1"/>
+    </dgm:linClrLst>
+    <dgm:effectClrLst/>
+    <dgm:txLinClrLst/>
+    <dgm:txFillClrLst/>
+    <dgm:txEffectClrLst/>
+  </dgm:styleLbl>
+  <dgm:styleLbl name="node3">
+    <dgm:fillClrLst meth="repeat">
+      <a:schemeClr val="accent2"/>
+    </dgm:fillClrLst>
+    <dgm:linClrLst meth="repeat">
+      <a:schemeClr val="lt1"/>
+    </dgm:linClrLst>
+    <dgm:effectClrLst/>
+    <dgm:txLinClrLst/>
+    <dgm:txFillClrLst/>
+    <dgm:txEffectClrLst/>
+  </dgm:styleLbl>
+  <dgm:styleLbl name="node4">
+    <dgm:fillClrLst meth="repeat">
+      <a:schemeClr val="accent2"/>
+    </dgm:fillClrLst>
+    <dgm:linClrLst meth="repeat">
+      <a:schemeClr val="lt1"/>
+    </dgm:linClrLst>
+    <dgm:effectClrLst/>
+    <dgm:txLinClrLst/>
+    <dgm:txFillClrLst/>
+    <dgm:txEffectClrLst/>
+  </dgm:styleLbl>
+  <dgm:styleLbl name="fgImgPlace1">
+    <dgm:fillClrLst meth="repeat">
+      <a:schemeClr val="accent2">
+        <a:tint val="50000"/>
+      </a:schemeClr>
+    </dgm:fillClrLst>
+    <dgm:linClrLst meth="repeat">
+      <a:schemeClr val="lt1"/>
+    </dgm:linClrLst>
+    <dgm:effectClrLst/>
+    <dgm:txLinClrLst/>
+    <dgm:txFillClrLst meth="repeat">
+      <a:schemeClr val="lt1"/>
+    </dgm:txFillClrLst>
+    <dgm:txEffectClrLst/>
+  </dgm:styleLbl>
+  <dgm:styleLbl name="alignImgPlace1">
+    <dgm:fillClrLst meth="repeat">
+      <a:schemeClr val="accent2">
+        <a:tint val="50000"/>
+      </a:schemeClr>
+    </dgm:fillClrLst>
+    <dgm:linClrLst meth="repeat">
+      <a:schemeClr val="lt1"/>
+    </dgm:linClrLst>
+    <dgm:effectClrLst/>
+    <dgm:txLinClrLst/>
+    <dgm:txFillClrLst meth="repeat">
+      <a:schemeClr val="lt1"/>
+    </dgm:txFillClrLst>
+    <dgm:txEffectClrLst/>
+  </dgm:styleLbl>
+  <dgm:styleLbl name="bgImgPlace1">
+    <dgm:fillClrLst meth="repeat">
+      <a:schemeClr val="accent2">
+        <a:tint val="50000"/>
+      </a:schemeClr>
+    </dgm:fillClrLst>
+    <dgm:linClrLst meth="repeat">
+      <a:schemeClr val="lt1"/>
+    </dgm:linClrLst>
+    <dgm:effectClrLst/>
+    <dgm:txLinClrLst/>
+    <dgm:txFillClrLst meth="repeat">
+      <a:schemeClr val="lt1"/>
+    </dgm:txFillClrLst>
+    <dgm:txEffectClrLst/>
+  </dgm:styleLbl>
+  <dgm:styleLbl name="sibTrans2D1">
+    <dgm:fillClrLst meth="repeat">
+      <a:schemeClr val="accent2">
+        <a:tint val="60000"/>
+      </a:schemeClr>
+    </dgm:fillClrLst>
+    <dgm:linClrLst meth="repeat">
+      <a:schemeClr val="accent2">
+        <a:tint val="60000"/>
+      </a:schemeClr>
+    </dgm:linClrLst>
+    <dgm:effectClrLst/>
+    <dgm:txLinClrLst/>
+    <dgm:txFillClrLst/>
+    <dgm:txEffectClrLst/>
+  </dgm:styleLbl>
+  <dgm:styleLbl name="fgSibTrans2D1">
+    <dgm:fillClrLst meth="repeat">
+      <a:schemeClr val="accent2">
+        <a:tint val="60000"/>
+      </a:schemeClr>
+    </dgm:fillClrLst>
+    <dgm:linClrLst meth="repeat">
+      <a:schemeClr val="accent2">
+        <a:tint val="60000"/>
+      </a:schemeClr>
+    </dgm:linClrLst>
+    <dgm:effectClrLst/>
+    <dgm:txLinClrLst/>
+    <dgm:txFillClrLst/>
+    <dgm:txEffectClrLst/>
+  </dgm:styleLbl>
+  <dgm:styleLbl name="bgSibTrans2D1">
+    <dgm:fillClrLst meth="repeat">
+      <a:schemeClr val="accent2">
+        <a:tint val="60000"/>
+      </a:schemeClr>
+    </dgm:fillClrLst>
+    <dgm:linClrLst meth="repeat">
+      <a:schemeClr val="accent2">
+        <a:tint val="60000"/>
+      </a:schemeClr>
+    </dgm:linClrLst>
+    <dgm:effectClrLst/>
+    <dgm:txLinClrLst/>
+    <dgm:txFillClrLst/>
+    <dgm:txEffectClrLst/>
+  </dgm:styleLbl>
+  <dgm:styleLbl name="sibTrans1D1">
+    <dgm:fillClrLst meth="repeat">
+      <a:schemeClr val="accent2"/>
+    </dgm:fillClrLst>
+    <dgm:linClrLst meth="repeat">
+      <a:schemeClr val="accent2"/>
+    </dgm:linClrLst>
+    <dgm:effectClrLst/>
+    <dgm:txLinClrLst/>
+    <dgm:txFillClrLst meth="repeat">
+      <a:schemeClr val="tx1"/>
+    </dgm:txFillClrLst>
+    <dgm:txEffectClrLst/>
+  </dgm:styleLbl>
+  <dgm:styleLbl name="callout">
+    <dgm:fillClrLst meth="repeat">
+      <a:schemeClr val="accent2"/>
+    </dgm:fillClrLst>
+    <dgm:linClrLst meth="repeat">
+      <a:schemeClr val="accent2">
+        <a:tint val="50000"/>
+      </a:schemeClr>
+    </dgm:linClrLst>
+    <dgm:effectClrLst/>
+    <dgm:txLinClrLst/>
+    <dgm:txFillClrLst meth="repeat">
+      <a:schemeClr val="tx1"/>
+    </dgm:txFillClrLst>
+    <dgm:txEffectClrLst/>
+  </dgm:styleLbl>
+  <dgm:styleLbl name="asst0">
+    <dgm:fillClrLst meth="repeat">
+      <a:schemeClr val="accent2"/>
+    </dgm:fillClrLst>
+    <dgm:linClrLst meth="repeat">
+      <a:schemeClr val="lt1"/>
+    </dgm:linClrLst>
+    <dgm:effectClrLst/>
+    <dgm:txLinClrLst/>
+    <dgm:txFillClrLst/>
+    <dgm:txEffectClrLst/>
+  </dgm:styleLbl>
+  <dgm:styleLbl name="asst1">
+    <dgm:fillClrLst meth="repeat">
+      <a:schemeClr val="accent2"/>
+    </dgm:fillClrLst>
+    <dgm:linClrLst meth="repeat">
+      <a:schemeClr val="lt1"/>
+    </dgm:linClrLst>
+    <dgm:effectClrLst/>
+    <dgm:txLinClrLst/>
+    <dgm:txFillClrLst/>
+    <dgm:txEffectClrLst/>
+  </dgm:styleLbl>
+  <dgm:styleLbl name="asst2">
+    <dgm:fillClrLst meth="repeat">
+      <a:schemeClr val="accent2"/>
+    </dgm:fillClrLst>
+    <dgm:linClrLst meth="repeat">
+      <a:schemeClr val="lt1"/>
+    </dgm:linClrLst>
+    <dgm:effectClrLst/>
+    <dgm:txLinClrLst/>
+    <dgm:txFillClrLst/>
+    <dgm:txEffectClrLst/>
+  </dgm:styleLbl>
+  <dgm:styleLbl name="asst3">
+    <dgm:fillClrLst meth="repeat">
+      <a:schemeClr val="accent2"/>
+    </dgm:fillClrLst>
+    <dgm:linClrLst meth="repeat">
+      <a:schemeClr val="lt1"/>
+    </dgm:linClrLst>
+    <dgm:effectClrLst/>
+    <dgm:txLinClrLst/>
+    <dgm:txFillClrLst/>
+    <dgm:txEffectClrLst/>
+  </dgm:styleLbl>
+  <dgm:styleLbl name="asst4">
+    <dgm:fillClrLst meth="repeat">
+      <a:schemeClr val="accent2"/>
+    </dgm:fillClrLst>
+    <dgm:linClrLst meth="repeat">
+      <a:schemeClr val="lt1"/>
+    </dgm:linClrLst>
+    <dgm:effectClrLst/>
+    <dgm:txLinClrLst/>
+    <dgm:txFillClrLst/>
+    <dgm:txEffectClrLst/>
+  </dgm:styleLbl>
+  <dgm:styleLbl name="parChTrans2D1">
+    <dgm:fillClrLst meth="repeat">
+      <a:schemeClr val="accent2">
+        <a:tint val="60000"/>
+      </a:schemeClr>
+    </dgm:fillClrLst>
+    <dgm:linClrLst meth="repeat">
+      <a:schemeClr val="accent2">
+        <a:tint val="60000"/>
+      </a:schemeClr>
+    </dgm:linClrLst>
+    <dgm:effectClrLst/>
+    <dgm:txLinClrLst/>
+    <dgm:txFillClrLst meth="repeat">
+      <a:schemeClr val="lt1"/>
+    </dgm:txFillClrLst>
+    <dgm:txEffectClrLst/>
+  </dgm:styleLbl>
+  <dgm:styleLbl name="parChTrans2D2">
+    <dgm:fillClrLst meth="repeat">
+      <a:schemeClr val="accent2"/>
+    </dgm:fillClrLst>
+    <dgm:linClrLst meth="repeat">
+      <a:schemeClr val="accent2"/>
+    </dgm:linClrLst>
+    <dgm:effectClrLst/>
+    <dgm:txLinClrLst/>
+    <dgm:txFillClrLst meth="repeat">
+      <a:schemeClr val="lt1"/>
+    </dgm:txFillClrLst>
+    <dgm:txEffectClrLst/>
+  </dgm:styleLbl>
+  <dgm:styleLbl name="parChTrans2D3">
+    <dgm:fillClrLst meth="repeat">
+      <a:schemeClr val="accent2"/>
+    </dgm:fillClrLst>
+    <dgm:linClrLst meth="repeat">
+      <a:schemeClr val="accent2"/>
+    </dgm:linClrLst>
+    <dgm:effectClrLst/>
+    <dgm:txLinClrLst/>
+    <dgm:txFillClrLst meth="repeat">
+      <a:schemeClr val="lt1"/>
+    </dgm:txFillClrLst>
+    <dgm:txEffectClrLst/>
+  </dgm:styleLbl>
+  <dgm:styleLbl name="parChTrans2D4">
+    <dgm:fillClrLst meth="repeat">
+      <a:schemeClr val="accent2"/>
+    </dgm:fillClrLst>
+    <dgm:linClrLst meth="repeat">
+      <a:schemeClr val="accent2"/>
+    </dgm:linClrLst>
+    <dgm:effectClrLst/>
+    <dgm:txLinClrLst/>
+    <dgm:txFillClrLst meth="repeat">
+      <a:schemeClr val="lt1"/>
+    </dgm:txFillClrLst>
+    <dgm:txEffectClrLst/>
+  </dgm:styleLbl>
+  <dgm:styleLbl name="parChTrans1D1">
+    <dgm:fillClrLst meth="repeat">
+      <a:schemeClr val="accent2"/>
+    </dgm:fillClrLst>
+    <dgm:linClrLst meth="repeat">
+      <a:schemeClr val="accent2">
+        <a:shade val="60000"/>
+      </a:schemeClr>
+    </dgm:linClrLst>
+    <dgm:effectClrLst/>
+    <dgm:txLinClrLst/>
+    <dgm:txFillClrLst meth="repeat">
+      <a:schemeClr val="tx1"/>
+    </dgm:txFillClrLst>
+    <dgm:txEffectClrLst/>
+  </dgm:styleLbl>
+  <dgm:styleLbl name="parChTrans1D2">
+    <dgm:fillClrLst meth="repeat">
+      <a:schemeClr val="accent2"/>
+    </dgm:fillClrLst>
+    <dgm:linClrLst meth="repeat">
+      <a:schemeClr val="accent2">
+        <a:shade val="60000"/>
+      </a:schemeClr>
+    </dgm:linClrLst>
+    <dgm:effectClrLst/>
+    <dgm:txLinClrLst/>
+    <dgm:txFillClrLst meth="repeat">
+      <a:schemeClr val="tx1"/>
+    </dgm:txFillClrLst>
+    <dgm:txEffectClrLst/>
+  </dgm:styleLbl>
+  <dgm:styleLbl name="parChTrans1D3">
+    <dgm:fillClrLst meth="repeat">
+      <a:schemeClr val="accent2"/>
+    </dgm:fillClrLst>
+    <dgm:linClrLst meth="repeat">
+      <a:schemeClr val="accent2">
+        <a:shade val="80000"/>
+      </a:schemeClr>
+    </dgm:linClrLst>
+    <dgm:effectClrLst/>
+    <dgm:txLinClrLst/>
+    <dgm:txFillClrLst meth="repeat">
+      <a:schemeClr val="tx1"/>
+    </dgm:txFillClrLst>
+    <dgm:txEffectClrLst/>
+  </dgm:styleLbl>
+  <dgm:styleLbl name="parChTrans1D4">
+    <dgm:fillClrLst meth="repeat">
+      <a:schemeClr val="accent2"/>
+    </dgm:fillClrLst>
+    <dgm:linClrLst meth="repeat">
+      <a:schemeClr val="accent2">
+        <a:shade val="80000"/>
+      </a:schemeClr>
+    </dgm:linClrLst>
+    <dgm:effectClrLst/>
+    <dgm:txLinClrLst/>
+    <dgm:txFillClrLst meth="repeat">
+      <a:schemeClr val="tx1"/>
+    </dgm:txFillClrLst>
+    <dgm:txEffectClrLst/>
+  </dgm:styleLbl>
+  <dgm:styleLbl name="fgAcc1">
+    <dgm:fillClrLst meth="repeat">
+      <a:schemeClr val="lt1">
+        <a:alpha val="90000"/>
+      </a:schemeClr>
+    </dgm:fillClrLst>
+    <dgm:linClrLst meth="repeat">
+      <a:schemeClr val="accent2"/>
+    </dgm:linClrLst>
+    <dgm:effectClrLst/>
+    <dgm:txLinClrLst/>
+    <dgm:txFillClrLst meth="repeat">
+      <a:schemeClr val="dk1"/>
+    </dgm:txFillClrLst>
+    <dgm:txEffectClrLst/>
+  </dgm:styleLbl>
+  <dgm:styleLbl name="conFgAcc1">
+    <dgm:fillClrLst meth="repeat">
+      <a:schemeClr val="lt1">
+        <a:alpha val="90000"/>
+      </a:schemeClr>
+    </dgm:fillClrLst>
+    <dgm:linClrLst meth="repeat">
+      <a:schemeClr val="accent2"/>
+    </dgm:linClrLst>
+    <dgm:effectClrLst/>
+    <dgm:txLinClrLst/>
+    <dgm:txFillClrLst meth="repeat">
+      <a:schemeClr val="dk1"/>
+    </dgm:txFillClrLst>
+    <dgm:txEffectClrLst/>
+  </dgm:styleLbl>
+  <dgm:styleLbl name="alignAcc1">
+    <dgm:fillClrLst meth="repeat">
+      <a:schemeClr val="lt1">
+        <a:alpha val="90000"/>
+      </a:schemeClr>
+    </dgm:fillClrLst>
+    <dgm:linClrLst meth="repeat">
+      <a:schemeClr val="accent2"/>
+    </dgm:linClrLst>
+    <dgm:effectClrLst/>
+    <dgm:txLinClrLst/>
+    <dgm:txFillClrLst meth="repeat">
+      <a:schemeClr val="dk1"/>
+    </dgm:txFillClrLst>
+    <dgm:txEffectClrLst/>
+  </dgm:styleLbl>
+  <dgm:styleLbl name="trAlignAcc1">
+    <dgm:fillClrLst meth="repeat">
+      <a:schemeClr val="lt1">
+        <a:alpha val="40000"/>
+      </a:schemeClr>
+    </dgm:fillClrLst>
+    <dgm:linClrLst meth="repeat">
+      <a:schemeClr val="accent2"/>
+    </dgm:linClrLst>
+    <dgm:effectClrLst/>
+    <dgm:txLinClrLst/>
+    <dgm:txFillClrLst meth="repeat">
+      <a:schemeClr val="dk1"/>
+    </dgm:txFillClrLst>
+    <dgm:txEffectClrLst/>
+  </dgm:styleLbl>
+  <dgm:styleLbl name="bgAcc1">
+    <dgm:fillClrLst meth="repeat">
+      <a:schemeClr val="lt1">
+        <a:alpha val="90000"/>
+      </a:schemeClr>
+    </dgm:fillClrLst>
+    <dgm:linClrLst meth="repeat">
+      <a:schemeClr val="accent2"/>
+    </dgm:linClrLst>
+    <dgm:effectClrLst/>
+    <dgm:txLinClrLst/>
+    <dgm:txFillClrLst meth="repeat">
+      <a:schemeClr val="dk1"/>
+    </dgm:txFillClrLst>
+    <dgm:txEffectClrLst/>
+  </dgm:styleLbl>
+  <dgm:styleLbl name="solidFgAcc1">
+    <dgm:fillClrLst meth="repeat">
+      <a:schemeClr val="lt1"/>
+    </dgm:fillClrLst>
+    <dgm:linClrLst meth="repeat">
+      <a:schemeClr val="accent2"/>
+    </dgm:linClrLst>
+    <dgm:effectClrLst/>
+    <dgm:txLinClrLst/>
+    <dgm:txFillClrLst meth="repeat">
+      <a:schemeClr val="dk1"/>
+    </dgm:txFillClrLst>
+    <dgm:txEffectClrLst/>
+  </dgm:styleLbl>
+  <dgm:styleLbl name="solidAlignAcc1">
+    <dgm:fillClrLst meth="repeat">
+      <a:schemeClr val="lt1"/>
+    </dgm:fillClrLst>
+    <dgm:linClrLst meth="repeat">
+      <a:schemeClr val="accent2"/>
+    </dgm:linClrLst>
+    <dgm:effectClrLst/>
+    <dgm:txLinClrLst/>
+    <dgm:txFillClrLst meth="repeat">
+      <a:schemeClr val="dk1"/>
+    </dgm:txFillClrLst>
+    <dgm:txEffectClrLst/>
+  </dgm:styleLbl>
+  <dgm:styleLbl name="solidBgAcc1">
+    <dgm:fillClrLst meth="repeat">
+      <a:schemeClr val="lt1"/>
+    </dgm:fillClrLst>
+    <dgm:linClrLst meth="repeat">
+      <a:schemeClr val="accent2"/>
+    </dgm:linClrLst>
+    <dgm:effectClrLst/>
+    <dgm:txLinClrLst/>
+    <dgm:txFillClrLst meth="repeat">
+      <a:schemeClr val="dk1"/>
+    </dgm:txFillClrLst>
+    <dgm:txEffectClrLst/>
+  </dgm:styleLbl>
+  <dgm:styleLbl name="fgAccFollowNode1">
+    <dgm:fillClrLst meth="repeat">
+      <a:schemeClr val="accent2">
+        <a:alpha val="90000"/>
+        <a:tint val="40000"/>
+      </a:schemeClr>
+    </dgm:fillClrLst>
+    <dgm:linClrLst meth="repeat">
+      <a:schemeClr val="accent2">
+        <a:alpha val="90000"/>
+        <a:tint val="40000"/>
+      </a:schemeClr>
+    </dgm:linClrLst>
+    <dgm:effectClrLst/>
+    <dgm:txLinClrLst/>
+    <dgm:txFillClrLst meth="repeat">
+      <a:schemeClr val="dk1"/>
+    </dgm:txFillClrLst>
+    <dgm:txEffectClrLst/>
+  </dgm:styleLbl>
+  <dgm:styleLbl name="alignAccFollowNode1">
+    <dgm:fillClrLst meth="repeat">
+      <a:schemeClr val="accent2">
+        <a:alpha val="90000"/>
+        <a:tint val="40000"/>
+      </a:schemeClr>
+    </dgm:fillClrLst>
+    <dgm:linClrLst meth="repeat">
+      <a:schemeClr val="accent2">
+        <a:alpha val="90000"/>
+        <a:tint val="40000"/>
+      </a:schemeClr>
+    </dgm:linClrLst>
+    <dgm:effectClrLst/>
+    <dgm:txLinClrLst/>
+    <dgm:txFillClrLst meth="repeat">
+      <a:schemeClr val="dk1"/>
+    </dgm:txFillClrLst>
+    <dgm:txEffectClrLst/>
+  </dgm:styleLbl>
+  <dgm:styleLbl name="bgAccFollowNode1">
+    <dgm:fillClrLst meth="repeat">
+      <a:schemeClr val="accent2">
+        <a:alpha val="90000"/>
+        <a:tint val="40000"/>
+      </a:schemeClr>
+    </dgm:fillClrLst>
+    <dgm:linClrLst meth="repeat">
+      <a:schemeClr val="accent2">
+        <a:alpha val="90000"/>
+        <a:tint val="40000"/>
+      </a:schemeClr>
+    </dgm:linClrLst>
+    <dgm:effectClrLst/>
+    <dgm:txLinClrLst/>
+    <dgm:txFillClrLst meth="repeat">
+      <a:schemeClr val="dk1"/>
+    </dgm:txFillClrLst>
+    <dgm:txEffectClrLst/>
+  </dgm:styleLbl>
+  <dgm:styleLbl name="fgAcc0">
+    <dgm:fillClrLst meth="repeat">
+      <a:schemeClr val="lt1">
+        <a:alpha val="90000"/>
+      </a:schemeClr>
+    </dgm:fillClrLst>
+    <dgm:linClrLst meth="repeat">
+      <a:schemeClr val="accent2"/>
+    </dgm:linClrLst>
+    <dgm:effectClrLst/>
+    <dgm:txLinClrLst/>
+    <dgm:txFillClrLst meth="repeat">
+      <a:schemeClr val="dk1"/>
+    </dgm:txFillClrLst>
+    <dgm:txEffectClrLst/>
+  </dgm:styleLbl>
+  <dgm:styleLbl name="fgAcc2">
+    <dgm:fillClrLst meth="repeat">
+      <a:schemeClr val="lt1">
+        <a:alpha val="90000"/>
+      </a:schemeClr>
+    </dgm:fillClrLst>
+    <dgm:linClrLst meth="repeat">
+      <a:schemeClr val="accent2"/>
+    </dgm:linClrLst>
+    <dgm:effectClrLst/>
+    <dgm:txLinClrLst/>
+    <dgm:txFillClrLst meth="repeat">
+      <a:schemeClr val="dk1"/>
+    </dgm:txFillClrLst>
+    <dgm:txEffectClrLst/>
+  </dgm:styleLbl>
+  <dgm:styleLbl name="fgAcc3">
+    <dgm:fillClrLst meth="repeat">
+      <a:schemeClr val="lt1">
+        <a:alpha val="90000"/>
+      </a:schemeClr>
+    </dgm:fillClrLst>
+    <dgm:linClrLst meth="repeat">
+      <a:schemeClr val="accent2"/>
+    </dgm:linClrLst>
+    <dgm:effectClrLst/>
+    <dgm:txLinClrLst/>
+    <dgm:txFillClrLst meth="repeat">
+      <a:schemeClr val="dk1"/>
+    </dgm:txFillClrLst>
+    <dgm:txEffectClrLst/>
+  </dgm:styleLbl>
+  <dgm:styleLbl name="fgAcc4">
+    <dgm:fillClrLst meth="repeat">
+      <a:schemeClr val="lt1">
+        <a:alpha val="90000"/>
+      </a:schemeClr>
+    </dgm:fillClrLst>
+    <dgm:linClrLst meth="repeat">
+      <a:schemeClr val="accent2"/>
+    </dgm:linClrLst>
+    <dgm:effectClrLst/>
+    <dgm:txLinClrLst/>
+    <dgm:txFillClrLst meth="repeat">
+      <a:schemeClr val="dk1"/>
+    </dgm:txFillClrLst>
+    <dgm:txEffectClrLst/>
+  </dgm:styleLbl>
+  <dgm:styleLbl name="bgShp">
+    <dgm:fillClrLst meth="repeat">
+      <a:schemeClr val="accent2">
+        <a:tint val="40000"/>
+      </a:schemeClr>
+    </dgm:fillClrLst>
+    <dgm:linClrLst meth="repeat">
+      <a:schemeClr val="accent2"/>
+    </dgm:linClrLst>
+    <dgm:effectClrLst/>
+    <dgm:txLinClrLst/>
+    <dgm:txFillClrLst meth="repeat">
+      <a:schemeClr val="dk1"/>
+    </dgm:txFillClrLst>
+    <dgm:txEffectClrLst/>
+  </dgm:styleLbl>
+  <dgm:styleLbl name="dkBgShp">
+    <dgm:fillClrLst meth="repeat">
+      <a:schemeClr val="accent2">
+        <a:shade val="80000"/>
+      </a:schemeClr>
+    </dgm:fillClrLst>
+    <dgm:linClrLst meth="repeat">
+      <a:schemeClr val="accent2"/>
+    </dgm:linClrLst>
+    <dgm:effectClrLst/>
+    <dgm:txLinClrLst/>
+    <dgm:txFillClrLst meth="repeat">
+      <a:schemeClr val="lt1"/>
+    </dgm:txFillClrLst>
+    <dgm:txEffectClrLst/>
+  </dgm:styleLbl>
+  <dgm:styleLbl name="trBgShp">
+    <dgm:fillClrLst meth="repeat">
+      <a:schemeClr val="accent2">
+        <a:tint val="50000"/>
+        <a:alpha val="40000"/>
+      </a:schemeClr>
+    </dgm:fillClrLst>
+    <dgm:linClrLst meth="repeat">
+      <a:schemeClr val="accent2"/>
+    </dgm:linClrLst>
+    <dgm:effectClrLst/>
+    <dgm:txLinClrLst/>
+    <dgm:txFillClrLst meth="repeat">
+      <a:schemeClr val="lt1"/>
+    </dgm:txFillClrLst>
+    <dgm:txEffectClrLst/>
+  </dgm:styleLbl>
+  <dgm:styleLbl name="fgShp">
+    <dgm:fillClrLst meth="repeat">
+      <a:schemeClr val="accent2">
+        <a:tint val="60000"/>
+      </a:schemeClr>
+    </dgm:fillClrLst>
+    <dgm:linClrLst meth="repeat">
+      <a:schemeClr val="lt1"/>
+    </dgm:linClrLst>
+    <dgm:effectClrLst/>
+    <dgm:txLinClrLst/>
+    <dgm:txFillClrLst meth="repeat">
+      <a:schemeClr val="dk1"/>
+    </dgm:txFillClrLst>
+    <dgm:txEffectClrLst/>
+  </dgm:styleLbl>
+  <dgm:styleLbl name="revTx">
+    <dgm:fillClrLst meth="repeat">
+      <a:schemeClr val="lt1">
+        <a:alpha val="0"/>
+      </a:schemeClr>
+    </dgm:fillClrLst>
+    <dgm:linClrLst meth="repeat">
+      <a:schemeClr val="dk1">
+        <a:alpha val="0"/>
+      </a:schemeClr>
+    </dgm:linClrLst>
+    <dgm:effectClrLst/>
+    <dgm:txLinClrLst/>
+    <dgm:txFillClrLst meth="repeat">
+      <a:schemeClr val="tx1"/>
+    </dgm:txFillClrLst>
+    <dgm:txEffectClrLst/>
+  </dgm:styleLbl>
+</dgm:colorsDef>
+</file>
+
+<file path=ppt/diagrams/colors2.xml><?xml version="1.0" encoding="utf-8"?>
+<dgm:colorsDef xmlns:dgm="http://schemas.openxmlformats.org/drawingml/2006/diagram" xmlns:a="http://schemas.openxmlformats.org/drawingml/2006/main" uniqueId="urn:microsoft.com/office/officeart/2005/8/colors/accent2_2">
+  <dgm:title val=""/>
+  <dgm:desc val=""/>
+  <dgm:catLst>
+    <dgm:cat type="accent2" pri="11200"/>
+  </dgm:catLst>
+  <dgm:styleLbl name="node0">
+    <dgm:fillClrLst meth="repeat">
+      <a:schemeClr val="accent2"/>
+    </dgm:fillClrLst>
+    <dgm:linClrLst meth="repeat">
+      <a:schemeClr val="lt1"/>
+    </dgm:linClrLst>
+    <dgm:effectClrLst/>
+    <dgm:txLinClrLst/>
+    <dgm:txFillClrLst/>
+    <dgm:txEffectClrLst/>
+  </dgm:styleLbl>
+  <dgm:styleLbl name="node1">
+    <dgm:fillClrLst meth="repeat">
+      <a:schemeClr val="accent2"/>
+    </dgm:fillClrLst>
+    <dgm:linClrLst meth="repeat">
+      <a:schemeClr val="lt1"/>
+    </dgm:linClrLst>
+    <dgm:effectClrLst/>
+    <dgm:txLinClrLst/>
+    <dgm:txFillClrLst/>
+    <dgm:txEffectClrLst/>
+  </dgm:styleLbl>
+  <dgm:styleLbl name="alignNode1">
+    <dgm:fillClrLst meth="repeat">
+      <a:schemeClr val="accent2"/>
+    </dgm:fillClrLst>
+    <dgm:linClrLst meth="repeat">
+      <a:schemeClr val="accent2"/>
+    </dgm:linClrLst>
+    <dgm:effectClrLst/>
+    <dgm:txLinClrLst/>
+    <dgm:txFillClrLst/>
+    <dgm:txEffectClrLst/>
+  </dgm:styleLbl>
+  <dgm:styleLbl name="lnNode1">
+    <dgm:fillClrLst meth="repeat">
+      <a:schemeClr val="accent2"/>
+    </dgm:fillClrLst>
+    <dgm:linClrLst meth="repeat">
+      <a:schemeClr val="lt1"/>
+    </dgm:linClrLst>
+    <dgm:effectClrLst/>
+    <dgm:txLinClrLst/>
+    <dgm:txFillClrLst/>
+    <dgm:txEffectClrLst/>
+  </dgm:styleLbl>
+  <dgm:styleLbl name="vennNode1">
+    <dgm:fillClrLst meth="repeat">
+      <a:schemeClr val="accent2">
+        <a:alpha val="50000"/>
+      </a:schemeClr>
+    </dgm:fillClrLst>
+    <dgm:linClrLst meth="repeat">
+      <a:schemeClr val="lt1"/>
+    </dgm:linClrLst>
+    <dgm:effectClrLst/>
+    <dgm:txLinClrLst/>
+    <dgm:txFillClrLst/>
+    <dgm:txEffectClrLst/>
+  </dgm:styleLbl>
+  <dgm:styleLbl name="node2">
+    <dgm:fillClrLst meth="repeat">
+      <a:schemeClr val="accent2"/>
+    </dgm:fillClrLst>
+    <dgm:linClrLst meth="repeat">
+      <a:schemeClr val="lt1"/>
+    </dgm:linClrLst>
+    <dgm:effectClrLst/>
+    <dgm:txLinClrLst/>
+    <dgm:txFillClrLst/>
+    <dgm:txEffectClrLst/>
+  </dgm:styleLbl>
+  <dgm:styleLbl name="node3">
+    <dgm:fillClrLst meth="repeat">
+      <a:schemeClr val="accent2"/>
+    </dgm:fillClrLst>
+    <dgm:linClrLst meth="repeat">
+      <a:schemeClr val="lt1"/>
+    </dgm:linClrLst>
+    <dgm:effectClrLst/>
+    <dgm:txLinClrLst/>
+    <dgm:txFillClrLst/>
+    <dgm:txEffectClrLst/>
+  </dgm:styleLbl>
+  <dgm:styleLbl name="node4">
+    <dgm:fillClrLst meth="repeat">
+      <a:schemeClr val="accent2"/>
+    </dgm:fillClrLst>
+    <dgm:linClrLst meth="repeat">
+      <a:schemeClr val="lt1"/>
+    </dgm:linClrLst>
+    <dgm:effectClrLst/>
+    <dgm:txLinClrLst/>
+    <dgm:txFillClrLst/>
+    <dgm:txEffectClrLst/>
+  </dgm:styleLbl>
+  <dgm:styleLbl name="fgImgPlace1">
+    <dgm:fillClrLst meth="repeat">
+      <a:schemeClr val="accent2">
+        <a:tint val="50000"/>
+      </a:schemeClr>
+    </dgm:fillClrLst>
+    <dgm:linClrLst meth="repeat">
+      <a:schemeClr val="lt1"/>
+    </dgm:linClrLst>
+    <dgm:effectClrLst/>
+    <dgm:txLinClrLst/>
+    <dgm:txFillClrLst meth="repeat">
+      <a:schemeClr val="lt1"/>
+    </dgm:txFillClrLst>
+    <dgm:txEffectClrLst/>
+  </dgm:styleLbl>
+  <dgm:styleLbl name="alignImgPlace1">
+    <dgm:fillClrLst meth="repeat">
+      <a:schemeClr val="accent2">
+        <a:tint val="50000"/>
+      </a:schemeClr>
+    </dgm:fillClrLst>
+    <dgm:linClrLst meth="repeat">
+      <a:schemeClr val="lt1"/>
+    </dgm:linClrLst>
+    <dgm:effectClrLst/>
+    <dgm:txLinClrLst/>
+    <dgm:txFillClrLst meth="repeat">
+      <a:schemeClr val="lt1"/>
+    </dgm:txFillClrLst>
+    <dgm:txEffectClrLst/>
+  </dgm:styleLbl>
+  <dgm:styleLbl name="bgImgPlace1">
+    <dgm:fillClrLst meth="repeat">
+      <a:schemeClr val="accent2">
+        <a:tint val="50000"/>
+      </a:schemeClr>
+    </dgm:fillClrLst>
+    <dgm:linClrLst meth="repeat">
+      <a:schemeClr val="lt1"/>
+    </dgm:linClrLst>
+    <dgm:effectClrLst/>
+    <dgm:txLinClrLst/>
+    <dgm:txFillClrLst meth="repeat">
+      <a:schemeClr val="lt1"/>
+    </dgm:txFillClrLst>
+    <dgm:txEffectClrLst/>
+  </dgm:styleLbl>
+  <dgm:styleLbl name="sibTrans2D1">
+    <dgm:fillClrLst meth="repeat">
+      <a:schemeClr val="accent2">
+        <a:tint val="60000"/>
+      </a:schemeClr>
+    </dgm:fillClrLst>
+    <dgm:linClrLst meth="repeat">
+      <a:schemeClr val="accent2">
+        <a:tint val="60000"/>
+      </a:schemeClr>
+    </dgm:linClrLst>
+    <dgm:effectClrLst/>
+    <dgm:txLinClrLst/>
+    <dgm:txFillClrLst/>
+    <dgm:txEffectClrLst/>
+  </dgm:styleLbl>
+  <dgm:styleLbl name="fgSibTrans2D1">
+    <dgm:fillClrLst meth="repeat">
+      <a:schemeClr val="accent2">
+        <a:tint val="60000"/>
+      </a:schemeClr>
+    </dgm:fillClrLst>
+    <dgm:linClrLst meth="repeat">
+      <a:schemeClr val="accent2">
+        <a:tint val="60000"/>
+      </a:schemeClr>
+    </dgm:linClrLst>
+    <dgm:effectClrLst/>
+    <dgm:txLinClrLst/>
+    <dgm:txFillClrLst/>
+    <dgm:txEffectClrLst/>
+  </dgm:styleLbl>
+  <dgm:styleLbl name="bgSibTrans2D1">
+    <dgm:fillClrLst meth="repeat">
+      <a:schemeClr val="accent2">
+        <a:tint val="60000"/>
+      </a:schemeClr>
+    </dgm:fillClrLst>
+    <dgm:linClrLst meth="repeat">
+      <a:schemeClr val="accent2">
+        <a:tint val="60000"/>
+      </a:schemeClr>
+    </dgm:linClrLst>
+    <dgm:effectClrLst/>
+    <dgm:txLinClrLst/>
+    <dgm:txFillClrLst/>
+    <dgm:txEffectClrLst/>
+  </dgm:styleLbl>
+  <dgm:styleLbl name="sibTrans1D1">
+    <dgm:fillClrLst meth="repeat">
+      <a:schemeClr val="accent2"/>
+    </dgm:fillClrLst>
+    <dgm:linClrLst meth="repeat">
+      <a:schemeClr val="accent2"/>
+    </dgm:linClrLst>
+    <dgm:effectClrLst/>
+    <dgm:txLinClrLst/>
+    <dgm:txFillClrLst meth="repeat">
+      <a:schemeClr val="tx1"/>
+    </dgm:txFillClrLst>
+    <dgm:txEffectClrLst/>
+  </dgm:styleLbl>
+  <dgm:styleLbl name="callout">
+    <dgm:fillClrLst meth="repeat">
+      <a:schemeClr val="accent2"/>
+    </dgm:fillClrLst>
+    <dgm:linClrLst meth="repeat">
+      <a:schemeClr val="accent2">
+        <a:tint val="50000"/>
+      </a:schemeClr>
+    </dgm:linClrLst>
+    <dgm:effectClrLst/>
+    <dgm:txLinClrLst/>
+    <dgm:txFillClrLst meth="repeat">
+      <a:schemeClr val="tx1"/>
+    </dgm:txFillClrLst>
+    <dgm:txEffectClrLst/>
+  </dgm:styleLbl>
+  <dgm:styleLbl name="asst0">
+    <dgm:fillClrLst meth="repeat">
+      <a:schemeClr val="accent2"/>
+    </dgm:fillClrLst>
+    <dgm:linClrLst meth="repeat">
+      <a:schemeClr val="lt1"/>
+    </dgm:linClrLst>
+    <dgm:effectClrLst/>
+    <dgm:txLinClrLst/>
+    <dgm:txFillClrLst/>
+    <dgm:txEffectClrLst/>
+  </dgm:styleLbl>
+  <dgm:styleLbl name="asst1">
+    <dgm:fillClrLst meth="repeat">
+      <a:schemeClr val="accent2"/>
+    </dgm:fillClrLst>
+    <dgm:linClrLst meth="repeat">
+      <a:schemeClr val="lt1"/>
+    </dgm:linClrLst>
+    <dgm:effectClrLst/>
+    <dgm:txLinClrLst/>
+    <dgm:txFillClrLst/>
+    <dgm:txEffectClrLst/>
+  </dgm:styleLbl>
+  <dgm:styleLbl name="asst2">
+    <dgm:fillClrLst meth="repeat">
+      <a:schemeClr val="accent2"/>
+    </dgm:fillClrLst>
+    <dgm:linClrLst meth="repeat">
+      <a:schemeClr val="lt1"/>
+    </dgm:linClrLst>
+    <dgm:effectClrLst/>
+    <dgm:txLinClrLst/>
+    <dgm:txFillClrLst/>
+    <dgm:txEffectClrLst/>
+  </dgm:styleLbl>
+  <dgm:styleLbl name="asst3">
+    <dgm:fillClrLst meth="repeat">
+      <a:schemeClr val="accent2"/>
+    </dgm:fillClrLst>
+    <dgm:linClrLst meth="repeat">
+      <a:schemeClr val="lt1"/>
+    </dgm:linClrLst>
+    <dgm:effectClrLst/>
+    <dgm:txLinClrLst/>
+    <dgm:txFillClrLst/>
+    <dgm:txEffectClrLst/>
+  </dgm:styleLbl>
+  <dgm:styleLbl name="asst4">
+    <dgm:fillClrLst meth="repeat">
+      <a:schemeClr val="accent2"/>
+    </dgm:fillClrLst>
+    <dgm:linClrLst meth="repeat">
+      <a:schemeClr val="lt1"/>
+    </dgm:linClrLst>
+    <dgm:effectClrLst/>
+    <dgm:txLinClrLst/>
+    <dgm:txFillClrLst/>
+    <dgm:txEffectClrLst/>
+  </dgm:styleLbl>
+  <dgm:styleLbl name="parChTrans2D1">
+    <dgm:fillClrLst meth="repeat">
+      <a:schemeClr val="accent2">
+        <a:tint val="60000"/>
+      </a:schemeClr>
+    </dgm:fillClrLst>
+    <dgm:linClrLst meth="repeat">
+      <a:schemeClr val="accent2">
+        <a:tint val="60000"/>
+      </a:schemeClr>
+    </dgm:linClrLst>
+    <dgm:effectClrLst/>
+    <dgm:txLinClrLst/>
+    <dgm:txFillClrLst meth="repeat">
+      <a:schemeClr val="lt1"/>
+    </dgm:txFillClrLst>
+    <dgm:txEffectClrLst/>
+  </dgm:styleLbl>
+  <dgm:styleLbl name="parChTrans2D2">
+    <dgm:fillClrLst meth="repeat">
+      <a:schemeClr val="accent2"/>
+    </dgm:fillClrLst>
+    <dgm:linClrLst meth="repeat">
+      <a:schemeClr val="accent2"/>
+    </dgm:linClrLst>
+    <dgm:effectClrLst/>
+    <dgm:txLinClrLst/>
+    <dgm:txFillClrLst meth="repeat">
+      <a:schemeClr val="lt1"/>
+    </dgm:txFillClrLst>
+    <dgm:txEffectClrLst/>
+  </dgm:styleLbl>
+  <dgm:styleLbl name="parChTrans2D3">
+    <dgm:fillClrLst meth="repeat">
+      <a:schemeClr val="accent2"/>
+    </dgm:fillClrLst>
+    <dgm:linClrLst meth="repeat">
+      <a:schemeClr val="accent2"/>
+    </dgm:linClrLst>
+    <dgm:effectClrLst/>
+    <dgm:txLinClrLst/>
+    <dgm:txFillClrLst meth="repeat">
+      <a:schemeClr val="lt1"/>
+    </dgm:txFillClrLst>
+    <dgm:txEffectClrLst/>
+  </dgm:styleLbl>
+  <dgm:styleLbl name="parChTrans2D4">
+    <dgm:fillClrLst meth="repeat">
+      <a:schemeClr val="accent2"/>
+    </dgm:fillClrLst>
+    <dgm:linClrLst meth="repeat">
+      <a:schemeClr val="accent2"/>
+    </dgm:linClrLst>
+    <dgm:effectClrLst/>
+    <dgm:txLinClrLst/>
+    <dgm:txFillClrLst meth="repeat">
+      <a:schemeClr val="lt1"/>
+    </dgm:txFillClrLst>
+    <dgm:txEffectClrLst/>
+  </dgm:styleLbl>
+  <dgm:styleLbl name="parChTrans1D1">
+    <dgm:fillClrLst meth="repeat">
+      <a:schemeClr val="accent2"/>
+    </dgm:fillClrLst>
+    <dgm:linClrLst meth="repeat">
+      <a:schemeClr val="accent2">
+        <a:shade val="60000"/>
+      </a:schemeClr>
+    </dgm:linClrLst>
+    <dgm:effectClrLst/>
+    <dgm:txLinClrLst/>
+    <dgm:txFillClrLst meth="repeat">
+      <a:schemeClr val="tx1"/>
+    </dgm:txFillClrLst>
+    <dgm:txEffectClrLst/>
+  </dgm:styleLbl>
+  <dgm:styleLbl name="parChTrans1D2">
+    <dgm:fillClrLst meth="repeat">
+      <a:schemeClr val="accent2"/>
+    </dgm:fillClrLst>
+    <dgm:linClrLst meth="repeat">
+      <a:schemeClr val="accent2">
+        <a:shade val="60000"/>
+      </a:schemeClr>
+    </dgm:linClrLst>
+    <dgm:effectClrLst/>
+    <dgm:txLinClrLst/>
+    <dgm:txFillClrLst meth="repeat">
+      <a:schemeClr val="tx1"/>
+    </dgm:txFillClrLst>
+    <dgm:txEffectClrLst/>
+  </dgm:styleLbl>
+  <dgm:styleLbl name="parChTrans1D3">
+    <dgm:fillClrLst meth="repeat">
+      <a:schemeClr val="accent2"/>
+    </dgm:fillClrLst>
+    <dgm:linClrLst meth="repeat">
+      <a:schemeClr val="accent2">
+        <a:shade val="80000"/>
+      </a:schemeClr>
+    </dgm:linClrLst>
+    <dgm:effectClrLst/>
+    <dgm:txLinClrLst/>
+    <dgm:txFillClrLst meth="repeat">
+      <a:schemeClr val="tx1"/>
+    </dgm:txFillClrLst>
+    <dgm:txEffectClrLst/>
+  </dgm:styleLbl>
+  <dgm:styleLbl name="parChTrans1D4">
+    <dgm:fillClrLst meth="repeat">
+      <a:schemeClr val="accent2"/>
+    </dgm:fillClrLst>
+    <dgm:linClrLst meth="repeat">
+      <a:schemeClr val="accent2">
+        <a:shade val="80000"/>
+      </a:schemeClr>
+    </dgm:linClrLst>
+    <dgm:effectClrLst/>
+    <dgm:txLinClrLst/>
+    <dgm:txFillClrLst meth="repeat">
+      <a:schemeClr val="tx1"/>
+    </dgm:txFillClrLst>
+    <dgm:txEffectClrLst/>
+  </dgm:styleLbl>
+  <dgm:styleLbl name="fgAcc1">
+    <dgm:fillClrLst meth="repeat">
+      <a:schemeClr val="lt1">
+        <a:alpha val="90000"/>
+      </a:schemeClr>
+    </dgm:fillClrLst>
+    <dgm:linClrLst meth="repeat">
+      <a:schemeClr val="accent2"/>
+    </dgm:linClrLst>
+    <dgm:effectClrLst/>
+    <dgm:txLinClrLst/>
+    <dgm:txFillClrLst meth="repeat">
+      <a:schemeClr val="dk1"/>
+    </dgm:txFillClrLst>
+    <dgm:txEffectClrLst/>
+  </dgm:styleLbl>
+  <dgm:styleLbl name="conFgAcc1">
+    <dgm:fillClrLst meth="repeat">
+      <a:schemeClr val="lt1">
+        <a:alpha val="90000"/>
+      </a:schemeClr>
+    </dgm:fillClrLst>
+    <dgm:linClrLst meth="repeat">
+      <a:schemeClr val="accent2"/>
+    </dgm:linClrLst>
+    <dgm:effectClrLst/>
+    <dgm:txLinClrLst/>
+    <dgm:txFillClrLst meth="repeat">
+      <a:schemeClr val="dk1"/>
+    </dgm:txFillClrLst>
+    <dgm:txEffectClrLst/>
+  </dgm:styleLbl>
+  <dgm:styleLbl name="alignAcc1">
+    <dgm:fillClrLst meth="repeat">
+      <a:schemeClr val="lt1">
+        <a:alpha val="90000"/>
+      </a:schemeClr>
+    </dgm:fillClrLst>
+    <dgm:linClrLst meth="repeat">
+      <a:schemeClr val="accent2"/>
+    </dgm:linClrLst>
+    <dgm:effectClrLst/>
+    <dgm:txLinClrLst/>
+    <dgm:txFillClrLst meth="repeat">
+      <a:schemeClr val="dk1"/>
+    </dgm:txFillClrLst>
+    <dgm:txEffectClrLst/>
+  </dgm:styleLbl>
+  <dgm:styleLbl name="trAlignAcc1">
+    <dgm:fillClrLst meth="repeat">
+      <a:schemeClr val="lt1">
+        <a:alpha val="40000"/>
+      </a:schemeClr>
+    </dgm:fillClrLst>
+    <dgm:linClrLst meth="repeat">
+      <a:schemeClr val="accent2"/>
+    </dgm:linClrLst>
+    <dgm:effectClrLst/>
+    <dgm:txLinClrLst/>
+    <dgm:txFillClrLst meth="repeat">
+      <a:schemeClr val="dk1"/>
+    </dgm:txFillClrLst>
+    <dgm:txEffectClrLst/>
+  </dgm:styleLbl>
+  <dgm:styleLbl name="bgAcc1">
+    <dgm:fillClrLst meth="repeat">
+      <a:schemeClr val="lt1">
+        <a:alpha val="90000"/>
+      </a:schemeClr>
+    </dgm:fillClrLst>
+    <dgm:linClrLst meth="repeat">
+      <a:schemeClr val="accent2"/>
+    </dgm:linClrLst>
+    <dgm:effectClrLst/>
+    <dgm:txLinClrLst/>
+    <dgm:txFillClrLst meth="repeat">
+      <a:schemeClr val="dk1"/>
+    </dgm:txFillClrLst>
+    <dgm:txEffectClrLst/>
+  </dgm:styleLbl>
+  <dgm:styleLbl name="solidFgAcc1">
+    <dgm:fillClrLst meth="repeat">
+      <a:schemeClr val="lt1"/>
+    </dgm:fillClrLst>
+    <dgm:linClrLst meth="repeat">
+      <a:schemeClr val="accent2"/>
+    </dgm:linClrLst>
+    <dgm:effectClrLst/>
+    <dgm:txLinClrLst/>
+    <dgm:txFillClrLst meth="repeat">
+      <a:schemeClr val="dk1"/>
+    </dgm:txFillClrLst>
+    <dgm:txEffectClrLst/>
+  </dgm:styleLbl>
+  <dgm:styleLbl name="solidAlignAcc1">
+    <dgm:fillClrLst meth="repeat">
+      <a:schemeClr val="lt1"/>
+    </dgm:fillClrLst>
+    <dgm:linClrLst meth="repeat">
+      <a:schemeClr val="accent2"/>
+    </dgm:linClrLst>
+    <dgm:effectClrLst/>
+    <dgm:txLinClrLst/>
+    <dgm:txFillClrLst meth="repeat">
+      <a:schemeClr val="dk1"/>
+    </dgm:txFillClrLst>
+    <dgm:txEffectClrLst/>
+  </dgm:styleLbl>
+  <dgm:styleLbl name="solidBgAcc1">
+    <dgm:fillClrLst meth="repeat">
+      <a:schemeClr val="lt1"/>
+    </dgm:fillClrLst>
+    <dgm:linClrLst meth="repeat">
+      <a:schemeClr val="accent2"/>
+    </dgm:linClrLst>
+    <dgm:effectClrLst/>
+    <dgm:txLinClrLst/>
+    <dgm:txFillClrLst meth="repeat">
+      <a:schemeClr val="dk1"/>
+    </dgm:txFillClrLst>
+    <dgm:txEffectClrLst/>
+  </dgm:styleLbl>
+  <dgm:styleLbl name="fgAccFollowNode1">
+    <dgm:fillClrLst meth="repeat">
+      <a:schemeClr val="accent2">
+        <a:alpha val="90000"/>
+        <a:tint val="40000"/>
+      </a:schemeClr>
+    </dgm:fillClrLst>
+    <dgm:linClrLst meth="repeat">
+      <a:schemeClr val="accent2">
+        <a:alpha val="90000"/>
+        <a:tint val="40000"/>
+      </a:schemeClr>
+    </dgm:linClrLst>
+    <dgm:effectClrLst/>
+    <dgm:txLinClrLst/>
+    <dgm:txFillClrLst meth="repeat">
+      <a:schemeClr val="dk1"/>
+    </dgm:txFillClrLst>
+    <dgm:txEffectClrLst/>
+  </dgm:styleLbl>
+  <dgm:styleLbl name="alignAccFollowNode1">
+    <dgm:fillClrLst meth="repeat">
+      <a:schemeClr val="accent2">
+        <a:alpha val="90000"/>
+        <a:tint val="40000"/>
+      </a:schemeClr>
+    </dgm:fillClrLst>
+    <dgm:linClrLst meth="repeat">
+      <a:schemeClr val="accent2">
+        <a:alpha val="90000"/>
+        <a:tint val="40000"/>
+      </a:schemeClr>
+    </dgm:linClrLst>
+    <dgm:effectClrLst/>
+    <dgm:txLinClrLst/>
+    <dgm:txFillClrLst meth="repeat">
+      <a:schemeClr val="dk1"/>
+    </dgm:txFillClrLst>
+    <dgm:txEffectClrLst/>
+  </dgm:styleLbl>
+  <dgm:styleLbl name="bgAccFollowNode1">
+    <dgm:fillClrLst meth="repeat">
+      <a:schemeClr val="accent2">
+        <a:alpha val="90000"/>
+        <a:tint val="40000"/>
+      </a:schemeClr>
+    </dgm:fillClrLst>
+    <dgm:linClrLst meth="repeat">
+      <a:schemeClr val="accent2">
+        <a:alpha val="90000"/>
+        <a:tint val="40000"/>
+      </a:schemeClr>
+    </dgm:linClrLst>
+    <dgm:effectClrLst/>
+    <dgm:txLinClrLst/>
+    <dgm:txFillClrLst meth="repeat">
+      <a:schemeClr val="dk1"/>
+    </dgm:txFillClrLst>
+    <dgm:txEffectClrLst/>
+  </dgm:styleLbl>
+  <dgm:styleLbl name="fgAcc0">
+    <dgm:fillClrLst meth="repeat">
+      <a:schemeClr val="lt1">
+        <a:alpha val="90000"/>
+      </a:schemeClr>
+    </dgm:fillClrLst>
+    <dgm:linClrLst meth="repeat">
+      <a:schemeClr val="accent2"/>
+    </dgm:linClrLst>
+    <dgm:effectClrLst/>
+    <dgm:txLinClrLst/>
+    <dgm:txFillClrLst meth="repeat">
+      <a:schemeClr val="dk1"/>
+    </dgm:txFillClrLst>
+    <dgm:txEffectClrLst/>
+  </dgm:styleLbl>
+  <dgm:styleLbl name="fgAcc2">
+    <dgm:fillClrLst meth="repeat">
+      <a:schemeClr val="lt1">
+        <a:alpha val="90000"/>
+      </a:schemeClr>
+    </dgm:fillClrLst>
+    <dgm:linClrLst meth="repeat">
+      <a:schemeClr val="accent2"/>
+    </dgm:linClrLst>
+    <dgm:effectClrLst/>
+    <dgm:txLinClrLst/>
+    <dgm:txFillClrLst meth="repeat">
+      <a:schemeClr val="dk1"/>
+    </dgm:txFillClrLst>
+    <dgm:txEffectClrLst/>
+  </dgm:styleLbl>
+  <dgm:styleLbl name="fgAcc3">
+    <dgm:fillClrLst meth="repeat">
+      <a:schemeClr val="lt1">
+        <a:alpha val="90000"/>
+      </a:schemeClr>
+    </dgm:fillClrLst>
+    <dgm:linClrLst meth="repeat">
+      <a:schemeClr val="accent2"/>
+    </dgm:linClrLst>
+    <dgm:effectClrLst/>
+    <dgm:txLinClrLst/>
+    <dgm:txFillClrLst meth="repeat">
+      <a:schemeClr val="dk1"/>
+    </dgm:txFillClrLst>
+    <dgm:txEffectClrLst/>
+  </dgm:styleLbl>
+  <dgm:styleLbl name="fgAcc4">
+    <dgm:fillClrLst meth="repeat">
+      <a:schemeClr val="lt1">
+        <a:alpha val="90000"/>
+      </a:schemeClr>
+    </dgm:fillClrLst>
+    <dgm:linClrLst meth="repeat">
+      <a:schemeClr val="accent2"/>
+    </dgm:linClrLst>
+    <dgm:effectClrLst/>
+    <dgm:txLinClrLst/>
+    <dgm:txFillClrLst meth="repeat">
+      <a:schemeClr val="dk1"/>
+    </dgm:txFillClrLst>
+    <dgm:txEffectClrLst/>
+  </dgm:styleLbl>
+  <dgm:styleLbl name="bgShp">
+    <dgm:fillClrLst meth="repeat">
+      <a:schemeClr val="accent2">
+        <a:tint val="40000"/>
+      </a:schemeClr>
+    </dgm:fillClrLst>
+    <dgm:linClrLst meth="repeat">
+      <a:schemeClr val="accent2"/>
+    </dgm:linClrLst>
+    <dgm:effectClrLst/>
+    <dgm:txLinClrLst/>
+    <dgm:txFillClrLst meth="repeat">
+      <a:schemeClr val="dk1"/>
+    </dgm:txFillClrLst>
+    <dgm:txEffectClrLst/>
+  </dgm:styleLbl>
+  <dgm:styleLbl name="dkBgShp">
+    <dgm:fillClrLst meth="repeat">
+      <a:schemeClr val="accent2">
+        <a:shade val="80000"/>
+      </a:schemeClr>
+    </dgm:fillClrLst>
+    <dgm:linClrLst meth="repeat">
+      <a:schemeClr val="accent2"/>
+    </dgm:linClrLst>
+    <dgm:effectClrLst/>
+    <dgm:txLinClrLst/>
+    <dgm:txFillClrLst meth="repeat">
+      <a:schemeClr val="lt1"/>
+    </dgm:txFillClrLst>
+    <dgm:txEffectClrLst/>
+  </dgm:styleLbl>
+  <dgm:styleLbl name="trBgShp">
+    <dgm:fillClrLst meth="repeat">
+      <a:schemeClr val="accent2">
+        <a:tint val="50000"/>
+        <a:alpha val="40000"/>
+      </a:schemeClr>
+    </dgm:fillClrLst>
+    <dgm:linClrLst meth="repeat">
+      <a:schemeClr val="accent2"/>
+    </dgm:linClrLst>
+    <dgm:effectClrLst/>
+    <dgm:txLinClrLst/>
+    <dgm:txFillClrLst meth="repeat">
+      <a:schemeClr val="lt1"/>
+    </dgm:txFillClrLst>
+    <dgm:txEffectClrLst/>
+  </dgm:styleLbl>
+  <dgm:styleLbl name="fgShp">
+    <dgm:fillClrLst meth="repeat">
+      <a:schemeClr val="accent2">
+        <a:tint val="60000"/>
+      </a:schemeClr>
+    </dgm:fillClrLst>
+    <dgm:linClrLst meth="repeat">
+      <a:schemeClr val="lt1"/>
+    </dgm:linClrLst>
+    <dgm:effectClrLst/>
+    <dgm:txLinClrLst/>
+    <dgm:txFillClrLst meth="repeat">
+      <a:schemeClr val="dk1"/>
+    </dgm:txFillClrLst>
+    <dgm:txEffectClrLst/>
+  </dgm:styleLbl>
+  <dgm:styleLbl name="revTx">
+    <dgm:fillClrLst meth="repeat">
+      <a:schemeClr val="lt1">
+        <a:alpha val="0"/>
+      </a:schemeClr>
+    </dgm:fillClrLst>
+    <dgm:linClrLst meth="repeat">
+      <a:schemeClr val="dk1">
+        <a:alpha val="0"/>
+      </a:schemeClr>
+    </dgm:linClrLst>
+    <dgm:effectClrLst/>
+    <dgm:txLinClrLst/>
+    <dgm:txFillClrLst meth="repeat">
+      <a:schemeClr val="tx1"/>
+    </dgm:txFillClrLst>
+    <dgm:txEffectClrLst/>
+  </dgm:styleLbl>
+</dgm:colorsDef>
+</file>
+
+<file path=ppt/diagrams/data1.xml><?xml version="1.0" encoding="utf-8"?>
+<dgm:dataModel xmlns:dgm="http://schemas.openxmlformats.org/drawingml/2006/diagram" xmlns:a="http://schemas.openxmlformats.org/drawingml/2006/main">
+  <dgm:ptLst>
+    <dgm:pt modelId="{469E25A6-B5B5-443E-AD78-941F7B0F735B}" type="doc">
+      <dgm:prSet loTypeId="urn:microsoft.com/office/officeart/2016/7/layout/HorizontalActionList" loCatId="List" qsTypeId="urn:microsoft.com/office/officeart/2005/8/quickstyle/simple5" qsCatId="simple" csTypeId="urn:microsoft.com/office/officeart/2005/8/colors/accent2_2" csCatId="accent2" phldr="1"/>
+      <dgm:spPr/>
+      <dgm:t>
+        <a:bodyPr/>
+        <a:lstStyle/>
+        <a:p>
+          <a:endParaRPr lang="en-US"/>
+        </a:p>
+      </dgm:t>
+    </dgm:pt>
+    <dgm:pt modelId="{72B6F508-3220-4B4B-AB5D-920B64CB9E25}">
+      <dgm:prSet/>
+      <dgm:spPr/>
+      <dgm:t>
+        <a:bodyPr/>
+        <a:lstStyle/>
+        <a:p>
+          <a:r>
+            <a:rPr lang="en-US"/>
+            <a:t>Improve</a:t>
+          </a:r>
+        </a:p>
+      </dgm:t>
+    </dgm:pt>
+    <dgm:pt modelId="{4B68A11B-1603-4E39-8B90-23A44D423516}" type="parTrans" cxnId="{69B826FE-047D-48CA-9FFE-45E8554617E8}">
+      <dgm:prSet/>
+      <dgm:spPr/>
+      <dgm:t>
+        <a:bodyPr/>
+        <a:lstStyle/>
+        <a:p>
+          <a:endParaRPr lang="en-US"/>
+        </a:p>
+      </dgm:t>
+    </dgm:pt>
+    <dgm:pt modelId="{30534C7F-BA82-4502-AC7F-629D5A6F3CC5}" type="sibTrans" cxnId="{69B826FE-047D-48CA-9FFE-45E8554617E8}">
+      <dgm:prSet/>
+      <dgm:spPr/>
+      <dgm:t>
+        <a:bodyPr/>
+        <a:lstStyle/>
+        <a:p>
+          <a:endParaRPr lang="en-US"/>
+        </a:p>
+      </dgm:t>
+    </dgm:pt>
+    <dgm:pt modelId="{8E019108-6048-4072-8A46-72A96875892F}">
+      <dgm:prSet/>
+      <dgm:spPr/>
+      <dgm:t>
+        <a:bodyPr/>
+        <a:lstStyle/>
+        <a:p>
+          <a:r>
+            <a:rPr lang="en-US" dirty="0"/>
+            <a:t>Improve Financial Literacy</a:t>
+          </a:r>
+        </a:p>
+      </dgm:t>
+    </dgm:pt>
+    <dgm:pt modelId="{5A40E07C-63E1-42F9-A23B-093EECCEBA53}" type="parTrans" cxnId="{E13222AC-8C05-4BD2-9688-59F3E0369122}">
+      <dgm:prSet/>
+      <dgm:spPr/>
+      <dgm:t>
+        <a:bodyPr/>
+        <a:lstStyle/>
+        <a:p>
+          <a:endParaRPr lang="en-US"/>
+        </a:p>
+      </dgm:t>
+    </dgm:pt>
+    <dgm:pt modelId="{7C3F200B-2C41-42A1-8516-BF180AA978FA}" type="sibTrans" cxnId="{E13222AC-8C05-4BD2-9688-59F3E0369122}">
+      <dgm:prSet/>
+      <dgm:spPr/>
+      <dgm:t>
+        <a:bodyPr/>
+        <a:lstStyle/>
+        <a:p>
+          <a:endParaRPr lang="en-US"/>
+        </a:p>
+      </dgm:t>
+    </dgm:pt>
+    <dgm:pt modelId="{C9775BC8-BB31-4540-B1F8-7D5085563B93}">
+      <dgm:prSet/>
+      <dgm:spPr/>
+      <dgm:t>
+        <a:bodyPr/>
+        <a:lstStyle/>
+        <a:p>
+          <a:r>
+            <a:rPr lang="en-US" dirty="0"/>
+            <a:t>Provide</a:t>
+          </a:r>
+        </a:p>
+      </dgm:t>
+    </dgm:pt>
+    <dgm:pt modelId="{20D14FD9-850E-461E-A3AB-C7FB992E7B10}" type="parTrans" cxnId="{C3C3AC64-BE4C-43C8-9D5E-C99CC668C4F1}">
+      <dgm:prSet/>
+      <dgm:spPr/>
+      <dgm:t>
+        <a:bodyPr/>
+        <a:lstStyle/>
+        <a:p>
+          <a:endParaRPr lang="en-US"/>
+        </a:p>
+      </dgm:t>
+    </dgm:pt>
+    <dgm:pt modelId="{59BD914D-C628-4FD1-AC61-97CA101EAF03}" type="sibTrans" cxnId="{C3C3AC64-BE4C-43C8-9D5E-C99CC668C4F1}">
+      <dgm:prSet/>
+      <dgm:spPr/>
+      <dgm:t>
+        <a:bodyPr/>
+        <a:lstStyle/>
+        <a:p>
+          <a:endParaRPr lang="en-US"/>
+        </a:p>
+      </dgm:t>
+    </dgm:pt>
+    <dgm:pt modelId="{C9A3506D-1756-46E8-9452-9F474AA74765}">
+      <dgm:prSet/>
+      <dgm:spPr/>
+      <dgm:t>
+        <a:bodyPr/>
+        <a:lstStyle/>
+        <a:p>
+          <a:r>
+            <a:rPr lang="en-US" dirty="0"/>
+            <a:t>Provide Accurate Information </a:t>
+          </a:r>
+        </a:p>
+      </dgm:t>
+    </dgm:pt>
+    <dgm:pt modelId="{2E2501EC-526A-4287-BC3D-3FEACBFAFDBF}" type="parTrans" cxnId="{E6C458A3-E790-41C9-8EF5-C0E00DC7DD57}">
+      <dgm:prSet/>
+      <dgm:spPr/>
+      <dgm:t>
+        <a:bodyPr/>
+        <a:lstStyle/>
+        <a:p>
+          <a:endParaRPr lang="en-US"/>
+        </a:p>
+      </dgm:t>
+    </dgm:pt>
+    <dgm:pt modelId="{4F42C2F8-3130-4969-BA8D-2166FD438B4C}" type="sibTrans" cxnId="{E6C458A3-E790-41C9-8EF5-C0E00DC7DD57}">
+      <dgm:prSet/>
+      <dgm:spPr/>
+      <dgm:t>
+        <a:bodyPr/>
+        <a:lstStyle/>
+        <a:p>
+          <a:endParaRPr lang="en-US"/>
+        </a:p>
+      </dgm:t>
+    </dgm:pt>
+    <dgm:pt modelId="{A10F01C4-3C02-4DCE-B832-22B1B001D4EC}">
+      <dgm:prSet/>
+      <dgm:spPr/>
+      <dgm:t>
+        <a:bodyPr/>
+        <a:lstStyle/>
+        <a:p>
+          <a:r>
+            <a:rPr lang="en-US" dirty="0"/>
+            <a:t>Provide the user a complete platform without worry of information accuracy</a:t>
+          </a:r>
+        </a:p>
+      </dgm:t>
+    </dgm:pt>
+    <dgm:pt modelId="{154951F6-6F05-47AF-A801-3670622A8E36}" type="parTrans" cxnId="{87B518F7-EABC-478E-8371-848D31C329DD}">
+      <dgm:prSet/>
+      <dgm:spPr/>
+      <dgm:t>
+        <a:bodyPr/>
+        <a:lstStyle/>
+        <a:p>
+          <a:endParaRPr lang="en-US"/>
+        </a:p>
+      </dgm:t>
+    </dgm:pt>
+    <dgm:pt modelId="{1C353096-83EE-4ABE-B2E4-3D1F2A0D4E5C}" type="sibTrans" cxnId="{87B518F7-EABC-478E-8371-848D31C329DD}">
+      <dgm:prSet/>
+      <dgm:spPr/>
+      <dgm:t>
+        <a:bodyPr/>
+        <a:lstStyle/>
+        <a:p>
+          <a:endParaRPr lang="en-US"/>
+        </a:p>
+      </dgm:t>
+    </dgm:pt>
+    <dgm:pt modelId="{BA0CD692-D5FF-44C1-A030-90892D5D5886}">
+      <dgm:prSet/>
+      <dgm:spPr/>
+      <dgm:t>
+        <a:bodyPr/>
+        <a:lstStyle/>
+        <a:p>
+          <a:r>
+            <a:rPr lang="en-US" dirty="0"/>
+            <a:t>Support</a:t>
+          </a:r>
+        </a:p>
+      </dgm:t>
+    </dgm:pt>
+    <dgm:pt modelId="{1EFEE35B-CF5F-44B3-AB91-8FDB9F87722E}" type="parTrans" cxnId="{CAAA1E74-897E-4313-A2FB-E4C3B0824D70}">
+      <dgm:prSet/>
+      <dgm:spPr/>
+      <dgm:t>
+        <a:bodyPr/>
+        <a:lstStyle/>
+        <a:p>
+          <a:endParaRPr lang="en-US"/>
+        </a:p>
+      </dgm:t>
+    </dgm:pt>
+    <dgm:pt modelId="{A7CE51E4-0002-4B7D-84D0-A0BA7623BF30}" type="sibTrans" cxnId="{CAAA1E74-897E-4313-A2FB-E4C3B0824D70}">
+      <dgm:prSet/>
+      <dgm:spPr/>
+      <dgm:t>
+        <a:bodyPr/>
+        <a:lstStyle/>
+        <a:p>
+          <a:endParaRPr lang="en-US"/>
+        </a:p>
+      </dgm:t>
+    </dgm:pt>
+    <dgm:pt modelId="{CB301CA9-143C-4065-B0B0-896CDF5CE0FC}">
+      <dgm:prSet/>
+      <dgm:spPr/>
+      <dgm:t>
+        <a:bodyPr/>
+        <a:lstStyle/>
+        <a:p>
+          <a:r>
+            <a:rPr lang="en-US" dirty="0"/>
+            <a:t>Support People</a:t>
+          </a:r>
+        </a:p>
+      </dgm:t>
+    </dgm:pt>
+    <dgm:pt modelId="{0B87AF3A-AE5E-475E-AF93-F946CDC76BFB}" type="parTrans" cxnId="{B2348CA0-570D-4F87-9105-AD29717E15C4}">
+      <dgm:prSet/>
+      <dgm:spPr/>
+      <dgm:t>
+        <a:bodyPr/>
+        <a:lstStyle/>
+        <a:p>
+          <a:endParaRPr lang="en-US"/>
+        </a:p>
+      </dgm:t>
+    </dgm:pt>
+    <dgm:pt modelId="{EAB7D70E-BE78-4D92-A1F5-87D186609E34}" type="sibTrans" cxnId="{B2348CA0-570D-4F87-9105-AD29717E15C4}">
+      <dgm:prSet/>
+      <dgm:spPr/>
+      <dgm:t>
+        <a:bodyPr/>
+        <a:lstStyle/>
+        <a:p>
+          <a:endParaRPr lang="en-US"/>
+        </a:p>
+      </dgm:t>
+    </dgm:pt>
+    <dgm:pt modelId="{726D334F-5A2D-4873-BDC7-AB70DF6E913A}">
+      <dgm:prSet/>
+      <dgm:spPr/>
+      <dgm:t>
+        <a:bodyPr/>
+        <a:lstStyle/>
+        <a:p>
+          <a:r>
+            <a:rPr lang="en-US" dirty="0"/>
+            <a:t>Help support people with cost of living with prudent financial practices </a:t>
+          </a:r>
+        </a:p>
+      </dgm:t>
+    </dgm:pt>
+    <dgm:pt modelId="{0898998A-3BB7-4303-9B37-C09F29EAEB09}" type="parTrans" cxnId="{9CBCDB8B-86AB-43A0-8E28-AC36B46CF25C}">
+      <dgm:prSet/>
+      <dgm:spPr/>
+      <dgm:t>
+        <a:bodyPr/>
+        <a:lstStyle/>
+        <a:p>
+          <a:endParaRPr lang="en-US"/>
+        </a:p>
+      </dgm:t>
+    </dgm:pt>
+    <dgm:pt modelId="{824562D4-52DD-4D4C-91B7-3CCD20B66C55}" type="sibTrans" cxnId="{9CBCDB8B-86AB-43A0-8E28-AC36B46CF25C}">
+      <dgm:prSet/>
+      <dgm:spPr/>
+      <dgm:t>
+        <a:bodyPr/>
+        <a:lstStyle/>
+        <a:p>
+          <a:endParaRPr lang="en-US"/>
+        </a:p>
+      </dgm:t>
+    </dgm:pt>
+    <dgm:pt modelId="{4C5552D9-2414-4313-B388-667C28A700C4}">
+      <dgm:prSet/>
+      <dgm:spPr/>
+      <dgm:t>
+        <a:bodyPr/>
+        <a:lstStyle/>
+        <a:p>
+          <a:r>
+            <a:rPr lang="en-US" dirty="0"/>
+            <a:t>Provide a centralized hub for financial information on all topics</a:t>
+          </a:r>
+        </a:p>
+      </dgm:t>
+    </dgm:pt>
+    <dgm:pt modelId="{E2274A69-22E5-4C95-BD75-AB640BFF4883}" type="sibTrans" cxnId="{7984696D-BF6E-4B4A-8972-A29C7015A345}">
+      <dgm:prSet/>
+      <dgm:spPr/>
+      <dgm:t>
+        <a:bodyPr/>
+        <a:lstStyle/>
+        <a:p>
+          <a:endParaRPr lang="en-US"/>
+        </a:p>
+      </dgm:t>
+    </dgm:pt>
+    <dgm:pt modelId="{59FE5D7B-BCB6-461B-AB32-71BECAD2E8FA}" type="parTrans" cxnId="{7984696D-BF6E-4B4A-8972-A29C7015A345}">
+      <dgm:prSet/>
+      <dgm:spPr/>
+      <dgm:t>
+        <a:bodyPr/>
+        <a:lstStyle/>
+        <a:p>
+          <a:endParaRPr lang="en-US"/>
+        </a:p>
+      </dgm:t>
+    </dgm:pt>
+    <dgm:pt modelId="{F331B617-1E7E-4C27-9D34-4C7C8B08220E}" type="pres">
+      <dgm:prSet presAssocID="{469E25A6-B5B5-443E-AD78-941F7B0F735B}" presName="Name0" presStyleCnt="0">
+        <dgm:presLayoutVars>
+          <dgm:dir/>
+          <dgm:animLvl val="lvl"/>
+          <dgm:resizeHandles val="exact"/>
+        </dgm:presLayoutVars>
+      </dgm:prSet>
+      <dgm:spPr/>
+    </dgm:pt>
+    <dgm:pt modelId="{426AC788-5770-4067-B090-B677B822CE81}" type="pres">
+      <dgm:prSet presAssocID="{72B6F508-3220-4B4B-AB5D-920B64CB9E25}" presName="composite" presStyleCnt="0"/>
+      <dgm:spPr/>
+    </dgm:pt>
+    <dgm:pt modelId="{362F2A7A-CF82-4F42-9638-8E9A76ADD7E8}" type="pres">
+      <dgm:prSet presAssocID="{72B6F508-3220-4B4B-AB5D-920B64CB9E25}" presName="parTx" presStyleLbl="alignNode1" presStyleIdx="0" presStyleCnt="3">
+        <dgm:presLayoutVars>
+          <dgm:chMax val="0"/>
+          <dgm:chPref val="0"/>
+        </dgm:presLayoutVars>
+      </dgm:prSet>
+      <dgm:spPr/>
+    </dgm:pt>
+    <dgm:pt modelId="{77FE1201-99AB-46CC-B5E8-4DF5613DDA52}" type="pres">
+      <dgm:prSet presAssocID="{72B6F508-3220-4B4B-AB5D-920B64CB9E25}" presName="desTx" presStyleLbl="alignAccFollowNode1" presStyleIdx="0" presStyleCnt="3">
+        <dgm:presLayoutVars/>
+      </dgm:prSet>
+      <dgm:spPr/>
+    </dgm:pt>
+    <dgm:pt modelId="{28A9C050-B2B0-4C36-9E86-18AAFC343752}" type="pres">
+      <dgm:prSet presAssocID="{30534C7F-BA82-4502-AC7F-629D5A6F3CC5}" presName="space" presStyleCnt="0"/>
+      <dgm:spPr/>
+    </dgm:pt>
+    <dgm:pt modelId="{18C071CB-7DDF-41F7-8EC7-ABA9BA0443E9}" type="pres">
+      <dgm:prSet presAssocID="{C9775BC8-BB31-4540-B1F8-7D5085563B93}" presName="composite" presStyleCnt="0"/>
+      <dgm:spPr/>
+    </dgm:pt>
+    <dgm:pt modelId="{A2A39BF2-0D26-4294-81F7-9CA9506B6DB8}" type="pres">
+      <dgm:prSet presAssocID="{C9775BC8-BB31-4540-B1F8-7D5085563B93}" presName="parTx" presStyleLbl="alignNode1" presStyleIdx="1" presStyleCnt="3">
+        <dgm:presLayoutVars>
+          <dgm:chMax val="0"/>
+          <dgm:chPref val="0"/>
+        </dgm:presLayoutVars>
+      </dgm:prSet>
+      <dgm:spPr/>
+    </dgm:pt>
+    <dgm:pt modelId="{FD7660EE-020A-4EFF-B8D4-7E3C5EF4139F}" type="pres">
+      <dgm:prSet presAssocID="{C9775BC8-BB31-4540-B1F8-7D5085563B93}" presName="desTx" presStyleLbl="alignAccFollowNode1" presStyleIdx="1" presStyleCnt="3">
+        <dgm:presLayoutVars/>
+      </dgm:prSet>
+      <dgm:spPr/>
+    </dgm:pt>
+    <dgm:pt modelId="{D73F60B0-A470-4FD1-8579-1F38D2677707}" type="pres">
+      <dgm:prSet presAssocID="{59BD914D-C628-4FD1-AC61-97CA101EAF03}" presName="space" presStyleCnt="0"/>
+      <dgm:spPr/>
+    </dgm:pt>
+    <dgm:pt modelId="{387FD8F6-FB7D-441B-A663-0994B072ECD9}" type="pres">
+      <dgm:prSet presAssocID="{BA0CD692-D5FF-44C1-A030-90892D5D5886}" presName="composite" presStyleCnt="0"/>
+      <dgm:spPr/>
+    </dgm:pt>
+    <dgm:pt modelId="{0B20044E-B8B7-4AF7-8856-3663EF4D51C1}" type="pres">
+      <dgm:prSet presAssocID="{BA0CD692-D5FF-44C1-A030-90892D5D5886}" presName="parTx" presStyleLbl="alignNode1" presStyleIdx="2" presStyleCnt="3">
+        <dgm:presLayoutVars>
+          <dgm:chMax val="0"/>
+          <dgm:chPref val="0"/>
+        </dgm:presLayoutVars>
+      </dgm:prSet>
+      <dgm:spPr/>
+    </dgm:pt>
+    <dgm:pt modelId="{5CEE96A6-9F1D-4FD0-9C3B-4C979799AAB8}" type="pres">
+      <dgm:prSet presAssocID="{BA0CD692-D5FF-44C1-A030-90892D5D5886}" presName="desTx" presStyleLbl="alignAccFollowNode1" presStyleIdx="2" presStyleCnt="3">
+        <dgm:presLayoutVars/>
+      </dgm:prSet>
+      <dgm:spPr/>
+    </dgm:pt>
+  </dgm:ptLst>
+  <dgm:cxnLst>
+    <dgm:cxn modelId="{67672608-3333-4073-98B5-4AD70EA488F8}" type="presOf" srcId="{BA0CD692-D5FF-44C1-A030-90892D5D5886}" destId="{0B20044E-B8B7-4AF7-8856-3663EF4D51C1}" srcOrd="0" destOrd="0" presId="urn:microsoft.com/office/officeart/2016/7/layout/HorizontalActionList"/>
+    <dgm:cxn modelId="{C3C3AC64-BE4C-43C8-9D5E-C99CC668C4F1}" srcId="{469E25A6-B5B5-443E-AD78-941F7B0F735B}" destId="{C9775BC8-BB31-4540-B1F8-7D5085563B93}" srcOrd="1" destOrd="0" parTransId="{20D14FD9-850E-461E-A3AB-C7FB992E7B10}" sibTransId="{59BD914D-C628-4FD1-AC61-97CA101EAF03}"/>
+    <dgm:cxn modelId="{306F336B-9E5A-4ECA-9C7B-7B4585AC296F}" type="presOf" srcId="{4C5552D9-2414-4313-B388-667C28A700C4}" destId="{77FE1201-99AB-46CC-B5E8-4DF5613DDA52}" srcOrd="0" destOrd="1" presId="urn:microsoft.com/office/officeart/2016/7/layout/HorizontalActionList"/>
+    <dgm:cxn modelId="{7984696D-BF6E-4B4A-8972-A29C7015A345}" srcId="{8E019108-6048-4072-8A46-72A96875892F}" destId="{4C5552D9-2414-4313-B388-667C28A700C4}" srcOrd="0" destOrd="0" parTransId="{59FE5D7B-BCB6-461B-AB32-71BECAD2E8FA}" sibTransId="{E2274A69-22E5-4C95-BD75-AB640BFF4883}"/>
+    <dgm:cxn modelId="{83E5C54E-6B64-40C9-ABC6-26DC264554AC}" type="presOf" srcId="{C9775BC8-BB31-4540-B1F8-7D5085563B93}" destId="{A2A39BF2-0D26-4294-81F7-9CA9506B6DB8}" srcOrd="0" destOrd="0" presId="urn:microsoft.com/office/officeart/2016/7/layout/HorizontalActionList"/>
+    <dgm:cxn modelId="{85BE8072-71E2-4F0A-9AED-D8FE38696C90}" type="presOf" srcId="{72B6F508-3220-4B4B-AB5D-920B64CB9E25}" destId="{362F2A7A-CF82-4F42-9638-8E9A76ADD7E8}" srcOrd="0" destOrd="0" presId="urn:microsoft.com/office/officeart/2016/7/layout/HorizontalActionList"/>
+    <dgm:cxn modelId="{EB7A0154-09EE-4BDE-A8D4-C39040582F83}" type="presOf" srcId="{726D334F-5A2D-4873-BDC7-AB70DF6E913A}" destId="{5CEE96A6-9F1D-4FD0-9C3B-4C979799AAB8}" srcOrd="0" destOrd="1" presId="urn:microsoft.com/office/officeart/2016/7/layout/HorizontalActionList"/>
+    <dgm:cxn modelId="{CAAA1E74-897E-4313-A2FB-E4C3B0824D70}" srcId="{469E25A6-B5B5-443E-AD78-941F7B0F735B}" destId="{BA0CD692-D5FF-44C1-A030-90892D5D5886}" srcOrd="2" destOrd="0" parTransId="{1EFEE35B-CF5F-44B3-AB91-8FDB9F87722E}" sibTransId="{A7CE51E4-0002-4B7D-84D0-A0BA7623BF30}"/>
+    <dgm:cxn modelId="{7595A376-F453-4EE2-A5E8-D820A66503C6}" type="presOf" srcId="{469E25A6-B5B5-443E-AD78-941F7B0F735B}" destId="{F331B617-1E7E-4C27-9D34-4C7C8B08220E}" srcOrd="0" destOrd="0" presId="urn:microsoft.com/office/officeart/2016/7/layout/HorizontalActionList"/>
+    <dgm:cxn modelId="{EA9FC67D-64AE-4E16-A6E0-9C9BA23B7F0F}" type="presOf" srcId="{8E019108-6048-4072-8A46-72A96875892F}" destId="{77FE1201-99AB-46CC-B5E8-4DF5613DDA52}" srcOrd="0" destOrd="0" presId="urn:microsoft.com/office/officeart/2016/7/layout/HorizontalActionList"/>
+    <dgm:cxn modelId="{9CBCDB8B-86AB-43A0-8E28-AC36B46CF25C}" srcId="{CB301CA9-143C-4065-B0B0-896CDF5CE0FC}" destId="{726D334F-5A2D-4873-BDC7-AB70DF6E913A}" srcOrd="0" destOrd="0" parTransId="{0898998A-3BB7-4303-9B37-C09F29EAEB09}" sibTransId="{824562D4-52DD-4D4C-91B7-3CCD20B66C55}"/>
+    <dgm:cxn modelId="{B2348CA0-570D-4F87-9105-AD29717E15C4}" srcId="{BA0CD692-D5FF-44C1-A030-90892D5D5886}" destId="{CB301CA9-143C-4065-B0B0-896CDF5CE0FC}" srcOrd="0" destOrd="0" parTransId="{0B87AF3A-AE5E-475E-AF93-F946CDC76BFB}" sibTransId="{EAB7D70E-BE78-4D92-A1F5-87D186609E34}"/>
+    <dgm:cxn modelId="{E6C458A3-E790-41C9-8EF5-C0E00DC7DD57}" srcId="{C9775BC8-BB31-4540-B1F8-7D5085563B93}" destId="{C9A3506D-1756-46E8-9452-9F474AA74765}" srcOrd="0" destOrd="0" parTransId="{2E2501EC-526A-4287-BC3D-3FEACBFAFDBF}" sibTransId="{4F42C2F8-3130-4969-BA8D-2166FD438B4C}"/>
+    <dgm:cxn modelId="{E13222AC-8C05-4BD2-9688-59F3E0369122}" srcId="{72B6F508-3220-4B4B-AB5D-920B64CB9E25}" destId="{8E019108-6048-4072-8A46-72A96875892F}" srcOrd="0" destOrd="0" parTransId="{5A40E07C-63E1-42F9-A23B-093EECCEBA53}" sibTransId="{7C3F200B-2C41-42A1-8516-BF180AA978FA}"/>
+    <dgm:cxn modelId="{53E13FB3-BA38-43E8-8384-A913161B9FF7}" type="presOf" srcId="{C9A3506D-1756-46E8-9452-9F474AA74765}" destId="{FD7660EE-020A-4EFF-B8D4-7E3C5EF4139F}" srcOrd="0" destOrd="0" presId="urn:microsoft.com/office/officeart/2016/7/layout/HorizontalActionList"/>
+    <dgm:cxn modelId="{ECDB58B4-81ED-4C82-BEDD-02B144D851B8}" type="presOf" srcId="{CB301CA9-143C-4065-B0B0-896CDF5CE0FC}" destId="{5CEE96A6-9F1D-4FD0-9C3B-4C979799AAB8}" srcOrd="0" destOrd="0" presId="urn:microsoft.com/office/officeart/2016/7/layout/HorizontalActionList"/>
+    <dgm:cxn modelId="{7E0058B6-CD2D-42DA-8A72-B8BCC831EC00}" type="presOf" srcId="{A10F01C4-3C02-4DCE-B832-22B1B001D4EC}" destId="{FD7660EE-020A-4EFF-B8D4-7E3C5EF4139F}" srcOrd="0" destOrd="1" presId="urn:microsoft.com/office/officeart/2016/7/layout/HorizontalActionList"/>
+    <dgm:cxn modelId="{87B518F7-EABC-478E-8371-848D31C329DD}" srcId="{C9A3506D-1756-46E8-9452-9F474AA74765}" destId="{A10F01C4-3C02-4DCE-B832-22B1B001D4EC}" srcOrd="0" destOrd="0" parTransId="{154951F6-6F05-47AF-A801-3670622A8E36}" sibTransId="{1C353096-83EE-4ABE-B2E4-3D1F2A0D4E5C}"/>
+    <dgm:cxn modelId="{69B826FE-047D-48CA-9FFE-45E8554617E8}" srcId="{469E25A6-B5B5-443E-AD78-941F7B0F735B}" destId="{72B6F508-3220-4B4B-AB5D-920B64CB9E25}" srcOrd="0" destOrd="0" parTransId="{4B68A11B-1603-4E39-8B90-23A44D423516}" sibTransId="{30534C7F-BA82-4502-AC7F-629D5A6F3CC5}"/>
+    <dgm:cxn modelId="{B9395CAB-85EC-42EC-812E-EEBC53AD2473}" type="presParOf" srcId="{F331B617-1E7E-4C27-9D34-4C7C8B08220E}" destId="{426AC788-5770-4067-B090-B677B822CE81}" srcOrd="0" destOrd="0" presId="urn:microsoft.com/office/officeart/2016/7/layout/HorizontalActionList"/>
+    <dgm:cxn modelId="{0524B3EC-B7E7-44F0-B471-F9EC8A6FC09C}" type="presParOf" srcId="{426AC788-5770-4067-B090-B677B822CE81}" destId="{362F2A7A-CF82-4F42-9638-8E9A76ADD7E8}" srcOrd="0" destOrd="0" presId="urn:microsoft.com/office/officeart/2016/7/layout/HorizontalActionList"/>
+    <dgm:cxn modelId="{7F8519B7-A63D-495B-ABF4-93A1E0413AC1}" type="presParOf" srcId="{426AC788-5770-4067-B090-B677B822CE81}" destId="{77FE1201-99AB-46CC-B5E8-4DF5613DDA52}" srcOrd="1" destOrd="0" presId="urn:microsoft.com/office/officeart/2016/7/layout/HorizontalActionList"/>
+    <dgm:cxn modelId="{522A2FC0-DEA9-4961-835D-BB7FEC83D689}" type="presParOf" srcId="{F331B617-1E7E-4C27-9D34-4C7C8B08220E}" destId="{28A9C050-B2B0-4C36-9E86-18AAFC343752}" srcOrd="1" destOrd="0" presId="urn:microsoft.com/office/officeart/2016/7/layout/HorizontalActionList"/>
+    <dgm:cxn modelId="{18BBCFBC-C1BF-4204-9183-D851B264B8BA}" type="presParOf" srcId="{F331B617-1E7E-4C27-9D34-4C7C8B08220E}" destId="{18C071CB-7DDF-41F7-8EC7-ABA9BA0443E9}" srcOrd="2" destOrd="0" presId="urn:microsoft.com/office/officeart/2016/7/layout/HorizontalActionList"/>
+    <dgm:cxn modelId="{8A67FCB6-397E-4ADD-A4E3-D11134AA3615}" type="presParOf" srcId="{18C071CB-7DDF-41F7-8EC7-ABA9BA0443E9}" destId="{A2A39BF2-0D26-4294-81F7-9CA9506B6DB8}" srcOrd="0" destOrd="0" presId="urn:microsoft.com/office/officeart/2016/7/layout/HorizontalActionList"/>
+    <dgm:cxn modelId="{02FF50F7-4131-4C79-90DE-48AA0DA270DB}" type="presParOf" srcId="{18C071CB-7DDF-41F7-8EC7-ABA9BA0443E9}" destId="{FD7660EE-020A-4EFF-B8D4-7E3C5EF4139F}" srcOrd="1" destOrd="0" presId="urn:microsoft.com/office/officeart/2016/7/layout/HorizontalActionList"/>
+    <dgm:cxn modelId="{AE272372-B172-466D-B0CD-405116BC293C}" type="presParOf" srcId="{F331B617-1E7E-4C27-9D34-4C7C8B08220E}" destId="{D73F60B0-A470-4FD1-8579-1F38D2677707}" srcOrd="3" destOrd="0" presId="urn:microsoft.com/office/officeart/2016/7/layout/HorizontalActionList"/>
+    <dgm:cxn modelId="{7A5AADF9-EE88-43B3-BB5B-4343226D540A}" type="presParOf" srcId="{F331B617-1E7E-4C27-9D34-4C7C8B08220E}" destId="{387FD8F6-FB7D-441B-A663-0994B072ECD9}" srcOrd="4" destOrd="0" presId="urn:microsoft.com/office/officeart/2016/7/layout/HorizontalActionList"/>
+    <dgm:cxn modelId="{A7B8ABAE-4E9D-4960-819D-9CD23CE69A01}" type="presParOf" srcId="{387FD8F6-FB7D-441B-A663-0994B072ECD9}" destId="{0B20044E-B8B7-4AF7-8856-3663EF4D51C1}" srcOrd="0" destOrd="0" presId="urn:microsoft.com/office/officeart/2016/7/layout/HorizontalActionList"/>
+    <dgm:cxn modelId="{578E9651-E2A6-44AE-9B48-1B38147BB0F9}" type="presParOf" srcId="{387FD8F6-FB7D-441B-A663-0994B072ECD9}" destId="{5CEE96A6-9F1D-4FD0-9C3B-4C979799AAB8}" srcOrd="1" destOrd="0" presId="urn:microsoft.com/office/officeart/2016/7/layout/HorizontalActionList"/>
+  </dgm:cxnLst>
+  <dgm:bg/>
+  <dgm:whole/>
+  <dgm:extLst>
+    <a:ext uri="http://schemas.microsoft.com/office/drawing/2008/diagram">
+      <dsp:dataModelExt xmlns:dsp="http://schemas.microsoft.com/office/drawing/2008/diagram" relId="rId7" minVer="http://schemas.openxmlformats.org/drawingml/2006/diagram"/>
+    </a:ext>
+  </dgm:extLst>
+</dgm:dataModel>
+</file>
+
+<file path=ppt/diagrams/data2.xml><?xml version="1.0" encoding="utf-8"?>
+<dgm:dataModel xmlns:dgm="http://schemas.openxmlformats.org/drawingml/2006/diagram" xmlns:a="http://schemas.openxmlformats.org/drawingml/2006/main">
+  <dgm:ptLst>
+    <dgm:pt modelId="{9AD14B75-7518-49B4-B4A0-2919CCEA90DF}" type="doc">
+      <dgm:prSet loTypeId="urn:microsoft.com/office/officeart/2005/8/layout/vProcess5" loCatId="process" qsTypeId="urn:microsoft.com/office/officeart/2005/8/quickstyle/simple1" qsCatId="simple" csTypeId="urn:microsoft.com/office/officeart/2005/8/colors/accent2_2" csCatId="accent2" phldr="1"/>
+      <dgm:spPr/>
+      <dgm:t>
+        <a:bodyPr/>
+        <a:lstStyle/>
+        <a:p>
+          <a:endParaRPr lang="en-US"/>
+        </a:p>
+      </dgm:t>
+    </dgm:pt>
+    <dgm:pt modelId="{F74001FA-DB36-4619-B6F2-FB9EE4B1754E}">
+      <dgm:prSet/>
+      <dgm:spPr/>
+      <dgm:t>
+        <a:bodyPr/>
+        <a:lstStyle/>
+        <a:p>
+          <a:r>
+            <a:rPr lang="en-GB" dirty="0"/>
+            <a:t>WealthWise is an educational platform that aims to incentivize a desire to learn and help anyone manage their finances</a:t>
+          </a:r>
+          <a:endParaRPr lang="en-US" dirty="0"/>
+        </a:p>
+      </dgm:t>
+    </dgm:pt>
+    <dgm:pt modelId="{C99E001C-CB34-4333-A375-FA4329AFF9B5}" type="parTrans" cxnId="{48C6B60A-1235-44FD-AE82-1CC50063A5CC}">
+      <dgm:prSet/>
+      <dgm:spPr/>
+      <dgm:t>
+        <a:bodyPr/>
+        <a:lstStyle/>
+        <a:p>
+          <a:endParaRPr lang="en-US"/>
+        </a:p>
+      </dgm:t>
+    </dgm:pt>
+    <dgm:pt modelId="{CF89575D-297F-4025-B50D-184CFC9114A0}" type="sibTrans" cxnId="{48C6B60A-1235-44FD-AE82-1CC50063A5CC}">
+      <dgm:prSet/>
+      <dgm:spPr/>
+      <dgm:t>
+        <a:bodyPr/>
+        <a:lstStyle/>
+        <a:p>
+          <a:endParaRPr lang="en-US"/>
+        </a:p>
+      </dgm:t>
+    </dgm:pt>
+    <dgm:pt modelId="{9E4DDCF0-BC7A-4100-B520-1C83B3B7D14D}">
+      <dgm:prSet/>
+      <dgm:spPr/>
+      <dgm:t>
+        <a:bodyPr/>
+        <a:lstStyle/>
+        <a:p>
+          <a:r>
+            <a:rPr lang="en-GB"/>
+            <a:t>The mission is to help make financial education enjoyable and accessible to everyone </a:t>
+          </a:r>
+          <a:endParaRPr lang="en-US"/>
+        </a:p>
+      </dgm:t>
+    </dgm:pt>
+    <dgm:pt modelId="{2588BD57-389E-47AA-96D8-5C3B104BB14E}" type="parTrans" cxnId="{58278BB1-2F5D-47A5-A7A3-AA03A7674674}">
+      <dgm:prSet/>
+      <dgm:spPr/>
+      <dgm:t>
+        <a:bodyPr/>
+        <a:lstStyle/>
+        <a:p>
+          <a:endParaRPr lang="en-US"/>
+        </a:p>
+      </dgm:t>
+    </dgm:pt>
+    <dgm:pt modelId="{B4158D71-AD2F-4D8D-9FA3-B7F8EA999516}" type="sibTrans" cxnId="{58278BB1-2F5D-47A5-A7A3-AA03A7674674}">
+      <dgm:prSet/>
+      <dgm:spPr/>
+      <dgm:t>
+        <a:bodyPr/>
+        <a:lstStyle/>
+        <a:p>
+          <a:endParaRPr lang="en-US"/>
+        </a:p>
+      </dgm:t>
+    </dgm:pt>
+    <dgm:pt modelId="{E4F9DCF7-F68A-4FF0-BF5A-132155392487}">
+      <dgm:prSet/>
+      <dgm:spPr/>
+      <dgm:t>
+        <a:bodyPr/>
+        <a:lstStyle/>
+        <a:p>
+          <a:r>
+            <a:rPr lang="en-GB"/>
+            <a:t>Our vision is to create a complete platform with integrated partners that allow users to learn about finance and manage their accounts. </a:t>
+          </a:r>
+          <a:endParaRPr lang="en-US"/>
+        </a:p>
+      </dgm:t>
+    </dgm:pt>
+    <dgm:pt modelId="{AD97E7F1-24CD-43D2-A9D4-D2274687B676}" type="parTrans" cxnId="{D2CADD06-B4B7-4450-B177-4D1348D2CB01}">
+      <dgm:prSet/>
+      <dgm:spPr/>
+      <dgm:t>
+        <a:bodyPr/>
+        <a:lstStyle/>
+        <a:p>
+          <a:endParaRPr lang="en-US"/>
+        </a:p>
+      </dgm:t>
+    </dgm:pt>
+    <dgm:pt modelId="{BE388B2E-B693-4D4F-9F61-4EBE6F8FAD1B}" type="sibTrans" cxnId="{D2CADD06-B4B7-4450-B177-4D1348D2CB01}">
+      <dgm:prSet/>
+      <dgm:spPr/>
+      <dgm:t>
+        <a:bodyPr/>
+        <a:lstStyle/>
+        <a:p>
+          <a:endParaRPr lang="en-US"/>
+        </a:p>
+      </dgm:t>
+    </dgm:pt>
+    <dgm:pt modelId="{82455C79-3A98-43B0-9FA5-0B35DCE6E936}" type="pres">
+      <dgm:prSet presAssocID="{9AD14B75-7518-49B4-B4A0-2919CCEA90DF}" presName="outerComposite" presStyleCnt="0">
+        <dgm:presLayoutVars>
+          <dgm:chMax val="5"/>
+          <dgm:dir/>
+          <dgm:resizeHandles val="exact"/>
+        </dgm:presLayoutVars>
+      </dgm:prSet>
+      <dgm:spPr/>
+    </dgm:pt>
+    <dgm:pt modelId="{945254D7-17AD-4E42-B63F-688DB7B4CA2D}" type="pres">
+      <dgm:prSet presAssocID="{9AD14B75-7518-49B4-B4A0-2919CCEA90DF}" presName="dummyMaxCanvas" presStyleCnt="0">
+        <dgm:presLayoutVars/>
+      </dgm:prSet>
+      <dgm:spPr/>
+    </dgm:pt>
+    <dgm:pt modelId="{30D83693-E486-4EC7-82E2-A590BBE82977}" type="pres">
+      <dgm:prSet presAssocID="{9AD14B75-7518-49B4-B4A0-2919CCEA90DF}" presName="ThreeNodes_1" presStyleLbl="node1" presStyleIdx="0" presStyleCnt="3">
+        <dgm:presLayoutVars>
+          <dgm:bulletEnabled val="1"/>
+        </dgm:presLayoutVars>
+      </dgm:prSet>
+      <dgm:spPr/>
+    </dgm:pt>
+    <dgm:pt modelId="{80F55314-354B-4768-A858-895DA5409F50}" type="pres">
+      <dgm:prSet presAssocID="{9AD14B75-7518-49B4-B4A0-2919CCEA90DF}" presName="ThreeNodes_2" presStyleLbl="node1" presStyleIdx="1" presStyleCnt="3">
+        <dgm:presLayoutVars>
+          <dgm:bulletEnabled val="1"/>
+        </dgm:presLayoutVars>
+      </dgm:prSet>
+      <dgm:spPr/>
+    </dgm:pt>
+    <dgm:pt modelId="{CBB832F2-2EA6-4826-A0CC-B4ABBC219EE3}" type="pres">
+      <dgm:prSet presAssocID="{9AD14B75-7518-49B4-B4A0-2919CCEA90DF}" presName="ThreeNodes_3" presStyleLbl="node1" presStyleIdx="2" presStyleCnt="3">
+        <dgm:presLayoutVars>
+          <dgm:bulletEnabled val="1"/>
+        </dgm:presLayoutVars>
+      </dgm:prSet>
+      <dgm:spPr/>
+    </dgm:pt>
+    <dgm:pt modelId="{94B9313D-9A4B-46DC-9D9F-DDA289534CF9}" type="pres">
+      <dgm:prSet presAssocID="{9AD14B75-7518-49B4-B4A0-2919CCEA90DF}" presName="ThreeConn_1-2" presStyleLbl="fgAccFollowNode1" presStyleIdx="0" presStyleCnt="2">
+        <dgm:presLayoutVars>
+          <dgm:bulletEnabled val="1"/>
+        </dgm:presLayoutVars>
+      </dgm:prSet>
+      <dgm:spPr/>
+    </dgm:pt>
+    <dgm:pt modelId="{80BEB6EA-5AEE-43CF-B187-EB67EFDD0F71}" type="pres">
+      <dgm:prSet presAssocID="{9AD14B75-7518-49B4-B4A0-2919CCEA90DF}" presName="ThreeConn_2-3" presStyleLbl="fgAccFollowNode1" presStyleIdx="1" presStyleCnt="2">
+        <dgm:presLayoutVars>
+          <dgm:bulletEnabled val="1"/>
+        </dgm:presLayoutVars>
+      </dgm:prSet>
+      <dgm:spPr/>
+    </dgm:pt>
+    <dgm:pt modelId="{99A9136B-E1FD-485C-B528-B1016C43C368}" type="pres">
+      <dgm:prSet presAssocID="{9AD14B75-7518-49B4-B4A0-2919CCEA90DF}" presName="ThreeNodes_1_text" presStyleLbl="node1" presStyleIdx="2" presStyleCnt="3">
+        <dgm:presLayoutVars>
+          <dgm:bulletEnabled val="1"/>
+        </dgm:presLayoutVars>
+      </dgm:prSet>
+      <dgm:spPr/>
+    </dgm:pt>
+    <dgm:pt modelId="{318A0A8E-239F-430A-84EC-096F5765AE84}" type="pres">
+      <dgm:prSet presAssocID="{9AD14B75-7518-49B4-B4A0-2919CCEA90DF}" presName="ThreeNodes_2_text" presStyleLbl="node1" presStyleIdx="2" presStyleCnt="3">
+        <dgm:presLayoutVars>
+          <dgm:bulletEnabled val="1"/>
+        </dgm:presLayoutVars>
+      </dgm:prSet>
+      <dgm:spPr/>
+    </dgm:pt>
+    <dgm:pt modelId="{07F6E8C1-754E-4114-8783-A8A706722C0B}" type="pres">
+      <dgm:prSet presAssocID="{9AD14B75-7518-49B4-B4A0-2919CCEA90DF}" presName="ThreeNodes_3_text" presStyleLbl="node1" presStyleIdx="2" presStyleCnt="3">
+        <dgm:presLayoutVars>
+          <dgm:bulletEnabled val="1"/>
+        </dgm:presLayoutVars>
+      </dgm:prSet>
+      <dgm:spPr/>
+    </dgm:pt>
+  </dgm:ptLst>
+  <dgm:cxnLst>
+    <dgm:cxn modelId="{D2CADD06-B4B7-4450-B177-4D1348D2CB01}" srcId="{9AD14B75-7518-49B4-B4A0-2919CCEA90DF}" destId="{E4F9DCF7-F68A-4FF0-BF5A-132155392487}" srcOrd="2" destOrd="0" parTransId="{AD97E7F1-24CD-43D2-A9D4-D2274687B676}" sibTransId="{BE388B2E-B693-4D4F-9F61-4EBE6F8FAD1B}"/>
+    <dgm:cxn modelId="{48C6B60A-1235-44FD-AE82-1CC50063A5CC}" srcId="{9AD14B75-7518-49B4-B4A0-2919CCEA90DF}" destId="{F74001FA-DB36-4619-B6F2-FB9EE4B1754E}" srcOrd="0" destOrd="0" parTransId="{C99E001C-CB34-4333-A375-FA4329AFF9B5}" sibTransId="{CF89575D-297F-4025-B50D-184CFC9114A0}"/>
+    <dgm:cxn modelId="{02CF510F-34DD-48FB-ABCD-9B7E323E8D82}" type="presOf" srcId="{E4F9DCF7-F68A-4FF0-BF5A-132155392487}" destId="{07F6E8C1-754E-4114-8783-A8A706722C0B}" srcOrd="1" destOrd="0" presId="urn:microsoft.com/office/officeart/2005/8/layout/vProcess5"/>
+    <dgm:cxn modelId="{B40A052C-1C8B-4F14-BFC7-98CC29F777E6}" type="presOf" srcId="{9E4DDCF0-BC7A-4100-B520-1C83B3B7D14D}" destId="{80F55314-354B-4768-A858-895DA5409F50}" srcOrd="0" destOrd="0" presId="urn:microsoft.com/office/officeart/2005/8/layout/vProcess5"/>
+    <dgm:cxn modelId="{035A645E-EBD7-49F3-9033-81513C8BC1A5}" type="presOf" srcId="{F74001FA-DB36-4619-B6F2-FB9EE4B1754E}" destId="{99A9136B-E1FD-485C-B528-B1016C43C368}" srcOrd="1" destOrd="0" presId="urn:microsoft.com/office/officeart/2005/8/layout/vProcess5"/>
+    <dgm:cxn modelId="{73305D69-CA4F-4526-9289-789DCC197678}" type="presOf" srcId="{F74001FA-DB36-4619-B6F2-FB9EE4B1754E}" destId="{30D83693-E486-4EC7-82E2-A590BBE82977}" srcOrd="0" destOrd="0" presId="urn:microsoft.com/office/officeart/2005/8/layout/vProcess5"/>
+    <dgm:cxn modelId="{B287946B-51FA-4ADC-B629-8C81D3A6B312}" type="presOf" srcId="{9AD14B75-7518-49B4-B4A0-2919CCEA90DF}" destId="{82455C79-3A98-43B0-9FA5-0B35DCE6E936}" srcOrd="0" destOrd="0" presId="urn:microsoft.com/office/officeart/2005/8/layout/vProcess5"/>
+    <dgm:cxn modelId="{893F6D6F-8F40-443E-BF24-E62F6C231F68}" type="presOf" srcId="{B4158D71-AD2F-4D8D-9FA3-B7F8EA999516}" destId="{80BEB6EA-5AEE-43CF-B187-EB67EFDD0F71}" srcOrd="0" destOrd="0" presId="urn:microsoft.com/office/officeart/2005/8/layout/vProcess5"/>
+    <dgm:cxn modelId="{DAC5D5A2-BF9B-49E7-A628-5000ADDFC82D}" type="presOf" srcId="{CF89575D-297F-4025-B50D-184CFC9114A0}" destId="{94B9313D-9A4B-46DC-9D9F-DDA289534CF9}" srcOrd="0" destOrd="0" presId="urn:microsoft.com/office/officeart/2005/8/layout/vProcess5"/>
+    <dgm:cxn modelId="{58278BB1-2F5D-47A5-A7A3-AA03A7674674}" srcId="{9AD14B75-7518-49B4-B4A0-2919CCEA90DF}" destId="{9E4DDCF0-BC7A-4100-B520-1C83B3B7D14D}" srcOrd="1" destOrd="0" parTransId="{2588BD57-389E-47AA-96D8-5C3B104BB14E}" sibTransId="{B4158D71-AD2F-4D8D-9FA3-B7F8EA999516}"/>
+    <dgm:cxn modelId="{1D1794B5-881B-4AB2-A20C-0069E939DB32}" type="presOf" srcId="{9E4DDCF0-BC7A-4100-B520-1C83B3B7D14D}" destId="{318A0A8E-239F-430A-84EC-096F5765AE84}" srcOrd="1" destOrd="0" presId="urn:microsoft.com/office/officeart/2005/8/layout/vProcess5"/>
+    <dgm:cxn modelId="{693607C3-EE25-4067-8A7E-F000172DDD80}" type="presOf" srcId="{E4F9DCF7-F68A-4FF0-BF5A-132155392487}" destId="{CBB832F2-2EA6-4826-A0CC-B4ABBC219EE3}" srcOrd="0" destOrd="0" presId="urn:microsoft.com/office/officeart/2005/8/layout/vProcess5"/>
+    <dgm:cxn modelId="{A69BF059-E0DB-4305-B304-90FE96BA7BE4}" type="presParOf" srcId="{82455C79-3A98-43B0-9FA5-0B35DCE6E936}" destId="{945254D7-17AD-4E42-B63F-688DB7B4CA2D}" srcOrd="0" destOrd="0" presId="urn:microsoft.com/office/officeart/2005/8/layout/vProcess5"/>
+    <dgm:cxn modelId="{90115C8C-CC78-477F-B6FC-BBCF93CF8E41}" type="presParOf" srcId="{82455C79-3A98-43B0-9FA5-0B35DCE6E936}" destId="{30D83693-E486-4EC7-82E2-A590BBE82977}" srcOrd="1" destOrd="0" presId="urn:microsoft.com/office/officeart/2005/8/layout/vProcess5"/>
+    <dgm:cxn modelId="{178FC8A6-2002-4CB1-896C-CCED3285E70D}" type="presParOf" srcId="{82455C79-3A98-43B0-9FA5-0B35DCE6E936}" destId="{80F55314-354B-4768-A858-895DA5409F50}" srcOrd="2" destOrd="0" presId="urn:microsoft.com/office/officeart/2005/8/layout/vProcess5"/>
+    <dgm:cxn modelId="{1776D767-A4FB-4D77-AEF9-27FDF45F80A7}" type="presParOf" srcId="{82455C79-3A98-43B0-9FA5-0B35DCE6E936}" destId="{CBB832F2-2EA6-4826-A0CC-B4ABBC219EE3}" srcOrd="3" destOrd="0" presId="urn:microsoft.com/office/officeart/2005/8/layout/vProcess5"/>
+    <dgm:cxn modelId="{32C2C01D-CF12-44A8-94D2-23F4693512D3}" type="presParOf" srcId="{82455C79-3A98-43B0-9FA5-0B35DCE6E936}" destId="{94B9313D-9A4B-46DC-9D9F-DDA289534CF9}" srcOrd="4" destOrd="0" presId="urn:microsoft.com/office/officeart/2005/8/layout/vProcess5"/>
+    <dgm:cxn modelId="{ADE7E0BB-73C8-420B-A720-2494E65634A9}" type="presParOf" srcId="{82455C79-3A98-43B0-9FA5-0B35DCE6E936}" destId="{80BEB6EA-5AEE-43CF-B187-EB67EFDD0F71}" srcOrd="5" destOrd="0" presId="urn:microsoft.com/office/officeart/2005/8/layout/vProcess5"/>
+    <dgm:cxn modelId="{C5F6CDB6-FAAD-4E7F-BDF3-DB0AA5ADC1CC}" type="presParOf" srcId="{82455C79-3A98-43B0-9FA5-0B35DCE6E936}" destId="{99A9136B-E1FD-485C-B528-B1016C43C368}" srcOrd="6" destOrd="0" presId="urn:microsoft.com/office/officeart/2005/8/layout/vProcess5"/>
+    <dgm:cxn modelId="{66358780-63DE-4463-B77E-5914A6A0E8FC}" type="presParOf" srcId="{82455C79-3A98-43B0-9FA5-0B35DCE6E936}" destId="{318A0A8E-239F-430A-84EC-096F5765AE84}" srcOrd="7" destOrd="0" presId="urn:microsoft.com/office/officeart/2005/8/layout/vProcess5"/>
+    <dgm:cxn modelId="{FF993652-523A-4506-944A-92A4883DC478}" type="presParOf" srcId="{82455C79-3A98-43B0-9FA5-0B35DCE6E936}" destId="{07F6E8C1-754E-4114-8783-A8A706722C0B}" srcOrd="8" destOrd="0" presId="urn:microsoft.com/office/officeart/2005/8/layout/vProcess5"/>
+  </dgm:cxnLst>
+  <dgm:bg/>
+  <dgm:whole/>
+  <dgm:extLst>
+    <a:ext uri="http://schemas.microsoft.com/office/drawing/2008/diagram">
+      <dsp:dataModelExt xmlns:dsp="http://schemas.microsoft.com/office/drawing/2008/diagram" relId="rId6" minVer="http://schemas.openxmlformats.org/drawingml/2006/diagram"/>
+    </a:ext>
+  </dgm:extLst>
+</dgm:dataModel>
+</file>
+
+<file path=ppt/diagrams/drawing1.xml><?xml version="1.0" encoding="utf-8"?>
+<dsp:drawing xmlns:dgm="http://schemas.openxmlformats.org/drawingml/2006/diagram" xmlns:dsp="http://schemas.microsoft.com/office/drawing/2008/diagram" xmlns:a="http://schemas.openxmlformats.org/drawingml/2006/main">
+  <dsp:spTree>
+    <dsp:nvGrpSpPr>
+      <dsp:cNvPr id="0" name=""/>
+      <dsp:cNvGrpSpPr/>
+    </dsp:nvGrpSpPr>
+    <dsp:grpSpPr/>
+    <dsp:sp modelId="{362F2A7A-CF82-4F42-9638-8E9A76ADD7E8}">
+      <dsp:nvSpPr>
+        <dsp:cNvPr id="0" name=""/>
+        <dsp:cNvSpPr/>
+      </dsp:nvSpPr>
+      <dsp:spPr>
+        <a:xfrm>
+          <a:off x="6968" y="422628"/>
+          <a:ext cx="3847724" cy="1154317"/>
+        </a:xfrm>
+        <a:prstGeom prst="rect">
+          <a:avLst/>
+        </a:prstGeom>
+        <a:gradFill rotWithShape="0">
+          <a:gsLst>
+            <a:gs pos="0">
+              <a:schemeClr val="accent2">
+                <a:hueOff val="0"/>
+                <a:satOff val="0"/>
+                <a:lumOff val="0"/>
+                <a:alphaOff val="0"/>
+                <a:satMod val="103000"/>
+                <a:lumMod val="102000"/>
+                <a:tint val="94000"/>
+              </a:schemeClr>
+            </a:gs>
+            <a:gs pos="50000">
+              <a:schemeClr val="accent2">
+                <a:hueOff val="0"/>
+                <a:satOff val="0"/>
+                <a:lumOff val="0"/>
+                <a:alphaOff val="0"/>
+                <a:satMod val="110000"/>
+                <a:lumMod val="100000"/>
+                <a:shade val="100000"/>
+              </a:schemeClr>
+            </a:gs>
+            <a:gs pos="100000">
+              <a:schemeClr val="accent2">
+                <a:hueOff val="0"/>
+                <a:satOff val="0"/>
+                <a:lumOff val="0"/>
+                <a:alphaOff val="0"/>
+                <a:lumMod val="99000"/>
+                <a:satMod val="120000"/>
+                <a:shade val="78000"/>
+              </a:schemeClr>
+            </a:gs>
+          </a:gsLst>
+          <a:lin ang="5400000" scaled="0"/>
+        </a:gradFill>
+        <a:ln w="12700" cap="flat" cmpd="sng" algn="ctr">
+          <a:solidFill>
+            <a:schemeClr val="accent2">
+              <a:hueOff val="0"/>
+              <a:satOff val="0"/>
+              <a:lumOff val="0"/>
+              <a:alphaOff val="0"/>
+            </a:schemeClr>
+          </a:solidFill>
+          <a:prstDash val="solid"/>
+          <a:miter lim="800000"/>
+        </a:ln>
+        <a:effectLst>
+          <a:outerShdw blurRad="57150" dist="19050" dir="5400000" algn="ctr" rotWithShape="0">
+            <a:srgbClr val="000000">
+              <a:alpha val="63000"/>
+            </a:srgbClr>
+          </a:outerShdw>
+        </a:effectLst>
+      </dsp:spPr>
+      <dsp:style>
+        <a:lnRef idx="1">
+          <a:scrgbClr r="0" g="0" b="0"/>
+        </a:lnRef>
+        <a:fillRef idx="3">
+          <a:scrgbClr r="0" g="0" b="0"/>
+        </a:fillRef>
+        <a:effectRef idx="3">
+          <a:scrgbClr r="0" g="0" b="0"/>
+        </a:effectRef>
+        <a:fontRef idx="minor">
+          <a:schemeClr val="lt1"/>
+        </a:fontRef>
+      </dsp:style>
+      <dsp:txBody>
+        <a:bodyPr spcFirstLastPara="0" vert="horz" wrap="square" lIns="304056" tIns="304056" rIns="304056" bIns="304056" numCol="1" spcCol="1270" anchor="ctr" anchorCtr="0">
+          <a:noAutofit/>
+        </a:bodyPr>
+        <a:lstStyle/>
+        <a:p>
+          <a:pPr marL="0" lvl="0" indent="0" algn="ctr" defTabSz="1689100">
+            <a:lnSpc>
+              <a:spcPct val="90000"/>
+            </a:lnSpc>
+            <a:spcBef>
+              <a:spcPct val="0"/>
+            </a:spcBef>
+            <a:spcAft>
+              <a:spcPct val="35000"/>
+            </a:spcAft>
+            <a:buNone/>
+          </a:pPr>
+          <a:r>
+            <a:rPr lang="en-US" sz="3800" kern="1200"/>
+            <a:t>Improve</a:t>
+          </a:r>
+        </a:p>
+      </dsp:txBody>
+      <dsp:txXfrm>
+        <a:off x="6968" y="422628"/>
+        <a:ext cx="3847724" cy="1154317"/>
+      </dsp:txXfrm>
+    </dsp:sp>
+    <dsp:sp modelId="{77FE1201-99AB-46CC-B5E8-4DF5613DDA52}">
+      <dsp:nvSpPr>
+        <dsp:cNvPr id="0" name=""/>
+        <dsp:cNvSpPr/>
+      </dsp:nvSpPr>
+      <dsp:spPr>
+        <a:xfrm>
+          <a:off x="6968" y="1576945"/>
+          <a:ext cx="3847724" cy="2952746"/>
+        </a:xfrm>
+        <a:prstGeom prst="rect">
+          <a:avLst/>
+        </a:prstGeom>
+        <a:solidFill>
+          <a:schemeClr val="accent2">
+            <a:alpha val="90000"/>
+            <a:tint val="40000"/>
+            <a:hueOff val="0"/>
+            <a:satOff val="0"/>
+            <a:lumOff val="0"/>
+            <a:alphaOff val="0"/>
+          </a:schemeClr>
+        </a:solidFill>
+        <a:ln w="12700" cap="flat" cmpd="sng" algn="ctr">
+          <a:solidFill>
+            <a:schemeClr val="accent2">
+              <a:alpha val="90000"/>
+              <a:tint val="40000"/>
+              <a:hueOff val="0"/>
+              <a:satOff val="0"/>
+              <a:lumOff val="0"/>
+              <a:alphaOff val="0"/>
+            </a:schemeClr>
+          </a:solidFill>
+          <a:prstDash val="solid"/>
+          <a:miter lim="800000"/>
+        </a:ln>
+        <a:effectLst/>
+      </dsp:spPr>
+      <dsp:style>
+        <a:lnRef idx="1">
+          <a:scrgbClr r="0" g="0" b="0"/>
+        </a:lnRef>
+        <a:fillRef idx="1">
+          <a:scrgbClr r="0" g="0" b="0"/>
+        </a:fillRef>
+        <a:effectRef idx="2">
+          <a:scrgbClr r="0" g="0" b="0"/>
+        </a:effectRef>
+        <a:fontRef idx="minor"/>
+      </dsp:style>
+      <dsp:txBody>
+        <a:bodyPr spcFirstLastPara="0" vert="horz" wrap="square" lIns="380070" tIns="380070" rIns="380070" bIns="380070" numCol="1" spcCol="1270" anchor="t" anchorCtr="0">
+          <a:noAutofit/>
+        </a:bodyPr>
+        <a:lstStyle/>
+        <a:p>
+          <a:pPr marL="0" lvl="0" indent="0" algn="l" defTabSz="1244600">
+            <a:lnSpc>
+              <a:spcPct val="90000"/>
+            </a:lnSpc>
+            <a:spcBef>
+              <a:spcPct val="0"/>
+            </a:spcBef>
+            <a:spcAft>
+              <a:spcPct val="35000"/>
+            </a:spcAft>
+            <a:buNone/>
+          </a:pPr>
+          <a:r>
+            <a:rPr lang="en-US" sz="2800" kern="1200" dirty="0"/>
+            <a:t>Improve Financial Literacy</a:t>
+          </a:r>
+        </a:p>
+        <a:p>
+          <a:pPr marL="228600" lvl="1" indent="-228600" algn="l" defTabSz="977900">
+            <a:lnSpc>
+              <a:spcPct val="90000"/>
+            </a:lnSpc>
+            <a:spcBef>
+              <a:spcPct val="0"/>
+            </a:spcBef>
+            <a:spcAft>
+              <a:spcPct val="15000"/>
+            </a:spcAft>
+            <a:buChar char="•"/>
+          </a:pPr>
+          <a:r>
+            <a:rPr lang="en-US" sz="2200" kern="1200" dirty="0"/>
+            <a:t>Provide a centralized hub for financial information on all topics</a:t>
+          </a:r>
+        </a:p>
+      </dsp:txBody>
+      <dsp:txXfrm>
+        <a:off x="6968" y="1576945"/>
+        <a:ext cx="3847724" cy="2952746"/>
+      </dsp:txXfrm>
+    </dsp:sp>
+    <dsp:sp modelId="{A2A39BF2-0D26-4294-81F7-9CA9506B6DB8}">
+      <dsp:nvSpPr>
+        <dsp:cNvPr id="0" name=""/>
+        <dsp:cNvSpPr/>
+      </dsp:nvSpPr>
+      <dsp:spPr>
+        <a:xfrm>
+          <a:off x="3962587" y="422628"/>
+          <a:ext cx="3847724" cy="1154317"/>
+        </a:xfrm>
+        <a:prstGeom prst="rect">
+          <a:avLst/>
+        </a:prstGeom>
+        <a:gradFill rotWithShape="0">
+          <a:gsLst>
+            <a:gs pos="0">
+              <a:schemeClr val="accent2">
+                <a:hueOff val="0"/>
+                <a:satOff val="0"/>
+                <a:lumOff val="0"/>
+                <a:alphaOff val="0"/>
+                <a:satMod val="103000"/>
+                <a:lumMod val="102000"/>
+                <a:tint val="94000"/>
+              </a:schemeClr>
+            </a:gs>
+            <a:gs pos="50000">
+              <a:schemeClr val="accent2">
+                <a:hueOff val="0"/>
+                <a:satOff val="0"/>
+                <a:lumOff val="0"/>
+                <a:alphaOff val="0"/>
+                <a:satMod val="110000"/>
+                <a:lumMod val="100000"/>
+                <a:shade val="100000"/>
+              </a:schemeClr>
+            </a:gs>
+            <a:gs pos="100000">
+              <a:schemeClr val="accent2">
+                <a:hueOff val="0"/>
+                <a:satOff val="0"/>
+                <a:lumOff val="0"/>
+                <a:alphaOff val="0"/>
+                <a:lumMod val="99000"/>
+                <a:satMod val="120000"/>
+                <a:shade val="78000"/>
+              </a:schemeClr>
+            </a:gs>
+          </a:gsLst>
+          <a:lin ang="5400000" scaled="0"/>
+        </a:gradFill>
+        <a:ln w="12700" cap="flat" cmpd="sng" algn="ctr">
+          <a:solidFill>
+            <a:schemeClr val="accent2">
+              <a:hueOff val="0"/>
+              <a:satOff val="0"/>
+              <a:lumOff val="0"/>
+              <a:alphaOff val="0"/>
+            </a:schemeClr>
+          </a:solidFill>
+          <a:prstDash val="solid"/>
+          <a:miter lim="800000"/>
+        </a:ln>
+        <a:effectLst>
+          <a:outerShdw blurRad="57150" dist="19050" dir="5400000" algn="ctr" rotWithShape="0">
+            <a:srgbClr val="000000">
+              <a:alpha val="63000"/>
+            </a:srgbClr>
+          </a:outerShdw>
+        </a:effectLst>
+      </dsp:spPr>
+      <dsp:style>
+        <a:lnRef idx="1">
+          <a:scrgbClr r="0" g="0" b="0"/>
+        </a:lnRef>
+        <a:fillRef idx="3">
+          <a:scrgbClr r="0" g="0" b="0"/>
+        </a:fillRef>
+        <a:effectRef idx="3">
+          <a:scrgbClr r="0" g="0" b="0"/>
+        </a:effectRef>
+        <a:fontRef idx="minor">
+          <a:schemeClr val="lt1"/>
+        </a:fontRef>
+      </dsp:style>
+      <dsp:txBody>
+        <a:bodyPr spcFirstLastPara="0" vert="horz" wrap="square" lIns="304056" tIns="304056" rIns="304056" bIns="304056" numCol="1" spcCol="1270" anchor="ctr" anchorCtr="0">
+          <a:noAutofit/>
+        </a:bodyPr>
+        <a:lstStyle/>
+        <a:p>
+          <a:pPr marL="0" lvl="0" indent="0" algn="ctr" defTabSz="1689100">
+            <a:lnSpc>
+              <a:spcPct val="90000"/>
+            </a:lnSpc>
+            <a:spcBef>
+              <a:spcPct val="0"/>
+            </a:spcBef>
+            <a:spcAft>
+              <a:spcPct val="35000"/>
+            </a:spcAft>
+            <a:buNone/>
+          </a:pPr>
+          <a:r>
+            <a:rPr lang="en-US" sz="3800" kern="1200" dirty="0"/>
+            <a:t>Provide</a:t>
+          </a:r>
+        </a:p>
+      </dsp:txBody>
+      <dsp:txXfrm>
+        <a:off x="3962587" y="422628"/>
+        <a:ext cx="3847724" cy="1154317"/>
+      </dsp:txXfrm>
+    </dsp:sp>
+    <dsp:sp modelId="{FD7660EE-020A-4EFF-B8D4-7E3C5EF4139F}">
+      <dsp:nvSpPr>
+        <dsp:cNvPr id="0" name=""/>
+        <dsp:cNvSpPr/>
+      </dsp:nvSpPr>
+      <dsp:spPr>
+        <a:xfrm>
+          <a:off x="3962587" y="1576945"/>
+          <a:ext cx="3847724" cy="2952746"/>
+        </a:xfrm>
+        <a:prstGeom prst="rect">
+          <a:avLst/>
+        </a:prstGeom>
+        <a:solidFill>
+          <a:schemeClr val="accent2">
+            <a:alpha val="90000"/>
+            <a:tint val="40000"/>
+            <a:hueOff val="0"/>
+            <a:satOff val="0"/>
+            <a:lumOff val="0"/>
+            <a:alphaOff val="0"/>
+          </a:schemeClr>
+        </a:solidFill>
+        <a:ln w="12700" cap="flat" cmpd="sng" algn="ctr">
+          <a:solidFill>
+            <a:schemeClr val="accent2">
+              <a:alpha val="90000"/>
+              <a:tint val="40000"/>
+              <a:hueOff val="0"/>
+              <a:satOff val="0"/>
+              <a:lumOff val="0"/>
+              <a:alphaOff val="0"/>
+            </a:schemeClr>
+          </a:solidFill>
+          <a:prstDash val="solid"/>
+          <a:miter lim="800000"/>
+        </a:ln>
+        <a:effectLst/>
+      </dsp:spPr>
+      <dsp:style>
+        <a:lnRef idx="1">
+          <a:scrgbClr r="0" g="0" b="0"/>
+        </a:lnRef>
+        <a:fillRef idx="1">
+          <a:scrgbClr r="0" g="0" b="0"/>
+        </a:fillRef>
+        <a:effectRef idx="2">
+          <a:scrgbClr r="0" g="0" b="0"/>
+        </a:effectRef>
+        <a:fontRef idx="minor"/>
+      </dsp:style>
+      <dsp:txBody>
+        <a:bodyPr spcFirstLastPara="0" vert="horz" wrap="square" lIns="380070" tIns="380070" rIns="380070" bIns="380070" numCol="1" spcCol="1270" anchor="t" anchorCtr="0">
+          <a:noAutofit/>
+        </a:bodyPr>
+        <a:lstStyle/>
+        <a:p>
+          <a:pPr marL="0" lvl="0" indent="0" algn="l" defTabSz="1244600">
+            <a:lnSpc>
+              <a:spcPct val="90000"/>
+            </a:lnSpc>
+            <a:spcBef>
+              <a:spcPct val="0"/>
+            </a:spcBef>
+            <a:spcAft>
+              <a:spcPct val="35000"/>
+            </a:spcAft>
+            <a:buNone/>
+          </a:pPr>
+          <a:r>
+            <a:rPr lang="en-US" sz="2800" kern="1200" dirty="0"/>
+            <a:t>Provide Accurate Information </a:t>
+          </a:r>
+        </a:p>
+        <a:p>
+          <a:pPr marL="228600" lvl="1" indent="-228600" algn="l" defTabSz="977900">
+            <a:lnSpc>
+              <a:spcPct val="90000"/>
+            </a:lnSpc>
+            <a:spcBef>
+              <a:spcPct val="0"/>
+            </a:spcBef>
+            <a:spcAft>
+              <a:spcPct val="15000"/>
+            </a:spcAft>
+            <a:buChar char="•"/>
+          </a:pPr>
+          <a:r>
+            <a:rPr lang="en-US" sz="2200" kern="1200" dirty="0"/>
+            <a:t>Provide the user a complete platform without worry of information accuracy</a:t>
+          </a:r>
+        </a:p>
+      </dsp:txBody>
+      <dsp:txXfrm>
+        <a:off x="3962587" y="1576945"/>
+        <a:ext cx="3847724" cy="2952746"/>
+      </dsp:txXfrm>
+    </dsp:sp>
+    <dsp:sp modelId="{0B20044E-B8B7-4AF7-8856-3663EF4D51C1}">
+      <dsp:nvSpPr>
+        <dsp:cNvPr id="0" name=""/>
+        <dsp:cNvSpPr/>
+      </dsp:nvSpPr>
+      <dsp:spPr>
+        <a:xfrm>
+          <a:off x="7918206" y="422628"/>
+          <a:ext cx="3847724" cy="1154317"/>
+        </a:xfrm>
+        <a:prstGeom prst="rect">
+          <a:avLst/>
+        </a:prstGeom>
+        <a:gradFill rotWithShape="0">
+          <a:gsLst>
+            <a:gs pos="0">
+              <a:schemeClr val="accent2">
+                <a:hueOff val="0"/>
+                <a:satOff val="0"/>
+                <a:lumOff val="0"/>
+                <a:alphaOff val="0"/>
+                <a:satMod val="103000"/>
+                <a:lumMod val="102000"/>
+                <a:tint val="94000"/>
+              </a:schemeClr>
+            </a:gs>
+            <a:gs pos="50000">
+              <a:schemeClr val="accent2">
+                <a:hueOff val="0"/>
+                <a:satOff val="0"/>
+                <a:lumOff val="0"/>
+                <a:alphaOff val="0"/>
+                <a:satMod val="110000"/>
+                <a:lumMod val="100000"/>
+                <a:shade val="100000"/>
+              </a:schemeClr>
+            </a:gs>
+            <a:gs pos="100000">
+              <a:schemeClr val="accent2">
+                <a:hueOff val="0"/>
+                <a:satOff val="0"/>
+                <a:lumOff val="0"/>
+                <a:alphaOff val="0"/>
+                <a:lumMod val="99000"/>
+                <a:satMod val="120000"/>
+                <a:shade val="78000"/>
+              </a:schemeClr>
+            </a:gs>
+          </a:gsLst>
+          <a:lin ang="5400000" scaled="0"/>
+        </a:gradFill>
+        <a:ln w="12700" cap="flat" cmpd="sng" algn="ctr">
+          <a:solidFill>
+            <a:schemeClr val="accent2">
+              <a:hueOff val="0"/>
+              <a:satOff val="0"/>
+              <a:lumOff val="0"/>
+              <a:alphaOff val="0"/>
+            </a:schemeClr>
+          </a:solidFill>
+          <a:prstDash val="solid"/>
+          <a:miter lim="800000"/>
+        </a:ln>
+        <a:effectLst>
+          <a:outerShdw blurRad="57150" dist="19050" dir="5400000" algn="ctr" rotWithShape="0">
+            <a:srgbClr val="000000">
+              <a:alpha val="63000"/>
+            </a:srgbClr>
+          </a:outerShdw>
+        </a:effectLst>
+      </dsp:spPr>
+      <dsp:style>
+        <a:lnRef idx="1">
+          <a:scrgbClr r="0" g="0" b="0"/>
+        </a:lnRef>
+        <a:fillRef idx="3">
+          <a:scrgbClr r="0" g="0" b="0"/>
+        </a:fillRef>
+        <a:effectRef idx="3">
+          <a:scrgbClr r="0" g="0" b="0"/>
+        </a:effectRef>
+        <a:fontRef idx="minor">
+          <a:schemeClr val="lt1"/>
+        </a:fontRef>
+      </dsp:style>
+      <dsp:txBody>
+        <a:bodyPr spcFirstLastPara="0" vert="horz" wrap="square" lIns="304056" tIns="304056" rIns="304056" bIns="304056" numCol="1" spcCol="1270" anchor="ctr" anchorCtr="0">
+          <a:noAutofit/>
+        </a:bodyPr>
+        <a:lstStyle/>
+        <a:p>
+          <a:pPr marL="0" lvl="0" indent="0" algn="ctr" defTabSz="1689100">
+            <a:lnSpc>
+              <a:spcPct val="90000"/>
+            </a:lnSpc>
+            <a:spcBef>
+              <a:spcPct val="0"/>
+            </a:spcBef>
+            <a:spcAft>
+              <a:spcPct val="35000"/>
+            </a:spcAft>
+            <a:buNone/>
+          </a:pPr>
+          <a:r>
+            <a:rPr lang="en-US" sz="3800" kern="1200" dirty="0"/>
+            <a:t>Support</a:t>
+          </a:r>
+        </a:p>
+      </dsp:txBody>
+      <dsp:txXfrm>
+        <a:off x="7918206" y="422628"/>
+        <a:ext cx="3847724" cy="1154317"/>
+      </dsp:txXfrm>
+    </dsp:sp>
+    <dsp:sp modelId="{5CEE96A6-9F1D-4FD0-9C3B-4C979799AAB8}">
+      <dsp:nvSpPr>
+        <dsp:cNvPr id="0" name=""/>
+        <dsp:cNvSpPr/>
+      </dsp:nvSpPr>
+      <dsp:spPr>
+        <a:xfrm>
+          <a:off x="7918206" y="1576945"/>
+          <a:ext cx="3847724" cy="2952746"/>
+        </a:xfrm>
+        <a:prstGeom prst="rect">
+          <a:avLst/>
+        </a:prstGeom>
+        <a:solidFill>
+          <a:schemeClr val="accent2">
+            <a:alpha val="90000"/>
+            <a:tint val="40000"/>
+            <a:hueOff val="0"/>
+            <a:satOff val="0"/>
+            <a:lumOff val="0"/>
+            <a:alphaOff val="0"/>
+          </a:schemeClr>
+        </a:solidFill>
+        <a:ln w="12700" cap="flat" cmpd="sng" algn="ctr">
+          <a:solidFill>
+            <a:schemeClr val="accent2">
+              <a:alpha val="90000"/>
+              <a:tint val="40000"/>
+              <a:hueOff val="0"/>
+              <a:satOff val="0"/>
+              <a:lumOff val="0"/>
+              <a:alphaOff val="0"/>
+            </a:schemeClr>
+          </a:solidFill>
+          <a:prstDash val="solid"/>
+          <a:miter lim="800000"/>
+        </a:ln>
+        <a:effectLst/>
+      </dsp:spPr>
+      <dsp:style>
+        <a:lnRef idx="1">
+          <a:scrgbClr r="0" g="0" b="0"/>
+        </a:lnRef>
+        <a:fillRef idx="1">
+          <a:scrgbClr r="0" g="0" b="0"/>
+        </a:fillRef>
+        <a:effectRef idx="2">
+          <a:scrgbClr r="0" g="0" b="0"/>
+        </a:effectRef>
+        <a:fontRef idx="minor"/>
+      </dsp:style>
+      <dsp:txBody>
+        <a:bodyPr spcFirstLastPara="0" vert="horz" wrap="square" lIns="380070" tIns="380070" rIns="380070" bIns="380070" numCol="1" spcCol="1270" anchor="t" anchorCtr="0">
+          <a:noAutofit/>
+        </a:bodyPr>
+        <a:lstStyle/>
+        <a:p>
+          <a:pPr marL="0" lvl="0" indent="0" algn="l" defTabSz="1244600">
+            <a:lnSpc>
+              <a:spcPct val="90000"/>
+            </a:lnSpc>
+            <a:spcBef>
+              <a:spcPct val="0"/>
+            </a:spcBef>
+            <a:spcAft>
+              <a:spcPct val="35000"/>
+            </a:spcAft>
+            <a:buNone/>
+          </a:pPr>
+          <a:r>
+            <a:rPr lang="en-US" sz="2800" kern="1200" dirty="0"/>
+            <a:t>Support People</a:t>
+          </a:r>
+        </a:p>
+        <a:p>
+          <a:pPr marL="228600" lvl="1" indent="-228600" algn="l" defTabSz="977900">
+            <a:lnSpc>
+              <a:spcPct val="90000"/>
+            </a:lnSpc>
+            <a:spcBef>
+              <a:spcPct val="0"/>
+            </a:spcBef>
+            <a:spcAft>
+              <a:spcPct val="15000"/>
+            </a:spcAft>
+            <a:buChar char="•"/>
+          </a:pPr>
+          <a:r>
+            <a:rPr lang="en-US" sz="2200" kern="1200" dirty="0"/>
+            <a:t>Help support people with cost of living with prudent financial practices </a:t>
+          </a:r>
+        </a:p>
+      </dsp:txBody>
+      <dsp:txXfrm>
+        <a:off x="7918206" y="1576945"/>
+        <a:ext cx="3847724" cy="2952746"/>
+      </dsp:txXfrm>
+    </dsp:sp>
+  </dsp:spTree>
+</dsp:drawing>
+</file>
+
+<file path=ppt/diagrams/drawing2.xml><?xml version="1.0" encoding="utf-8"?>
+<dsp:drawing xmlns:dgm="http://schemas.openxmlformats.org/drawingml/2006/diagram" xmlns:dsp="http://schemas.microsoft.com/office/drawing/2008/diagram" xmlns:a="http://schemas.openxmlformats.org/drawingml/2006/main">
+  <dsp:spTree>
+    <dsp:nvGrpSpPr>
+      <dsp:cNvPr id="0" name=""/>
+      <dsp:cNvGrpSpPr/>
+    </dsp:nvGrpSpPr>
+    <dsp:grpSpPr/>
+    <dsp:sp modelId="{30D83693-E486-4EC7-82E2-A590BBE82977}">
+      <dsp:nvSpPr>
+        <dsp:cNvPr id="0" name=""/>
+        <dsp:cNvSpPr/>
+      </dsp:nvSpPr>
+      <dsp:spPr>
+        <a:xfrm>
+          <a:off x="0" y="0"/>
+          <a:ext cx="8938260" cy="1305401"/>
+        </a:xfrm>
+        <a:prstGeom prst="roundRect">
+          <a:avLst>
+            <a:gd name="adj" fmla="val 10000"/>
+          </a:avLst>
+        </a:prstGeom>
+        <a:solidFill>
+          <a:schemeClr val="accent2">
+            <a:hueOff val="0"/>
+            <a:satOff val="0"/>
+            <a:lumOff val="0"/>
+            <a:alphaOff val="0"/>
+          </a:schemeClr>
+        </a:solidFill>
+        <a:ln w="19050" cap="flat" cmpd="sng" algn="ctr">
+          <a:solidFill>
+            <a:schemeClr val="lt1">
+              <a:hueOff val="0"/>
+              <a:satOff val="0"/>
+              <a:lumOff val="0"/>
+              <a:alphaOff val="0"/>
+            </a:schemeClr>
+          </a:solidFill>
+          <a:prstDash val="solid"/>
+          <a:miter lim="800000"/>
+        </a:ln>
+        <a:effectLst/>
+      </dsp:spPr>
+      <dsp:style>
+        <a:lnRef idx="2">
+          <a:scrgbClr r="0" g="0" b="0"/>
+        </a:lnRef>
+        <a:fillRef idx="1">
+          <a:scrgbClr r="0" g="0" b="0"/>
+        </a:fillRef>
+        <a:effectRef idx="0">
+          <a:scrgbClr r="0" g="0" b="0"/>
+        </a:effectRef>
+        <a:fontRef idx="minor">
+          <a:schemeClr val="lt1"/>
+        </a:fontRef>
+      </dsp:style>
+      <dsp:txBody>
+        <a:bodyPr spcFirstLastPara="0" vert="horz" wrap="square" lIns="91440" tIns="91440" rIns="91440" bIns="91440" numCol="1" spcCol="1270" anchor="ctr" anchorCtr="0">
+          <a:noAutofit/>
+        </a:bodyPr>
+        <a:lstStyle/>
+        <a:p>
+          <a:pPr marL="0" lvl="0" indent="0" algn="l" defTabSz="1066800">
+            <a:lnSpc>
+              <a:spcPct val="90000"/>
+            </a:lnSpc>
+            <a:spcBef>
+              <a:spcPct val="0"/>
+            </a:spcBef>
+            <a:spcAft>
+              <a:spcPct val="35000"/>
+            </a:spcAft>
+            <a:buNone/>
+          </a:pPr>
+          <a:r>
+            <a:rPr lang="en-GB" sz="2400" kern="1200" dirty="0"/>
+            <a:t>WealthWise is an educational platform that aims to incentivize a desire to learn and help anyone manage their finances</a:t>
+          </a:r>
+          <a:endParaRPr lang="en-US" sz="2400" kern="1200" dirty="0"/>
+        </a:p>
+      </dsp:txBody>
+      <dsp:txXfrm>
+        <a:off x="38234" y="38234"/>
+        <a:ext cx="7529629" cy="1228933"/>
+      </dsp:txXfrm>
+    </dsp:sp>
+    <dsp:sp modelId="{80F55314-354B-4768-A858-895DA5409F50}">
+      <dsp:nvSpPr>
+        <dsp:cNvPr id="0" name=""/>
+        <dsp:cNvSpPr/>
+      </dsp:nvSpPr>
+      <dsp:spPr>
+        <a:xfrm>
+          <a:off x="788669" y="1522968"/>
+          <a:ext cx="8938260" cy="1305401"/>
+        </a:xfrm>
+        <a:prstGeom prst="roundRect">
+          <a:avLst>
+            <a:gd name="adj" fmla="val 10000"/>
+          </a:avLst>
+        </a:prstGeom>
+        <a:solidFill>
+          <a:schemeClr val="accent2">
+            <a:hueOff val="0"/>
+            <a:satOff val="0"/>
+            <a:lumOff val="0"/>
+            <a:alphaOff val="0"/>
+          </a:schemeClr>
+        </a:solidFill>
+        <a:ln w="19050" cap="flat" cmpd="sng" algn="ctr">
+          <a:solidFill>
+            <a:schemeClr val="lt1">
+              <a:hueOff val="0"/>
+              <a:satOff val="0"/>
+              <a:lumOff val="0"/>
+              <a:alphaOff val="0"/>
+            </a:schemeClr>
+          </a:solidFill>
+          <a:prstDash val="solid"/>
+          <a:miter lim="800000"/>
+        </a:ln>
+        <a:effectLst/>
+      </dsp:spPr>
+      <dsp:style>
+        <a:lnRef idx="2">
+          <a:scrgbClr r="0" g="0" b="0"/>
+        </a:lnRef>
+        <a:fillRef idx="1">
+          <a:scrgbClr r="0" g="0" b="0"/>
+        </a:fillRef>
+        <a:effectRef idx="0">
+          <a:scrgbClr r="0" g="0" b="0"/>
+        </a:effectRef>
+        <a:fontRef idx="minor">
+          <a:schemeClr val="lt1"/>
+        </a:fontRef>
+      </dsp:style>
+      <dsp:txBody>
+        <a:bodyPr spcFirstLastPara="0" vert="horz" wrap="square" lIns="91440" tIns="91440" rIns="91440" bIns="91440" numCol="1" spcCol="1270" anchor="ctr" anchorCtr="0">
+          <a:noAutofit/>
+        </a:bodyPr>
+        <a:lstStyle/>
+        <a:p>
+          <a:pPr marL="0" lvl="0" indent="0" algn="l" defTabSz="1066800">
+            <a:lnSpc>
+              <a:spcPct val="90000"/>
+            </a:lnSpc>
+            <a:spcBef>
+              <a:spcPct val="0"/>
+            </a:spcBef>
+            <a:spcAft>
+              <a:spcPct val="35000"/>
+            </a:spcAft>
+            <a:buNone/>
+          </a:pPr>
+          <a:r>
+            <a:rPr lang="en-GB" sz="2400" kern="1200"/>
+            <a:t>The mission is to help make financial education enjoyable and accessible to everyone </a:t>
+          </a:r>
+          <a:endParaRPr lang="en-US" sz="2400" kern="1200"/>
+        </a:p>
+      </dsp:txBody>
+      <dsp:txXfrm>
+        <a:off x="826903" y="1561202"/>
+        <a:ext cx="7224611" cy="1228933"/>
+      </dsp:txXfrm>
+    </dsp:sp>
+    <dsp:sp modelId="{CBB832F2-2EA6-4826-A0CC-B4ABBC219EE3}">
+      <dsp:nvSpPr>
+        <dsp:cNvPr id="0" name=""/>
+        <dsp:cNvSpPr/>
+      </dsp:nvSpPr>
+      <dsp:spPr>
+        <a:xfrm>
+          <a:off x="1577339" y="3045936"/>
+          <a:ext cx="8938260" cy="1305401"/>
+        </a:xfrm>
+        <a:prstGeom prst="roundRect">
+          <a:avLst>
+            <a:gd name="adj" fmla="val 10000"/>
+          </a:avLst>
+        </a:prstGeom>
+        <a:solidFill>
+          <a:schemeClr val="accent2">
+            <a:hueOff val="0"/>
+            <a:satOff val="0"/>
+            <a:lumOff val="0"/>
+            <a:alphaOff val="0"/>
+          </a:schemeClr>
+        </a:solidFill>
+        <a:ln w="19050" cap="flat" cmpd="sng" algn="ctr">
+          <a:solidFill>
+            <a:schemeClr val="lt1">
+              <a:hueOff val="0"/>
+              <a:satOff val="0"/>
+              <a:lumOff val="0"/>
+              <a:alphaOff val="0"/>
+            </a:schemeClr>
+          </a:solidFill>
+          <a:prstDash val="solid"/>
+          <a:miter lim="800000"/>
+        </a:ln>
+        <a:effectLst/>
+      </dsp:spPr>
+      <dsp:style>
+        <a:lnRef idx="2">
+          <a:scrgbClr r="0" g="0" b="0"/>
+        </a:lnRef>
+        <a:fillRef idx="1">
+          <a:scrgbClr r="0" g="0" b="0"/>
+        </a:fillRef>
+        <a:effectRef idx="0">
+          <a:scrgbClr r="0" g="0" b="0"/>
+        </a:effectRef>
+        <a:fontRef idx="minor">
+          <a:schemeClr val="lt1"/>
+        </a:fontRef>
+      </dsp:style>
+      <dsp:txBody>
+        <a:bodyPr spcFirstLastPara="0" vert="horz" wrap="square" lIns="91440" tIns="91440" rIns="91440" bIns="91440" numCol="1" spcCol="1270" anchor="ctr" anchorCtr="0">
+          <a:noAutofit/>
+        </a:bodyPr>
+        <a:lstStyle/>
+        <a:p>
+          <a:pPr marL="0" lvl="0" indent="0" algn="l" defTabSz="1066800">
+            <a:lnSpc>
+              <a:spcPct val="90000"/>
+            </a:lnSpc>
+            <a:spcBef>
+              <a:spcPct val="0"/>
+            </a:spcBef>
+            <a:spcAft>
+              <a:spcPct val="35000"/>
+            </a:spcAft>
+            <a:buNone/>
+          </a:pPr>
+          <a:r>
+            <a:rPr lang="en-GB" sz="2400" kern="1200"/>
+            <a:t>Our vision is to create a complete platform with integrated partners that allow users to learn about finance and manage their accounts. </a:t>
+          </a:r>
+          <a:endParaRPr lang="en-US" sz="2400" kern="1200"/>
+        </a:p>
+      </dsp:txBody>
+      <dsp:txXfrm>
+        <a:off x="1615573" y="3084170"/>
+        <a:ext cx="7224611" cy="1228933"/>
+      </dsp:txXfrm>
+    </dsp:sp>
+    <dsp:sp modelId="{94B9313D-9A4B-46DC-9D9F-DDA289534CF9}">
+      <dsp:nvSpPr>
+        <dsp:cNvPr id="0" name=""/>
+        <dsp:cNvSpPr/>
+      </dsp:nvSpPr>
+      <dsp:spPr>
+        <a:xfrm>
+          <a:off x="8089749" y="989929"/>
+          <a:ext cx="848510" cy="848510"/>
+        </a:xfrm>
+        <a:prstGeom prst="downArrow">
+          <a:avLst>
+            <a:gd name="adj1" fmla="val 55000"/>
+            <a:gd name="adj2" fmla="val 45000"/>
+          </a:avLst>
+        </a:prstGeom>
+        <a:solidFill>
+          <a:schemeClr val="accent2">
+            <a:alpha val="90000"/>
+            <a:tint val="40000"/>
+            <a:hueOff val="0"/>
+            <a:satOff val="0"/>
+            <a:lumOff val="0"/>
+            <a:alphaOff val="0"/>
+          </a:schemeClr>
+        </a:solidFill>
+        <a:ln w="19050" cap="flat" cmpd="sng" algn="ctr">
+          <a:solidFill>
+            <a:schemeClr val="accent2">
+              <a:alpha val="90000"/>
+              <a:tint val="40000"/>
+              <a:hueOff val="0"/>
+              <a:satOff val="0"/>
+              <a:lumOff val="0"/>
+              <a:alphaOff val="0"/>
+            </a:schemeClr>
+          </a:solidFill>
+          <a:prstDash val="solid"/>
+          <a:miter lim="800000"/>
+        </a:ln>
+        <a:effectLst/>
+      </dsp:spPr>
+      <dsp:style>
+        <a:lnRef idx="2">
+          <a:scrgbClr r="0" g="0" b="0"/>
+        </a:lnRef>
+        <a:fillRef idx="1">
+          <a:scrgbClr r="0" g="0" b="0"/>
+        </a:fillRef>
+        <a:effectRef idx="0">
+          <a:scrgbClr r="0" g="0" b="0"/>
+        </a:effectRef>
+        <a:fontRef idx="minor"/>
+      </dsp:style>
+      <dsp:txBody>
+        <a:bodyPr spcFirstLastPara="0" vert="horz" wrap="square" lIns="45720" tIns="45720" rIns="45720" bIns="45720" numCol="1" spcCol="1270" anchor="ctr" anchorCtr="0">
+          <a:noAutofit/>
+        </a:bodyPr>
+        <a:lstStyle/>
+        <a:p>
+          <a:pPr marL="0" lvl="0" indent="0" algn="ctr" defTabSz="1600200">
+            <a:lnSpc>
+              <a:spcPct val="90000"/>
+            </a:lnSpc>
+            <a:spcBef>
+              <a:spcPct val="0"/>
+            </a:spcBef>
+            <a:spcAft>
+              <a:spcPct val="35000"/>
+            </a:spcAft>
+            <a:buNone/>
+          </a:pPr>
+          <a:endParaRPr lang="en-US" sz="3600" kern="1200"/>
+        </a:p>
+      </dsp:txBody>
+      <dsp:txXfrm>
+        <a:off x="8280664" y="989929"/>
+        <a:ext cx="466680" cy="638504"/>
+      </dsp:txXfrm>
+    </dsp:sp>
+    <dsp:sp modelId="{80BEB6EA-5AEE-43CF-B187-EB67EFDD0F71}">
+      <dsp:nvSpPr>
+        <dsp:cNvPr id="0" name=""/>
+        <dsp:cNvSpPr/>
+      </dsp:nvSpPr>
+      <dsp:spPr>
+        <a:xfrm>
+          <a:off x="8878419" y="2504195"/>
+          <a:ext cx="848510" cy="848510"/>
+        </a:xfrm>
+        <a:prstGeom prst="downArrow">
+          <a:avLst>
+            <a:gd name="adj1" fmla="val 55000"/>
+            <a:gd name="adj2" fmla="val 45000"/>
+          </a:avLst>
+        </a:prstGeom>
+        <a:solidFill>
+          <a:schemeClr val="accent2">
+            <a:alpha val="90000"/>
+            <a:tint val="40000"/>
+            <a:hueOff val="0"/>
+            <a:satOff val="0"/>
+            <a:lumOff val="0"/>
+            <a:alphaOff val="0"/>
+          </a:schemeClr>
+        </a:solidFill>
+        <a:ln w="19050" cap="flat" cmpd="sng" algn="ctr">
+          <a:solidFill>
+            <a:schemeClr val="accent2">
+              <a:alpha val="90000"/>
+              <a:tint val="40000"/>
+              <a:hueOff val="0"/>
+              <a:satOff val="0"/>
+              <a:lumOff val="0"/>
+              <a:alphaOff val="0"/>
+            </a:schemeClr>
+          </a:solidFill>
+          <a:prstDash val="solid"/>
+          <a:miter lim="800000"/>
+        </a:ln>
+        <a:effectLst/>
+      </dsp:spPr>
+      <dsp:style>
+        <a:lnRef idx="2">
+          <a:scrgbClr r="0" g="0" b="0"/>
+        </a:lnRef>
+        <a:fillRef idx="1">
+          <a:scrgbClr r="0" g="0" b="0"/>
+        </a:fillRef>
+        <a:effectRef idx="0">
+          <a:scrgbClr r="0" g="0" b="0"/>
+        </a:effectRef>
+        <a:fontRef idx="minor"/>
+      </dsp:style>
+      <dsp:txBody>
+        <a:bodyPr spcFirstLastPara="0" vert="horz" wrap="square" lIns="45720" tIns="45720" rIns="45720" bIns="45720" numCol="1" spcCol="1270" anchor="ctr" anchorCtr="0">
+          <a:noAutofit/>
+        </a:bodyPr>
+        <a:lstStyle/>
+        <a:p>
+          <a:pPr marL="0" lvl="0" indent="0" algn="ctr" defTabSz="1600200">
+            <a:lnSpc>
+              <a:spcPct val="90000"/>
+            </a:lnSpc>
+            <a:spcBef>
+              <a:spcPct val="0"/>
+            </a:spcBef>
+            <a:spcAft>
+              <a:spcPct val="35000"/>
+            </a:spcAft>
+            <a:buNone/>
+          </a:pPr>
+          <a:endParaRPr lang="en-US" sz="3600" kern="1200"/>
+        </a:p>
+      </dsp:txBody>
+      <dsp:txXfrm>
+        <a:off x="9069334" y="2504195"/>
+        <a:ext cx="466680" cy="638504"/>
+      </dsp:txXfrm>
+    </dsp:sp>
+  </dsp:spTree>
+</dsp:drawing>
+</file>
+
+<file path=ppt/diagrams/layout1.xml><?xml version="1.0" encoding="utf-8"?>
+<dgm:layoutDef xmlns:dgm="http://schemas.openxmlformats.org/drawingml/2006/diagram" xmlns:a="http://schemas.openxmlformats.org/drawingml/2006/main" uniqueId="urn:microsoft.com/office/officeart/2016/7/layout/HorizontalActionList">
+  <dgm:title val="Horizontal Action List"/>
+  <dgm:desc val="Used to show non-sequential or grouped lists of information. Works well with large amounts of text. All text has the same level of emphasis, and direction is not implied."/>
+  <dgm:catLst>
+    <dgm:cat type="list" pri="500"/>
+  </dgm:catLst>
+  <dgm:sampData useDef="1">
+    <dgm:dataModel>
+      <dgm:ptLst/>
+      <dgm:bg/>
+      <dgm:whole/>
+    </dgm:dataModel>
+  </dgm:sampData>
+  <dgm:styleData>
+    <dgm:dataModel>
+      <dgm:ptLst>
+        <dgm:pt modelId="0" type="doc"/>
+        <dgm:pt modelId="1"/>
+        <dgm:pt modelId="2"/>
+      </dgm:ptLst>
+      <dgm:cxnLst>
+        <dgm:cxn modelId="3" srcId="0" destId="1" srcOrd="0" destOrd="0"/>
+        <dgm:cxn modelId="4" srcId="0" destId="2" srcOrd="1" destOrd="0"/>
+      </dgm:cxnLst>
+      <dgm:bg/>
+      <dgm:whole/>
+    </dgm:dataModel>
+  </dgm:styleData>
+  <dgm:clrData>
+    <dgm:dataModel>
+      <dgm:ptLst>
+        <dgm:pt modelId="0" type="doc"/>
+        <dgm:pt modelId="1"/>
+        <dgm:pt modelId="2"/>
+        <dgm:pt modelId="3"/>
+        <dgm:pt modelId="4"/>
+      </dgm:ptLst>
+      <dgm:cxnLst>
+        <dgm:cxn modelId="5" srcId="0" destId="1" srcOrd="0" destOrd="0"/>
+        <dgm:cxn modelId="6" srcId="0" destId="2" srcOrd="1" destOrd="0"/>
+        <dgm:cxn modelId="7" srcId="0" destId="3" srcOrd="2" destOrd="0"/>
+        <dgm:cxn modelId="8" srcId="0" destId="4" srcOrd="3" destOrd="0"/>
+      </dgm:cxnLst>
+      <dgm:bg/>
+      <dgm:whole/>
+    </dgm:dataModel>
+  </dgm:clrData>
+  <dgm:layoutNode name="Name0">
+    <dgm:varLst>
+      <dgm:dir/>
+      <dgm:animLvl val="lvl"/>
+      <dgm:resizeHandles val="exact"/>
+    </dgm:varLst>
+    <dgm:choose name="Name1">
+      <dgm:if name="Name2" func="var" arg="dir" op="equ" val="norm">
+        <dgm:alg type="lin"/>
+      </dgm:if>
+      <dgm:else name="Name3">
+        <dgm:alg type="lin">
+          <dgm:param type="linDir" val="fromR"/>
+        </dgm:alg>
+      </dgm:else>
+    </dgm:choose>
+    <dgm:shape xmlns:r="http://schemas.openxmlformats.org/officeDocument/2006/relationships" r:blip="">
+      <dgm:adjLst/>
+    </dgm:shape>
+    <dgm:presOf/>
+    <dgm:constrLst>
+      <dgm:constr type="h" for="ch" forName="composite" refType="h" fact="0.6"/>
+      <dgm:constr type="h" for="des" forName="composite" op="equ"/>
+      <dgm:constr type="w" for="ch" forName="composite" refType="w"/>
+      <dgm:constr type="w" for="des" forName="parTx"/>
+      <dgm:constr type="h" for="des" forName="parTx" op="equ"/>
+      <dgm:constr type="w" for="des" forName="desTx"/>
+      <dgm:constr type="primFontSz" for="des" forName="parTx" val="54"/>
+      <dgm:constr type="primFontSz" for="des" forName="desTx" refType="primFontSz" refFor="des" refForName="parTx" op="lte" fact="0.75"/>
+      <dgm:constr type="h" for="des" forName="desTx" op="equ"/>
+      <dgm:constr type="w" for="ch" forName="space" op="equ" val="3"/>
+    </dgm:constrLst>
+    <dgm:ruleLst>
+      <dgm:rule type="w" for="ch" forName="composite" val="0" fact="NaN" max="NaN"/>
+    </dgm:ruleLst>
+    <dgm:forEach name="Name6" axis="ch" ptType="node">
+      <dgm:layoutNode name="composite">
+        <dgm:alg type="composite"/>
+        <dgm:shape xmlns:r="http://schemas.openxmlformats.org/officeDocument/2006/relationships" r:blip="">
+          <dgm:adjLst/>
+        </dgm:shape>
+        <dgm:presOf/>
+        <dgm:constrLst>
+          <dgm:constr type="l" for="ch" forName="parTx"/>
+          <dgm:constr type="w" for="ch" forName="parTx" refType="w"/>
+          <dgm:constr type="t" for="ch" forName="parTx"/>
+          <dgm:constr type="l" for="ch" forName="desTx"/>
+          <dgm:constr type="w" for="ch" forName="desTx" refType="w" refFor="ch" refForName="parTx"/>
+          <dgm:constr type="t" for="ch" forName="desTx" refType="h" refFor="ch" refForName="parTx"/>
+        </dgm:constrLst>
+        <dgm:ruleLst>
+          <dgm:rule type="h" val="INF" fact="NaN" max="NaN"/>
+        </dgm:ruleLst>
+        <dgm:layoutNode name="parTx" styleLbl="alignNode1">
+          <dgm:varLst>
+            <dgm:chMax val="0"/>
+            <dgm:chPref val="0"/>
+          </dgm:varLst>
+          <dgm:alg type="tx"/>
+          <dgm:shape xmlns:r="http://schemas.openxmlformats.org/officeDocument/2006/relationships" type="rect" r:blip="">
+            <dgm:adjLst/>
+          </dgm:shape>
+          <dgm:presOf axis="self" ptType="node"/>
+          <dgm:constrLst>
+            <dgm:constr type="h" refType="w" op="lte" fact="0.3"/>
+            <dgm:constr type="h"/>
+            <dgm:constr type="tMarg" refType="w" fact="0.224"/>
+            <dgm:constr type="bMarg" refType="w" fact="0.224"/>
+            <dgm:constr type="lMarg" refType="w" fact="0.224"/>
+            <dgm:constr type="rMarg" refType="w" fact="0.224"/>
+          </dgm:constrLst>
+          <dgm:ruleLst>
+            <dgm:rule type="h" val="INF" fact="NaN" max="NaN"/>
+            <dgm:rule type="primFontSz" val="14" fact="NaN" max="NaN"/>
+          </dgm:ruleLst>
+        </dgm:layoutNode>
+        <dgm:layoutNode name="desTx" styleLbl="alignAccFollowNode1">
+          <dgm:varLst/>
+          <dgm:alg type="tx">
+            <dgm:param type="stBulletLvl" val="0"/>
+            <dgm:param type="txAnchorVert" val="t"/>
+            <dgm:param type="parTxLTRAlign" val="l"/>
+            <dgm:param type="shpTxLTRAlignCh" val="l"/>
+            <dgm:param type="parTxRTLAlign" val="r"/>
+            <dgm:param type="shpTxRTLAlignCh" val="r"/>
+          </dgm:alg>
+          <dgm:shape xmlns:r="http://schemas.openxmlformats.org/officeDocument/2006/relationships" type="rect" r:blip="">
+            <dgm:adjLst/>
+          </dgm:shape>
+          <dgm:presOf axis="des" ptType="node"/>
+          <dgm:constrLst>
+            <dgm:constr type="primFontSz" val="28"/>
+            <dgm:constr type="tMarg" refType="w" fact="0.28"/>
+            <dgm:constr type="bMarg" refType="w" fact="0.28"/>
+            <dgm:constr type="lMarg" refType="w" fact="0.28"/>
+            <dgm:constr type="rMarg" refType="w" fact="0.28"/>
+          </dgm:constrLst>
+          <dgm:ruleLst>
+            <dgm:rule type="h" val="INF" fact="NaN" max="NaN"/>
+            <dgm:rule type="primFontSz" val="11" fact="NaN" max="NaN"/>
+          </dgm:ruleLst>
+        </dgm:layoutNode>
+      </dgm:layoutNode>
+      <dgm:forEach name="Name19" axis="followSib" ptType="sibTrans" cnt="1">
+        <dgm:layoutNode name="space">
+          <dgm:alg type="sp"/>
+          <dgm:shape xmlns:r="http://schemas.openxmlformats.org/officeDocument/2006/relationships" r:blip="">
+            <dgm:adjLst/>
+          </dgm:shape>
+          <dgm:presOf/>
+          <dgm:constrLst/>
+          <dgm:ruleLst/>
+        </dgm:layoutNode>
+      </dgm:forEach>
+    </dgm:forEach>
+  </dgm:layoutNode>
+</dgm:layoutDef>
+</file>
+
+<file path=ppt/diagrams/layout2.xml><?xml version="1.0" encoding="utf-8"?>
+<dgm:layoutDef xmlns:dgm="http://schemas.openxmlformats.org/drawingml/2006/diagram" xmlns:a="http://schemas.openxmlformats.org/drawingml/2006/main" uniqueId="urn:microsoft.com/office/officeart/2005/8/layout/vProcess5">
+  <dgm:title val=""/>
+  <dgm:desc val=""/>
+  <dgm:catLst>
+    <dgm:cat type="process" pri="14000"/>
+  </dgm:catLst>
+  <dgm:sampData>
+    <dgm:dataModel>
+      <dgm:ptLst>
+        <dgm:pt modelId="0" type="doc"/>
+        <dgm:pt modelId="1">
+          <dgm:prSet phldr="1"/>
+        </dgm:pt>
+        <dgm:pt modelId="2">
+          <dgm:prSet phldr="1"/>
+        </dgm:pt>
+        <dgm:pt modelId="3">
+          <dgm:prSet phldr="1"/>
+        </dgm:pt>
+      </dgm:ptLst>
+      <dgm:cxnLst>
+        <dgm:cxn modelId="5" srcId="0" destId="1" srcOrd="0" destOrd="0"/>
+        <dgm:cxn modelId="6" srcId="0" destId="2" srcOrd="1" destOrd="0"/>
+        <dgm:cxn modelId="7" srcId="0" destId="3" srcOrd="2" destOrd="0"/>
+      </dgm:cxnLst>
+      <dgm:bg/>
+      <dgm:whole/>
+    </dgm:dataModel>
+  </dgm:sampData>
+  <dgm:styleData>
+    <dgm:dataModel>
+      <dgm:ptLst>
+        <dgm:pt modelId="0" type="doc"/>
+        <dgm:pt modelId="1"/>
+        <dgm:pt modelId="2"/>
+      </dgm:ptLst>
+      <dgm:cxnLst>
+        <dgm:cxn modelId="3" srcId="0" destId="1" srcOrd="0" destOrd="0"/>
+        <dgm:cxn modelId="4" srcId="0" destId="2" srcOrd="1" destOrd="0"/>
+      </dgm:cxnLst>
+      <dgm:bg/>
+      <dgm:whole/>
+    </dgm:dataModel>
+  </dgm:styleData>
+  <dgm:clrData>
+    <dgm:dataModel>
+      <dgm:ptLst>
+        <dgm:pt modelId="0" type="doc"/>
+        <dgm:pt modelId="1"/>
+        <dgm:pt modelId="2"/>
+        <dgm:pt modelId="3"/>
+        <dgm:pt modelId="4"/>
+      </dgm:ptLst>
+      <dgm:cxnLst>
+        <dgm:cxn modelId="6" srcId="0" destId="1" srcOrd="0" destOrd="0"/>
+        <dgm:cxn modelId="7" srcId="0" destId="2" srcOrd="1" destOrd="0"/>
+        <dgm:cxn modelId="8" srcId="0" destId="3" srcOrd="2" destOrd="0"/>
+        <dgm:cxn modelId="9" srcId="0" destId="4" srcOrd="3" destOrd="0"/>
+      </dgm:cxnLst>
+      <dgm:bg/>
+      <dgm:whole/>
+    </dgm:dataModel>
+  </dgm:clrData>
+  <dgm:layoutNode name="outerComposite">
+    <dgm:varLst>
+      <dgm:chMax val="5"/>
+      <dgm:dir/>
+      <dgm:resizeHandles val="exact"/>
+    </dgm:varLst>
+    <dgm:alg type="composite"/>
+    <dgm:shape xmlns:r="http://schemas.openxmlformats.org/officeDocument/2006/relationships" r:blip="">
+      <dgm:adjLst/>
+    </dgm:shape>
+    <dgm:presOf/>
+    <dgm:choose name="Name0">
+      <dgm:if name="Name1" func="var" arg="dir" op="equ" val="norm">
+        <dgm:constrLst>
+          <dgm:constr type="primFontSz" for="ch" ptType="node" op="equ" val="65"/>
+          <dgm:constr type="w" for="ch" forName="dummyMaxCanvas" refType="w"/>
+          <dgm:constr type="h" for="ch" forName="dummyMaxCanvas" refType="h"/>
+          <dgm:constr type="w" for="ch" forName="OneNode_1" refType="w"/>
+          <dgm:constr type="h" for="ch" forName="OneNode_1" refType="h" fact="0.5"/>
+          <dgm:constr type="ctrY" for="ch" forName="OneNode_1" refType="h" fact="0.5"/>
+          <dgm:constr type="w" for="ch" forName="TwoNodes_1" refType="w" fact="0.85"/>
+          <dgm:constr type="h" for="ch" forName="TwoNodes_1" refType="h" fact="0.45"/>
+          <dgm:constr type="t" for="ch" forName="TwoNodes_1"/>
+          <dgm:constr type="l" for="ch" forName="TwoNodes_1"/>
+          <dgm:constr type="w" for="ch" forName="TwoNodes_2" refType="w" fact="0.85"/>
+          <dgm:constr type="h" for="ch" forName="TwoNodes_2" refType="h" fact="0.45"/>
+          <dgm:constr type="b" for="ch" forName="TwoNodes_2" refType="h"/>
+          <dgm:constr type="r" for="ch" forName="TwoNodes_2" refType="w"/>
+          <dgm:constr type="w" for="ch" forName="TwoConn_1-2" refType="h" refFor="ch" refForName="TwoNodes_1" fact="0.65"/>
+          <dgm:constr type="h" for="ch" forName="TwoConn_1-2" refType="h" refFor="ch" refForName="TwoNodes_1" fact="0.65"/>
+          <dgm:constr type="ctrY" for="ch" forName="TwoConn_1-2" refType="h" fact="0.5"/>
+          <dgm:constr type="r" for="ch" forName="TwoConn_1-2" refType="r" refFor="ch" refForName="TwoNodes_1"/>
+          <dgm:constr type="r" for="ch" forName="TwoNodes_1_text" refType="l" refFor="ch" refForName="TwoConn_1-2"/>
+          <dgm:constr type="rOff" for="ch" forName="TwoNodes_1_text" refType="w" refFor="ch" refForName="TwoConn_1-2" fact="-0.5"/>
+          <dgm:constr type="t" for="ch" forName="TwoNodes_1_text" refType="t" refFor="ch" refForName="TwoNodes_1"/>
+          <dgm:constr type="b" for="ch" forName="TwoNodes_1_text" refType="b" refFor="ch" refForName="TwoNodes_1"/>
+          <dgm:constr type="l" for="ch" forName="TwoNodes_1_text" refType="l" refFor="ch" refForName="TwoNodes_1"/>
+          <dgm:constr type="r" for="ch" forName="TwoNodes_2_text" refType="l" refFor="ch" refForName="TwoConn_1-2"/>
+          <dgm:constr type="t" for="ch" forName="TwoNodes_2_text" refType="t" refFor="ch" refForName="TwoNodes_2"/>
+          <dgm:constr type="b" for="ch" forName="TwoNodes_2_text" refType="b" refFor="ch" refForName="TwoNodes_2"/>
+          <dgm:constr type="l" for="ch" forName="TwoNodes_2_text" refType="l" refFor="ch" refForName="TwoNodes_2"/>
+          <dgm:constr type="w" for="ch" forName="ThreeNodes_1" refType="w" fact="0.85"/>
+          <dgm:constr type="h" for="ch" forName="ThreeNodes_1" refType="h" fact="0.3"/>
+          <dgm:constr type="t" for="ch" forName="ThreeNodes_1"/>
+          <dgm:constr type="l" for="ch" forName="ThreeNodes_1"/>
+          <dgm:constr type="w" for="ch" forName="ThreeNodes_2" refType="w" fact="0.85"/>
+          <dgm:constr type="h" for="ch" forName="ThreeNodes_2" refType="h" fact="0.3"/>
+          <dgm:constr type="ctrY" for="ch" forName="ThreeNodes_2" refType="h" fact="0.5"/>
+          <dgm:constr type="ctrX" for="ch" forName="ThreeNodes_2" refType="w" fact="0.5"/>
+          <dgm:constr type="w" for="ch" forName="ThreeNodes_3" refType="w" fact="0.85"/>
+          <dgm:constr type="h" for="ch" forName="ThreeNodes_3" refType="h" fact="0.3"/>
+          <dgm:constr type="b" for="ch" forName="ThreeNodes_3" refType="h"/>
+          <dgm:constr type="r" for="ch" forName="ThreeNodes_3" refType="w"/>
+          <dgm:constr type="w" for="ch" forName="ThreeConn_1-2" refType="h" refFor="ch" refForName="ThreeNodes_1" fact="0.65"/>
+          <dgm:constr type="h" for="ch" forName="ThreeConn_1-2" refType="h" refFor="ch" refForName="ThreeNodes_1" fact="0.65"/>
+          <dgm:constr type="ctrY" for="ch" forName="ThreeConn_1-2" refType="h" fact="0.325"/>
+          <dgm:constr type="r" for="ch" forName="ThreeConn_1-2" refType="r" refFor="ch" refForName="ThreeNodes_1"/>
+          <dgm:constr type="w" for="ch" forName="ThreeConn_2-3" refType="h" refFor="ch" refForName="ThreeNodes_2" fact="0.65"/>
+          <dgm:constr type="h" for="ch" forName="ThreeConn_2-3" refType="h" refFor="ch" refForName="ThreeNodes_2" fact="0.65"/>
+          <dgm:constr type="ctrY" for="ch" forName="ThreeConn_2-3" refType="h" fact="0.673"/>
+          <dgm:constr type="r" for="ch" forName="ThreeConn_2-3" refType="r" refFor="ch" refForName="ThreeNodes_2"/>
+          <dgm:constr type="r" for="ch" forName="ThreeNodes_1_text" refType="l" refFor="ch" refForName="ThreeConn_1-2"/>
+          <dgm:constr type="rOff" for="ch" forName="ThreeNodes_1_text" refType="w" refFor="ch" refForName="ThreeConn_1-2" fact="-0.57"/>
+          <dgm:constr type="t" for="ch" forName="ThreeNodes_1_text" refType="t" refFor="ch" refForName="ThreeNodes_1"/>
+          <dgm:constr type="b" for="ch" forName="ThreeNodes_1_text" refType="b" refFor="ch" refForName="ThreeNodes_1"/>
+          <dgm:constr type="l" for="ch" forName="ThreeNodes_1_text" refType="l" refFor="ch" refForName="ThreeNodes_1"/>
+          <dgm:constr type="r" for="ch" forName="ThreeNodes_2_text" refType="l" refFor="ch" refForName="ThreeConn_1-2"/>
+          <dgm:constr type="t" for="ch" forName="ThreeNodes_2_text" refType="t" refFor="ch" refForName="ThreeNodes_2"/>
+          <dgm:constr type="b" for="ch" forName="ThreeNodes_2_text" refType="b" refFor="ch" refForName="ThreeNodes_2"/>
+          <dgm:constr type="l" for="ch" forName="ThreeNodes_2_text" refType="l" refFor="ch" refForName="ThreeNodes_2"/>
+          <dgm:constr type="r" for="ch" forName="ThreeNodes_3_text" refType="l" refFor="ch" refForName="ThreeConn_2-3"/>
+          <dgm:constr type="t" for="ch" forName="ThreeNodes_3_text" refType="t" refFor="ch" refForName="ThreeNodes_3"/>
+          <dgm:constr type="b" for="ch" forName="ThreeNodes_3_text" refType="b" refFor="ch" refForName="ThreeNodes_3"/>
+          <dgm:constr type="l" for="ch" forName="ThreeNodes_3_text" refType="l" refFor="ch" refForName="ThreeNodes_3"/>
+          <dgm:constr type="w" for="ch" forName="FourNodes_1" refType="w" fact="0.8"/>
+          <dgm:constr type="h" for="ch" forName="FourNodes_1" refType="h" fact="0.22"/>
+          <dgm:constr type="t" for="ch" forName="FourNodes_1"/>
+          <dgm:constr type="l" for="ch" forName="FourNodes_1"/>
+          <dgm:constr type="w" for="ch" forName="FourNodes_2" refType="w" fact="0.8"/>
+          <dgm:constr type="h" for="ch" forName="FourNodes_2" refType="h" fact="0.22"/>
+          <dgm:constr type="ctrY" for="ch" forName="FourNodes_2" refType="h" fact="0.37"/>
+          <dgm:constr type="ctrX" for="ch" forName="FourNodes_2" refType="w" fact="0.467"/>
+          <dgm:constr type="w" for="ch" forName="FourNodes_3" refType="w" fact="0.8"/>
+          <dgm:constr type="h" for="ch" forName="FourNodes_3" refType="h" fact="0.22"/>
+          <dgm:constr type="ctrY" for="ch" forName="FourNodes_3" refType="h" fact="0.63"/>
+          <dgm:constr type="ctrX" for="ch" forName="FourNodes_3" refType="w" fact="0.533"/>
+          <dgm:constr type="w" for="ch" forName="FourNodes_4" refType="w" fact="0.8"/>
+          <dgm:constr type="h" for="ch" forName="FourNodes_4" refType="h" fact="0.22"/>
+          <dgm:constr type="b" for="ch" forName="FourNodes_4" refType="h"/>
+          <dgm:constr type="r" for="ch" forName="FourNodes_4" refType="w"/>
+          <dgm:constr type="w" for="ch" forName="FourConn_1-2" refType="h" refFor="ch" refForName="FourNodes_1" fact="0.65"/>
+          <dgm:constr type="h" for="ch" forName="FourConn_1-2" refType="h" refFor="ch" refForName="FourNodes_1" fact="0.65"/>
+          <dgm:constr type="ctrY" for="ch" forName="FourConn_1-2" refType="h" fact="0.24"/>
+          <dgm:constr type="r" for="ch" forName="FourConn_1-2" refType="r" refFor="ch" refForName="FourNodes_1"/>
+          <dgm:constr type="w" for="ch" forName="FourConn_2-3" refType="h" refFor="ch" refForName="FourNodes_2" fact="0.65"/>
+          <dgm:constr type="h" for="ch" forName="FourConn_2-3" refType="h" refFor="ch" refForName="FourNodes_2" fact="0.65"/>
+          <dgm:constr type="ctrY" for="ch" forName="FourConn_2-3" refType="h" fact="0.5"/>
+          <dgm:constr type="r" for="ch" forName="FourConn_2-3" refType="r" refFor="ch" refForName="FourNodes_2"/>
+          <dgm:constr type="w" for="ch" forName="FourConn_3-4" refType="h" refFor="ch" refForName="FourNodes_3" fact="0.65"/>
+          <dgm:constr type="h" for="ch" forName="FourConn_3-4" refType="h" refFor="ch" refForName="FourNodes_3" fact="0.65"/>
+          <dgm:constr type="ctrY" for="ch" forName="FourConn_3-4" refType="h" fact="0.76"/>
+          <dgm:constr type="r" for="ch" forName="FourConn_3-4" refType="r" refFor="ch" refForName="FourNodes_3"/>
+          <dgm:constr type="r" for="ch" forName="FourNodes_1_text" refType="l" refFor="ch" refForName="FourConn_1-2"/>
+          <dgm:constr type="rOff" for="ch" forName="FourNodes_1_text" refType="w" refFor="ch" refForName="FourConn_1-2" fact="-0.7"/>
+          <dgm:constr type="t" for="ch" forName="FourNodes_1_text" refType="t" refFor="ch" refForName="FourNodes_1"/>
+          <dgm:constr type="b" for="ch" forName="FourNodes_1_text" refType="b" refFor="ch" refForName="FourNodes_1"/>
+          <dgm:constr type="l" for="ch" forName="FourNodes_1_text" refType="l" refFor="ch" refForName="FourNodes_1"/>
+          <dgm:constr type="r" for="ch" forName="FourNodes_2_text" refType="l" refFor="ch" refForName="FourConn_1-2"/>
+          <dgm:constr type="t" for="ch" forName="FourNodes_2_text" refType="t" refFor="ch" refForName="FourNodes_2"/>
+          <dgm:constr type="b" for="ch" forName="FourNodes_2_text" refType="b" refFor="ch" refForName="FourNodes_2"/>
+          <dgm:constr type="l" for="ch" forName="FourNodes_2_text" refType="l" refFor="ch" refForName="FourNodes_2"/>
+          <dgm:constr type="r" for="ch" forName="FourNodes_3_text" refType="l" refFor="ch" refForName="FourConn_2-3"/>
+          <dgm:constr type="t" for="ch" forName="FourNodes_3_text" refType="t" refFor="ch" refForName="FourNodes_3"/>
+          <dgm:constr type="b" for="ch" forName="FourNodes_3_text" refType="b" refFor="ch" refForName="FourNodes_3"/>
+          <dgm:constr type="l" for="ch" forName="FourNodes_3_text" refType="l" refFor="ch" refForName="FourNodes_3"/>
+          <dgm:constr type="r" for="ch" forName="FourNodes_4_text" refType="l" refFor="ch" refForName="FourConn_3-4"/>
+          <dgm:constr type="t" for="ch" forName="FourNodes_4_text" refType="t" refFor="ch" refForName="FourNodes_4"/>
+          <dgm:constr type="b" for="ch" forName="FourNodes_4_text" refType="b" refFor="ch" refForName="FourNodes_4"/>
+          <dgm:constr type="l" for="ch" forName="FourNodes_4_text" refType="l" refFor="ch" refForName="FourNodes_4"/>
+          <dgm:constr type="w" for="ch" forName="FiveNodes_1" refType="w" fact="0.77"/>
+          <dgm:constr type="h" for="ch" forName="FiveNodes_1" refType="h" fact="0.18"/>
+          <dgm:constr type="t" for="ch" forName="FiveNodes_1"/>
+          <dgm:constr type="l" for="ch" forName="FiveNodes_1"/>
+          <dgm:constr type="w" for="ch" forName="FiveNodes_2" refType="w" fact="0.77"/>
+          <dgm:constr type="h" for="ch" forName="FiveNodes_2" refType="h" fact="0.18"/>
+          <dgm:constr type="ctrY" for="ch" forName="FiveNodes_2" refType="h" fact="0.295"/>
+          <dgm:constr type="ctrX" for="ch" forName="FiveNodes_2" refType="w" fact="0.4425"/>
+          <dgm:constr type="w" for="ch" forName="FiveNodes_3" refType="w" fact="0.77"/>
+          <dgm:constr type="h" for="ch" forName="FiveNodes_3" refType="h" fact="0.18"/>
+          <dgm:constr type="ctrY" for="ch" forName="FiveNodes_3" refType="h" fact="0.5"/>
+          <dgm:constr type="ctrX" for="ch" forName="FiveNodes_3" refType="w" fact="0.5"/>
+          <dgm:constr type="w" for="ch" forName="FiveNodes_4" refType="w" fact="0.77"/>
+          <dgm:constr type="h" for="ch" forName="FiveNodes_4" refType="h" fact="0.18"/>
+          <dgm:constr type="ctrY" for="ch" forName="FiveNodes_4" refType="h" fact="0.705"/>
+          <dgm:constr type="ctrX" for="ch" forName="FiveNodes_4" refType="w" fact="0.5575"/>
+          <dgm:constr type="w" for="ch" forName="FiveNodes_5" refType="w" fact="0.77"/>
+          <dgm:constr type="h" for="ch" forName="FiveNodes_5" refType="h" fact="0.18"/>
+          <dgm:constr type="b" for="ch" forName="FiveNodes_5" refType="h"/>
+          <dgm:constr type="r" for="ch" forName="FiveNodes_5" refType="w"/>
+          <dgm:constr type="w" for="ch" forName="FiveConn_1-2" refType="h" refFor="ch" refForName="FiveNodes_1" fact="0.65"/>
+          <dgm:constr type="h" for="ch" forName="FiveConn_1-2" refType="h" refFor="ch" refForName="FiveNodes_1" fact="0.65"/>
+          <dgm:constr type="ctrY" for="ch" forName="FiveConn_1-2" refType="h" fact="0.19"/>
+          <dgm:constr type="r" for="ch" forName="FiveConn_1-2" refType="r" refFor="ch" refForName="FiveNodes_1"/>
+          <dgm:constr type="w" for="ch" forName="FiveConn_2-3" refType="h" refFor="ch" refForName="FiveNodes_2" fact="0.65"/>
+          <dgm:constr type="h" for="ch" forName="FiveConn_2-3" refType="h" refFor="ch" refForName="FiveNodes_2" fact="0.65"/>
+          <dgm:constr type="ctrY" for="ch" forName="FiveConn_2-3" refType="h" fact="0.395"/>
+          <dgm:constr type="r" for="ch" forName="FiveConn_2-3" refType="r" refFor="ch" refForName="FiveNodes_2"/>
+          <dgm:constr type="w" for="ch" forName="FiveConn_3-4" refType="h" refFor="ch" refForName="FiveNodes_3" fact="0.65"/>
+          <dgm:constr type="h" for="ch" forName="FiveConn_3-4" refType="h" refFor="ch" refForName="FiveNodes_3" fact="0.65"/>
+          <dgm:constr type="ctrY" for="ch" forName="FiveConn_3-4" refType="h" fact="0.597"/>
+          <dgm:constr type="r" for="ch" forName="FiveConn_3-4" refType="r" refFor="ch" refForName="FiveNodes_3"/>
+          <dgm:constr type="w" for="ch" forName="FiveConn_4-5" refType="h" refFor="ch" refForName="FiveNodes_4" fact="0.65"/>
+          <dgm:constr type="h" for="ch" forName="FiveConn_4-5" refType="h" refFor="ch" refForName="FiveNodes_4" fact="0.65"/>
+          <dgm:constr type="ctrY" for="ch" forName="FiveConn_4-5" refType="h" fact="0.804"/>
+          <dgm:constr type="r" for="ch" forName="FiveConn_4-5" refType="r" refFor="ch" refForName="FiveNodes_4"/>
+          <dgm:constr type="r" for="ch" forName="FiveNodes_1_text" refType="l" refFor="ch" refForName="FiveConn_1-2"/>
+          <dgm:constr type="rOff" for="ch" forName="FiveNodes_1_text" refType="w" refFor="ch" refForName="FiveConn_1-2" fact="-0.75"/>
+          <dgm:constr type="t" for="ch" forName="FiveNodes_1_text" refType="t" refFor="ch" refForName="FiveNodes_1"/>
+          <dgm:constr type="b" for="ch" forName="FiveNodes_1_text" refType="b" refFor="ch" refForName="FiveNodes_1"/>
+          <dgm:constr type="l" for="ch" forName="FiveNodes_1_text" refType="l" refFor="ch" refForName="FiveNodes_1"/>
+          <dgm:constr type="r" for="ch" forName="FiveNodes_2_text" refType="l" refFor="ch" refForName="FiveConn_1-2"/>
+          <dgm:constr type="t" for="ch" forName="FiveNodes_2_text" refType="t" refFor="ch" refForName="FiveNodes_2"/>
+          <dgm:constr type="b" for="ch" forName="FiveNodes_2_text" refType="b" refFor="ch" refForName="FiveNodes_2"/>
+          <dgm:constr type="l" for="ch" forName="FiveNodes_2_text" refType="l" refFor="ch" refForName="FiveNodes_2"/>
+          <dgm:constr type="r" for="ch" forName="FiveNodes_3_text" refType="l" refFor="ch" refForName="FiveConn_2-3"/>
+          <dgm:constr type="t" for="ch" forName="FiveNodes_3_text" refType="t" refFor="ch" refForName="FiveNodes_3"/>
+          <dgm:constr type="b" for="ch" forName="FiveNodes_3_text" refType="b" refFor="ch" refForName="FiveNodes_3"/>
+          <dgm:constr type="l" for="ch" forName="FiveNodes_3_text" refType="l" refFor="ch" refForName="FiveNodes_3"/>
+          <dgm:constr type="r" for="ch" forName="FiveNodes_4_text" refType="l" refFor="ch" refForName="FiveConn_3-4"/>
+          <dgm:constr type="t" for="ch" forName="FiveNodes_4_text" refType="t" refFor="ch" refForName="FiveNodes_4"/>
+          <dgm:constr type="b" for="ch" forName="FiveNodes_4_text" refType="b" refFor="ch" refForName="FiveNodes_4"/>
+          <dgm:constr type="l" for="ch" forName="FiveNodes_4_text" refType="l" refFor="ch" refForName="FiveNodes_4"/>
+          <dgm:constr type="r" for="ch" forName="FiveNodes_5_text" refType="l" refFor="ch" refForName="FiveConn_4-5"/>
+          <dgm:constr type="t" for="ch" forName="FiveNodes_5_text" refType="t" refFor="ch" refForName="FiveNodes_5"/>
+          <dgm:constr type="b" for="ch" forName="FiveNodes_5_text" refType="b" refFor="ch" refForName="FiveNodes_5"/>
+          <dgm:constr type="l" for="ch" forName="FiveNodes_5_text" refType="l" refFor="ch" refForName="FiveNodes_5"/>
+        </dgm:constrLst>
+      </dgm:if>
+      <dgm:else name="Name2">
+        <dgm:constrLst>
+          <dgm:constr type="primFontSz" for="ch" ptType="node" op="equ" val="65"/>
+          <dgm:constr type="w" for="ch" forName="dummyMaxCanvas" refType="w"/>
+          <dgm:constr type="h" for="ch" forName="dummyMaxCanvas" refType="h"/>
+          <dgm:constr type="w" for="ch" forName="OneNode_1" refType="w"/>
+          <dgm:constr type="h" for="ch" forName="OneNode_1" refType="h" fact="0.5"/>
+          <dgm:constr type="ctrY" for="ch" forName="OneNode_1" refType="h" fact="0.5"/>
+          <dgm:constr type="w" for="ch" forName="TwoNodes_1" refType="w" fact="0.85"/>
+          <dgm:constr type="h" for="ch" forName="TwoNodes_1" refType="h" fact="0.45"/>
+          <dgm:constr type="t" for="ch" forName="TwoNodes_1"/>
+          <dgm:constr type="r" for="ch" forName="TwoNodes_1" refType="w"/>
+          <dgm:constr type="w" for="ch" forName="TwoNodes_2" refType="w" fact="0.85"/>
+          <dgm:constr type="h" for="ch" forName="TwoNodes_2" refType="h" fact="0.45"/>
+          <dgm:constr type="b" for="ch" forName="TwoNodes_2" refType="h"/>
+          <dgm:constr type="l" for="ch" forName="TwoNodes_2"/>
+          <dgm:constr type="w" for="ch" forName="TwoConn_1-2" refType="h" refFor="ch" refForName="TwoNodes_1" fact="0.65"/>
+          <dgm:constr type="h" for="ch" forName="TwoConn_1-2" refType="h" refFor="ch" refForName="TwoNodes_1" fact="0.65"/>
+          <dgm:constr type="ctrY" for="ch" forName="TwoConn_1-2" refType="h" fact="0.5"/>
+          <dgm:constr type="l" for="ch" forName="TwoConn_1-2" refType="l" refFor="ch" refForName="TwoNodes_1"/>
+          <dgm:constr type="l" for="ch" forName="TwoNodes_1_text" refType="r" refFor="ch" refForName="TwoConn_1-2"/>
+          <dgm:constr type="lOff" for="ch" forName="TwoNodes_1_text" refType="w" refFor="ch" refForName="TwoConn_1-2" fact="0.5"/>
+          <dgm:constr type="t" for="ch" forName="TwoNodes_1_text" refType="t" refFor="ch" refForName="TwoNodes_1"/>
+          <dgm:constr type="b" for="ch" forName="TwoNodes_1_text" refType="b" refFor="ch" refForName="TwoNodes_1"/>
+          <dgm:constr type="r" for="ch" forName="TwoNodes_1_text" refType="r" refFor="ch" refForName="TwoNodes_1"/>
+          <dgm:constr type="l" for="ch" forName="TwoNodes_2_text" refType="r" refFor="ch" refForName="TwoConn_1-2"/>
+          <dgm:constr type="t" for="ch" forName="TwoNodes_2_text" refType="t" refFor="ch" refForName="TwoNodes_2"/>
+          <dgm:constr type="b" for="ch" forName="TwoNodes_2_text" refType="b" refFor="ch" refForName="TwoNodes_2"/>
+          <dgm:constr type="r" for="ch" forName="TwoNodes_2_text" refType="r" refFor="ch" refForName="TwoNodes_2"/>
+          <dgm:constr type="w" for="ch" forName="ThreeNodes_1" refType="w" fact="0.85"/>
+          <dgm:constr type="h" for="ch" forName="ThreeNodes_1" refType="h" fact="0.3"/>
+          <dgm:constr type="t" for="ch" forName="ThreeNodes_1"/>
+          <dgm:constr type="r" for="ch" forName="ThreeNodes_1" refType="w"/>
+          <dgm:constr type="w" for="ch" forName="ThreeNodes_2" refType="w" fact="0.85"/>
+          <dgm:constr type="h" for="ch" forName="ThreeNodes_2" refType="h" fact="0.3"/>
+          <dgm:constr type="ctrY" for="ch" forName="ThreeNodes_2" refType="h" fact="0.5"/>
+          <dgm:constr type="ctrX" for="ch" forName="ThreeNodes_2" refType="w" fact="0.5"/>
+          <dgm:constr type="w" for="ch" forName="ThreeNodes_3" refType="w" fact="0.85"/>
+          <dgm:constr type="h" for="ch" forName="ThreeNodes_3" refType="h" fact="0.3"/>
+          <dgm:constr type="b" for="ch" forName="ThreeNodes_3" refType="h"/>
+          <dgm:constr type="l" for="ch" forName="ThreeNodes_3"/>
+          <dgm:constr type="w" for="ch" forName="ThreeConn_1-2" refType="h" refFor="ch" refForName="ThreeNodes_1" fact="0.65"/>
+          <dgm:constr type="h" for="ch" forName="ThreeConn_1-2" refType="h" refFor="ch" refForName="ThreeNodes_1" fact="0.65"/>
+          <dgm:constr type="ctrY" for="ch" forName="ThreeConn_1-2" refType="h" fact="0.325"/>
+          <dgm:constr type="l" for="ch" forName="ThreeConn_1-2" refType="l" refFor="ch" refForName="ThreeNodes_1"/>
+          <dgm:constr type="w" for="ch" forName="ThreeConn_2-3" refType="h" refFor="ch" refForName="ThreeNodes_2" fact="0.65"/>
+          <dgm:constr type="h" for="ch" forName="ThreeConn_2-3" refType="h" refFor="ch" refForName="ThreeNodes_2" fact="0.65"/>
+          <dgm:constr type="ctrY" for="ch" forName="ThreeConn_2-3" refType="h" fact="0.673"/>
+          <dgm:constr type="l" for="ch" forName="ThreeConn_2-3" refType="l" refFor="ch" refForName="ThreeNodes_2"/>
+          <dgm:constr type="l" for="ch" forName="ThreeNodes_1_text" refType="r" refFor="ch" refForName="ThreeConn_1-2"/>
+          <dgm:constr type="lOff" for="ch" forName="ThreeNodes_1_text" refType="w" refFor="ch" refForName="ThreeConn_1-2" fact="0.55"/>
+          <dgm:constr type="t" for="ch" forName="ThreeNodes_1_text" refType="t" refFor="ch" refForName="ThreeNodes_1"/>
+          <dgm:constr type="b" for="ch" forName="ThreeNodes_1_text" refType="b" refFor="ch" refForName="ThreeNodes_1"/>
+          <dgm:constr type="r" for="ch" forName="ThreeNodes_1_text" refType="r" refFor="ch" refForName="ThreeNodes_1"/>
+          <dgm:constr type="l" for="ch" forName="ThreeNodes_2_text" refType="r" refFor="ch" refForName="ThreeConn_1-2"/>
+          <dgm:constr type="t" for="ch" forName="ThreeNodes_2_text" refType="t" refFor="ch" refForName="ThreeNodes_2"/>
+          <dgm:constr type="b" for="ch" forName="ThreeNodes_2_text" refType="b" refFor="ch" refForName="ThreeNodes_2"/>
+          <dgm:constr type="r" for="ch" forName="ThreeNodes_2_text" refType="r" refFor="ch" refForName="ThreeNodes_2"/>
+          <dgm:constr type="l" for="ch" forName="ThreeNodes_3_text" refType="r" refFor="ch" refForName="ThreeConn_2-3"/>
+          <dgm:constr type="t" for="ch" forName="ThreeNodes_3_text" refType="t" refFor="ch" refForName="ThreeNodes_3"/>
+          <dgm:constr type="b" for="ch" forName="ThreeNodes_3_text" refType="b" refFor="ch" refForName="ThreeNodes_3"/>
+          <dgm:constr type="r" for="ch" forName="ThreeNodes_3_text" refType="r" refFor="ch" refForName="ThreeNodes_3"/>
+          <dgm:constr type="w" for="ch" forName="FourNodes_1" refType="w" fact="0.8"/>
+          <dgm:constr type="h" for="ch" forName="FourNodes_1" refType="h" fact="0.22"/>
+          <dgm:constr type="t" for="ch" forName="FourNodes_1"/>
+          <dgm:constr type="r" for="ch" forName="FourNodes_1" refType="w"/>
+          <dgm:constr type="w" for="ch" forName="FourNodes_2" refType="w" fact="0.8"/>
+          <dgm:constr type="h" for="ch" forName="FourNodes_2" refType="h" fact="0.22"/>
+          <dgm:constr type="ctrY" for="ch" forName="FourNodes_2" refType="h" fact="0.37"/>
+          <dgm:constr type="ctrX" for="ch" forName="FourNodes_2" refType="w" fact="0.533"/>
+          <dgm:constr type="w" for="ch" forName="FourNodes_3" refType="w" fact="0.8"/>
+          <dgm:constr type="h" for="ch" forName="FourNodes_3" refType="h" fact="0.22"/>
+          <dgm:constr type="ctrY" for="ch" forName="FourNodes_3" refType="h" fact="0.63"/>
+          <dgm:constr type="ctrX" for="ch" forName="FourNodes_3" refType="w" fact="0.467"/>
+          <dgm:constr type="w" for="ch" forName="FourNodes_4" refType="w" fact="0.8"/>
+          <dgm:constr type="h" for="ch" forName="FourNodes_4" refType="h" fact="0.22"/>
+          <dgm:constr type="b" for="ch" forName="FourNodes_4" refType="h"/>
+          <dgm:constr type="l" for="ch" forName="FourNodes_4"/>
+          <dgm:constr type="w" for="ch" forName="FourConn_1-2" refType="h" refFor="ch" refForName="FourNodes_1" fact="0.65"/>
+          <dgm:constr type="h" for="ch" forName="FourConn_1-2" refType="h" refFor="ch" refForName="FourNodes_1" fact="0.65"/>
+          <dgm:constr type="ctrY" for="ch" forName="FourConn_1-2" refType="h" fact="0.24"/>
+          <dgm:constr type="l" for="ch" forName="FourConn_1-2" refType="l" refFor="ch" refForName="FourNodes_1"/>
+          <dgm:constr type="w" for="ch" forName="FourConn_2-3" refType="h" refFor="ch" refForName="FourNodes_2" fact="0.65"/>
+          <dgm:constr type="h" for="ch" forName="FourConn_2-3" refType="h" refFor="ch" refForName="FourNodes_2" fact="0.65"/>
+          <dgm:constr type="ctrY" for="ch" forName="FourConn_2-3" refType="h" fact="0.5"/>
+          <dgm:constr type="l" for="ch" forName="FourConn_2-3" refType="l" refFor="ch" refForName="FourNodes_2"/>
+          <dgm:constr type="w" for="ch" forName="FourConn_3-4" refType="h" refFor="ch" refForName="FourNodes_3" fact="0.65"/>
+          <dgm:constr type="h" for="ch" forName="FourConn_3-4" refType="h" refFor="ch" refForName="FourNodes_3" fact="0.65"/>
+          <dgm:constr type="ctrY" for="ch" forName="FourConn_3-4" refType="h" fact="0.76"/>
+          <dgm:constr type="l" for="ch" forName="FourConn_3-4" refType="l" refFor="ch" refForName="FourNodes_3"/>
+          <dgm:constr type="l" for="ch" forName="FourNodes_1_text" refType="r" refFor="ch" refForName="FourConn_1-2"/>
+          <dgm:constr type="lOff" for="ch" forName="FourNodes_1_text" refType="w" refFor="ch" refForName="FourConn_1-2" fact="0.69"/>
+          <dgm:constr type="t" for="ch" forName="FourNodes_1_text" refType="t" refFor="ch" refForName="FourNodes_1"/>
+          <dgm:constr type="b" for="ch" forName="FourNodes_1_text" refType="b" refFor="ch" refForName="FourNodes_1"/>
+          <dgm:constr type="r" for="ch" forName="FourNodes_1_text" refType="r" refFor="ch" refForName="FourNodes_1"/>
+          <dgm:constr type="l" for="ch" forName="FourNodes_2_text" refType="r" refFor="ch" refForName="FourConn_1-2"/>
+          <dgm:constr type="t" for="ch" forName="FourNodes_2_text" refType="t" refFor="ch" refForName="FourNodes_2"/>
+          <dgm:constr type="b" for="ch" forName="FourNodes_2_text" refType="b" refFor="ch" refForName="FourNodes_2"/>
+          <dgm:constr type="r" for="ch" forName="FourNodes_2_text" refType="r" refFor="ch" refForName="FourNodes_2"/>
+          <dgm:constr type="l" for="ch" forName="FourNodes_3_text" refType="r" refFor="ch" refForName="FourConn_2-3"/>
+          <dgm:constr type="t" for="ch" forName="FourNodes_3_text" refType="t" refFor="ch" refForName="FourNodes_3"/>
+          <dgm:constr type="b" for="ch" forName="FourNodes_3_text" refType="b" refFor="ch" refForName="FourNodes_3"/>
+          <dgm:constr type="r" for="ch" forName="FourNodes_3_text" refType="r" refFor="ch" refForName="FourNodes_3"/>
+          <dgm:constr type="l" for="ch" forName="FourNodes_4_text" refType="r" refFor="ch" refForName="FourConn_3-4"/>
+          <dgm:constr type="t" for="ch" forName="FourNodes_4_text" refType="t" refFor="ch" refForName="FourNodes_4"/>
+          <dgm:constr type="b" for="ch" forName="FourNodes_4_text" refType="b" refFor="ch" refForName="FourNodes_4"/>
+          <dgm:constr type="r" for="ch" forName="FourNodes_4_text" refType="r" refFor="ch" refForName="FourNodes_4"/>
+          <dgm:constr type="w" for="ch" forName="FiveNodes_1" refType="w" fact="0.77"/>
+          <dgm:constr type="h" for="ch" forName="FiveNodes_1" refType="h" fact="0.18"/>
+          <dgm:constr type="t" for="ch" forName="FiveNodes_1"/>
+          <dgm:constr type="r" for="ch" forName="FiveNodes_1" refType="w"/>
+          <dgm:constr type="w" for="ch" forName="FiveNodes_2" refType="w" fact="0.77"/>
+          <dgm:constr type="h" for="ch" forName="FiveNodes_2" refType="h" fact="0.18"/>
+          <dgm:constr type="ctrY" for="ch" forName="FiveNodes_2" refType="h" fact="0.295"/>
+          <dgm:constr type="ctrX" for="ch" forName="FiveNodes_2" refType="w" fact="0.5575"/>
+          <dgm:constr type="w" for="ch" forName="FiveNodes_3" refType="w" fact="0.77"/>
+          <dgm:constr type="h" for="ch" forName="FiveNodes_3" refType="h" fact="0.18"/>
+          <dgm:constr type="ctrY" for="ch" forName="FiveNodes_3" refType="h" fact="0.5"/>
+          <dgm:constr type="ctrX" for="ch" forName="FiveNodes_3" refType="w" fact="0.5"/>
+          <dgm:constr type="w" for="ch" forName="FiveNodes_4" refType="w" fact="0.77"/>
+          <dgm:constr type="h" for="ch" forName="FiveNodes_4" refType="h" fact="0.18"/>
+          <dgm:constr type="ctrY" for="ch" forName="FiveNodes_4" refType="h" fact="0.705"/>
+          <dgm:constr type="ctrX" for="ch" forName="FiveNodes_4" refType="w" fact="0.4425"/>
+          <dgm:constr type="w" for="ch" forName="FiveNodes_5" refType="w" fact="0.77"/>
+          <dgm:constr type="h" for="ch" forName="FiveNodes_5" refType="h" fact="0.18"/>
+          <dgm:constr type="b" for="ch" forName="FiveNodes_5" refType="h"/>
+          <dgm:constr type="l" for="ch" forName="FiveNodes_5"/>
+          <dgm:constr type="w" for="ch" forName="FiveConn_1-2" refType="h" refFor="ch" refForName="FiveNodes_1" fact="0.65"/>
+          <dgm:constr type="h" for="ch" forName="FiveConn_1-2" refType="h" refFor="ch" refForName="FiveNodes_1" fact="0.65"/>
+          <dgm:constr type="ctrY" for="ch" forName="FiveConn_1-2" refType="h" fact="0.19"/>
+          <dgm:constr type="l" for="ch" forName="FiveConn_1-2" refType="l" refFor="ch" refForName="FiveNodes_1"/>
+          <dgm:constr type="w" for="ch" forName="FiveConn_2-3" refType="h" refFor="ch" refForName="FiveNodes_2" fact="0.65"/>
+          <dgm:constr type="h" for="ch" forName="FiveConn_2-3" refType="h" refFor="ch" refForName="FiveNodes_2" fact="0.65"/>
+          <dgm:constr type="ctrY" for="ch" forName="FiveConn_2-3" refType="h" fact="0.395"/>
+          <dgm:constr type="l" for="ch" forName="FiveConn_2-3" refType="l" refFor="ch" refForName="FiveNodes_2"/>
+          <dgm:constr type="w" for="ch" forName="FiveConn_3-4" refType="h" refFor="ch" refForName="FiveNodes_3" fact="0.65"/>
+          <dgm:constr type="h" for="ch" forName="FiveConn_3-4" refType="h" refFor="ch" refForName="FiveNodes_3" fact="0.65"/>
+          <dgm:constr type="ctrY" for="ch" forName="FiveConn_3-4" refType="h" fact="0.597"/>
+          <dgm:constr type="l" for="ch" forName="FiveConn_3-4" refType="l" refFor="ch" refForName="FiveNodes_3"/>
+          <dgm:constr type="w" for="ch" forName="FiveConn_4-5" refType="h" refFor="ch" refForName="FiveNodes_4" fact="0.65"/>
+          <dgm:constr type="h" for="ch" forName="FiveConn_4-5" refType="h" refFor="ch" refForName="FiveNodes_4" fact="0.65"/>
+          <dgm:constr type="ctrY" for="ch" forName="FiveConn_4-5" refType="h" fact="0.804"/>
+          <dgm:constr type="l" for="ch" forName="FiveConn_4-5" refType="l" refFor="ch" refForName="FiveNodes_4"/>
+          <dgm:constr type="l" for="ch" forName="FiveNodes_1_text" refType="r" refFor="ch" refForName="FiveConn_1-2"/>
+          <dgm:constr type="lOff" for="ch" forName="FiveNodes_1_text" refType="w" refFor="ch" refForName="FiveConn_1-2" fact="0.73"/>
+          <dgm:constr type="t" for="ch" forName="FiveNodes_1_text" refType="t" refFor="ch" refForName="FiveNodes_1"/>
+          <dgm:constr type="b" for="ch" forName="FiveNodes_1_text" refType="b" refFor="ch" refForName="FiveNodes_1"/>
+          <dgm:constr type="r" for="ch" forName="FiveNodes_1_text" refType="r" refFor="ch" refForName="FiveNodes_1"/>
+          <dgm:constr type="l" for="ch" forName="FiveNodes_2_text" refType="r" refFor="ch" refForName="FiveConn_1-2"/>
+          <dgm:constr type="t" for="ch" forName="FiveNodes_2_text" refType="t" refFor="ch" refForName="FiveNodes_2"/>
+          <dgm:constr type="b" for="ch" forName="FiveNodes_2_text" refType="b" refFor="ch" refForName="FiveNodes_2"/>
+          <dgm:constr type="r" for="ch" forName="FiveNodes_2_text" refType="r" refFor="ch" refForName="FiveNodes_2"/>
+          <dgm:constr type="l" for="ch" forName="FiveNodes_3_text" refType="r" refFor="ch" refForName="FiveConn_2-3"/>
+          <dgm:constr type="t" for="ch" forName="FiveNodes_3_text" refType="t" refFor="ch" refForName="FiveNodes_3"/>
+          <dgm:constr type="b" for="ch" forName="FiveNodes_3_text" refType="b" refFor="ch" refForName="FiveNodes_3"/>
+          <dgm:constr type="r" for="ch" forName="FiveNodes_3_text" refType="r" refFor="ch" refForName="FiveNodes_3"/>
+          <dgm:constr type="l" for="ch" forName="FiveNodes_4_text" refType="r" refFor="ch" refForName="FiveConn_3-4"/>
+          <dgm:constr type="t" for="ch" forName="FiveNodes_4_text" refType="t" refFor="ch" refForName="FiveNodes_4"/>
+          <dgm:constr type="b" for="ch" forName="FiveNodes_4_text" refType="b" refFor="ch" refForName="FiveNodes_4"/>
+          <dgm:constr type="r" for="ch" forName="FiveNodes_4_text" refType="r" refFor="ch" refForName="FiveNodes_4"/>
+          <dgm:constr type="l" for="ch" forName="FiveNodes_5_text" refType="r" refFor="ch" refForName="FiveConn_4-5"/>
+          <dgm:constr type="t" for="ch" forName="FiveNodes_5_text" refType="t" refFor="ch" refForName="FiveNodes_5"/>
+          <dgm:constr type="b" for="ch" forName="FiveNodes_5_text" refType="b" refFor="ch" refForName="FiveNodes_5"/>
+          <dgm:constr type="r" for="ch" forName="FiveNodes_5_text" refType="r" refFor="ch" refForName="FiveNodes_5"/>
+        </dgm:constrLst>
+      </dgm:else>
+    </dgm:choose>
+    <dgm:ruleLst/>
+    <dgm:layoutNode name="dummyMaxCanvas">
+      <dgm:varLst/>
+      <dgm:alg type="sp"/>
+      <dgm:shape xmlns:r="http://schemas.openxmlformats.org/officeDocument/2006/relationships" r:blip="">
+        <dgm:adjLst/>
+      </dgm:shape>
+      <dgm:presOf/>
+      <dgm:constrLst/>
+      <dgm:ruleLst/>
+    </dgm:layoutNode>
+    <dgm:choose name="Name3">
+      <dgm:if name="Name4" axis="ch" ptType="node" func="cnt" op="equ" val="1">
+        <dgm:layoutNode name="OneNode_1">
+          <dgm:varLst>
+            <dgm:bulletEnabled val="1"/>
+          </dgm:varLst>
+          <dgm:alg type="tx"/>
+          <dgm:shape xmlns:r="http://schemas.openxmlformats.org/officeDocument/2006/relationships" type="roundRect" r:blip="">
+            <dgm:adjLst>
+              <dgm:adj idx="1" val="0.1"/>
+            </dgm:adjLst>
+          </dgm:shape>
+          <dgm:presOf axis="ch desOrSelf" ptType="node node" st="1 1" cnt="1 0"/>
+          <dgm:constrLst>
+            <dgm:constr type="lMarg" refType="primFontSz" fact="0.3"/>
+            <dgm:constr type="rMarg" refType="primFontSz" fact="0.3"/>
+            <dgm:constr type="tMarg" refType="primFontSz" fact="0.3"/>
+            <dgm:constr type="bMarg" refType="primFontSz" fact="0.3"/>
+          </dgm:constrLst>
+          <dgm:ruleLst>
+            <dgm:rule type="primFontSz" val="5" fact="NaN" max="NaN"/>
+          </dgm:ruleLst>
+        </dgm:layoutNode>
+      </dgm:if>
+      <dgm:else name="Name5">
+        <dgm:choose name="Name6">
+          <dgm:if name="Name7" axis="ch" ptType="node" func="cnt" op="equ" val="2">
+            <dgm:layoutNode name="TwoNodes_1">
+              <dgm:varLst>
+                <dgm:bulletEnabled val="1"/>
+              </dgm:varLst>
+              <dgm:alg type="sp"/>
+              <dgm:shape xmlns:r="http://schemas.openxmlformats.org/officeDocument/2006/relationships" type="roundRect" r:blip="">
+                <dgm:adjLst>
+                  <dgm:adj idx="1" val="0.1"/>
+                </dgm:adjLst>
+              </dgm:shape>
+              <dgm:presOf axis="ch desOrSelf" ptType="node node" st="1 1" cnt="1 0"/>
+              <dgm:constrLst/>
+              <dgm:ruleLst/>
+            </dgm:layoutNode>
+            <dgm:layoutNode name="TwoNodes_2">
+              <dgm:varLst>
+                <dgm:bulletEnabled val="1"/>
+              </dgm:varLst>
+              <dgm:alg type="sp"/>
+              <dgm:shape xmlns:r="http://schemas.openxmlformats.org/officeDocument/2006/relationships" type="roundRect" r:blip="">
+                <dgm:adjLst>
+                  <dgm:adj idx="1" val="0.1"/>
+                </dgm:adjLst>
+              </dgm:shape>
+              <dgm:presOf axis="ch desOrSelf" ptType="node node" st="2 1" cnt="1 0"/>
+              <dgm:constrLst/>
+              <dgm:ruleLst/>
+            </dgm:layoutNode>
+            <dgm:layoutNode name="TwoConn_1-2" styleLbl="fgAccFollowNode1">
+              <dgm:varLst>
+                <dgm:bulletEnabled val="1"/>
+              </dgm:varLst>
+              <dgm:alg type="tx"/>
+              <dgm:shape xmlns:r="http://schemas.openxmlformats.org/officeDocument/2006/relationships" type="downArrow" r:blip="">
+                <dgm:adjLst>
+                  <dgm:adj idx="1" val="0.55"/>
+                  <dgm:adj idx="2" val="0.45"/>
+                </dgm:adjLst>
+              </dgm:shape>
+              <dgm:presOf axis="ch" ptType="sibTrans" cnt="1"/>
+              <dgm:constrLst>
+                <dgm:constr type="lMarg" refType="primFontSz" fact="0.1"/>
+                <dgm:constr type="rMarg" refType="primFontSz" fact="0.1"/>
+                <dgm:constr type="tMarg" refType="primFontSz" fact="0.1"/>
+                <dgm:constr type="bMarg" refType="primFontSz" fact="0.1"/>
+              </dgm:constrLst>
+              <dgm:ruleLst>
+                <dgm:rule type="primFontSz" val="5" fact="NaN" max="NaN"/>
+              </dgm:ruleLst>
+            </dgm:layoutNode>
+            <dgm:layoutNode name="TwoNodes_1_text">
+              <dgm:varLst>
+                <dgm:bulletEnabled val="1"/>
+              </dgm:varLst>
+              <dgm:alg type="tx">
+                <dgm:param type="parTxLTRAlign" val="l"/>
+                <dgm:param type="txAnchorVertCh" val="mid"/>
+              </dgm:alg>
+              <dgm:shape xmlns:r="http://schemas.openxmlformats.org/officeDocument/2006/relationships" type="roundRect" r:blip="" hideGeom="1">
+                <dgm:adjLst>
+                  <dgm:adj idx="1" val="0.1"/>
+                </dgm:adjLst>
+              </dgm:shape>
+              <dgm:presOf axis="ch desOrSelf" ptType="node node" st="1 1" cnt="1 0"/>
+              <dgm:constrLst>
+                <dgm:constr type="lMarg" refType="primFontSz" fact="0.3"/>
+                <dgm:constr type="rMarg" refType="primFontSz" fact="0.3"/>
+                <dgm:constr type="tMarg" refType="primFontSz" fact="0.3"/>
+                <dgm:constr type="bMarg" refType="primFontSz" fact="0.3"/>
+              </dgm:constrLst>
+              <dgm:ruleLst>
+                <dgm:rule type="primFontSz" val="5" fact="NaN" max="NaN"/>
+              </dgm:ruleLst>
+            </dgm:layoutNode>
+            <dgm:layoutNode name="TwoNodes_2_text">
+              <dgm:varLst>
+                <dgm:bulletEnabled val="1"/>
+              </dgm:varLst>
+              <dgm:alg type="tx">
+                <dgm:param type="parTxLTRAlign" val="l"/>
+                <dgm:param type="txAnchorVertCh" val="mid"/>
+              </dgm:alg>
+              <dgm:shape xmlns:r="http://schemas.openxmlformats.org/officeDocument/2006/relationships" type="roundRect" r:blip="" hideGeom="1">
+                <dgm:adjLst>
+                  <dgm:adj idx="1" val="0.1"/>
+                </dgm:adjLst>
+              </dgm:shape>
+              <dgm:presOf axis="ch desOrSelf" ptType="node node" st="2 1" cnt="1 0"/>
+              <dgm:constrLst>
+                <dgm:constr type="lMarg" refType="primFontSz" fact="0.3"/>
+                <dgm:constr type="rMarg" refType="primFontSz" fact="0.3"/>
+                <dgm:constr type="tMarg" refType="primFontSz" fact="0.3"/>
+                <dgm:constr type="bMarg" refType="primFontSz" fact="0.3"/>
+              </dgm:constrLst>
+              <dgm:ruleLst>
+                <dgm:rule type="primFontSz" val="5" fact="NaN" max="NaN"/>
+              </dgm:ruleLst>
+            </dgm:layoutNode>
+          </dgm:if>
+          <dgm:else name="Name8">
+            <dgm:choose name="Name9">
+              <dgm:if name="Name10" axis="ch" ptType="node" func="cnt" op="equ" val="3">
+                <dgm:layoutNode name="ThreeNodes_1">
+                  <dgm:varLst>
+                    <dgm:bulletEnabled val="1"/>
+                  </dgm:varLst>
+                  <dgm:alg type="sp"/>
+                  <dgm:shape xmlns:r="http://schemas.openxmlformats.org/officeDocument/2006/relationships" type="roundRect" r:blip="">
+                    <dgm:adjLst>
+                      <dgm:adj idx="1" val="0.1"/>
+                    </dgm:adjLst>
+                  </dgm:shape>
+                  <dgm:presOf axis="ch desOrSelf" ptType="node node" st="1 1" cnt="1 0"/>
+                  <dgm:constrLst/>
+                  <dgm:ruleLst/>
+                </dgm:layoutNode>
+                <dgm:layoutNode name="ThreeNodes_2">
+                  <dgm:varLst>
+                    <dgm:bulletEnabled val="1"/>
+                  </dgm:varLst>
+                  <dgm:alg type="sp"/>
+                  <dgm:shape xmlns:r="http://schemas.openxmlformats.org/officeDocument/2006/relationships" type="roundRect" r:blip="">
+                    <dgm:adjLst>
+                      <dgm:adj idx="1" val="0.1"/>
+                    </dgm:adjLst>
+                  </dgm:shape>
+                  <dgm:presOf axis="ch desOrSelf" ptType="node node" st="2 1" cnt="1 0"/>
+                  <dgm:constrLst/>
+                  <dgm:ruleLst/>
+                </dgm:layoutNode>
+                <dgm:layoutNode name="ThreeNodes_3">
+                  <dgm:varLst>
+                    <dgm:bulletEnabled val="1"/>
+                  </dgm:varLst>
+                  <dgm:alg type="sp"/>
+                  <dgm:shape xmlns:r="http://schemas.openxmlformats.org/officeDocument/2006/relationships" type="roundRect" r:blip="">
+                    <dgm:adjLst>
+                      <dgm:adj idx="1" val="0.1"/>
+                    </dgm:adjLst>
+                  </dgm:shape>
+                  <dgm:presOf axis="ch desOrSelf" ptType="node node" st="3 1" cnt="1 0"/>
+                  <dgm:constrLst/>
+                  <dgm:ruleLst/>
+                </dgm:layoutNode>
+                <dgm:layoutNode name="ThreeConn_1-2" styleLbl="fgAccFollowNode1">
+                  <dgm:varLst>
+                    <dgm:bulletEnabled val="1"/>
+                  </dgm:varLst>
+                  <dgm:alg type="tx"/>
+                  <dgm:shape xmlns:r="http://schemas.openxmlformats.org/officeDocument/2006/relationships" type="downArrow" r:blip="">
+                    <dgm:adjLst>
+                      <dgm:adj idx="1" val="0.55"/>
+                      <dgm:adj idx="2" val="0.45"/>
+                    </dgm:adjLst>
+                  </dgm:shape>
+                  <dgm:presOf axis="ch" ptType="sibTrans" cnt="1"/>
+                  <dgm:constrLst>
+                    <dgm:constr type="lMarg" refType="primFontSz" fact="0.1"/>
+                    <dgm:constr type="rMarg" refType="primFontSz" fact="0.1"/>
+                    <dgm:constr type="tMarg" refType="primFontSz" fact="0.1"/>
+                    <dgm:constr type="bMarg" refType="primFontSz" fact="0.1"/>
+                  </dgm:constrLst>
+                  <dgm:ruleLst>
+                    <dgm:rule type="primFontSz" val="5" fact="NaN" max="NaN"/>
+                  </dgm:ruleLst>
+                </dgm:layoutNode>
+                <dgm:layoutNode name="ThreeConn_2-3" styleLbl="fgAccFollowNode1">
+                  <dgm:varLst>
+                    <dgm:bulletEnabled val="1"/>
+                  </dgm:varLst>
+                  <dgm:alg type="tx"/>
+                  <dgm:shape xmlns:r="http://schemas.openxmlformats.org/officeDocument/2006/relationships" type="downArrow" r:blip="">
+                    <dgm:adjLst>
+                      <dgm:adj idx="1" val="0.55"/>
+                      <dgm:adj idx="2" val="0.45"/>
+                    </dgm:adjLst>
+                  </dgm:shape>
+                  <dgm:presOf axis="ch" ptType="sibTrans" st="2" cnt="1"/>
+                  <dgm:constrLst>
+                    <dgm:constr type="lMarg" refType="primFontSz" fact="0.1"/>
+                    <dgm:constr type="rMarg" refType="primFontSz" fact="0.1"/>
+                    <dgm:constr type="tMarg" refType="primFontSz" fact="0.1"/>
+                    <dgm:constr type="bMarg" refType="primFontSz" fact="0.1"/>
+                  </dgm:constrLst>
+                  <dgm:ruleLst>
+                    <dgm:rule type="primFontSz" val="5" fact="NaN" max="NaN"/>
+                  </dgm:ruleLst>
+                </dgm:layoutNode>
+                <dgm:layoutNode name="ThreeNodes_1_text">
+                  <dgm:varLst>
+                    <dgm:bulletEnabled val="1"/>
+                  </dgm:varLst>
+                  <dgm:alg type="tx">
+                    <dgm:param type="parTxLTRAlign" val="l"/>
+                    <dgm:param type="txAnchorVertCh" val="mid"/>
+                  </dgm:alg>
+                  <dgm:shape xmlns:r="http://schemas.openxmlformats.org/officeDocument/2006/relationships" type="roundRect" r:blip="" hideGeom="1">
+                    <dgm:adjLst>
+                      <dgm:adj idx="1" val="0.1"/>
+                    </dgm:adjLst>
+                  </dgm:shape>
+                  <dgm:presOf axis="ch desOrSelf" ptType="node node" st="1 1" cnt="1 0"/>
+                  <dgm:constrLst>
+                    <dgm:constr type="lMarg" refType="primFontSz" fact="0.3"/>
+                    <dgm:constr type="rMarg" refType="primFontSz" fact="0.3"/>
+                    <dgm:constr type="tMarg" refType="primFontSz" fact="0.3"/>
+                    <dgm:constr type="bMarg" refType="primFontSz" fact="0.3"/>
+                  </dgm:constrLst>
+                  <dgm:ruleLst>
+                    <dgm:rule type="primFontSz" val="5" fact="NaN" max="NaN"/>
+                  </dgm:ruleLst>
+                </dgm:layoutNode>
+                <dgm:layoutNode name="ThreeNodes_2_text">
+                  <dgm:varLst>
+                    <dgm:bulletEnabled val="1"/>
+                  </dgm:varLst>
+                  <dgm:alg type="tx">
+                    <dgm:param type="parTxLTRAlign" val="l"/>
+                    <dgm:param type="txAnchorVertCh" val="mid"/>
+                  </dgm:alg>
+                  <dgm:shape xmlns:r="http://schemas.openxmlformats.org/officeDocument/2006/relationships" type="roundRect" r:blip="" hideGeom="1">
+                    <dgm:adjLst>
+                      <dgm:adj idx="1" val="0.1"/>
+                    </dgm:adjLst>
+                  </dgm:shape>
+                  <dgm:presOf axis="ch desOrSelf" ptType="node node" st="2 1" cnt="1 0"/>
+                  <dgm:constrLst>
+                    <dgm:constr type="lMarg" refType="primFontSz" fact="0.3"/>
+                    <dgm:constr type="rMarg" refType="primFontSz" fact="0.3"/>
+                    <dgm:constr type="tMarg" refType="primFontSz" fact="0.3"/>
+                    <dgm:constr type="bMarg" refType="primFontSz" fact="0.3"/>
+                  </dgm:constrLst>
+                  <dgm:ruleLst>
+                    <dgm:rule type="primFontSz" val="5" fact="NaN" max="NaN"/>
+                  </dgm:ruleLst>
+                </dgm:layoutNode>
+                <dgm:layoutNode name="ThreeNodes_3_text">
+                  <dgm:varLst>
+                    <dgm:bulletEnabled val="1"/>
+                  </dgm:varLst>
+                  <dgm:alg type="tx">
+                    <dgm:param type="parTxLTRAlign" val="l"/>
+                    <dgm:param type="txAnchorVertCh" val="mid"/>
+                  </dgm:alg>
+                  <dgm:shape xmlns:r="http://schemas.openxmlformats.org/officeDocument/2006/relationships" type="roundRect" r:blip="" hideGeom="1">
+                    <dgm:adjLst>
+                      <dgm:adj idx="1" val="0.1"/>
+                    </dgm:adjLst>
+                  </dgm:shape>
+                  <dgm:presOf axis="ch desOrSelf" ptType="node node" st="3 1" cnt="1 0"/>
+                  <dgm:constrLst>
+                    <dgm:constr type="lMarg" refType="primFontSz" fact="0.3"/>
+                    <dgm:constr type="rMarg" refType="primFontSz" fact="0.3"/>
+                    <dgm:constr type="tMarg" refType="primFontSz" fact="0.3"/>
+                    <dgm:constr type="bMarg" refType="primFontSz" fact="0.3"/>
+                  </dgm:constrLst>
+                  <dgm:ruleLst>
+                    <dgm:rule type="primFontSz" val="5" fact="NaN" max="NaN"/>
+                  </dgm:ruleLst>
+                </dgm:layoutNode>
+              </dgm:if>
+              <dgm:else name="Name11">
+                <dgm:choose name="Name12">
+                  <dgm:if name="Name13" axis="ch" ptType="node" func="cnt" op="equ" val="4">
+                    <dgm:layoutNode name="FourNodes_1">
+                      <dgm:varLst>
+                        <dgm:bulletEnabled val="1"/>
+                      </dgm:varLst>
+                      <dgm:alg type="sp"/>
+                      <dgm:shape xmlns:r="http://schemas.openxmlformats.org/officeDocument/2006/relationships" type="roundRect" r:blip="">
+                        <dgm:adjLst>
+                          <dgm:adj idx="1" val="0.1"/>
+                        </dgm:adjLst>
+                      </dgm:shape>
+                      <dgm:presOf axis="ch desOrSelf" ptType="node node" st="1 1" cnt="1 0"/>
+                      <dgm:constrLst/>
+                      <dgm:ruleLst/>
+                    </dgm:layoutNode>
+                    <dgm:layoutNode name="FourNodes_2">
+                      <dgm:varLst>
+                        <dgm:bulletEnabled val="1"/>
+                      </dgm:varLst>
+                      <dgm:alg type="sp"/>
+                      <dgm:shape xmlns:r="http://schemas.openxmlformats.org/officeDocument/2006/relationships" type="roundRect" r:blip="">
+                        <dgm:adjLst>
+                          <dgm:adj idx="1" val="0.1"/>
+                        </dgm:adjLst>
+                      </dgm:shape>
+                      <dgm:presOf axis="ch desOrSelf" ptType="node node" st="2 1" cnt="1 0"/>
+                      <dgm:constrLst/>
+                      <dgm:ruleLst/>
+                    </dgm:layoutNode>
+                    <dgm:layoutNode name="FourNodes_3">
+                      <dgm:varLst>
+                        <dgm:bulletEnabled val="1"/>
+                      </dgm:varLst>
+                      <dgm:alg type="sp"/>
+                      <dgm:shape xmlns:r="http://schemas.openxmlformats.org/officeDocument/2006/relationships" type="roundRect" r:blip="">
+                        <dgm:adjLst>
+                          <dgm:adj idx="1" val="0.1"/>
+                        </dgm:adjLst>
+                      </dgm:shape>
+                      <dgm:presOf axis="ch desOrSelf" ptType="node node" st="3 1" cnt="1 0"/>
+                      <dgm:constrLst/>
+                      <dgm:ruleLst/>
+                    </dgm:layoutNode>
+                    <dgm:layoutNode name="FourNodes_4">
+                      <dgm:varLst>
+                        <dgm:bulletEnabled val="1"/>
+                      </dgm:varLst>
+                      <dgm:alg type="sp"/>
+                      <dgm:shape xmlns:r="http://schemas.openxmlformats.org/officeDocument/2006/relationships" type="roundRect" r:blip="">
+                        <dgm:adjLst>
+                          <dgm:adj idx="1" val="0.1"/>
+                        </dgm:adjLst>
+                      </dgm:shape>
+                      <dgm:presOf axis="ch desOrSelf" ptType="node node" st="4 1" cnt="1 0"/>
+                      <dgm:constrLst/>
+                      <dgm:ruleLst/>
+                    </dgm:layoutNode>
+                    <dgm:layoutNode name="FourConn_1-2" styleLbl="fgAccFollowNode1">
+                      <dgm:varLst>
+                        <dgm:bulletEnabled val="1"/>
+                      </dgm:varLst>
+                      <dgm:alg type="tx"/>
+                      <dgm:shape xmlns:r="http://schemas.openxmlformats.org/officeDocument/2006/relationships" type="downArrow" r:blip="">
+                        <dgm:adjLst>
+                          <dgm:adj idx="1" val="0.55"/>
+                          <dgm:adj idx="2" val="0.45"/>
+                        </dgm:adjLst>
+                      </dgm:shape>
+                      <dgm:presOf axis="ch" ptType="sibTrans" cnt="1"/>
+                      <dgm:constrLst>
+                        <dgm:constr type="lMarg" refType="primFontSz" fact="0.1"/>
+                        <dgm:constr type="rMarg" refType="primFontSz" fact="0.1"/>
+                        <dgm:constr type="tMarg" refType="primFontSz" fact="0.1"/>
+                        <dgm:constr type="bMarg" refType="primFontSz" fact="0.1"/>
+                      </dgm:constrLst>
+                      <dgm:ruleLst>
+                        <dgm:rule type="primFontSz" val="5" fact="NaN" max="NaN"/>
+                      </dgm:ruleLst>
+                    </dgm:layoutNode>
+                    <dgm:layoutNode name="FourConn_2-3" styleLbl="fgAccFollowNode1">
+                      <dgm:varLst>
+                        <dgm:bulletEnabled val="1"/>
+                      </dgm:varLst>
+                      <dgm:alg type="tx"/>
+                      <dgm:shape xmlns:r="http://schemas.openxmlformats.org/officeDocument/2006/relationships" type="downArrow" r:blip="">
+                        <dgm:adjLst>
+                          <dgm:adj idx="1" val="0.55"/>
+                          <dgm:adj idx="2" val="0.45"/>
+                        </dgm:adjLst>
+                      </dgm:shape>
+                      <dgm:presOf axis="ch" ptType="sibTrans" st="2" cnt="1"/>
+                      <dgm:constrLst>
+                        <dgm:constr type="lMarg" refType="primFontSz" fact="0.1"/>
+                        <dgm:constr type="rMarg" refType="primFontSz" fact="0.1"/>
+                        <dgm:constr type="tMarg" refType="primFontSz" fact="0.1"/>
+                        <dgm:constr type="bMarg" refType="primFontSz" fact="0.1"/>
+                      </dgm:constrLst>
+                      <dgm:ruleLst>
+                        <dgm:rule type="primFontSz" val="5" fact="NaN" max="NaN"/>
+                      </dgm:ruleLst>
+                    </dgm:layoutNode>
+                    <dgm:layoutNode name="FourConn_3-4" styleLbl="fgAccFollowNode1">
+                      <dgm:varLst>
+                        <dgm:bulletEnabled val="1"/>
+                      </dgm:varLst>
+                      <dgm:alg type="tx"/>
+                      <dgm:shape xmlns:r="http://schemas.openxmlformats.org/officeDocument/2006/relationships" type="downArrow" r:blip="">
+                        <dgm:adjLst>
+                          <dgm:adj idx="1" val="0.55"/>
+                          <dgm:adj idx="2" val="0.45"/>
+                        </dgm:adjLst>
+                      </dgm:shape>
+                      <dgm:presOf axis="ch" ptType="sibTrans" st="3" cnt="1"/>
+                      <dgm:constrLst>
+                        <dgm:constr type="lMarg" refType="primFontSz" fact="0.1"/>
+                        <dgm:constr type="rMarg" refType="primFontSz" fact="0.1"/>
+                        <dgm:constr type="tMarg" refType="primFontSz" fact="0.1"/>
+                        <dgm:constr type="bMarg" refType="primFontSz" fact="0.1"/>
+                      </dgm:constrLst>
+                      <dgm:ruleLst>
+                        <dgm:rule type="primFontSz" val="5" fact="NaN" max="NaN"/>
+                      </dgm:ruleLst>
+                    </dgm:layoutNode>
+                    <dgm:layoutNode name="FourNodes_1_text">
+                      <dgm:varLst>
+                        <dgm:bulletEnabled val="1"/>
+                      </dgm:varLst>
+                      <dgm:alg type="tx">
+                        <dgm:param type="parTxLTRAlign" val="l"/>
+                        <dgm:param type="txAnchorVertCh" val="mid"/>
+                      </dgm:alg>
+                      <dgm:shape xmlns:r="http://schemas.openxmlformats.org/officeDocument/2006/relationships" type="roundRect" r:blip="" hideGeom="1">
+                        <dgm:adjLst>
+                          <dgm:adj idx="1" val="0.1"/>
+                        </dgm:adjLst>
+                      </dgm:shape>
+                      <dgm:presOf axis="ch desOrSelf" ptType="node node" st="1 1" cnt="1 0"/>
+                      <dgm:constrLst>
+                        <dgm:constr type="lMarg" refType="primFontSz" fact="0.3"/>
+                        <dgm:constr type="rMarg" refType="primFontSz" fact="0.3"/>
+                        <dgm:constr type="tMarg" refType="primFontSz" fact="0.3"/>
+                        <dgm:constr type="bMarg" refType="primFontSz" fact="0.3"/>
+                      </dgm:constrLst>
+                      <dgm:ruleLst>
+                        <dgm:rule type="primFontSz" val="5" fact="NaN" max="NaN"/>
+                      </dgm:ruleLst>
+                    </dgm:layoutNode>
+                    <dgm:layoutNode name="FourNodes_2_text">
+                      <dgm:varLst>
+                        <dgm:bulletEnabled val="1"/>
+                      </dgm:varLst>
+                      <dgm:alg type="tx">
+                        <dgm:param type="parTxLTRAlign" val="l"/>
+                        <dgm:param type="txAnchorVertCh" val="mid"/>
+                      </dgm:alg>
+                      <dgm:shape xmlns:r="http://schemas.openxmlformats.org/officeDocument/2006/relationships" type="roundRect" r:blip="" hideGeom="1">
+                        <dgm:adjLst>
+                          <dgm:adj idx="1" val="0.1"/>
+                        </dgm:adjLst>
+                      </dgm:shape>
+                      <dgm:presOf axis="ch desOrSelf" ptType="node node" st="2 1" cnt="1 0"/>
+                      <dgm:constrLst>
+                        <dgm:constr type="lMarg" refType="primFontSz" fact="0.3"/>
+                        <dgm:constr type="rMarg" refType="primFontSz" fact="0.3"/>
+                        <dgm:constr type="tMarg" refType="primFontSz" fact="0.3"/>
+                        <dgm:constr type="bMarg" refType="primFontSz" fact="0.3"/>
+                      </dgm:constrLst>
+                      <dgm:ruleLst>
+                        <dgm:rule type="primFontSz" val="5" fact="NaN" max="NaN"/>
+                      </dgm:ruleLst>
+                    </dgm:layoutNode>
+                    <dgm:layoutNode name="FourNodes_3_text">
+                      <dgm:varLst>
+                        <dgm:bulletEnabled val="1"/>
+                      </dgm:varLst>
+                      <dgm:alg type="tx">
+                        <dgm:param type="parTxLTRAlign" val="l"/>
+                        <dgm:param type="txAnchorVertCh" val="mid"/>
+                      </dgm:alg>
+                      <dgm:shape xmlns:r="http://schemas.openxmlformats.org/officeDocument/2006/relationships" type="roundRect" r:blip="" hideGeom="1">
+                        <dgm:adjLst>
+                          <dgm:adj idx="1" val="0.1"/>
+                        </dgm:adjLst>
+                      </dgm:shape>
+                      <dgm:presOf axis="ch desOrSelf" ptType="node node" st="3 1" cnt="1 0"/>
+                      <dgm:constrLst>
+                        <dgm:constr type="lMarg" refType="primFontSz" fact="0.3"/>
+                        <dgm:constr type="rMarg" refType="primFontSz" fact="0.3"/>
+                        <dgm:constr type="tMarg" refType="primFontSz" fact="0.3"/>
+                        <dgm:constr type="bMarg" refType="primFontSz" fact="0.3"/>
+                      </dgm:constrLst>
+                      <dgm:ruleLst>
+                        <dgm:rule type="primFontSz" val="5" fact="NaN" max="NaN"/>
+                      </dgm:ruleLst>
+                    </dgm:layoutNode>
+                    <dgm:layoutNode name="FourNodes_4_text">
+                      <dgm:varLst>
+                        <dgm:bulletEnabled val="1"/>
+                      </dgm:varLst>
+                      <dgm:alg type="tx">
+                        <dgm:param type="parTxLTRAlign" val="l"/>
+                        <dgm:param type="txAnchorVertCh" val="mid"/>
+                      </dgm:alg>
+                      <dgm:shape xmlns:r="http://schemas.openxmlformats.org/officeDocument/2006/relationships" type="roundRect" r:blip="" hideGeom="1">
+                        <dgm:adjLst>
+                          <dgm:adj idx="1" val="0.1"/>
+                        </dgm:adjLst>
+                      </dgm:shape>
+                      <dgm:presOf axis="ch desOrSelf" ptType="node node" st="4 1" cnt="1 0"/>
+                      <dgm:constrLst>
+                        <dgm:constr type="lMarg" refType="primFontSz" fact="0.3"/>
+                        <dgm:constr type="rMarg" refType="primFontSz" fact="0.3"/>
+                        <dgm:constr type="tMarg" refType="primFontSz" fact="0.3"/>
+                        <dgm:constr type="bMarg" refType="primFontSz" fact="0.3"/>
+                      </dgm:constrLst>
+                      <dgm:ruleLst>
+                        <dgm:rule type="primFontSz" val="5" fact="NaN" max="NaN"/>
+                      </dgm:ruleLst>
+                    </dgm:layoutNode>
+                  </dgm:if>
+                  <dgm:else name="Name14">
+                    <dgm:choose name="Name15">
+                      <dgm:if name="Name16" axis="ch" ptType="node" func="cnt" op="gte" val="5">
+                        <dgm:layoutNode name="FiveNodes_1">
+                          <dgm:varLst>
+                            <dgm:bulletEnabled val="1"/>
+                          </dgm:varLst>
+                          <dgm:alg type="sp"/>
+                          <dgm:shape xmlns:r="http://schemas.openxmlformats.org/officeDocument/2006/relationships" type="roundRect" r:blip="">
+                            <dgm:adjLst>
+                              <dgm:adj idx="1" val="0.1"/>
+                            </dgm:adjLst>
+                          </dgm:shape>
+                          <dgm:presOf axis="ch desOrSelf" ptType="node node" st="1 1" cnt="1 0"/>
+                          <dgm:constrLst/>
+                          <dgm:ruleLst/>
+                        </dgm:layoutNode>
+                        <dgm:layoutNode name="FiveNodes_2">
+                          <dgm:varLst>
+                            <dgm:bulletEnabled val="1"/>
+                          </dgm:varLst>
+                          <dgm:alg type="sp"/>
+                          <dgm:shape xmlns:r="http://schemas.openxmlformats.org/officeDocument/2006/relationships" type="roundRect" r:blip="">
+                            <dgm:adjLst>
+                              <dgm:adj idx="1" val="0.1"/>
+                            </dgm:adjLst>
+                          </dgm:shape>
+                          <dgm:presOf axis="ch desOrSelf" ptType="node node" st="2 1" cnt="1 0"/>
+                          <dgm:constrLst/>
+                          <dgm:ruleLst/>
+                        </dgm:layoutNode>
+                        <dgm:layoutNode name="FiveNodes_3">
+                          <dgm:varLst>
+                            <dgm:bulletEnabled val="1"/>
+                          </dgm:varLst>
+                          <dgm:alg type="sp"/>
+                          <dgm:shape xmlns:r="http://schemas.openxmlformats.org/officeDocument/2006/relationships" type="roundRect" r:blip="">
+                            <dgm:adjLst>
+                              <dgm:adj idx="1" val="0.1"/>
+                            </dgm:adjLst>
+                          </dgm:shape>
+                          <dgm:presOf axis="ch desOrSelf" ptType="node node" st="3 1" cnt="1 0"/>
+                          <dgm:constrLst/>
+                          <dgm:ruleLst/>
+                        </dgm:layoutNode>
+                        <dgm:layoutNode name="FiveNodes_4">
+                          <dgm:varLst>
+                            <dgm:bulletEnabled val="1"/>
+                          </dgm:varLst>
+                          <dgm:alg type="sp"/>
+                          <dgm:shape xmlns:r="http://schemas.openxmlformats.org/officeDocument/2006/relationships" type="roundRect" r:blip="">
+                            <dgm:adjLst>
+                              <dgm:adj idx="1" val="0.1"/>
+                            </dgm:adjLst>
+                          </dgm:shape>
+                          <dgm:presOf axis="ch desOrSelf" ptType="node node" st="4 1" cnt="1 0"/>
+                          <dgm:constrLst/>
+                          <dgm:ruleLst/>
+                        </dgm:layoutNode>
+                        <dgm:layoutNode name="FiveNodes_5">
+                          <dgm:varLst>
+                            <dgm:bulletEnabled val="1"/>
+                          </dgm:varLst>
+                          <dgm:alg type="sp"/>
+                          <dgm:shape xmlns:r="http://schemas.openxmlformats.org/officeDocument/2006/relationships" type="roundRect" r:blip="">
+                            <dgm:adjLst>
+                              <dgm:adj idx="1" val="0.1"/>
+                            </dgm:adjLst>
+                          </dgm:shape>
+                          <dgm:presOf axis="ch desOrSelf" ptType="node node" st="5 1" cnt="1 0"/>
+                          <dgm:constrLst/>
+                          <dgm:ruleLst/>
+                        </dgm:layoutNode>
+                        <dgm:layoutNode name="FiveConn_1-2" styleLbl="fgAccFollowNode1">
+                          <dgm:varLst>
+                            <dgm:bulletEnabled val="1"/>
+                          </dgm:varLst>
+                          <dgm:alg type="tx"/>
+                          <dgm:shape xmlns:r="http://schemas.openxmlformats.org/officeDocument/2006/relationships" type="downArrow" r:blip="">
+                            <dgm:adjLst>
+                              <dgm:adj idx="1" val="0.55"/>
+                              <dgm:adj idx="2" val="0.45"/>
+                            </dgm:adjLst>
+                          </dgm:shape>
+                          <dgm:presOf axis="ch" ptType="sibTrans" cnt="1"/>
+                          <dgm:constrLst>
+                            <dgm:constr type="lMarg" refType="primFontSz" fact="0.1"/>
+                            <dgm:constr type="rMarg" refType="primFontSz" fact="0.1"/>
+                            <dgm:constr type="tMarg" refType="primFontSz" fact="0.1"/>
+                            <dgm:constr type="bMarg" refType="primFontSz" fact="0.1"/>
+                          </dgm:constrLst>
+                          <dgm:ruleLst>
+                            <dgm:rule type="primFontSz" val="5" fact="NaN" max="NaN"/>
+                          </dgm:ruleLst>
+                        </dgm:layoutNode>
+                        <dgm:layoutNode name="FiveConn_2-3" styleLbl="fgAccFollowNode1">
+                          <dgm:varLst>
+                            <dgm:bulletEnabled val="1"/>
+                          </dgm:varLst>
+                          <dgm:alg type="tx"/>
+                          <dgm:shape xmlns:r="http://schemas.openxmlformats.org/officeDocument/2006/relationships" type="downArrow" r:blip="">
+                            <dgm:adjLst>
+                              <dgm:adj idx="1" val="0.55"/>
+                              <dgm:adj idx="2" val="0.45"/>
+                            </dgm:adjLst>
+                          </dgm:shape>
+                          <dgm:presOf axis="ch" ptType="sibTrans" st="2" cnt="1"/>
+                          <dgm:constrLst>
+                            <dgm:constr type="lMarg" refType="primFontSz" fact="0.1"/>
+                            <dgm:constr type="rMarg" refType="primFontSz" fact="0.1"/>
+                            <dgm:constr type="tMarg" refType="primFontSz" fact="0.1"/>
+                            <dgm:constr type="bMarg" refType="primFontSz" fact="0.1"/>
+                          </dgm:constrLst>
+                          <dgm:ruleLst>
+                            <dgm:rule type="primFontSz" val="5" fact="NaN" max="NaN"/>
+                          </dgm:ruleLst>
+                        </dgm:layoutNode>
+                        <dgm:layoutNode name="FiveConn_3-4" styleLbl="fgAccFollowNode1">
+                          <dgm:varLst>
+                            <dgm:bulletEnabled val="1"/>
+                          </dgm:varLst>
+                          <dgm:alg type="tx"/>
+                          <dgm:shape xmlns:r="http://schemas.openxmlformats.org/officeDocument/2006/relationships" type="downArrow" r:blip="">
+                            <dgm:adjLst>
+                              <dgm:adj idx="1" val="0.55"/>
+                              <dgm:adj idx="2" val="0.45"/>
+                            </dgm:adjLst>
+                          </dgm:shape>
+                          <dgm:presOf axis="ch" ptType="sibTrans" st="3" cnt="1"/>
+                          <dgm:constrLst>
+                            <dgm:constr type="lMarg" refType="primFontSz" fact="0.1"/>
+                            <dgm:constr type="rMarg" refType="primFontSz" fact="0.1"/>
+                            <dgm:constr type="tMarg" refType="primFontSz" fact="0.1"/>
+                            <dgm:constr type="bMarg" refType="primFontSz" fact="0.1"/>
+                          </dgm:constrLst>
+                          <dgm:ruleLst>
+                            <dgm:rule type="primFontSz" val="5" fact="NaN" max="NaN"/>
+                          </dgm:ruleLst>
+                        </dgm:layoutNode>
+                        <dgm:layoutNode name="FiveConn_4-5" styleLbl="fgAccFollowNode1">
+                          <dgm:varLst>
+                            <dgm:bulletEnabled val="1"/>
+                          </dgm:varLst>
+                          <dgm:alg type="tx"/>
+                          <dgm:shape xmlns:r="http://schemas.openxmlformats.org/officeDocument/2006/relationships" type="downArrow" r:blip="">
+                            <dgm:adjLst>
+                              <dgm:adj idx="1" val="0.55"/>
+                              <dgm:adj idx="2" val="0.45"/>
+                            </dgm:adjLst>
+                          </dgm:shape>
+                          <dgm:presOf axis="ch" ptType="sibTrans" st="4" cnt="1"/>
+                          <dgm:constrLst>
+                            <dgm:constr type="lMarg" refType="primFontSz" fact="0.1"/>
+                            <dgm:constr type="rMarg" refType="primFontSz" fact="0.1"/>
+                            <dgm:constr type="tMarg" refType="primFontSz" fact="0.1"/>
+                            <dgm:constr type="bMarg" refType="primFontSz" fact="0.1"/>
+                          </dgm:constrLst>
+                          <dgm:ruleLst>
+                            <dgm:rule type="primFontSz" val="5" fact="NaN" max="NaN"/>
+                          </dgm:ruleLst>
+                        </dgm:layoutNode>
+                        <dgm:layoutNode name="FiveNodes_1_text">
+                          <dgm:varLst>
+                            <dgm:bulletEnabled val="1"/>
+                          </dgm:varLst>
+                          <dgm:alg type="tx">
+                            <dgm:param type="parTxLTRAlign" val="l"/>
+                            <dgm:param type="txAnchorVertCh" val="mid"/>
+                          </dgm:alg>
+                          <dgm:shape xmlns:r="http://schemas.openxmlformats.org/officeDocument/2006/relationships" type="roundRect" r:blip="" hideGeom="1">
+                            <dgm:adjLst>
+                              <dgm:adj idx="1" val="0.1"/>
+                            </dgm:adjLst>
+                          </dgm:shape>
+                          <dgm:presOf axis="ch desOrSelf" ptType="node node" st="1 1" cnt="1 0"/>
+                          <dgm:constrLst>
+                            <dgm:constr type="lMarg" refType="primFontSz" fact="0.3"/>
+                            <dgm:constr type="rMarg" refType="primFontSz" fact="0.3"/>
+                            <dgm:constr type="tMarg" refType="primFontSz" fact="0.3"/>
+                            <dgm:constr type="bMarg" refType="primFontSz" fact="0.3"/>
+                          </dgm:constrLst>
+                          <dgm:ruleLst>
+                            <dgm:rule type="primFontSz" val="5" fact="NaN" max="NaN"/>
+                          </dgm:ruleLst>
+                        </dgm:layoutNode>
+                        <dgm:layoutNode name="FiveNodes_2_text">
+                          <dgm:varLst>
+                            <dgm:bulletEnabled val="1"/>
+                          </dgm:varLst>
+                          <dgm:alg type="tx">
+                            <dgm:param type="parTxLTRAlign" val="l"/>
+                            <dgm:param type="txAnchorVertCh" val="mid"/>
+                          </dgm:alg>
+                          <dgm:shape xmlns:r="http://schemas.openxmlformats.org/officeDocument/2006/relationships" type="roundRect" r:blip="" hideGeom="1">
+                            <dgm:adjLst>
+                              <dgm:adj idx="1" val="0.1"/>
+                            </dgm:adjLst>
+                          </dgm:shape>
+                          <dgm:presOf axis="ch desOrSelf" ptType="node node" st="2 1" cnt="1 0"/>
+                          <dgm:constrLst>
+                            <dgm:constr type="lMarg" refType="primFontSz" fact="0.3"/>
+                            <dgm:constr type="rMarg" refType="primFontSz" fact="0.3"/>
+                            <dgm:constr type="tMarg" refType="primFontSz" fact="0.3"/>
+                            <dgm:constr type="bMarg" refType="primFontSz" fact="0.3"/>
+                          </dgm:constrLst>
+                          <dgm:ruleLst>
+                            <dgm:rule type="primFontSz" val="5" fact="NaN" max="NaN"/>
+                          </dgm:ruleLst>
+                        </dgm:layoutNode>
+                        <dgm:layoutNode name="FiveNodes_3_text">
+                          <dgm:varLst>
+                            <dgm:bulletEnabled val="1"/>
+                          </dgm:varLst>
+                          <dgm:alg type="tx">
+                            <dgm:param type="parTxLTRAlign" val="l"/>
+                            <dgm:param type="txAnchorVertCh" val="mid"/>
+                          </dgm:alg>
+                          <dgm:shape xmlns:r="http://schemas.openxmlformats.org/officeDocument/2006/relationships" type="roundRect" r:blip="" hideGeom="1">
+                            <dgm:adjLst>
+                              <dgm:adj idx="1" val="0.1"/>
+                            </dgm:adjLst>
+                          </dgm:shape>
+                          <dgm:presOf axis="ch desOrSelf" ptType="node node" st="3 1" cnt="1 0"/>
+                          <dgm:constrLst>
+                            <dgm:constr type="lMarg" refType="primFontSz" fact="0.3"/>
+                            <dgm:constr type="rMarg" refType="primFontSz" fact="0.3"/>
+                            <dgm:constr type="tMarg" refType="primFontSz" fact="0.3"/>
+                            <dgm:constr type="bMarg" refType="primFontSz" fact="0.3"/>
+                          </dgm:constrLst>
+                          <dgm:ruleLst>
+                            <dgm:rule type="primFontSz" val="5" fact="NaN" max="NaN"/>
+                          </dgm:ruleLst>
+                        </dgm:layoutNode>
+                        <dgm:layoutNode name="FiveNodes_4_text">
+                          <dgm:varLst>
+                            <dgm:bulletEnabled val="1"/>
+                          </dgm:varLst>
+                          <dgm:alg type="tx">
+                            <dgm:param type="parTxLTRAlign" val="l"/>
+                            <dgm:param type="txAnchorVertCh" val="mid"/>
+                          </dgm:alg>
+                          <dgm:shape xmlns:r="http://schemas.openxmlformats.org/officeDocument/2006/relationships" type="roundRect" r:blip="" hideGeom="1">
+                            <dgm:adjLst>
+                              <dgm:adj idx="1" val="0.1"/>
+                            </dgm:adjLst>
+                          </dgm:shape>
+                          <dgm:presOf axis="ch desOrSelf" ptType="node node" st="4 1" cnt="1 0"/>
+                          <dgm:constrLst>
+                            <dgm:constr type="lMarg" refType="primFontSz" fact="0.3"/>
+                            <dgm:constr type="rMarg" refType="primFontSz" fact="0.3"/>
+                            <dgm:constr type="tMarg" refType="primFontSz" fact="0.3"/>
+                            <dgm:constr type="bMarg" refType="primFontSz" fact="0.3"/>
+                          </dgm:constrLst>
+                          <dgm:ruleLst>
+                            <dgm:rule type="primFontSz" val="5" fact="NaN" max="NaN"/>
+                          </dgm:ruleLst>
+                        </dgm:layoutNode>
+                        <dgm:layoutNode name="FiveNodes_5_text">
+                          <dgm:varLst>
+                            <dgm:bulletEnabled val="1"/>
+                          </dgm:varLst>
+                          <dgm:alg type="tx">
+                            <dgm:param type="parTxLTRAlign" val="l"/>
+                            <dgm:param type="txAnchorVertCh" val="mid"/>
+                          </dgm:alg>
+                          <dgm:shape xmlns:r="http://schemas.openxmlformats.org/officeDocument/2006/relationships" type="roundRect" r:blip="" hideGeom="1">
+                            <dgm:adjLst>
+                              <dgm:adj idx="1" val="0.1"/>
+                            </dgm:adjLst>
+                          </dgm:shape>
+                          <dgm:presOf axis="ch desOrSelf" ptType="node node" st="5 1" cnt="1 0"/>
+                          <dgm:constrLst>
+                            <dgm:constr type="lMarg" refType="primFontSz" fact="0.3"/>
+                            <dgm:constr type="rMarg" refType="primFontSz" fact="0.3"/>
+                            <dgm:constr type="tMarg" refType="primFontSz" fact="0.3"/>
+                            <dgm:constr type="bMarg" refType="primFontSz" fact="0.3"/>
+                          </dgm:constrLst>
+                          <dgm:ruleLst>
+                            <dgm:rule type="primFontSz" val="5" fact="NaN" max="NaN"/>
+                          </dgm:ruleLst>
+                        </dgm:layoutNode>
+                      </dgm:if>
+                      <dgm:else name="Name17"/>
+                    </dgm:choose>
+                  </dgm:else>
+                </dgm:choose>
+              </dgm:else>
+            </dgm:choose>
+          </dgm:else>
+        </dgm:choose>
+      </dgm:else>
+    </dgm:choose>
+  </dgm:layoutNode>
+</dgm:layoutDef>
+</file>
+
+<file path=ppt/diagrams/quickStyle1.xml><?xml version="1.0" encoding="utf-8"?>
+<dgm:styleDef xmlns:dgm="http://schemas.openxmlformats.org/drawingml/2006/diagram" xmlns:a="http://schemas.openxmlformats.org/drawingml/2006/main" uniqueId="urn:microsoft.com/office/officeart/2005/8/quickstyle/simple5">
+  <dgm:title val=""/>
+  <dgm:desc val=""/>
+  <dgm:catLst>
+    <dgm:cat type="simple" pri="10500"/>
+  </dgm:catLst>
+  <dgm:scene3d>
+    <a:camera prst="orthographicFront"/>
+    <a:lightRig rig="threePt" dir="t"/>
+  </dgm:scene3d>
+  <dgm:styleLbl name="node0">
+    <dgm:scene3d>
+      <a:camera prst="orthographicFront"/>
+      <a:lightRig rig="threePt" dir="t"/>
+    </dgm:scene3d>
+    <dgm:sp3d/>
+    <dgm:txPr/>
+    <dgm:style>
+      <a:lnRef idx="0">
+        <a:scrgbClr r="0" g="0" b="0"/>
+      </a:lnRef>
+      <a:fillRef idx="3">
+        <a:scrgbClr r="0" g="0" b="0"/>
+      </a:fillRef>
+      <a:effectRef idx="3">
+        <a:scrgbClr r="0" g="0" b="0"/>
+      </a:effectRef>
+      <a:fontRef idx="minor">
+        <a:schemeClr val="lt1"/>
+      </a:fontRef>
+    </dgm:style>
+  </dgm:styleLbl>
+  <dgm:styleLbl name="lnNode1">
+    <dgm:scene3d>
+      <a:camera prst="orthographicFront"/>
+      <a:lightRig rig="threePt" dir="t"/>
+    </dgm:scene3d>
+    <dgm:sp3d/>
+    <dgm:txPr/>
+    <dgm:style>
+      <a:lnRef idx="0">
+        <a:scrgbClr r="0" g="0" b="0"/>
+      </a:lnRef>
+      <a:fillRef idx="3">
+        <a:scrgbClr r="0" g="0" b="0"/>
+      </a:fillRef>
+      <a:effectRef idx="3">
+        <a:scrgbClr r="0" g="0" b="0"/>
+      </a:effectRef>
+      <a:fontRef idx="minor">
+        <a:schemeClr val="lt1"/>
+      </a:fontRef>
+    </dgm:style>
+  </dgm:styleLbl>
+  <dgm:styleLbl name="vennNode1">
+    <dgm:scene3d>
+      <a:camera prst="orthographicFront"/>
+      <a:lightRig rig="threePt" dir="t"/>
+    </dgm:scene3d>
+    <dgm:sp3d/>
+    <dgm:txPr/>
+    <dgm:style>
+      <a:lnRef idx="0">
+        <a:scrgbClr r="0" g="0" b="0"/>
+      </a:lnRef>
+      <a:fillRef idx="3">
+        <a:scrgbClr r="0" g="0" b="0"/>
+      </a:fillRef>
+      <a:effectRef idx="3">
+        <a:scrgbClr r="0" g="0" b="0"/>
+      </a:effectRef>
+      <a:fontRef idx="minor">
+        <a:schemeClr val="tx1"/>
+      </a:fontRef>
+    </dgm:style>
+  </dgm:styleLbl>
+  <dgm:styleLbl name="alignNode1">
+    <dgm:scene3d>
+      <a:camera prst="orthographicFront"/>
+      <a:lightRig rig="threePt" dir="t"/>
+    </dgm:scene3d>
+    <dgm:sp3d/>
+    <dgm:txPr/>
+    <dgm:style>
+      <a:lnRef idx="1">
+        <a:scrgbClr r="0" g="0" b="0"/>
+      </a:lnRef>
+      <a:fillRef idx="3">
+        <a:scrgbClr r="0" g="0" b="0"/>
+      </a:fillRef>
+      <a:effectRef idx="3">
+        <a:scrgbClr r="0" g="0" b="0"/>
+      </a:effectRef>
+      <a:fontRef idx="minor">
+        <a:schemeClr val="lt1"/>
+      </a:fontRef>
+    </dgm:style>
+  </dgm:styleLbl>
+  <dgm:styleLbl name="node1">
+    <dgm:scene3d>
+      <a:camera prst="orthographicFront"/>
+      <a:lightRig rig="threePt" dir="t"/>
+    </dgm:scene3d>
+    <dgm:sp3d/>
+    <dgm:txPr/>
+    <dgm:style>
+      <a:lnRef idx="0">
+        <a:scrgbClr r="0" g="0" b="0"/>
+      </a:lnRef>
+      <a:fillRef idx="3">
+        <a:scrgbClr r="0" g="0" b="0"/>
+      </a:fillRef>
+      <a:effectRef idx="3">
+        <a:scrgbClr r="0" g="0" b="0"/>
+      </a:effectRef>
+      <a:fontRef idx="minor">
+        <a:schemeClr val="lt1"/>
+      </a:fontRef>
+    </dgm:style>
+  </dgm:styleLbl>
+  <dgm:styleLbl name="node2">
+    <dgm:scene3d>
+      <a:camera prst="orthographicFront"/>
+      <a:lightRig rig="threePt" dir="t"/>
+    </dgm:scene3d>
+    <dgm:sp3d/>
+    <dgm:txPr/>
+    <dgm:style>
+      <a:lnRef idx="0">
+        <a:scrgbClr r="0" g="0" b="0"/>
+      </a:lnRef>
+      <a:fillRef idx="3">
+        <a:scrgbClr r="0" g="0" b="0"/>
+      </a:fillRef>
+      <a:effectRef idx="3">
+        <a:scrgbClr r="0" g="0" b="0"/>
+      </a:effectRef>
+      <a:fontRef idx="minor">
+        <a:schemeClr val="lt1"/>
+      </a:fontRef>
+    </dgm:style>
+  </dgm:styleLbl>
+  <dgm:styleLbl name="node3">
+    <dgm:scene3d>
+      <a:camera prst="orthographicFront"/>
+      <a:lightRig rig="threePt" dir="t"/>
+    </dgm:scene3d>
+    <dgm:sp3d/>
+    <dgm:txPr/>
+    <dgm:style>
+      <a:lnRef idx="0">
+        <a:scrgbClr r="0" g="0" b="0"/>
+      </a:lnRef>
+      <a:fillRef idx="3">
+        <a:scrgbClr r="0" g="0" b="0"/>
+      </a:fillRef>
+      <a:effectRef idx="3">
+        <a:scrgbClr r="0" g="0" b="0"/>
+      </a:effectRef>
+      <a:fontRef idx="minor">
+        <a:schemeClr val="lt1"/>
+      </a:fontRef>
+    </dgm:style>
+  </dgm:styleLbl>
+  <dgm:styleLbl name="node4">
+    <dgm:scene3d>
+      <a:camera prst="orthographicFront"/>
+      <a:lightRig rig="threePt" dir="t"/>
+    </dgm:scene3d>
+    <dgm:sp3d/>
+    <dgm:txPr/>
+    <dgm:style>
+      <a:lnRef idx="0">
+        <a:scrgbClr r="0" g="0" b="0"/>
+      </a:lnRef>
+      <a:fillRef idx="3">
+        <a:scrgbClr r="0" g="0" b="0"/>
+      </a:fillRef>
+      <a:effectRef idx="3">
+        <a:scrgbClr r="0" g="0" b="0"/>
+      </a:effectRef>
+      <a:fontRef idx="minor">
+        <a:schemeClr val="lt1"/>
+      </a:fontRef>
+    </dgm:style>
+  </dgm:styleLbl>
+  <dgm:styleLbl name="fgImgPlace1">
+    <dgm:scene3d>
+      <a:camera prst="orthographicFront"/>
+      <a:lightRig rig="threePt" dir="t"/>
+    </dgm:scene3d>
+    <dgm:sp3d/>
+    <dgm:txPr/>
+    <dgm:style>
+      <a:lnRef idx="0">
+        <a:scrgbClr r="0" g="0" b="0"/>
+      </a:lnRef>
+      <a:fillRef idx="1">
+        <a:scrgbClr r="0" g="0" b="0"/>
+      </a:fillRef>
+      <a:effectRef idx="3">
+        <a:scrgbClr r="0" g="0" b="0"/>
+      </a:effectRef>
+      <a:fontRef idx="minor"/>
+    </dgm:style>
+  </dgm:styleLbl>
+  <dgm:styleLbl name="alignImgPlace1">
+    <dgm:scene3d>
+      <a:camera prst="orthographicFront"/>
+      <a:lightRig rig="threePt" dir="t"/>
+    </dgm:scene3d>
+    <dgm:sp3d/>
+    <dgm:txPr/>
+    <dgm:style>
+      <a:lnRef idx="0">
+        <a:scrgbClr r="0" g="0" b="0"/>
+      </a:lnRef>
+      <a:fillRef idx="1">
+        <a:scrgbClr r="0" g="0" b="0"/>
+      </a:fillRef>
+      <a:effectRef idx="3">
+        <a:scrgbClr r="0" g="0" b="0"/>
+      </a:effectRef>
+      <a:fontRef idx="minor"/>
+    </dgm:style>
+  </dgm:styleLbl>
+  <dgm:styleLbl name="bgImgPlace1">
+    <dgm:scene3d>
+      <a:camera prst="orthographicFront"/>
+      <a:lightRig rig="threePt" dir="t"/>
+    </dgm:scene3d>
+    <dgm:sp3d/>
+    <dgm:txPr/>
+    <dgm:style>
+      <a:lnRef idx="0">
+        <a:scrgbClr r="0" g="0" b="0"/>
+      </a:lnRef>
+      <a:fillRef idx="1">
+        <a:scrgbClr r="0" g="0" b="0"/>
+      </a:fillRef>
+      <a:effectRef idx="3">
+        <a:scrgbClr r="0" g="0" b="0"/>
+      </a:effectRef>
+      <a:fontRef idx="minor"/>
+    </dgm:style>
+  </dgm:styleLbl>
+  <dgm:styleLbl name="sibTrans2D1">
+    <dgm:scene3d>
+      <a:camera prst="orthographicFront"/>
+      <a:lightRig rig="threePt" dir="t"/>
+    </dgm:scene3d>
+    <dgm:sp3d/>
+    <dgm:txPr/>
+    <dgm:style>
+      <a:lnRef idx="0">
+        <a:scrgbClr r="0" g="0" b="0"/>
+      </a:lnRef>
+      <a:fillRef idx="3">
+        <a:scrgbClr r="0" g="0" b="0"/>
+      </a:fillRef>
+      <a:effectRef idx="3">
+        <a:scrgbClr r="0" g="0" b="0"/>
+      </a:effectRef>
+      <a:fontRef idx="minor">
+        <a:schemeClr val="lt1"/>
+      </a:fontRef>
+    </dgm:style>
+  </dgm:styleLbl>
+  <dgm:styleLbl name="fgSibTrans2D1">
+    <dgm:scene3d>
+      <a:camera prst="orthographicFront"/>
+      <a:lightRig rig="threePt" dir="t"/>
+    </dgm:scene3d>
+    <dgm:sp3d/>
+    <dgm:txPr/>
+    <dgm:style>
+      <a:lnRef idx="0">
+        <a:scrgbClr r="0" g="0" b="0"/>
+      </a:lnRef>
+      <a:fillRef idx="3">
+        <a:scrgbClr r="0" g="0" b="0"/>
+      </a:fillRef>
+      <a:effectRef idx="3">
+        <a:scrgbClr r="0" g="0" b="0"/>
+      </a:effectRef>
+      <a:fontRef idx="minor">
+        <a:schemeClr val="lt1"/>
+      </a:fontRef>
+    </dgm:style>
+  </dgm:styleLbl>
+  <dgm:styleLbl name="bgSibTrans2D1">
+    <dgm:scene3d>
+      <a:camera prst="orthographicFront"/>
+      <a:lightRig rig="threePt" dir="t"/>
+    </dgm:scene3d>
+    <dgm:sp3d/>
+    <dgm:txPr/>
+    <dgm:style>
+      <a:lnRef idx="0">
+        <a:scrgbClr r="0" g="0" b="0"/>
+      </a:lnRef>
+      <a:fillRef idx="3">
+        <a:scrgbClr r="0" g="0" b="0"/>
+      </a:fillRef>
+      <a:effectRef idx="3">
+        <a:scrgbClr r="0" g="0" b="0"/>
+      </a:effectRef>
+      <a:fontRef idx="minor">
+        <a:schemeClr val="lt1"/>
+      </a:fontRef>
+    </dgm:style>
+  </dgm:styleLbl>
+  <dgm:styleLbl name="sibTrans1D1">
+    <dgm:scene3d>
+      <a:camera prst="orthographicFront"/>
+      <a:lightRig rig="threePt" dir="t"/>
+    </dgm:scene3d>
+    <dgm:sp3d/>
+    <dgm:txPr/>
+    <dgm:style>
+      <a:lnRef idx="1">
+        <a:scrgbClr r="0" g="0" b="0"/>
+      </a:lnRef>
+      <a:fillRef idx="0">
+        <a:scrgbClr r="0" g="0" b="0"/>
+      </a:fillRef>
+      <a:effectRef idx="0">
+        <a:scrgbClr r="0" g="0" b="0"/>
+      </a:effectRef>
+      <a:fontRef idx="minor"/>
+    </dgm:style>
+  </dgm:styleLbl>
+  <dgm:styleLbl name="callout">
+    <dgm:scene3d>
+      <a:camera prst="orthographicFront"/>
+      <a:lightRig rig="threePt" dir="t"/>
+    </dgm:scene3d>
+    <dgm:sp3d/>
+    <dgm:txPr/>
+    <dgm:style>
+      <a:lnRef idx="1">
+        <a:scrgbClr r="0" g="0" b="0"/>
+      </a:lnRef>
+      <a:fillRef idx="0">
+        <a:scrgbClr r="0" g="0" b="0"/>
+      </a:fillRef>
+      <a:effectRef idx="1">
+        <a:scrgbClr r="0" g="0" b="0"/>
+      </a:effectRef>
+      <a:fontRef idx="minor"/>
+    </dgm:style>
+  </dgm:styleLbl>
+  <dgm:styleLbl name="asst0">
+    <dgm:scene3d>
+      <a:camera prst="orthographicFront"/>
+      <a:lightRig rig="threePt" dir="t"/>
+    </dgm:scene3d>
+    <dgm:sp3d/>
+    <dgm:txPr/>
+    <dgm:style>
+      <a:lnRef idx="0">
+        <a:scrgbClr r="0" g="0" b="0"/>
+      </a:lnRef>
+      <a:fillRef idx="3">
+        <a:scrgbClr r="0" g="0" b="0"/>
+      </a:fillRef>
+      <a:effectRef idx="3">
+        <a:scrgbClr r="0" g="0" b="0"/>
+      </a:effectRef>
+      <a:fontRef idx="minor">
+        <a:schemeClr val="lt1"/>
+      </a:fontRef>
+    </dgm:style>
+  </dgm:styleLbl>
+  <dgm:styleLbl name="asst1">
+    <dgm:scene3d>
+      <a:camera prst="orthographicFront"/>
+      <a:lightRig rig="threePt" dir="t"/>
+    </dgm:scene3d>
+    <dgm:sp3d/>
+    <dgm:txPr/>
+    <dgm:style>
+      <a:lnRef idx="0">
+        <a:scrgbClr r="0" g="0" b="0"/>
+      </a:lnRef>
+      <a:fillRef idx="3">
+        <a:scrgbClr r="0" g="0" b="0"/>
+      </a:fillRef>
+      <a:effectRef idx="3">
+        <a:scrgbClr r="0" g="0" b="0"/>
+      </a:effectRef>
+      <a:fontRef idx="minor">
+        <a:schemeClr val="lt1"/>
+      </a:fontRef>
+    </dgm:style>
+  </dgm:styleLbl>
+  <dgm:styleLbl name="asst2">
+    <dgm:scene3d>
+      <a:camera prst="orthographicFront"/>
+      <a:lightRig rig="threePt" dir="t"/>
+    </dgm:scene3d>
+    <dgm:sp3d/>
+    <dgm:txPr/>
+    <dgm:style>
+      <a:lnRef idx="0">
+        <a:scrgbClr r="0" g="0" b="0"/>
+      </a:lnRef>
+      <a:fillRef idx="3">
+        <a:scrgbClr r="0" g="0" b="0"/>
+      </a:fillRef>
+      <a:effectRef idx="3">
+        <a:scrgbClr r="0" g="0" b="0"/>
+      </a:effectRef>
+      <a:fontRef idx="minor">
+        <a:schemeClr val="lt1"/>
+      </a:fontRef>
+    </dgm:style>
+  </dgm:styleLbl>
+  <dgm:styleLbl name="asst3">
+    <dgm:scene3d>
+      <a:camera prst="orthographicFront"/>
+      <a:lightRig rig="threePt" dir="t"/>
+    </dgm:scene3d>
+    <dgm:sp3d/>
+    <dgm:txPr/>
+    <dgm:style>
+      <a:lnRef idx="0">
+        <a:scrgbClr r="0" g="0" b="0"/>
+      </a:lnRef>
+      <a:fillRef idx="3">
+        <a:scrgbClr r="0" g="0" b="0"/>
+      </a:fillRef>
+      <a:effectRef idx="3">
+        <a:scrgbClr r="0" g="0" b="0"/>
+      </a:effectRef>
+      <a:fontRef idx="minor">
+        <a:schemeClr val="lt1"/>
+      </a:fontRef>
+    </dgm:style>
+  </dgm:styleLbl>
+  <dgm:styleLbl name="asst4">
+    <dgm:scene3d>
+      <a:camera prst="orthographicFront"/>
+      <a:lightRig rig="threePt" dir="t"/>
+    </dgm:scene3d>
+    <dgm:sp3d/>
+    <dgm:txPr/>
+    <dgm:style>
+      <a:lnRef idx="0">
+        <a:scrgbClr r="0" g="0" b="0"/>
+      </a:lnRef>
+      <a:fillRef idx="3">
+        <a:scrgbClr r="0" g="0" b="0"/>
+      </a:fillRef>
+      <a:effectRef idx="3">
+        <a:scrgbClr r="0" g="0" b="0"/>
+      </a:effectRef>
+      <a:fontRef idx="minor">
+        <a:schemeClr val="lt1"/>
+      </a:fontRef>
+    </dgm:style>
+  </dgm:styleLbl>
+  <dgm:styleLbl name="parChTrans2D1">
+    <dgm:scene3d>
+      <a:camera prst="orthographicFront"/>
+      <a:lightRig rig="threePt" dir="t"/>
+    </dgm:scene3d>
+    <dgm:sp3d/>
+    <dgm:txPr/>
+    <dgm:style>
+      <a:lnRef idx="0">
+        <a:scrgbClr r="0" g="0" b="0"/>
+      </a:lnRef>
+      <a:fillRef idx="3">
+        <a:scrgbClr r="0" g="0" b="0"/>
+      </a:fillRef>
+      <a:effectRef idx="3">
+        <a:scrgbClr r="0" g="0" b="0"/>
+      </a:effectRef>
+      <a:fontRef idx="minor">
+        <a:schemeClr val="lt1"/>
+      </a:fontRef>
+    </dgm:style>
+  </dgm:styleLbl>
+  <dgm:styleLbl name="parChTrans2D2">
+    <dgm:scene3d>
+      <a:camera prst="orthographicFront"/>
+      <a:lightRig rig="threePt" dir="t"/>
+    </dgm:scene3d>
+    <dgm:sp3d/>
+    <dgm:txPr/>
+    <dgm:style>
+      <a:lnRef idx="0">
+        <a:scrgbClr r="0" g="0" b="0"/>
+      </a:lnRef>
+      <a:fillRef idx="3">
+        <a:scrgbClr r="0" g="0" b="0"/>
+      </a:fillRef>
+      <a:effectRef idx="3">
+        <a:scrgbClr r="0" g="0" b="0"/>
+      </a:effectRef>
+      <a:fontRef idx="minor">
+        <a:schemeClr val="lt1"/>
+      </a:fontRef>
+    </dgm:style>
+  </dgm:styleLbl>
+  <dgm:styleLbl name="parChTrans2D3">
+    <dgm:scene3d>
+      <a:camera prst="orthographicFront"/>
+      <a:lightRig rig="threePt" dir="t"/>
+    </dgm:scene3d>
+    <dgm:sp3d/>
+    <dgm:txPr/>
+    <dgm:style>
+      <a:lnRef idx="0">
+        <a:scrgbClr r="0" g="0" b="0"/>
+      </a:lnRef>
+      <a:fillRef idx="3">
+        <a:scrgbClr r="0" g="0" b="0"/>
+      </a:fillRef>
+      <a:effectRef idx="3">
+        <a:scrgbClr r="0" g="0" b="0"/>
+      </a:effectRef>
+      <a:fontRef idx="minor">
+        <a:schemeClr val="lt1"/>
+      </a:fontRef>
+    </dgm:style>
+  </dgm:styleLbl>
+  <dgm:styleLbl name="parChTrans2D4">
+    <dgm:scene3d>
+      <a:camera prst="orthographicFront"/>
+      <a:lightRig rig="threePt" dir="t"/>
+    </dgm:scene3d>
+    <dgm:sp3d/>
+    <dgm:txPr/>
+    <dgm:style>
+      <a:lnRef idx="0">
+        <a:scrgbClr r="0" g="0" b="0"/>
+      </a:lnRef>
+      <a:fillRef idx="3">
+        <a:scrgbClr r="0" g="0" b="0"/>
+      </a:fillRef>
+      <a:effectRef idx="3">
+        <a:scrgbClr r="0" g="0" b="0"/>
+      </a:effectRef>
+      <a:fontRef idx="minor">
+        <a:schemeClr val="lt1"/>
+      </a:fontRef>
+    </dgm:style>
+  </dgm:styleLbl>
+  <dgm:styleLbl name="parChTrans1D1">
+    <dgm:scene3d>
+      <a:camera prst="orthographicFront"/>
+      <a:lightRig rig="threePt" dir="t"/>
+    </dgm:scene3d>
+    <dgm:sp3d/>
+    <dgm:txPr/>
+    <dgm:style>
+      <a:lnRef idx="2">
+        <a:scrgbClr r="0" g="0" b="0"/>
+      </a:lnRef>
+      <a:fillRef idx="0">
+        <a:scrgbClr r="0" g="0" b="0"/>
+      </a:fillRef>
+      <a:effectRef idx="0">
+        <a:scrgbClr r="0" g="0" b="0"/>
+      </a:effectRef>
+      <a:fontRef idx="minor"/>
+    </dgm:style>
+  </dgm:styleLbl>
+  <dgm:styleLbl name="parChTrans1D2">
+    <dgm:scene3d>
+      <a:camera prst="orthographicFront"/>
+      <a:lightRig rig="threePt" dir="t"/>
+    </dgm:scene3d>
+    <dgm:sp3d/>
+    <dgm:txPr/>
+    <dgm:style>
+      <a:lnRef idx="2">
+        <a:scrgbClr r="0" g="0" b="0"/>
+      </a:lnRef>
+      <a:fillRef idx="0">
+        <a:scrgbClr r="0" g="0" b="0"/>
+      </a:fillRef>
+      <a:effectRef idx="0">
+        <a:scrgbClr r="0" g="0" b="0"/>
+      </a:effectRef>
+      <a:fontRef idx="minor"/>
+    </dgm:style>
+  </dgm:styleLbl>
+  <dgm:styleLbl name="parChTrans1D3">
+    <dgm:scene3d>
+      <a:camera prst="orthographicFront"/>
+      <a:lightRig rig="threePt" dir="t"/>
+    </dgm:scene3d>
+    <dgm:sp3d/>
+    <dgm:txPr/>
+    <dgm:style>
+      <a:lnRef idx="2">
+        <a:scrgbClr r="0" g="0" b="0"/>
+      </a:lnRef>
+      <a:fillRef idx="0">
+        <a:scrgbClr r="0" g="0" b="0"/>
+      </a:fillRef>
+      <a:effectRef idx="0">
+        <a:scrgbClr r="0" g="0" b="0"/>
+      </a:effectRef>
+      <a:fontRef idx="minor"/>
+    </dgm:style>
+  </dgm:styleLbl>
+  <dgm:styleLbl name="parChTrans1D4">
+    <dgm:scene3d>
+      <a:camera prst="orthographicFront"/>
+      <a:lightRig rig="threePt" dir="t"/>
+    </dgm:scene3d>
+    <dgm:sp3d/>
+    <dgm:txPr/>
+    <dgm:style>
+      <a:lnRef idx="2">
+        <a:scrgbClr r="0" g="0" b="0"/>
+      </a:lnRef>
+      <a:fillRef idx="0">
+        <a:scrgbClr r="0" g="0" b="0"/>
+      </a:fillRef>
+      <a:effectRef idx="0">
+        <a:scrgbClr r="0" g="0" b="0"/>
+      </a:effectRef>
+      <a:fontRef idx="minor"/>
+    </dgm:style>
+  </dgm:styleLbl>
+  <dgm:styleLbl name="fgAcc1">
+    <dgm:scene3d>
+      <a:camera prst="orthographicFront"/>
+      <a:lightRig rig="threePt" dir="t"/>
+    </dgm:scene3d>
+    <dgm:sp3d/>
+    <dgm:txPr/>
+    <dgm:style>
+      <a:lnRef idx="1">
+        <a:scrgbClr r="0" g="0" b="0"/>
+      </a:lnRef>
+      <a:fillRef idx="1">
+        <a:scrgbClr r="0" g="0" b="0"/>
+      </a:fillRef>
+      <a:effectRef idx="2">
+        <a:scrgbClr r="0" g="0" b="0"/>
+      </a:effectRef>
+      <a:fontRef idx="minor"/>
+    </dgm:style>
+  </dgm:styleLbl>
+  <dgm:styleLbl name="conFgAcc1">
+    <dgm:scene3d>
+      <a:camera prst="orthographicFront"/>
+      <a:lightRig rig="threePt" dir="t"/>
+    </dgm:scene3d>
+    <dgm:sp3d/>
+    <dgm:txPr/>
+    <dgm:style>
+      <a:lnRef idx="1">
+        <a:scrgbClr r="0" g="0" b="0"/>
+      </a:lnRef>
+      <a:fillRef idx="1">
+        <a:scrgbClr r="0" g="0" b="0"/>
+      </a:fillRef>
+      <a:effectRef idx="2">
+        <a:scrgbClr r="0" g="0" b="0"/>
+      </a:effectRef>
+      <a:fontRef idx="minor"/>
+    </dgm:style>
+  </dgm:styleLbl>
+  <dgm:styleLbl name="alignAcc1">
+    <dgm:scene3d>
+      <a:camera prst="orthographicFront"/>
+      <a:lightRig rig="threePt" dir="t"/>
+    </dgm:scene3d>
+    <dgm:sp3d/>
+    <dgm:txPr/>
+    <dgm:style>
+      <a:lnRef idx="1">
+        <a:scrgbClr r="0" g="0" b="0"/>
+      </a:lnRef>
+      <a:fillRef idx="1">
+        <a:scrgbClr r="0" g="0" b="0"/>
+      </a:fillRef>
+      <a:effectRef idx="2">
+        <a:scrgbClr r="0" g="0" b="0"/>
+      </a:effectRef>
+      <a:fontRef idx="minor"/>
+    </dgm:style>
+  </dgm:styleLbl>
+  <dgm:styleLbl name="trAlignAcc1">
+    <dgm:scene3d>
+      <a:camera prst="orthographicFront"/>
+      <a:lightRig rig="threePt" dir="t"/>
+    </dgm:scene3d>
+    <dgm:sp3d/>
+    <dgm:txPr/>
+    <dgm:style>
+      <a:lnRef idx="1">
+        <a:scrgbClr r="0" g="0" b="0"/>
+      </a:lnRef>
+      <a:fillRef idx="1">
+        <a:scrgbClr r="0" g="0" b="0"/>
+      </a:fillRef>
+      <a:effectRef idx="0">
+        <a:scrgbClr r="0" g="0" b="0"/>
+      </a:effectRef>
+      <a:fontRef idx="minor"/>
+    </dgm:style>
+  </dgm:styleLbl>
+  <dgm:styleLbl name="bgAcc1">
+    <dgm:scene3d>
+      <a:camera prst="orthographicFront"/>
+      <a:lightRig rig="threePt" dir="t"/>
+    </dgm:scene3d>
+    <dgm:sp3d/>
+    <dgm:txPr/>
+    <dgm:style>
+      <a:lnRef idx="1">
+        <a:scrgbClr r="0" g="0" b="0"/>
+      </a:lnRef>
+      <a:fillRef idx="1">
+        <a:scrgbClr r="0" g="0" b="0"/>
+      </a:fillRef>
+      <a:effectRef idx="2">
+        <a:scrgbClr r="0" g="0" b="0"/>
+      </a:effectRef>
+      <a:fontRef idx="minor"/>
+    </dgm:style>
+  </dgm:styleLbl>
+  <dgm:styleLbl name="solidFgAcc1">
+    <dgm:scene3d>
+      <a:camera prst="orthographicFront"/>
+      <a:lightRig rig="threePt" dir="t"/>
+    </dgm:scene3d>
+    <dgm:sp3d/>
+    <dgm:txPr/>
+    <dgm:style>
+      <a:lnRef idx="1">
+        <a:scrgbClr r="0" g="0" b="0"/>
+      </a:lnRef>
+      <a:fillRef idx="1">
+        <a:scrgbClr r="0" g="0" b="0"/>
+      </a:fillRef>
+      <a:effectRef idx="2">
+        <a:scrgbClr r="0" g="0" b="0"/>
+      </a:effectRef>
+      <a:fontRef idx="minor"/>
+    </dgm:style>
+  </dgm:styleLbl>
+  <dgm:styleLbl name="solidAlignAcc1">
+    <dgm:scene3d>
+      <a:camera prst="orthographicFront"/>
+      <a:lightRig rig="threePt" dir="t"/>
+    </dgm:scene3d>
+    <dgm:sp3d/>
+    <dgm:txPr/>
+    <dgm:style>
+      <a:lnRef idx="1">
+        <a:scrgbClr r="0" g="0" b="0"/>
+      </a:lnRef>
+      <a:fillRef idx="1">
+        <a:scrgbClr r="0" g="0" b="0"/>
+      </a:fillRef>
+      <a:effectRef idx="3">
+        <a:scrgbClr r="0" g="0" b="0"/>
+      </a:effectRef>
+      <a:fontRef idx="minor"/>
+    </dgm:style>
+  </dgm:styleLbl>
+  <dgm:styleLbl name="solidBgAcc1">
+    <dgm:scene3d>
+      <a:camera prst="orthographicFront"/>
+      <a:lightRig rig="threePt" dir="t"/>
+    </dgm:scene3d>
+    <dgm:sp3d/>
+    <dgm:txPr/>
+    <dgm:style>
+      <a:lnRef idx="1">
+        <a:scrgbClr r="0" g="0" b="0"/>
+      </a:lnRef>
+      <a:fillRef idx="1">
+        <a:scrgbClr r="0" g="0" b="0"/>
+      </a:fillRef>
+      <a:effectRef idx="3">
+        <a:scrgbClr r="0" g="0" b="0"/>
+      </a:effectRef>
+      <a:fontRef idx="minor"/>
+    </dgm:style>
+  </dgm:styleLbl>
+  <dgm:styleLbl name="fgAccFollowNode1">
+    <dgm:scene3d>
+      <a:camera prst="orthographicFront"/>
+      <a:lightRig rig="threePt" dir="t"/>
+    </dgm:scene3d>
+    <dgm:sp3d/>
+    <dgm:txPr/>
+    <dgm:style>
+      <a:lnRef idx="1">
+        <a:scrgbClr r="0" g="0" b="0"/>
+      </a:lnRef>
+      <a:fillRef idx="1">
+        <a:scrgbClr r="0" g="0" b="0"/>
+      </a:fillRef>
+      <a:effectRef idx="2">
+        <a:scrgbClr r="0" g="0" b="0"/>
+      </a:effectRef>
+      <a:fontRef idx="minor"/>
+    </dgm:style>
+  </dgm:styleLbl>
+  <dgm:styleLbl name="alignAccFollowNode1">
+    <dgm:scene3d>
+      <a:camera prst="orthographicFront"/>
+      <a:lightRig rig="threePt" dir="t"/>
+    </dgm:scene3d>
+    <dgm:sp3d/>
+    <dgm:txPr/>
+    <dgm:style>
+      <a:lnRef idx="1">
+        <a:scrgbClr r="0" g="0" b="0"/>
+      </a:lnRef>
+      <a:fillRef idx="1">
+        <a:scrgbClr r="0" g="0" b="0"/>
+      </a:fillRef>
+      <a:effectRef idx="2">
+        <a:scrgbClr r="0" g="0" b="0"/>
+      </a:effectRef>
+      <a:fontRef idx="minor"/>
+    </dgm:style>
+  </dgm:styleLbl>
+  <dgm:styleLbl name="bgAccFollowNode1">
+    <dgm:scene3d>
+      <a:camera prst="orthographicFront"/>
+      <a:lightRig rig="threePt" dir="t"/>
+    </dgm:scene3d>
+    <dgm:sp3d/>
+    <dgm:txPr/>
+    <dgm:style>
+      <a:lnRef idx="1">
+        <a:scrgbClr r="0" g="0" b="0"/>
+      </a:lnRef>
+      <a:fillRef idx="1">
+        <a:scrgbClr r="0" g="0" b="0"/>
+      </a:fillRef>
+      <a:effectRef idx="2">
+        <a:scrgbClr r="0" g="0" b="0"/>
+      </a:effectRef>
+      <a:fontRef idx="minor"/>
+    </dgm:style>
+  </dgm:styleLbl>
+  <dgm:styleLbl name="fgAcc0">
+    <dgm:scene3d>
+      <a:camera prst="orthographicFront"/>
+      <a:lightRig rig="threePt" dir="t"/>
+    </dgm:scene3d>
+    <dgm:sp3d/>
+    <dgm:txPr/>
+    <dgm:style>
+      <a:lnRef idx="1">
+        <a:scrgbClr r="0" g="0" b="0"/>
+      </a:lnRef>
+      <a:fillRef idx="1">
+        <a:scrgbClr r="0" g="0" b="0"/>
+      </a:fillRef>
+      <a:effectRef idx="2">
+        <a:scrgbClr r="0" g="0" b="0"/>
+      </a:effectRef>
+      <a:fontRef idx="minor"/>
+    </dgm:style>
+  </dgm:styleLbl>
+  <dgm:styleLbl name="fgAcc2">
+    <dgm:scene3d>
+      <a:camera prst="orthographicFront"/>
+      <a:lightRig rig="threePt" dir="t"/>
+    </dgm:scene3d>
+    <dgm:sp3d/>
+    <dgm:txPr/>
+    <dgm:style>
+      <a:lnRef idx="1">
+        <a:scrgbClr r="0" g="0" b="0"/>
+      </a:lnRef>
+      <a:fillRef idx="1">
+        <a:scrgbClr r="0" g="0" b="0"/>
+      </a:fillRef>
+      <a:effectRef idx="2">
+        <a:scrgbClr r="0" g="0" b="0"/>
+      </a:effectRef>
+      <a:fontRef idx="minor"/>
+    </dgm:style>
+  </dgm:styleLbl>
+  <dgm:styleLbl name="fgAcc3">
+    <dgm:scene3d>
+      <a:camera prst="orthographicFront"/>
+      <a:lightRig rig="threePt" dir="t"/>
+    </dgm:scene3d>
+    <dgm:sp3d/>
+    <dgm:txPr/>
+    <dgm:style>
+      <a:lnRef idx="1">
+        <a:scrgbClr r="0" g="0" b="0"/>
+      </a:lnRef>
+      <a:fillRef idx="1">
+        <a:scrgbClr r="0" g="0" b="0"/>
+      </a:fillRef>
+      <a:effectRef idx="2">
+        <a:scrgbClr r="0" g="0" b="0"/>
+      </a:effectRef>
+      <a:fontRef idx="minor"/>
+    </dgm:style>
+  </dgm:styleLbl>
+  <dgm:styleLbl name="fgAcc4">
+    <dgm:scene3d>
+      <a:camera prst="orthographicFront"/>
+      <a:lightRig rig="threePt" dir="t"/>
+    </dgm:scene3d>
+    <dgm:sp3d/>
+    <dgm:txPr/>
+    <dgm:style>
+      <a:lnRef idx="1">
+        <a:scrgbClr r="0" g="0" b="0"/>
+      </a:lnRef>
+      <a:fillRef idx="1">
+        <a:scrgbClr r="0" g="0" b="0"/>
+      </a:fillRef>
+      <a:effectRef idx="2">
+        <a:scrgbClr r="0" g="0" b="0"/>
+      </a:effectRef>
+      <a:fontRef idx="minor"/>
+    </dgm:style>
+  </dgm:styleLbl>
+  <dgm:styleLbl name="bgShp">
+    <dgm:scene3d>
+      <a:camera prst="orthographicFront"/>
+      <a:lightRig rig="threePt" dir="t"/>
+    </dgm:scene3d>
+    <dgm:sp3d/>
+    <dgm:txPr/>
+    <dgm:style>
+      <a:lnRef idx="0">
+        <a:scrgbClr r="0" g="0" b="0"/>
+      </a:lnRef>
+      <a:fillRef idx="1">
+        <a:scrgbClr r="0" g="0" b="0"/>
+      </a:fillRef>
+      <a:effectRef idx="2">
+        <a:scrgbClr r="0" g="0" b="0"/>
+      </a:effectRef>
+      <a:fontRef idx="minor"/>
+    </dgm:style>
+  </dgm:styleLbl>
+  <dgm:styleLbl name="dkBgShp">
+    <dgm:scene3d>
+      <a:camera prst="orthographicFront"/>
+      <a:lightRig rig="threePt" dir="t"/>
+    </dgm:scene3d>
+    <dgm:sp3d/>
+    <dgm:txPr/>
+    <dgm:style>
+      <a:lnRef idx="0">
+        <a:scrgbClr r="0" g="0" b="0"/>
+      </a:lnRef>
+      <a:fillRef idx="1">
+        <a:scrgbClr r="0" g="0" b="0"/>
+      </a:fillRef>
+      <a:effectRef idx="3">
+        <a:scrgbClr r="0" g="0" b="0"/>
+      </a:effectRef>
+      <a:fontRef idx="minor"/>
+    </dgm:style>
+  </dgm:styleLbl>
+  <dgm:styleLbl name="trBgShp">
+    <dgm:scene3d>
+      <a:camera prst="orthographicFront"/>
+      <a:lightRig rig="threePt" dir="t"/>
+    </dgm:scene3d>
+    <dgm:sp3d/>
+    <dgm:txPr/>
+    <dgm:style>
+      <a:lnRef idx="0">
+        <a:scrgbClr r="0" g="0" b="0"/>
+      </a:lnRef>
+      <a:fillRef idx="1">
+        <a:scrgbClr r="0" g="0" b="0"/>
+      </a:fillRef>
+      <a:effectRef idx="0">
+        <a:scrgbClr r="0" g="0" b="0"/>
+      </a:effectRef>
+      <a:fontRef idx="minor"/>
+    </dgm:style>
+  </dgm:styleLbl>
+  <dgm:styleLbl name="fgShp">
+    <dgm:scene3d>
+      <a:camera prst="orthographicFront"/>
+      <a:lightRig rig="threePt" dir="t"/>
+    </dgm:scene3d>
+    <dgm:sp3d/>
+    <dgm:txPr/>
+    <dgm:style>
+      <a:lnRef idx="0">
+        <a:scrgbClr r="0" g="0" b="0"/>
+      </a:lnRef>
+      <a:fillRef idx="3">
+        <a:scrgbClr r="0" g="0" b="0"/>
+      </a:fillRef>
+      <a:effectRef idx="3">
+        <a:scrgbClr r="0" g="0" b="0"/>
+      </a:effectRef>
+      <a:fontRef idx="minor"/>
+    </dgm:style>
+  </dgm:styleLbl>
+  <dgm:styleLbl name="revTx">
+    <dgm:scene3d>
+      <a:camera prst="orthographicFront"/>
+      <a:lightRig rig="threePt" dir="t"/>
+    </dgm:scene3d>
+    <dgm:sp3d/>
+    <dgm:txPr/>
+    <dgm:style>
+      <a:lnRef idx="0">
+        <a:scrgbClr r="0" g="0" b="0"/>
+      </a:lnRef>
+      <a:fillRef idx="0">
+        <a:scrgbClr r="0" g="0" b="0"/>
+      </a:fillRef>
+      <a:effectRef idx="0">
+        <a:scrgbClr r="0" g="0" b="0"/>
+      </a:effectRef>
+      <a:fontRef idx="minor"/>
+    </dgm:style>
+  </dgm:styleLbl>
+</dgm:styleDef>
+</file>
+
+<file path=ppt/diagrams/quickStyle2.xml><?xml version="1.0" encoding="utf-8"?>
+<dgm:styleDef xmlns:dgm="http://schemas.openxmlformats.org/drawingml/2006/diagram" xmlns:a="http://schemas.openxmlformats.org/drawingml/2006/main" uniqueId="urn:microsoft.com/office/officeart/2005/8/quickstyle/simple1">
+  <dgm:title val=""/>
+  <dgm:desc val=""/>
+  <dgm:catLst>
+    <dgm:cat type="simple" pri="10100"/>
+  </dgm:catLst>
+  <dgm:scene3d>
+    <a:camera prst="orthographicFront"/>
+    <a:lightRig rig="threePt" dir="t"/>
+  </dgm:scene3d>
+  <dgm:styleLbl name="node0">
+    <dgm:scene3d>
+      <a:camera prst="orthographicFront"/>
+      <a:lightRig rig="threePt" dir="t"/>
+    </dgm:scene3d>
+    <dgm:sp3d/>
+    <dgm:txPr/>
+    <dgm:style>
+      <a:lnRef idx="2">
+        <a:scrgbClr r="0" g="0" b="0"/>
+      </a:lnRef>
+      <a:fillRef idx="1">
+        <a:scrgbClr r="0" g="0" b="0"/>
+      </a:fillRef>
+      <a:effectRef idx="0">
+        <a:scrgbClr r="0" g="0" b="0"/>
+      </a:effectRef>
+      <a:fontRef idx="minor">
+        <a:schemeClr val="lt1"/>
+      </a:fontRef>
+    </dgm:style>
+  </dgm:styleLbl>
+  <dgm:styleLbl name="lnNode1">
+    <dgm:scene3d>
+      <a:camera prst="orthographicFront"/>
+      <a:lightRig rig="threePt" dir="t"/>
+    </dgm:scene3d>
+    <dgm:sp3d/>
+    <dgm:txPr/>
+    <dgm:style>
+      <a:lnRef idx="2">
+        <a:scrgbClr r="0" g="0" b="0"/>
+      </a:lnRef>
+      <a:fillRef idx="1">
+        <a:scrgbClr r="0" g="0" b="0"/>
+      </a:fillRef>
+      <a:effectRef idx="0">
+        <a:scrgbClr r="0" g="0" b="0"/>
+      </a:effectRef>
+      <a:fontRef idx="minor">
+        <a:schemeClr val="lt1"/>
+      </a:fontRef>
+    </dgm:style>
+  </dgm:styleLbl>
+  <dgm:styleLbl name="vennNode1">
+    <dgm:scene3d>
+      <a:camera prst="orthographicFront"/>
+      <a:lightRig rig="threePt" dir="t"/>
+    </dgm:scene3d>
+    <dgm:sp3d/>
+    <dgm:txPr/>
+    <dgm:style>
+      <a:lnRef idx="2">
+        <a:scrgbClr r="0" g="0" b="0"/>
+      </a:lnRef>
+      <a:fillRef idx="1">
+        <a:scrgbClr r="0" g="0" b="0"/>
+      </a:fillRef>
+      <a:effectRef idx="0">
+        <a:scrgbClr r="0" g="0" b="0"/>
+      </a:effectRef>
+      <a:fontRef idx="minor">
+        <a:schemeClr val="tx1"/>
+      </a:fontRef>
+    </dgm:style>
+  </dgm:styleLbl>
+  <dgm:styleLbl name="alignNode1">
+    <dgm:scene3d>
+      <a:camera prst="orthographicFront"/>
+      <a:lightRig rig="threePt" dir="t"/>
+    </dgm:scene3d>
+    <dgm:sp3d/>
+    <dgm:txPr/>
+    <dgm:style>
+      <a:lnRef idx="2">
+        <a:scrgbClr r="0" g="0" b="0"/>
+      </a:lnRef>
+      <a:fillRef idx="1">
+        <a:scrgbClr r="0" g="0" b="0"/>
+      </a:fillRef>
+      <a:effectRef idx="0">
+        <a:scrgbClr r="0" g="0" b="0"/>
+      </a:effectRef>
+      <a:fontRef idx="minor">
+        <a:schemeClr val="lt1"/>
+      </a:fontRef>
+    </dgm:style>
+  </dgm:styleLbl>
+  <dgm:styleLbl name="node1">
+    <dgm:scene3d>
+      <a:camera prst="orthographicFront"/>
+      <a:lightRig rig="threePt" dir="t"/>
+    </dgm:scene3d>
+    <dgm:sp3d/>
+    <dgm:txPr/>
+    <dgm:style>
+      <a:lnRef idx="2">
+        <a:scrgbClr r="0" g="0" b="0"/>
+      </a:lnRef>
+      <a:fillRef idx="1">
+        <a:scrgbClr r="0" g="0" b="0"/>
+      </a:fillRef>
+      <a:effectRef idx="0">
+        <a:scrgbClr r="0" g="0" b="0"/>
+      </a:effectRef>
+      <a:fontRef idx="minor">
+        <a:schemeClr val="lt1"/>
+      </a:fontRef>
+    </dgm:style>
+  </dgm:styleLbl>
+  <dgm:styleLbl name="node2">
+    <dgm:scene3d>
+      <a:camera prst="orthographicFront"/>
+      <a:lightRig rig="threePt" dir="t"/>
+    </dgm:scene3d>
+    <dgm:sp3d/>
+    <dgm:txPr/>
+    <dgm:style>
+      <a:lnRef idx="2">
+        <a:scrgbClr r="0" g="0" b="0"/>
+      </a:lnRef>
+      <a:fillRef idx="1">
+        <a:scrgbClr r="0" g="0" b="0"/>
+      </a:fillRef>
+      <a:effectRef idx="0">
+        <a:scrgbClr r="0" g="0" b="0"/>
+      </a:effectRef>
+      <a:fontRef idx="minor">
+        <a:schemeClr val="lt1"/>
+      </a:fontRef>
+    </dgm:style>
+  </dgm:styleLbl>
+  <dgm:styleLbl name="node3">
+    <dgm:scene3d>
+      <a:camera prst="orthographicFront"/>
+      <a:lightRig rig="threePt" dir="t"/>
+    </dgm:scene3d>
+    <dgm:sp3d/>
+    <dgm:txPr/>
+    <dgm:style>
+      <a:lnRef idx="2">
+        <a:scrgbClr r="0" g="0" b="0"/>
+      </a:lnRef>
+      <a:fillRef idx="1">
+        <a:scrgbClr r="0" g="0" b="0"/>
+      </a:fillRef>
+      <a:effectRef idx="0">
+        <a:scrgbClr r="0" g="0" b="0"/>
+      </a:effectRef>
+      <a:fontRef idx="minor">
+        <a:schemeClr val="lt1"/>
+      </a:fontRef>
+    </dgm:style>
+  </dgm:styleLbl>
+  <dgm:styleLbl name="node4">
+    <dgm:scene3d>
+      <a:camera prst="orthographicFront"/>
+      <a:lightRig rig="threePt" dir="t"/>
+    </dgm:scene3d>
+    <dgm:sp3d/>
+    <dgm:txPr/>
+    <dgm:style>
+      <a:lnRef idx="2">
+        <a:scrgbClr r="0" g="0" b="0"/>
+      </a:lnRef>
+      <a:fillRef idx="1">
+        <a:scrgbClr r="0" g="0" b="0"/>
+      </a:fillRef>
+      <a:effectRef idx="0">
+        <a:scrgbClr r="0" g="0" b="0"/>
+      </a:effectRef>
+      <a:fontRef idx="minor">
+        <a:schemeClr val="lt1"/>
+      </a:fontRef>
+    </dgm:style>
+  </dgm:styleLbl>
+  <dgm:styleLbl name="fgImgPlace1">
+    <dgm:scene3d>
+      <a:camera prst="orthographicFront"/>
+      <a:lightRig rig="threePt" dir="t"/>
+    </dgm:scene3d>
+    <dgm:sp3d/>
+    <dgm:txPr/>
+    <dgm:style>
+      <a:lnRef idx="2">
+        <a:scrgbClr r="0" g="0" b="0"/>
+      </a:lnRef>
+      <a:fillRef idx="1">
+        <a:scrgbClr r="0" g="0" b="0"/>
+      </a:fillRef>
+      <a:effectRef idx="0">
+        <a:scrgbClr r="0" g="0" b="0"/>
+      </a:effectRef>
+      <a:fontRef idx="minor"/>
+    </dgm:style>
+  </dgm:styleLbl>
+  <dgm:styleLbl name="alignImgPlace1">
+    <dgm:scene3d>
+      <a:camera prst="orthographicFront"/>
+      <a:lightRig rig="threePt" dir="t"/>
+    </dgm:scene3d>
+    <dgm:sp3d/>
+    <dgm:txPr/>
+    <dgm:style>
+      <a:lnRef idx="2">
+        <a:scrgbClr r="0" g="0" b="0"/>
+      </a:lnRef>
+      <a:fillRef idx="1">
+        <a:scrgbClr r="0" g="0" b="0"/>
+      </a:fillRef>
+      <a:effectRef idx="0">
+        <a:scrgbClr r="0" g="0" b="0"/>
+      </a:effectRef>
+      <a:fontRef idx="minor"/>
+    </dgm:style>
+  </dgm:styleLbl>
+  <dgm:styleLbl name="bgImgPlace1">
+    <dgm:scene3d>
+      <a:camera prst="orthographicFront"/>
+      <a:lightRig rig="threePt" dir="t"/>
+    </dgm:scene3d>
+    <dgm:sp3d/>
+    <dgm:txPr/>
+    <dgm:style>
+      <a:lnRef idx="2">
+        <a:scrgbClr r="0" g="0" b="0"/>
+      </a:lnRef>
+      <a:fillRef idx="1">
+        <a:scrgbClr r="0" g="0" b="0"/>
+      </a:fillRef>
+      <a:effectRef idx="0">
+        <a:scrgbClr r="0" g="0" b="0"/>
+      </a:effectRef>
+      <a:fontRef idx="minor"/>
+    </dgm:style>
+  </dgm:styleLbl>
+  <dgm:styleLbl name="sibTrans2D1">
+    <dgm:scene3d>
+      <a:camera prst="orthographicFront"/>
+      <a:lightRig rig="threePt" dir="t"/>
+    </dgm:scene3d>
+    <dgm:sp3d/>
+    <dgm:txPr/>
+    <dgm:style>
+      <a:lnRef idx="0">
+        <a:scrgbClr r="0" g="0" b="0"/>
+      </a:lnRef>
+      <a:fillRef idx="1">
+        <a:scrgbClr r="0" g="0" b="0"/>
+      </a:fillRef>
+      <a:effectRef idx="0">
+        <a:scrgbClr r="0" g="0" b="0"/>
+      </a:effectRef>
+      <a:fontRef idx="minor">
+        <a:schemeClr val="lt1"/>
+      </a:fontRef>
+    </dgm:style>
+  </dgm:styleLbl>
+  <dgm:styleLbl name="fgSibTrans2D1">
+    <dgm:scene3d>
+      <a:camera prst="orthographicFront"/>
+      <a:lightRig rig="threePt" dir="t"/>
+    </dgm:scene3d>
+    <dgm:sp3d/>
+    <dgm:txPr/>
+    <dgm:style>
+      <a:lnRef idx="0">
+        <a:scrgbClr r="0" g="0" b="0"/>
+      </a:lnRef>
+      <a:fillRef idx="1">
+        <a:scrgbClr r="0" g="0" b="0"/>
+      </a:fillRef>
+      <a:effectRef idx="0">
+        <a:scrgbClr r="0" g="0" b="0"/>
+      </a:effectRef>
+      <a:fontRef idx="minor">
+        <a:schemeClr val="lt1"/>
+      </a:fontRef>
+    </dgm:style>
+  </dgm:styleLbl>
+  <dgm:styleLbl name="bgSibTrans2D1">
+    <dgm:scene3d>
+      <a:camera prst="orthographicFront"/>
+      <a:lightRig rig="threePt" dir="t"/>
+    </dgm:scene3d>
+    <dgm:sp3d/>
+    <dgm:txPr/>
+    <dgm:style>
+      <a:lnRef idx="0">
+        <a:scrgbClr r="0" g="0" b="0"/>
+      </a:lnRef>
+      <a:fillRef idx="1">
+        <a:scrgbClr r="0" g="0" b="0"/>
+      </a:fillRef>
+      <a:effectRef idx="0">
+        <a:scrgbClr r="0" g="0" b="0"/>
+      </a:effectRef>
+      <a:fontRef idx="minor">
+        <a:schemeClr val="lt1"/>
+      </a:fontRef>
+    </dgm:style>
+  </dgm:styleLbl>
+  <dgm:styleLbl name="sibTrans1D1">
+    <dgm:scene3d>
+      <a:camera prst="orthographicFront"/>
+      <a:lightRig rig="threePt" dir="t"/>
+    </dgm:scene3d>
+    <dgm:sp3d/>
+    <dgm:txPr/>
+    <dgm:style>
+      <a:lnRef idx="1">
+        <a:scrgbClr r="0" g="0" b="0"/>
+      </a:lnRef>
+      <a:fillRef idx="0">
+        <a:scrgbClr r="0" g="0" b="0"/>
+      </a:fillRef>
+      <a:effectRef idx="0">
+        <a:scrgbClr r="0" g="0" b="0"/>
+      </a:effectRef>
+      <a:fontRef idx="minor"/>
+    </dgm:style>
+  </dgm:styleLbl>
+  <dgm:styleLbl name="callout">
+    <dgm:scene3d>
+      <a:camera prst="orthographicFront"/>
+      <a:lightRig rig="threePt" dir="t"/>
+    </dgm:scene3d>
+    <dgm:sp3d/>
+    <dgm:txPr/>
+    <dgm:style>
+      <a:lnRef idx="2">
+        <a:scrgbClr r="0" g="0" b="0"/>
+      </a:lnRef>
+      <a:fillRef idx="1">
+        <a:scrgbClr r="0" g="0" b="0"/>
+      </a:fillRef>
+      <a:effectRef idx="0">
+        <a:scrgbClr r="0" g="0" b="0"/>
+      </a:effectRef>
+      <a:fontRef idx="minor"/>
+    </dgm:style>
+  </dgm:styleLbl>
+  <dgm:styleLbl name="asst0">
+    <dgm:scene3d>
+      <a:camera prst="orthographicFront"/>
+      <a:lightRig rig="threePt" dir="t"/>
+    </dgm:scene3d>
+    <dgm:sp3d/>
+    <dgm:txPr/>
+    <dgm:style>
+      <a:lnRef idx="2">
+        <a:scrgbClr r="0" g="0" b="0"/>
+      </a:lnRef>
+      <a:fillRef idx="1">
+        <a:scrgbClr r="0" g="0" b="0"/>
+      </a:fillRef>
+      <a:effectRef idx="0">
+        <a:scrgbClr r="0" g="0" b="0"/>
+      </a:effectRef>
+      <a:fontRef idx="minor">
+        <a:schemeClr val="lt1"/>
+      </a:fontRef>
+    </dgm:style>
+  </dgm:styleLbl>
+  <dgm:styleLbl name="asst1">
+    <dgm:scene3d>
+      <a:camera prst="orthographicFront"/>
+      <a:lightRig rig="threePt" dir="t"/>
+    </dgm:scene3d>
+    <dgm:sp3d/>
+    <dgm:txPr/>
+    <dgm:style>
+      <a:lnRef idx="2">
+        <a:scrgbClr r="0" g="0" b="0"/>
+      </a:lnRef>
+      <a:fillRef idx="1">
+        <a:scrgbClr r="0" g="0" b="0"/>
+      </a:fillRef>
+      <a:effectRef idx="0">
+        <a:scrgbClr r="0" g="0" b="0"/>
+      </a:effectRef>
+      <a:fontRef idx="minor">
+        <a:schemeClr val="lt1"/>
+      </a:fontRef>
+    </dgm:style>
+  </dgm:styleLbl>
+  <dgm:styleLbl name="asst2">
+    <dgm:scene3d>
+      <a:camera prst="orthographicFront"/>
+      <a:lightRig rig="threePt" dir="t"/>
+    </dgm:scene3d>
+    <dgm:sp3d/>
+    <dgm:txPr/>
+    <dgm:style>
+      <a:lnRef idx="2">
+        <a:scrgbClr r="0" g="0" b="0"/>
+      </a:lnRef>
+      <a:fillRef idx="1">
+        <a:scrgbClr r="0" g="0" b="0"/>
+      </a:fillRef>
+      <a:effectRef idx="0">
+        <a:scrgbClr r="0" g="0" b="0"/>
+      </a:effectRef>
+      <a:fontRef idx="minor">
+        <a:schemeClr val="lt1"/>
+      </a:fontRef>
+    </dgm:style>
+  </dgm:styleLbl>
+  <dgm:styleLbl name="asst3">
+    <dgm:scene3d>
+      <a:camera prst="orthographicFront"/>
+      <a:lightRig rig="threePt" dir="t"/>
+    </dgm:scene3d>
+    <dgm:sp3d/>
+    <dgm:txPr/>
+    <dgm:style>
+      <a:lnRef idx="2">
+        <a:scrgbClr r="0" g="0" b="0"/>
+      </a:lnRef>
+      <a:fillRef idx="1">
+        <a:scrgbClr r="0" g="0" b="0"/>
+      </a:fillRef>
+      <a:effectRef idx="0">
+        <a:scrgbClr r="0" g="0" b="0"/>
+      </a:effectRef>
+      <a:fontRef idx="minor">
+        <a:schemeClr val="lt1"/>
+      </a:fontRef>
+    </dgm:style>
+  </dgm:styleLbl>
+  <dgm:styleLbl name="asst4">
+    <dgm:scene3d>
+      <a:camera prst="orthographicFront"/>
+      <a:lightRig rig="threePt" dir="t"/>
+    </dgm:scene3d>
+    <dgm:sp3d/>
+    <dgm:txPr/>
+    <dgm:style>
+      <a:lnRef idx="2">
+        <a:scrgbClr r="0" g="0" b="0"/>
+      </a:lnRef>
+      <a:fillRef idx="1">
+        <a:scrgbClr r="0" g="0" b="0"/>
+      </a:fillRef>
+      <a:effectRef idx="0">
+        <a:scrgbClr r="0" g="0" b="0"/>
+      </a:effectRef>
+      <a:fontRef idx="minor">
+        <a:schemeClr val="lt1"/>
+      </a:fontRef>
+    </dgm:style>
+  </dgm:styleLbl>
+  <dgm:styleLbl name="parChTrans2D1">
+    <dgm:scene3d>
+      <a:camera prst="orthographicFront"/>
+      <a:lightRig rig="threePt" dir="t"/>
+    </dgm:scene3d>
+    <dgm:sp3d/>
+    <dgm:txPr/>
+    <dgm:style>
+      <a:lnRef idx="2">
+        <a:scrgbClr r="0" g="0" b="0"/>
+      </a:lnRef>
+      <a:fillRef idx="1">
+        <a:scrgbClr r="0" g="0" b="0"/>
+      </a:fillRef>
+      <a:effectRef idx="0">
+        <a:scrgbClr r="0" g="0" b="0"/>
+      </a:effectRef>
+      <a:fontRef idx="minor">
+        <a:schemeClr val="lt1"/>
+      </a:fontRef>
+    </dgm:style>
+  </dgm:styleLbl>
+  <dgm:styleLbl name="parChTrans2D2">
+    <dgm:scene3d>
+      <a:camera prst="orthographicFront"/>
+      <a:lightRig rig="threePt" dir="t"/>
+    </dgm:scene3d>
+    <dgm:sp3d/>
+    <dgm:txPr/>
+    <dgm:style>
+      <a:lnRef idx="2">
+        <a:scrgbClr r="0" g="0" b="0"/>
+      </a:lnRef>
+      <a:fillRef idx="1">
+        <a:scrgbClr r="0" g="0" b="0"/>
+      </a:fillRef>
+      <a:effectRef idx="0">
+        <a:scrgbClr r="0" g="0" b="0"/>
+      </a:effectRef>
+      <a:fontRef idx="minor">
+        <a:schemeClr val="lt1"/>
+      </a:fontRef>
+    </dgm:style>
+  </dgm:styleLbl>
+  <dgm:styleLbl name="parChTrans2D3">
+    <dgm:scene3d>
+      <a:camera prst="orthographicFront"/>
+      <a:lightRig rig="threePt" dir="t"/>
+    </dgm:scene3d>
+    <dgm:sp3d/>
+    <dgm:txPr/>
+    <dgm:style>
+      <a:lnRef idx="2">
+        <a:scrgbClr r="0" g="0" b="0"/>
+      </a:lnRef>
+      <a:fillRef idx="1">
+        <a:scrgbClr r="0" g="0" b="0"/>
+      </a:fillRef>
+      <a:effectRef idx="0">
+        <a:scrgbClr r="0" g="0" b="0"/>
+      </a:effectRef>
+      <a:fontRef idx="minor">
+        <a:schemeClr val="lt1"/>
+      </a:fontRef>
+    </dgm:style>
+  </dgm:styleLbl>
+  <dgm:styleLbl name="parChTrans2D4">
+    <dgm:scene3d>
+      <a:camera prst="orthographicFront"/>
+      <a:lightRig rig="threePt" dir="t"/>
+    </dgm:scene3d>
+    <dgm:sp3d/>
+    <dgm:txPr/>
+    <dgm:style>
+      <a:lnRef idx="2">
+        <a:scrgbClr r="0" g="0" b="0"/>
+      </a:lnRef>
+      <a:fillRef idx="1">
+        <a:scrgbClr r="0" g="0" b="0"/>
+      </a:fillRef>
+      <a:effectRef idx="0">
+        <a:scrgbClr r="0" g="0" b="0"/>
+      </a:effectRef>
+      <a:fontRef idx="minor">
+        <a:schemeClr val="lt1"/>
+      </a:fontRef>
+    </dgm:style>
+  </dgm:styleLbl>
+  <dgm:styleLbl name="parChTrans1D1">
+    <dgm:scene3d>
+      <a:camera prst="orthographicFront"/>
+      <a:lightRig rig="threePt" dir="t"/>
+    </dgm:scene3d>
+    <dgm:sp3d/>
+    <dgm:txPr/>
+    <dgm:style>
+      <a:lnRef idx="2">
+        <a:scrgbClr r="0" g="0" b="0"/>
+      </a:lnRef>
+      <a:fillRef idx="0">
+        <a:scrgbClr r="0" g="0" b="0"/>
+      </a:fillRef>
+      <a:effectRef idx="0">
+        <a:scrgbClr r="0" g="0" b="0"/>
+      </a:effectRef>
+      <a:fontRef idx="minor"/>
+    </dgm:style>
+  </dgm:styleLbl>
+  <dgm:styleLbl name="parChTrans1D2">
+    <dgm:scene3d>
+      <a:camera prst="orthographicFront"/>
+      <a:lightRig rig="threePt" dir="t"/>
+    </dgm:scene3d>
+    <dgm:sp3d/>
+    <dgm:txPr/>
+    <dgm:style>
+      <a:lnRef idx="2">
+        <a:scrgbClr r="0" g="0" b="0"/>
+      </a:lnRef>
+      <a:fillRef idx="0">
+        <a:scrgbClr r="0" g="0" b="0"/>
+      </a:fillRef>
+      <a:effectRef idx="0">
+        <a:scrgbClr r="0" g="0" b="0"/>
+      </a:effectRef>
+      <a:fontRef idx="minor"/>
+    </dgm:style>
+  </dgm:styleLbl>
+  <dgm:styleLbl name="parChTrans1D3">
+    <dgm:scene3d>
+      <a:camera prst="orthographicFront"/>
+      <a:lightRig rig="threePt" dir="t"/>
+    </dgm:scene3d>
+    <dgm:sp3d/>
+    <dgm:txPr/>
+    <dgm:style>
+      <a:lnRef idx="2">
+        <a:scrgbClr r="0" g="0" b="0"/>
+      </a:lnRef>
+      <a:fillRef idx="0">
+        <a:scrgbClr r="0" g="0" b="0"/>
+      </a:fillRef>
+      <a:effectRef idx="0">
+        <a:scrgbClr r="0" g="0" b="0"/>
+      </a:effectRef>
+      <a:fontRef idx="minor"/>
+    </dgm:style>
+  </dgm:styleLbl>
+  <dgm:styleLbl name="parChTrans1D4">
+    <dgm:scene3d>
+      <a:camera prst="orthographicFront"/>
+      <a:lightRig rig="threePt" dir="t"/>
+    </dgm:scene3d>
+    <dgm:sp3d/>
+    <dgm:txPr/>
+    <dgm:style>
+      <a:lnRef idx="2">
+        <a:scrgbClr r="0" g="0" b="0"/>
+      </a:lnRef>
+      <a:fillRef idx="0">
+        <a:scrgbClr r="0" g="0" b="0"/>
+      </a:fillRef>
+      <a:effectRef idx="0">
+        <a:scrgbClr r="0" g="0" b="0"/>
+      </a:effectRef>
+      <a:fontRef idx="minor"/>
+    </dgm:style>
+  </dgm:styleLbl>
+  <dgm:styleLbl name="fgAcc1">
+    <dgm:scene3d>
+      <a:camera prst="orthographicFront"/>
+      <a:lightRig rig="threePt" dir="t"/>
+    </dgm:scene3d>
+    <dgm:sp3d/>
+    <dgm:txPr/>
+    <dgm:style>
+      <a:lnRef idx="2">
+        <a:scrgbClr r="0" g="0" b="0"/>
+      </a:lnRef>
+      <a:fillRef idx="1">
+        <a:scrgbClr r="0" g="0" b="0"/>
+      </a:fillRef>
+      <a:effectRef idx="0">
+        <a:scrgbClr r="0" g="0" b="0"/>
+      </a:effectRef>
+      <a:fontRef idx="minor"/>
+    </dgm:style>
+  </dgm:styleLbl>
+  <dgm:styleLbl name="conFgAcc1">
+    <dgm:scene3d>
+      <a:camera prst="orthographicFront"/>
+      <a:lightRig rig="threePt" dir="t"/>
+    </dgm:scene3d>
+    <dgm:sp3d/>
+    <dgm:txPr/>
+    <dgm:style>
+      <a:lnRef idx="2">
+        <a:scrgbClr r="0" g="0" b="0"/>
+      </a:lnRef>
+      <a:fillRef idx="1">
+        <a:scrgbClr r="0" g="0" b="0"/>
+      </a:fillRef>
+      <a:effectRef idx="0">
+        <a:scrgbClr r="0" g="0" b="0"/>
+      </a:effectRef>
+      <a:fontRef idx="minor"/>
+    </dgm:style>
+  </dgm:styleLbl>
+  <dgm:styleLbl name="alignAcc1">
+    <dgm:scene3d>
+      <a:camera prst="orthographicFront"/>
+      <a:lightRig rig="threePt" dir="t"/>
+    </dgm:scene3d>
+    <dgm:sp3d/>
+    <dgm:txPr/>
+    <dgm:style>
+      <a:lnRef idx="2">
+        <a:scrgbClr r="0" g="0" b="0"/>
+      </a:lnRef>
+      <a:fillRef idx="1">
+        <a:scrgbClr r="0" g="0" b="0"/>
+      </a:fillRef>
+      <a:effectRef idx="0">
+        <a:scrgbClr r="0" g="0" b="0"/>
+      </a:effectRef>
+      <a:fontRef idx="minor"/>
+    </dgm:style>
+  </dgm:styleLbl>
+  <dgm:styleLbl name="trAlignAcc1">
+    <dgm:scene3d>
+      <a:camera prst="orthographicFront"/>
+      <a:lightRig rig="threePt" dir="t"/>
+    </dgm:scene3d>
+    <dgm:sp3d/>
+    <dgm:txPr/>
+    <dgm:style>
+      <a:lnRef idx="1">
+        <a:scrgbClr r="0" g="0" b="0"/>
+      </a:lnRef>
+      <a:fillRef idx="1">
+        <a:scrgbClr r="0" g="0" b="0"/>
+      </a:fillRef>
+      <a:effectRef idx="0">
+        <a:scrgbClr r="0" g="0" b="0"/>
+      </a:effectRef>
+      <a:fontRef idx="minor"/>
+    </dgm:style>
+  </dgm:styleLbl>
+  <dgm:styleLbl name="bgAcc1">
+    <dgm:scene3d>
+      <a:camera prst="orthographicFront"/>
+      <a:lightRig rig="threePt" dir="t"/>
+    </dgm:scene3d>
+    <dgm:sp3d/>
+    <dgm:txPr/>
+    <dgm:style>
+      <a:lnRef idx="2">
+        <a:scrgbClr r="0" g="0" b="0"/>
+      </a:lnRef>
+      <a:fillRef idx="1">
+        <a:scrgbClr r="0" g="0" b="0"/>
+      </a:fillRef>
+      <a:effectRef idx="0">
+        <a:scrgbClr r="0" g="0" b="0"/>
+      </a:effectRef>
+      <a:fontRef idx="minor"/>
+    </dgm:style>
+  </dgm:styleLbl>
+  <dgm:styleLbl name="solidFgAcc1">
+    <dgm:scene3d>
+      <a:camera prst="orthographicFront"/>
+      <a:lightRig rig="threePt" dir="t"/>
+    </dgm:scene3d>
+    <dgm:sp3d/>
+    <dgm:txPr/>
+    <dgm:style>
+      <a:lnRef idx="2">
+        <a:scrgbClr r="0" g="0" b="0"/>
+      </a:lnRef>
+      <a:fillRef idx="1">
+        <a:scrgbClr r="0" g="0" b="0"/>
+      </a:fillRef>
+      <a:effectRef idx="0">
+        <a:scrgbClr r="0" g="0" b="0"/>
+      </a:effectRef>
+      <a:fontRef idx="minor"/>
+    </dgm:style>
+  </dgm:styleLbl>
+  <dgm:styleLbl name="solidAlignAcc1">
+    <dgm:scene3d>
+      <a:camera prst="orthographicFront"/>
+      <a:lightRig rig="threePt" dir="t"/>
+    </dgm:scene3d>
+    <dgm:sp3d/>
+    <dgm:txPr/>
+    <dgm:style>
+      <a:lnRef idx="2">
+        <a:scrgbClr r="0" g="0" b="0"/>
+      </a:lnRef>
+      <a:fillRef idx="1">
+        <a:scrgbClr r="0" g="0" b="0"/>
+      </a:fillRef>
+      <a:effectRef idx="0">
+        <a:scrgbClr r="0" g="0" b="0"/>
+      </a:effectRef>
+      <a:fontRef idx="minor"/>
+    </dgm:style>
+  </dgm:styleLbl>
+  <dgm:styleLbl name="solidBgAcc1">
+    <dgm:scene3d>
+      <a:camera prst="orthographicFront"/>
+      <a:lightRig rig="threePt" dir="t"/>
+    </dgm:scene3d>
+    <dgm:sp3d/>
+    <dgm:txPr/>
+    <dgm:style>
+      <a:lnRef idx="2">
+        <a:scrgbClr r="0" g="0" b="0"/>
+      </a:lnRef>
+      <a:fillRef idx="1">
+        <a:scrgbClr r="0" g="0" b="0"/>
+      </a:fillRef>
+      <a:effectRef idx="0">
+        <a:scrgbClr r="0" g="0" b="0"/>
+      </a:effectRef>
+      <a:fontRef idx="minor"/>
+    </dgm:style>
+  </dgm:styleLbl>
+  <dgm:styleLbl name="fgAccFollowNode1">
+    <dgm:scene3d>
+      <a:camera prst="orthographicFront"/>
+      <a:lightRig rig="threePt" dir="t"/>
+    </dgm:scene3d>
+    <dgm:sp3d/>
+    <dgm:txPr/>
+    <dgm:style>
+      <a:lnRef idx="2">
+        <a:scrgbClr r="0" g="0" b="0"/>
+      </a:lnRef>
+      <a:fillRef idx="1">
+        <a:scrgbClr r="0" g="0" b="0"/>
+      </a:fillRef>
+      <a:effectRef idx="0">
+        <a:scrgbClr r="0" g="0" b="0"/>
+      </a:effectRef>
+      <a:fontRef idx="minor"/>
+    </dgm:style>
+  </dgm:styleLbl>
+  <dgm:styleLbl name="alignAccFollowNode1">
+    <dgm:scene3d>
+      <a:camera prst="orthographicFront"/>
+      <a:lightRig rig="threePt" dir="t"/>
+    </dgm:scene3d>
+    <dgm:sp3d/>
+    <dgm:txPr/>
+    <dgm:style>
+      <a:lnRef idx="2">
+        <a:scrgbClr r="0" g="0" b="0"/>
+      </a:lnRef>
+      <a:fillRef idx="1">
+        <a:scrgbClr r="0" g="0" b="0"/>
+      </a:fillRef>
+      <a:effectRef idx="0">
+        <a:scrgbClr r="0" g="0" b="0"/>
+      </a:effectRef>
+      <a:fontRef idx="minor"/>
+    </dgm:style>
+  </dgm:styleLbl>
+  <dgm:styleLbl name="bgAccFollowNode1">
+    <dgm:scene3d>
+      <a:camera prst="orthographicFront"/>
+      <a:lightRig rig="threePt" dir="t"/>
+    </dgm:scene3d>
+    <dgm:sp3d/>
+    <dgm:txPr/>
+    <dgm:style>
+      <a:lnRef idx="2">
+        <a:scrgbClr r="0" g="0" b="0"/>
+      </a:lnRef>
+      <a:fillRef idx="1">
+        <a:scrgbClr r="0" g="0" b="0"/>
+      </a:fillRef>
+      <a:effectRef idx="0">
+        <a:scrgbClr r="0" g="0" b="0"/>
+      </a:effectRef>
+      <a:fontRef idx="minor"/>
+    </dgm:style>
+  </dgm:styleLbl>
+  <dgm:styleLbl name="fgAcc0">
+    <dgm:scene3d>
+      <a:camera prst="orthographicFront"/>
+      <a:lightRig rig="threePt" dir="t"/>
+    </dgm:scene3d>
+    <dgm:sp3d/>
+    <dgm:txPr/>
+    <dgm:style>
+      <a:lnRef idx="2">
+        <a:scrgbClr r="0" g="0" b="0"/>
+      </a:lnRef>
+      <a:fillRef idx="1">
+        <a:scrgbClr r="0" g="0" b="0"/>
+      </a:fillRef>
+      <a:effectRef idx="0">
+        <a:scrgbClr r="0" g="0" b="0"/>
+      </a:effectRef>
+      <a:fontRef idx="minor"/>
+    </dgm:style>
+  </dgm:styleLbl>
+  <dgm:styleLbl name="fgAcc2">
+    <dgm:scene3d>
+      <a:camera prst="orthographicFront"/>
+      <a:lightRig rig="threePt" dir="t"/>
+    </dgm:scene3d>
+    <dgm:sp3d/>
+    <dgm:txPr/>
+    <dgm:style>
+      <a:lnRef idx="2">
+        <a:scrgbClr r="0" g="0" b="0"/>
+      </a:lnRef>
+      <a:fillRef idx="1">
+        <a:scrgbClr r="0" g="0" b="0"/>
+      </a:fillRef>
+      <a:effectRef idx="0">
+        <a:scrgbClr r="0" g="0" b="0"/>
+      </a:effectRef>
+      <a:fontRef idx="minor"/>
+    </dgm:style>
+  </dgm:styleLbl>
+  <dgm:styleLbl name="fgAcc3">
+    <dgm:scene3d>
+      <a:camera prst="orthographicFront"/>
+      <a:lightRig rig="threePt" dir="t"/>
+    </dgm:scene3d>
+    <dgm:sp3d/>
+    <dgm:txPr/>
+    <dgm:style>
+      <a:lnRef idx="2">
+        <a:scrgbClr r="0" g="0" b="0"/>
+      </a:lnRef>
+      <a:fillRef idx="1">
+        <a:scrgbClr r="0" g="0" b="0"/>
+      </a:fillRef>
+      <a:effectRef idx="0">
+        <a:scrgbClr r="0" g="0" b="0"/>
+      </a:effectRef>
+      <a:fontRef idx="minor"/>
+    </dgm:style>
+  </dgm:styleLbl>
+  <dgm:styleLbl name="fgAcc4">
+    <dgm:scene3d>
+      <a:camera prst="orthographicFront"/>
+      <a:lightRig rig="threePt" dir="t"/>
+    </dgm:scene3d>
+    <dgm:sp3d/>
+    <dgm:txPr/>
+    <dgm:style>
+      <a:lnRef idx="2">
+        <a:scrgbClr r="0" g="0" b="0"/>
+      </a:lnRef>
+      <a:fillRef idx="1">
+        <a:scrgbClr r="0" g="0" b="0"/>
+      </a:fillRef>
+      <a:effectRef idx="0">
+        <a:scrgbClr r="0" g="0" b="0"/>
+      </a:effectRef>
+      <a:fontRef idx="minor"/>
+    </dgm:style>
+  </dgm:styleLbl>
+  <dgm:styleLbl name="bgShp">
+    <dgm:scene3d>
+      <a:camera prst="orthographicFront"/>
+      <a:lightRig rig="threePt" dir="t"/>
+    </dgm:scene3d>
+    <dgm:sp3d/>
+    <dgm:txPr/>
+    <dgm:style>
+      <a:lnRef idx="0">
+        <a:scrgbClr r="0" g="0" b="0"/>
+      </a:lnRef>
+      <a:fillRef idx="1">
+        <a:scrgbClr r="0" g="0" b="0"/>
+      </a:fillRef>
+      <a:effectRef idx="0">
+        <a:scrgbClr r="0" g="0" b="0"/>
+      </a:effectRef>
+      <a:fontRef idx="minor"/>
+    </dgm:style>
+  </dgm:styleLbl>
+  <dgm:styleLbl name="dkBgShp">
+    <dgm:scene3d>
+      <a:camera prst="orthographicFront"/>
+      <a:lightRig rig="threePt" dir="t"/>
+    </dgm:scene3d>
+    <dgm:sp3d/>
+    <dgm:txPr/>
+    <dgm:style>
+      <a:lnRef idx="0">
+        <a:scrgbClr r="0" g="0" b="0"/>
+      </a:lnRef>
+      <a:fillRef idx="1">
+        <a:scrgbClr r="0" g="0" b="0"/>
+      </a:fillRef>
+      <a:effectRef idx="0">
+        <a:scrgbClr r="0" g="0" b="0"/>
+      </a:effectRef>
+      <a:fontRef idx="minor"/>
+    </dgm:style>
+  </dgm:styleLbl>
+  <dgm:styleLbl name="trBgShp">
+    <dgm:scene3d>
+      <a:camera prst="orthographicFront"/>
+      <a:lightRig rig="threePt" dir="t"/>
+    </dgm:scene3d>
+    <dgm:sp3d/>
+    <dgm:txPr/>
+    <dgm:style>
+      <a:lnRef idx="0">
+        <a:scrgbClr r="0" g="0" b="0"/>
+      </a:lnRef>
+      <a:fillRef idx="1">
+        <a:scrgbClr r="0" g="0" b="0"/>
+      </a:fillRef>
+      <a:effectRef idx="0">
+        <a:scrgbClr r="0" g="0" b="0"/>
+      </a:effectRef>
+      <a:fontRef idx="minor"/>
+    </dgm:style>
+  </dgm:styleLbl>
+  <dgm:styleLbl name="fgShp">
+    <dgm:scene3d>
+      <a:camera prst="orthographicFront"/>
+      <a:lightRig rig="threePt" dir="t"/>
+    </dgm:scene3d>
+    <dgm:sp3d/>
+    <dgm:txPr/>
+    <dgm:style>
+      <a:lnRef idx="2">
+        <a:scrgbClr r="0" g="0" b="0"/>
+      </a:lnRef>
+      <a:fillRef idx="1">
+        <a:scrgbClr r="0" g="0" b="0"/>
+      </a:fillRef>
+      <a:effectRef idx="0">
+        <a:scrgbClr r="0" g="0" b="0"/>
+      </a:effectRef>
+      <a:fontRef idx="minor"/>
+    </dgm:style>
+  </dgm:styleLbl>
+  <dgm:styleLbl name="revTx">
+    <dgm:scene3d>
+      <a:camera prst="orthographicFront"/>
+      <a:lightRig rig="threePt" dir="t"/>
+    </dgm:scene3d>
+    <dgm:sp3d/>
+    <dgm:txPr/>
+    <dgm:style>
+      <a:lnRef idx="0">
+        <a:scrgbClr r="0" g="0" b="0"/>
+      </a:lnRef>
+      <a:fillRef idx="0">
+        <a:scrgbClr r="0" g="0" b="0"/>
+      </a:fillRef>
+      <a:effectRef idx="0">
+        <a:scrgbClr r="0" g="0" b="0"/>
+      </a:effectRef>
+      <a:fontRef idx="minor"/>
+    </dgm:style>
+  </dgm:styleLbl>
+</dgm:styleDef>
 </file>
 
 <file path=ppt/slideLayouts/slideLayout1.xml><?xml version="1.0" encoding="utf-8"?>
@@ -3500,7 +10880,7 @@
           <a:p>
             <a:pPr algn="r"/>
             <a:r>
-              <a:rPr lang="en-GB" sz="6200">
+              <a:rPr lang="en-GB" sz="6200" dirty="0">
                 <a:solidFill>
                   <a:srgbClr val="FFFFFF"/>
                 </a:solidFill>
@@ -4053,6 +11433,14 @@
 <file path=ppt/slides/slide2.xml><?xml version="1.0" encoding="utf-8"?>
 <p:sld xmlns:a="http://schemas.openxmlformats.org/drawingml/2006/main" xmlns:r="http://schemas.openxmlformats.org/officeDocument/2006/relationships" xmlns:p="http://schemas.openxmlformats.org/presentationml/2006/main">
   <p:cSld>
+    <p:bg>
+      <p:bgPr>
+        <a:solidFill>
+          <a:schemeClr val="bg1"/>
+        </a:solidFill>
+        <a:effectLst/>
+      </p:bgPr>
+    </p:bg>
     <p:spTree>
       <p:nvGrpSpPr>
         <p:cNvPr id="1" name=""/>
@@ -4067,6 +11455,281 @@
           <a:chExt cx="0" cy="0"/>
         </a:xfrm>
       </p:grpSpPr>
+      <p:pic>
+        <p:nvPicPr>
+          <p:cNvPr id="12" name="Picture 11" descr="Close-up of a blue and yellow pipe&#10;&#10;Description automatically generated with medium confidence">
+            <a:extLst>
+              <a:ext uri="{FF2B5EF4-FFF2-40B4-BE49-F238E27FC236}">
+                <a16:creationId xmlns:a16="http://schemas.microsoft.com/office/drawing/2014/main" id="{EC017FB4-8382-D94D-4768-45361CA061EA}"/>
+              </a:ext>
+            </a:extLst>
+          </p:cNvPr>
+          <p:cNvPicPr>
+            <a:picLocks noChangeAspect="1"/>
+          </p:cNvPicPr>
+          <p:nvPr/>
+        </p:nvPicPr>
+        <p:blipFill>
+          <a:blip r:embed="rId2">
+            <a:duotone>
+              <a:schemeClr val="bg2">
+                <a:shade val="45000"/>
+                <a:satMod val="135000"/>
+              </a:schemeClr>
+              <a:prstClr val="white"/>
+            </a:duotone>
+          </a:blip>
+          <a:srcRect t="16100" r="9091" b="7291"/>
+          <a:stretch/>
+        </p:blipFill>
+        <p:spPr>
+          <a:xfrm>
+            <a:off x="0" y="10"/>
+            <a:ext cx="12191980" cy="6857990"/>
+          </a:xfrm>
+          <a:prstGeom prst="rect">
+            <a:avLst/>
+          </a:prstGeom>
+        </p:spPr>
+      </p:pic>
+      <p:sp>
+        <p:nvSpPr>
+          <p:cNvPr id="18" name="Rectangle 17">
+            <a:extLst>
+              <a:ext uri="{FF2B5EF4-FFF2-40B4-BE49-F238E27FC236}">
+                <a16:creationId xmlns:a16="http://schemas.microsoft.com/office/drawing/2014/main" id="{B50AB553-2A96-4A92-96F2-93548E096954}"/>
+              </a:ext>
+              <a:ext uri="{C183D7F6-B498-43B3-948B-1728B52AA6E4}">
+                <adec:decorative xmlns:adec="http://schemas.microsoft.com/office/drawing/2017/decorative" val="1"/>
+              </a:ext>
+            </a:extLst>
+          </p:cNvPr>
+          <p:cNvSpPr>
+            <a:spLocks noGrp="1" noRot="1" noChangeAspect="1" noMove="1" noResize="1" noEditPoints="1" noAdjustHandles="1" noChangeArrowheads="1" noChangeShapeType="1" noTextEdit="1"/>
+          </p:cNvSpPr>
+          <p:nvPr>
+            <p:extLst>
+              <p:ext uri="{386F3935-93C4-4BCD-93E2-E3B085C9AB24}">
+                <p16:designElem xmlns:p16="http://schemas.microsoft.com/office/powerpoint/2015/main" val="1"/>
+              </p:ext>
+            </p:extLst>
+          </p:nvPr>
+        </p:nvSpPr>
+        <p:spPr>
+          <a:xfrm>
+            <a:off x="0" y="0"/>
+            <a:ext cx="12192000" cy="6858000"/>
+          </a:xfrm>
+          <a:prstGeom prst="rect">
+            <a:avLst/>
+          </a:prstGeom>
+          <a:gradFill>
+            <a:gsLst>
+              <a:gs pos="10000">
+                <a:schemeClr val="bg2">
+                  <a:alpha val="68000"/>
+                </a:schemeClr>
+              </a:gs>
+              <a:gs pos="85000">
+                <a:schemeClr val="bg2">
+                  <a:alpha val="97000"/>
+                </a:schemeClr>
+              </a:gs>
+            </a:gsLst>
+            <a:path path="circle">
+              <a:fillToRect l="50000" t="50000" r="50000" b="50000"/>
+            </a:path>
+          </a:gradFill>
+          <a:ln>
+            <a:noFill/>
+          </a:ln>
+        </p:spPr>
+        <p:style>
+          <a:lnRef idx="2">
+            <a:schemeClr val="accent1">
+              <a:shade val="50000"/>
+            </a:schemeClr>
+          </a:lnRef>
+          <a:fillRef idx="1">
+            <a:schemeClr val="accent1"/>
+          </a:fillRef>
+          <a:effectRef idx="0">
+            <a:schemeClr val="accent1"/>
+          </a:effectRef>
+          <a:fontRef idx="minor">
+            <a:schemeClr val="lt1"/>
+          </a:fontRef>
+        </p:style>
+        <p:txBody>
+          <a:bodyPr rtlCol="0" anchor="ctr"/>
+          <a:lstStyle/>
+          <a:p>
+            <a:pPr algn="ctr"/>
+            <a:endParaRPr lang="en-US"/>
+          </a:p>
+        </p:txBody>
+      </p:sp>
+      <p:sp>
+        <p:nvSpPr>
+          <p:cNvPr id="2" name="Title 1">
+            <a:extLst>
+              <a:ext uri="{FF2B5EF4-FFF2-40B4-BE49-F238E27FC236}">
+                <a16:creationId xmlns:a16="http://schemas.microsoft.com/office/drawing/2014/main" id="{19FFD7A0-DC71-F38C-9665-CD8E4BC76030}"/>
+              </a:ext>
+            </a:extLst>
+          </p:cNvPr>
+          <p:cNvSpPr>
+            <a:spLocks noGrp="1"/>
+          </p:cNvSpPr>
+          <p:nvPr>
+            <p:ph type="title"/>
+          </p:nvPr>
+        </p:nvSpPr>
+        <p:spPr>
+          <a:xfrm>
+            <a:off x="838200" y="365125"/>
+            <a:ext cx="10515600" cy="1325563"/>
+          </a:xfrm>
+        </p:spPr>
+        <p:txBody>
+          <a:bodyPr>
+            <a:normAutofit/>
+          </a:bodyPr>
+          <a:lstStyle/>
+          <a:p>
+            <a:r>
+              <a:rPr lang="en-GB"/>
+              <a:t>Our mission</a:t>
+            </a:r>
+          </a:p>
+        </p:txBody>
+      </p:sp>
+      <p:graphicFrame>
+        <p:nvGraphicFramePr>
+          <p:cNvPr id="14" name="Content Placeholder 2">
+            <a:extLst>
+              <a:ext uri="{FF2B5EF4-FFF2-40B4-BE49-F238E27FC236}">
+                <a16:creationId xmlns:a16="http://schemas.microsoft.com/office/drawing/2014/main" id="{C2502135-51D3-E852-13C6-E3D6793FA648}"/>
+              </a:ext>
+            </a:extLst>
+          </p:cNvPr>
+          <p:cNvGraphicFramePr/>
+          <p:nvPr>
+            <p:extLst>
+              <p:ext uri="{D42A27DB-BD31-4B8C-83A1-F6EECF244321}">
+                <p14:modId xmlns:p14="http://schemas.microsoft.com/office/powerpoint/2010/main" val="2954035492"/>
+              </p:ext>
+            </p:extLst>
+          </p:nvPr>
+        </p:nvGraphicFramePr>
+        <p:xfrm>
+          <a:off x="228600" y="1224643"/>
+          <a:ext cx="11772900" cy="4952320"/>
+        </p:xfrm>
+        <a:graphic>
+          <a:graphicData uri="http://schemas.openxmlformats.org/drawingml/2006/diagram">
+            <dgm:relIds xmlns:dgm="http://schemas.openxmlformats.org/drawingml/2006/diagram" xmlns:r="http://schemas.openxmlformats.org/officeDocument/2006/relationships" r:dm="rId3" r:lo="rId4" r:qs="rId5" r:cs="rId6"/>
+          </a:graphicData>
+        </a:graphic>
+      </p:graphicFrame>
+    </p:spTree>
+    <p:extLst>
+      <p:ext uri="{BB962C8B-B14F-4D97-AF65-F5344CB8AC3E}">
+        <p14:creationId xmlns:p14="http://schemas.microsoft.com/office/powerpoint/2010/main" val="2480205779"/>
+      </p:ext>
+    </p:extLst>
+  </p:cSld>
+  <p:clrMapOvr>
+    <a:masterClrMapping/>
+  </p:clrMapOvr>
+</p:sld>
+</file>
+
+<file path=ppt/slides/slide3.xml><?xml version="1.0" encoding="utf-8"?>
+<p:sld xmlns:a="http://schemas.openxmlformats.org/drawingml/2006/main" xmlns:r="http://schemas.openxmlformats.org/officeDocument/2006/relationships" xmlns:p="http://schemas.openxmlformats.org/presentationml/2006/main">
+  <p:cSld>
+    <p:bg>
+      <p:bgPr>
+        <a:solidFill>
+          <a:schemeClr val="bg1"/>
+        </a:solidFill>
+        <a:effectLst/>
+      </p:bgPr>
+    </p:bg>
+    <p:spTree>
+      <p:nvGrpSpPr>
+        <p:cNvPr id="1" name=""/>
+        <p:cNvGrpSpPr/>
+        <p:nvPr/>
+      </p:nvGrpSpPr>
+      <p:grpSpPr>
+        <a:xfrm>
+          <a:off x="0" y="0"/>
+          <a:ext cx="0" cy="0"/>
+          <a:chOff x="0" y="0"/>
+          <a:chExt cx="0" cy="0"/>
+        </a:xfrm>
+      </p:grpSpPr>
+      <p:sp useBgFill="1">
+        <p:nvSpPr>
+          <p:cNvPr id="20" name="Rectangle 19">
+            <a:extLst>
+              <a:ext uri="{FF2B5EF4-FFF2-40B4-BE49-F238E27FC236}">
+                <a16:creationId xmlns:a16="http://schemas.microsoft.com/office/drawing/2014/main" id="{327D73B4-9F5C-4A64-A179-51B9500CB8B5}"/>
+              </a:ext>
+              <a:ext uri="{C183D7F6-B498-43B3-948B-1728B52AA6E4}">
+                <adec:decorative xmlns:adec="http://schemas.microsoft.com/office/drawing/2017/decorative" val="1"/>
+              </a:ext>
+            </a:extLst>
+          </p:cNvPr>
+          <p:cNvSpPr>
+            <a:spLocks noGrp="1" noRot="1" noChangeAspect="1" noMove="1" noResize="1" noEditPoints="1" noAdjustHandles="1" noChangeArrowheads="1" noChangeShapeType="1" noTextEdit="1"/>
+          </p:cNvSpPr>
+          <p:nvPr>
+            <p:extLst>
+              <p:ext uri="{386F3935-93C4-4BCD-93E2-E3B085C9AB24}">
+                <p16:designElem xmlns:p16="http://schemas.microsoft.com/office/powerpoint/2015/main" val="1"/>
+              </p:ext>
+            </p:extLst>
+          </p:nvPr>
+        </p:nvSpPr>
+        <p:spPr>
+          <a:xfrm>
+            <a:off x="0" y="0"/>
+            <a:ext cx="12192000" cy="6858000"/>
+          </a:xfrm>
+          <a:prstGeom prst="rect">
+            <a:avLst/>
+          </a:prstGeom>
+          <a:ln>
+            <a:noFill/>
+          </a:ln>
+        </p:spPr>
+        <p:style>
+          <a:lnRef idx="2">
+            <a:schemeClr val="accent1">
+              <a:shade val="50000"/>
+            </a:schemeClr>
+          </a:lnRef>
+          <a:fillRef idx="1">
+            <a:schemeClr val="accent1"/>
+          </a:fillRef>
+          <a:effectRef idx="0">
+            <a:schemeClr val="accent1"/>
+          </a:effectRef>
+          <a:fontRef idx="minor">
+            <a:schemeClr val="lt1"/>
+          </a:fontRef>
+        </p:style>
+        <p:txBody>
+          <a:bodyPr rtlCol="0" anchor="ctr"/>
+          <a:lstStyle/>
+          <a:p>
+            <a:pPr algn="ctr"/>
+            <a:endParaRPr lang="en-US" dirty="0"/>
+          </a:p>
+        </p:txBody>
+      </p:sp>
       <p:sp>
         <p:nvSpPr>
           <p:cNvPr id="2" name="Title 1">
@@ -4083,43 +11746,741 @@
             <p:ph type="title"/>
           </p:nvPr>
         </p:nvSpPr>
-        <p:spPr/>
+        <p:spPr>
+          <a:xfrm>
+            <a:off x="6657715" y="467271"/>
+            <a:ext cx="4195674" cy="2052522"/>
+          </a:xfrm>
+        </p:spPr>
         <p:txBody>
-          <a:bodyPr/>
+          <a:bodyPr vert="horz" lIns="91440" tIns="45720" rIns="91440" bIns="45720" rtlCol="0" anchor="b">
+            <a:normAutofit/>
+          </a:bodyPr>
           <a:lstStyle/>
           <a:p>
             <a:r>
-              <a:rPr lang="en-GB" dirty="0"/>
-              <a:t>Target Customer</a:t>
+              <a:rPr lang="en-US" sz="5600"/>
+              <a:t>Target Market</a:t>
             </a:r>
           </a:p>
         </p:txBody>
       </p:sp>
       <p:sp>
         <p:nvSpPr>
-          <p:cNvPr id="3" name="Content Placeholder 2">
+          <p:cNvPr id="22" name="Oval 21">
             <a:extLst>
               <a:ext uri="{FF2B5EF4-FFF2-40B4-BE49-F238E27FC236}">
-                <a16:creationId xmlns:a16="http://schemas.microsoft.com/office/drawing/2014/main" id="{74ADEF36-DFDA-85A4-D177-B1882FCEA46F}"/>
+                <a16:creationId xmlns:a16="http://schemas.microsoft.com/office/drawing/2014/main" id="{C1F06963-6374-4B48-844F-071A9BAAAE02}"/>
+              </a:ext>
+              <a:ext uri="{C183D7F6-B498-43B3-948B-1728B52AA6E4}">
+                <adec:decorative xmlns:adec="http://schemas.microsoft.com/office/drawing/2017/decorative" val="1"/>
               </a:ext>
             </a:extLst>
           </p:cNvPr>
           <p:cNvSpPr>
-            <a:spLocks noGrp="1"/>
+            <a:spLocks noGrp="1" noRot="1" noChangeAspect="1" noMove="1" noResize="1" noEditPoints="1" noAdjustHandles="1" noChangeArrowheads="1" noChangeShapeType="1" noTextEdit="1"/>
           </p:cNvSpPr>
           <p:nvPr>
-            <p:ph idx="1"/>
+            <p:extLst>
+              <p:ext uri="{386F3935-93C4-4BCD-93E2-E3B085C9AB24}">
+                <p16:designElem xmlns:p16="http://schemas.microsoft.com/office/powerpoint/2015/main" val="1"/>
+              </p:ext>
+            </p:extLst>
           </p:nvPr>
         </p:nvSpPr>
-        <p:spPr/>
+        <p:spPr>
+          <a:xfrm>
+            <a:off x="322965" y="554152"/>
+            <a:ext cx="5742189" cy="5742189"/>
+          </a:xfrm>
+          <a:prstGeom prst="ellipse">
+            <a:avLst/>
+          </a:prstGeom>
+          <a:gradFill flip="none" rotWithShape="1">
+            <a:gsLst>
+              <a:gs pos="0">
+                <a:schemeClr val="accent1"/>
+              </a:gs>
+              <a:gs pos="100000">
+                <a:schemeClr val="accent2"/>
+              </a:gs>
+            </a:gsLst>
+            <a:lin ang="2700000" scaled="1"/>
+            <a:tileRect/>
+          </a:gradFill>
+          <a:ln>
+            <a:noFill/>
+          </a:ln>
+        </p:spPr>
+        <p:style>
+          <a:lnRef idx="2">
+            <a:schemeClr val="accent1">
+              <a:shade val="50000"/>
+            </a:schemeClr>
+          </a:lnRef>
+          <a:fillRef idx="1">
+            <a:schemeClr val="accent1"/>
+          </a:fillRef>
+          <a:effectRef idx="0">
+            <a:schemeClr val="accent1"/>
+          </a:effectRef>
+          <a:fontRef idx="minor">
+            <a:schemeClr val="lt1"/>
+          </a:fontRef>
+        </p:style>
         <p:txBody>
-          <a:bodyPr/>
+          <a:bodyPr rtlCol="0" anchor="ctr"/>
           <a:lstStyle/>
           <a:p>
-            <a:endParaRPr lang="en-GB"/>
+            <a:pPr algn="ctr"/>
+            <a:endParaRPr lang="en-US"/>
           </a:p>
         </p:txBody>
       </p:sp>
+      <p:pic>
+        <p:nvPicPr>
+          <p:cNvPr id="5" name="Picture 4" descr="An arrow hitting a bull's eye target">
+            <a:extLst>
+              <a:ext uri="{FF2B5EF4-FFF2-40B4-BE49-F238E27FC236}">
+                <a16:creationId xmlns:a16="http://schemas.microsoft.com/office/drawing/2014/main" id="{45527D05-68E6-87D7-79CE-FAE02FD72F0E}"/>
+              </a:ext>
+            </a:extLst>
+          </p:cNvPr>
+          <p:cNvPicPr>
+            <a:picLocks noChangeAspect="1"/>
+          </p:cNvPicPr>
+          <p:nvPr/>
+        </p:nvPicPr>
+        <p:blipFill>
+          <a:blip r:embed="rId2"/>
+          <a:srcRect r="-3" b="-3"/>
+          <a:stretch/>
+        </p:blipFill>
+        <p:spPr>
+          <a:xfrm>
+            <a:off x="505418" y="554151"/>
+            <a:ext cx="5742189" cy="5742189"/>
+          </a:xfrm>
+          <a:custGeom>
+            <a:avLst/>
+            <a:gdLst/>
+            <a:ahLst/>
+            <a:cxnLst/>
+            <a:rect l="l" t="t" r="r" b="b"/>
+            <a:pathLst>
+              <a:path w="1838528" h="1838528">
+                <a:moveTo>
+                  <a:pt x="919264" y="0"/>
+                </a:moveTo>
+                <a:cubicBezTo>
+                  <a:pt x="1426959" y="0"/>
+                  <a:pt x="1838528" y="411569"/>
+                  <a:pt x="1838528" y="919264"/>
+                </a:cubicBezTo>
+                <a:cubicBezTo>
+                  <a:pt x="1838528" y="1426959"/>
+                  <a:pt x="1426959" y="1838528"/>
+                  <a:pt x="919264" y="1838528"/>
+                </a:cubicBezTo>
+                <a:cubicBezTo>
+                  <a:pt x="411569" y="1838528"/>
+                  <a:pt x="0" y="1426959"/>
+                  <a:pt x="0" y="919264"/>
+                </a:cubicBezTo>
+                <a:cubicBezTo>
+                  <a:pt x="0" y="411569"/>
+                  <a:pt x="411569" y="0"/>
+                  <a:pt x="919264" y="0"/>
+                </a:cubicBezTo>
+                <a:close/>
+              </a:path>
+            </a:pathLst>
+          </a:custGeom>
+        </p:spPr>
+      </p:pic>
+      <p:sp>
+        <p:nvSpPr>
+          <p:cNvPr id="24" name="!!plus graphic">
+            <a:extLst>
+              <a:ext uri="{FF2B5EF4-FFF2-40B4-BE49-F238E27FC236}">
+                <a16:creationId xmlns:a16="http://schemas.microsoft.com/office/drawing/2014/main" id="{6CB927A4-E432-4310-9CD5-E89FF5063179}"/>
+              </a:ext>
+              <a:ext uri="{C183D7F6-B498-43B3-948B-1728B52AA6E4}">
+                <adec:decorative xmlns:adec="http://schemas.microsoft.com/office/drawing/2017/decorative" val="1"/>
+              </a:ext>
+            </a:extLst>
+          </p:cNvPr>
+          <p:cNvSpPr>
+            <a:spLocks noGrp="1" noRot="1" noChangeAspect="1" noMove="1" noResize="1" noEditPoints="1" noAdjustHandles="1" noChangeArrowheads="1" noChangeShapeType="1" noTextEdit="1"/>
+          </p:cNvSpPr>
+          <p:nvPr>
+            <p:extLst>
+              <p:ext uri="{386F3935-93C4-4BCD-93E2-E3B085C9AB24}">
+                <p16:designElem xmlns:p16="http://schemas.microsoft.com/office/powerpoint/2015/main" val="1"/>
+              </p:ext>
+            </p:extLst>
+          </p:nvPr>
+        </p:nvSpPr>
+        <p:spPr>
+          <a:xfrm>
+            <a:off x="1004956" y="703679"/>
+            <a:ext cx="171515" cy="171515"/>
+          </a:xfrm>
+          <a:custGeom>
+            <a:avLst/>
+            <a:gdLst>
+              <a:gd name="connsiteX0" fmla="*/ 159874 w 171515"/>
+              <a:gd name="connsiteY0" fmla="*/ 74116 h 171515"/>
+              <a:gd name="connsiteX1" fmla="*/ 97399 w 171515"/>
+              <a:gd name="connsiteY1" fmla="*/ 74116 h 171515"/>
+              <a:gd name="connsiteX2" fmla="*/ 97399 w 171515"/>
+              <a:gd name="connsiteY2" fmla="*/ 11641 h 171515"/>
+              <a:gd name="connsiteX3" fmla="*/ 85758 w 171515"/>
+              <a:gd name="connsiteY3" fmla="*/ 0 h 171515"/>
+              <a:gd name="connsiteX4" fmla="*/ 74116 w 171515"/>
+              <a:gd name="connsiteY4" fmla="*/ 11641 h 171515"/>
+              <a:gd name="connsiteX5" fmla="*/ 74116 w 171515"/>
+              <a:gd name="connsiteY5" fmla="*/ 74116 h 171515"/>
+              <a:gd name="connsiteX6" fmla="*/ 11641 w 171515"/>
+              <a:gd name="connsiteY6" fmla="*/ 74116 h 171515"/>
+              <a:gd name="connsiteX7" fmla="*/ 0 w 171515"/>
+              <a:gd name="connsiteY7" fmla="*/ 85758 h 171515"/>
+              <a:gd name="connsiteX8" fmla="*/ 11641 w 171515"/>
+              <a:gd name="connsiteY8" fmla="*/ 97399 h 171515"/>
+              <a:gd name="connsiteX9" fmla="*/ 74116 w 171515"/>
+              <a:gd name="connsiteY9" fmla="*/ 97399 h 171515"/>
+              <a:gd name="connsiteX10" fmla="*/ 74116 w 171515"/>
+              <a:gd name="connsiteY10" fmla="*/ 159874 h 171515"/>
+              <a:gd name="connsiteX11" fmla="*/ 85758 w 171515"/>
+              <a:gd name="connsiteY11" fmla="*/ 171515 h 171515"/>
+              <a:gd name="connsiteX12" fmla="*/ 97399 w 171515"/>
+              <a:gd name="connsiteY12" fmla="*/ 159874 h 171515"/>
+              <a:gd name="connsiteX13" fmla="*/ 97399 w 171515"/>
+              <a:gd name="connsiteY13" fmla="*/ 97399 h 171515"/>
+              <a:gd name="connsiteX14" fmla="*/ 159874 w 171515"/>
+              <a:gd name="connsiteY14" fmla="*/ 97399 h 171515"/>
+              <a:gd name="connsiteX15" fmla="*/ 171515 w 171515"/>
+              <a:gd name="connsiteY15" fmla="*/ 85758 h 171515"/>
+              <a:gd name="connsiteX16" fmla="*/ 159874 w 171515"/>
+              <a:gd name="connsiteY16" fmla="*/ 74116 h 171515"/>
+            </a:gdLst>
+            <a:ahLst/>
+            <a:cxnLst>
+              <a:cxn ang="0">
+                <a:pos x="connsiteX0" y="connsiteY0"/>
+              </a:cxn>
+              <a:cxn ang="0">
+                <a:pos x="connsiteX1" y="connsiteY1"/>
+              </a:cxn>
+              <a:cxn ang="0">
+                <a:pos x="connsiteX2" y="connsiteY2"/>
+              </a:cxn>
+              <a:cxn ang="0">
+                <a:pos x="connsiteX3" y="connsiteY3"/>
+              </a:cxn>
+              <a:cxn ang="0">
+                <a:pos x="connsiteX4" y="connsiteY4"/>
+              </a:cxn>
+              <a:cxn ang="0">
+                <a:pos x="connsiteX5" y="connsiteY5"/>
+              </a:cxn>
+              <a:cxn ang="0">
+                <a:pos x="connsiteX6" y="connsiteY6"/>
+              </a:cxn>
+              <a:cxn ang="0">
+                <a:pos x="connsiteX7" y="connsiteY7"/>
+              </a:cxn>
+              <a:cxn ang="0">
+                <a:pos x="connsiteX8" y="connsiteY8"/>
+              </a:cxn>
+              <a:cxn ang="0">
+                <a:pos x="connsiteX9" y="connsiteY9"/>
+              </a:cxn>
+              <a:cxn ang="0">
+                <a:pos x="connsiteX10" y="connsiteY10"/>
+              </a:cxn>
+              <a:cxn ang="0">
+                <a:pos x="connsiteX11" y="connsiteY11"/>
+              </a:cxn>
+              <a:cxn ang="0">
+                <a:pos x="connsiteX12" y="connsiteY12"/>
+              </a:cxn>
+              <a:cxn ang="0">
+                <a:pos x="connsiteX13" y="connsiteY13"/>
+              </a:cxn>
+              <a:cxn ang="0">
+                <a:pos x="connsiteX14" y="connsiteY14"/>
+              </a:cxn>
+              <a:cxn ang="0">
+                <a:pos x="connsiteX15" y="connsiteY15"/>
+              </a:cxn>
+              <a:cxn ang="0">
+                <a:pos x="connsiteX16" y="connsiteY16"/>
+              </a:cxn>
+            </a:cxnLst>
+            <a:rect l="l" t="t" r="r" b="b"/>
+            <a:pathLst>
+              <a:path w="171515" h="171515">
+                <a:moveTo>
+                  <a:pt x="159874" y="74116"/>
+                </a:moveTo>
+                <a:lnTo>
+                  <a:pt x="97399" y="74116"/>
+                </a:lnTo>
+                <a:lnTo>
+                  <a:pt x="97399" y="11641"/>
+                </a:lnTo>
+                <a:cubicBezTo>
+                  <a:pt x="97399" y="5212"/>
+                  <a:pt x="92187" y="0"/>
+                  <a:pt x="85758" y="0"/>
+                </a:cubicBezTo>
+                <a:cubicBezTo>
+                  <a:pt x="79328" y="0"/>
+                  <a:pt x="74116" y="5212"/>
+                  <a:pt x="74116" y="11641"/>
+                </a:cubicBezTo>
+                <a:lnTo>
+                  <a:pt x="74116" y="74116"/>
+                </a:lnTo>
+                <a:lnTo>
+                  <a:pt x="11641" y="74116"/>
+                </a:lnTo>
+                <a:cubicBezTo>
+                  <a:pt x="5212" y="74116"/>
+                  <a:pt x="0" y="79328"/>
+                  <a:pt x="0" y="85758"/>
+                </a:cubicBezTo>
+                <a:cubicBezTo>
+                  <a:pt x="0" y="92187"/>
+                  <a:pt x="5212" y="97399"/>
+                  <a:pt x="11641" y="97399"/>
+                </a:cubicBezTo>
+                <a:lnTo>
+                  <a:pt x="74116" y="97399"/>
+                </a:lnTo>
+                <a:lnTo>
+                  <a:pt x="74116" y="159874"/>
+                </a:lnTo>
+                <a:cubicBezTo>
+                  <a:pt x="74116" y="166303"/>
+                  <a:pt x="79328" y="171515"/>
+                  <a:pt x="85758" y="171515"/>
+                </a:cubicBezTo>
+                <a:cubicBezTo>
+                  <a:pt x="92187" y="171515"/>
+                  <a:pt x="97399" y="166303"/>
+                  <a:pt x="97399" y="159874"/>
+                </a:cubicBezTo>
+                <a:lnTo>
+                  <a:pt x="97399" y="97399"/>
+                </a:lnTo>
+                <a:lnTo>
+                  <a:pt x="159874" y="97399"/>
+                </a:lnTo>
+                <a:cubicBezTo>
+                  <a:pt x="166303" y="97399"/>
+                  <a:pt x="171515" y="92187"/>
+                  <a:pt x="171515" y="85758"/>
+                </a:cubicBezTo>
+                <a:cubicBezTo>
+                  <a:pt x="171515" y="79328"/>
+                  <a:pt x="166303" y="74116"/>
+                  <a:pt x="159874" y="74116"/>
+                </a:cubicBezTo>
+                <a:close/>
+              </a:path>
+            </a:pathLst>
+          </a:custGeom>
+          <a:solidFill>
+            <a:schemeClr val="accent1"/>
+          </a:solidFill>
+          <a:ln w="776" cap="flat">
+            <a:noFill/>
+            <a:prstDash val="solid"/>
+            <a:miter/>
+          </a:ln>
+        </p:spPr>
+        <p:txBody>
+          <a:bodyPr rtlCol="0" anchor="ctr"/>
+          <a:lstStyle/>
+          <a:p>
+            <a:endParaRPr lang="en-US"/>
+          </a:p>
+        </p:txBody>
+      </p:sp>
+      <p:sp>
+        <p:nvSpPr>
+          <p:cNvPr id="26" name="!!circle graphic">
+            <a:extLst>
+              <a:ext uri="{FF2B5EF4-FFF2-40B4-BE49-F238E27FC236}">
+                <a16:creationId xmlns:a16="http://schemas.microsoft.com/office/drawing/2014/main" id="{1453BF6C-B012-48B7-B4E8-6D7AC7C27D02}"/>
+              </a:ext>
+              <a:ext uri="{C183D7F6-B498-43B3-948B-1728B52AA6E4}">
+                <adec:decorative xmlns:adec="http://schemas.microsoft.com/office/drawing/2017/decorative" val="1"/>
+              </a:ext>
+            </a:extLst>
+          </p:cNvPr>
+          <p:cNvSpPr>
+            <a:spLocks noGrp="1" noRot="1" noChangeAspect="1" noMove="1" noResize="1" noEditPoints="1" noAdjustHandles="1" noChangeArrowheads="1" noChangeShapeType="1" noTextEdit="1"/>
+          </p:cNvSpPr>
+          <p:nvPr>
+            <p:extLst>
+              <p:ext uri="{386F3935-93C4-4BCD-93E2-E3B085C9AB24}">
+                <p16:designElem xmlns:p16="http://schemas.microsoft.com/office/powerpoint/2015/main" val="1"/>
+              </p:ext>
+            </p:extLst>
+          </p:nvPr>
+        </p:nvSpPr>
+        <p:spPr>
+          <a:xfrm>
+            <a:off x="422753" y="1562696"/>
+            <a:ext cx="157545" cy="157545"/>
+          </a:xfrm>
+          <a:custGeom>
+            <a:avLst/>
+            <a:gdLst>
+              <a:gd name="connsiteX0" fmla="*/ 78773 w 157545"/>
+              <a:gd name="connsiteY0" fmla="*/ 23283 h 157545"/>
+              <a:gd name="connsiteX1" fmla="*/ 134262 w 157545"/>
+              <a:gd name="connsiteY1" fmla="*/ 78773 h 157545"/>
+              <a:gd name="connsiteX2" fmla="*/ 78773 w 157545"/>
+              <a:gd name="connsiteY2" fmla="*/ 134262 h 157545"/>
+              <a:gd name="connsiteX3" fmla="*/ 23283 w 157545"/>
+              <a:gd name="connsiteY3" fmla="*/ 78773 h 157545"/>
+              <a:gd name="connsiteX4" fmla="*/ 78773 w 157545"/>
+              <a:gd name="connsiteY4" fmla="*/ 23283 h 157545"/>
+              <a:gd name="connsiteX5" fmla="*/ 78773 w 157545"/>
+              <a:gd name="connsiteY5" fmla="*/ 0 h 157545"/>
+              <a:gd name="connsiteX6" fmla="*/ 0 w 157545"/>
+              <a:gd name="connsiteY6" fmla="*/ 78773 h 157545"/>
+              <a:gd name="connsiteX7" fmla="*/ 78773 w 157545"/>
+              <a:gd name="connsiteY7" fmla="*/ 157545 h 157545"/>
+              <a:gd name="connsiteX8" fmla="*/ 157545 w 157545"/>
+              <a:gd name="connsiteY8" fmla="*/ 78773 h 157545"/>
+              <a:gd name="connsiteX9" fmla="*/ 78773 w 157545"/>
+              <a:gd name="connsiteY9" fmla="*/ 0 h 157545"/>
+            </a:gdLst>
+            <a:ahLst/>
+            <a:cxnLst>
+              <a:cxn ang="0">
+                <a:pos x="connsiteX0" y="connsiteY0"/>
+              </a:cxn>
+              <a:cxn ang="0">
+                <a:pos x="connsiteX1" y="connsiteY1"/>
+              </a:cxn>
+              <a:cxn ang="0">
+                <a:pos x="connsiteX2" y="connsiteY2"/>
+              </a:cxn>
+              <a:cxn ang="0">
+                <a:pos x="connsiteX3" y="connsiteY3"/>
+              </a:cxn>
+              <a:cxn ang="0">
+                <a:pos x="connsiteX4" y="connsiteY4"/>
+              </a:cxn>
+              <a:cxn ang="0">
+                <a:pos x="connsiteX5" y="connsiteY5"/>
+              </a:cxn>
+              <a:cxn ang="0">
+                <a:pos x="connsiteX6" y="connsiteY6"/>
+              </a:cxn>
+              <a:cxn ang="0">
+                <a:pos x="connsiteX7" y="connsiteY7"/>
+              </a:cxn>
+              <a:cxn ang="0">
+                <a:pos x="connsiteX8" y="connsiteY8"/>
+              </a:cxn>
+              <a:cxn ang="0">
+                <a:pos x="connsiteX9" y="connsiteY9"/>
+              </a:cxn>
+            </a:cxnLst>
+            <a:rect l="l" t="t" r="r" b="b"/>
+            <a:pathLst>
+              <a:path w="157545" h="157545">
+                <a:moveTo>
+                  <a:pt x="78773" y="23283"/>
+                </a:moveTo>
+                <a:cubicBezTo>
+                  <a:pt x="109419" y="23283"/>
+                  <a:pt x="134262" y="48126"/>
+                  <a:pt x="134262" y="78773"/>
+                </a:cubicBezTo>
+                <a:cubicBezTo>
+                  <a:pt x="134262" y="109419"/>
+                  <a:pt x="109419" y="134262"/>
+                  <a:pt x="78773" y="134262"/>
+                </a:cubicBezTo>
+                <a:cubicBezTo>
+                  <a:pt x="48126" y="134262"/>
+                  <a:pt x="23283" y="109419"/>
+                  <a:pt x="23283" y="78773"/>
+                </a:cubicBezTo>
+                <a:cubicBezTo>
+                  <a:pt x="23312" y="48139"/>
+                  <a:pt x="48139" y="23312"/>
+                  <a:pt x="78773" y="23283"/>
+                </a:cubicBezTo>
+                <a:moveTo>
+                  <a:pt x="78773" y="0"/>
+                </a:moveTo>
+                <a:cubicBezTo>
+                  <a:pt x="35268" y="0"/>
+                  <a:pt x="0" y="35268"/>
+                  <a:pt x="0" y="78773"/>
+                </a:cubicBezTo>
+                <a:cubicBezTo>
+                  <a:pt x="0" y="122277"/>
+                  <a:pt x="35268" y="157545"/>
+                  <a:pt x="78773" y="157545"/>
+                </a:cubicBezTo>
+                <a:cubicBezTo>
+                  <a:pt x="122277" y="157545"/>
+                  <a:pt x="157545" y="122277"/>
+                  <a:pt x="157545" y="78773"/>
+                </a:cubicBezTo>
+                <a:cubicBezTo>
+                  <a:pt x="157545" y="35268"/>
+                  <a:pt x="122277" y="0"/>
+                  <a:pt x="78773" y="0"/>
+                </a:cubicBezTo>
+                <a:close/>
+              </a:path>
+            </a:pathLst>
+          </a:custGeom>
+          <a:solidFill>
+            <a:schemeClr val="accent1"/>
+          </a:solidFill>
+          <a:ln w="751" cap="flat">
+            <a:noFill/>
+            <a:prstDash val="solid"/>
+            <a:miter/>
+          </a:ln>
+        </p:spPr>
+        <p:txBody>
+          <a:bodyPr rtlCol="0" anchor="ctr"/>
+          <a:lstStyle/>
+          <a:p>
+            <a:endParaRPr lang="en-US"/>
+          </a:p>
+        </p:txBody>
+      </p:sp>
+      <p:sp>
+        <p:nvSpPr>
+          <p:cNvPr id="6" name="TextBox 5">
+            <a:extLst>
+              <a:ext uri="{FF2B5EF4-FFF2-40B4-BE49-F238E27FC236}">
+                <a16:creationId xmlns:a16="http://schemas.microsoft.com/office/drawing/2014/main" id="{78357BF7-EF6E-A19A-74D3-C0F987936B48}"/>
+              </a:ext>
+            </a:extLst>
+          </p:cNvPr>
+          <p:cNvSpPr txBox="1"/>
+          <p:nvPr/>
+        </p:nvSpPr>
+        <p:spPr>
+          <a:xfrm>
+            <a:off x="6657715" y="2638252"/>
+            <a:ext cx="4538622" cy="3399911"/>
+          </a:xfrm>
+          <a:prstGeom prst="rect">
+            <a:avLst/>
+          </a:prstGeom>
+        </p:spPr>
+        <p:txBody>
+          <a:bodyPr vert="horz" lIns="91440" tIns="45720" rIns="91440" bIns="45720" rtlCol="0" anchor="t">
+            <a:normAutofit lnSpcReduction="10000"/>
+          </a:bodyPr>
+          <a:lstStyle/>
+          <a:p>
+            <a:pPr>
+              <a:lnSpc>
+                <a:spcPct val="90000"/>
+              </a:lnSpc>
+              <a:spcAft>
+                <a:spcPts val="600"/>
+              </a:spcAft>
+            </a:pPr>
+            <a:r>
+              <a:rPr lang="en-US" sz="2800" dirty="0">
+                <a:solidFill>
+                  <a:schemeClr val="tx1">
+                    <a:alpha val="80000"/>
+                  </a:schemeClr>
+                </a:solidFill>
+              </a:rPr>
+              <a:t>With WealthWise our aim is to help as many people as possible with our target market not being limited to any demographic however we think the interface will be catered to younger generations through gamified features</a:t>
+            </a:r>
+          </a:p>
+        </p:txBody>
+      </p:sp>
+      <p:sp>
+        <p:nvSpPr>
+          <p:cNvPr id="28" name="!!dot graphic">
+            <a:extLst>
+              <a:ext uri="{FF2B5EF4-FFF2-40B4-BE49-F238E27FC236}">
+                <a16:creationId xmlns:a16="http://schemas.microsoft.com/office/drawing/2014/main" id="{E3020543-B24B-4EC4-8FFC-8DD88EEA91A8}"/>
+              </a:ext>
+              <a:ext uri="{C183D7F6-B498-43B3-948B-1728B52AA6E4}">
+                <adec:decorative xmlns:adec="http://schemas.microsoft.com/office/drawing/2017/decorative" val="1"/>
+              </a:ext>
+            </a:extLst>
+          </p:cNvPr>
+          <p:cNvSpPr>
+            <a:spLocks noGrp="1" noRot="1" noChangeAspect="1" noMove="1" noResize="1" noEditPoints="1" noAdjustHandles="1" noChangeArrowheads="1" noChangeShapeType="1" noTextEdit="1"/>
+          </p:cNvSpPr>
+          <p:nvPr>
+            <p:extLst>
+              <p:ext uri="{386F3935-93C4-4BCD-93E2-E3B085C9AB24}">
+                <p16:designElem xmlns:p16="http://schemas.microsoft.com/office/powerpoint/2015/main" val="1"/>
+              </p:ext>
+            </p:extLst>
+          </p:nvPr>
+        </p:nvSpPr>
+        <p:spPr>
+          <a:xfrm>
+            <a:off x="5454149" y="5775082"/>
+            <a:ext cx="112426" cy="112426"/>
+          </a:xfrm>
+          <a:custGeom>
+            <a:avLst/>
+            <a:gdLst>
+              <a:gd name="connsiteX0" fmla="*/ 112426 w 112426"/>
+              <a:gd name="connsiteY0" fmla="*/ 56213 h 112426"/>
+              <a:gd name="connsiteX1" fmla="*/ 56213 w 112426"/>
+              <a:gd name="connsiteY1" fmla="*/ 112426 h 112426"/>
+              <a:gd name="connsiteX2" fmla="*/ 0 w 112426"/>
+              <a:gd name="connsiteY2" fmla="*/ 56213 h 112426"/>
+              <a:gd name="connsiteX3" fmla="*/ 56213 w 112426"/>
+              <a:gd name="connsiteY3" fmla="*/ 0 h 112426"/>
+              <a:gd name="connsiteX4" fmla="*/ 112426 w 112426"/>
+              <a:gd name="connsiteY4" fmla="*/ 56213 h 112426"/>
+            </a:gdLst>
+            <a:ahLst/>
+            <a:cxnLst>
+              <a:cxn ang="0">
+                <a:pos x="connsiteX0" y="connsiteY0"/>
+              </a:cxn>
+              <a:cxn ang="0">
+                <a:pos x="connsiteX1" y="connsiteY1"/>
+              </a:cxn>
+              <a:cxn ang="0">
+                <a:pos x="connsiteX2" y="connsiteY2"/>
+              </a:cxn>
+              <a:cxn ang="0">
+                <a:pos x="connsiteX3" y="connsiteY3"/>
+              </a:cxn>
+              <a:cxn ang="0">
+                <a:pos x="connsiteX4" y="connsiteY4"/>
+              </a:cxn>
+            </a:cxnLst>
+            <a:rect l="l" t="t" r="r" b="b"/>
+            <a:pathLst>
+              <a:path w="112426" h="112426">
+                <a:moveTo>
+                  <a:pt x="112426" y="56213"/>
+                </a:moveTo>
+                <a:cubicBezTo>
+                  <a:pt x="112426" y="87259"/>
+                  <a:pt x="87259" y="112426"/>
+                  <a:pt x="56213" y="112426"/>
+                </a:cubicBezTo>
+                <a:cubicBezTo>
+                  <a:pt x="25167" y="112426"/>
+                  <a:pt x="0" y="87259"/>
+                  <a:pt x="0" y="56213"/>
+                </a:cubicBezTo>
+                <a:cubicBezTo>
+                  <a:pt x="0" y="25167"/>
+                  <a:pt x="25167" y="0"/>
+                  <a:pt x="56213" y="0"/>
+                </a:cubicBezTo>
+                <a:cubicBezTo>
+                  <a:pt x="87259" y="0"/>
+                  <a:pt x="112426" y="25167"/>
+                  <a:pt x="112426" y="56213"/>
+                </a:cubicBezTo>
+                <a:close/>
+              </a:path>
+            </a:pathLst>
+          </a:custGeom>
+          <a:solidFill>
+            <a:schemeClr val="accent1"/>
+          </a:solidFill>
+          <a:ln w="516" cap="flat">
+            <a:noFill/>
+            <a:prstDash val="solid"/>
+            <a:miter/>
+          </a:ln>
+        </p:spPr>
+        <p:txBody>
+          <a:bodyPr rtlCol="0" anchor="ctr"/>
+          <a:lstStyle/>
+          <a:p>
+            <a:endParaRPr lang="en-US"/>
+          </a:p>
+        </p:txBody>
+      </p:sp>
+      <p:cxnSp>
+        <p:nvCxnSpPr>
+          <p:cNvPr id="30" name="!!Straight Connector">
+            <a:extLst>
+              <a:ext uri="{FF2B5EF4-FFF2-40B4-BE49-F238E27FC236}">
+                <a16:creationId xmlns:a16="http://schemas.microsoft.com/office/drawing/2014/main" id="{C49DA8F6-BCC1-4447-B54C-57856834B94B}"/>
+              </a:ext>
+              <a:ext uri="{C183D7F6-B498-43B3-948B-1728B52AA6E4}">
+                <adec:decorative xmlns:adec="http://schemas.microsoft.com/office/drawing/2017/decorative" val="1"/>
+              </a:ext>
+            </a:extLst>
+          </p:cNvPr>
+          <p:cNvCxnSpPr>
+            <a:cxnSpLocks noGrp="1" noRot="1" noChangeAspect="1" noMove="1" noResize="1" noEditPoints="1" noAdjustHandles="1" noChangeArrowheads="1" noChangeShapeType="1"/>
+          </p:cNvCxnSpPr>
+          <p:nvPr>
+            <p:extLst>
+              <p:ext uri="{386F3935-93C4-4BCD-93E2-E3B085C9AB24}">
+                <p16:designElem xmlns:p16="http://schemas.microsoft.com/office/powerpoint/2015/main" val="1"/>
+              </p:ext>
+            </p:extLst>
+          </p:nvPr>
+        </p:nvCxnSpPr>
+        <p:spPr>
+          <a:xfrm>
+            <a:off x="11586162" y="3619272"/>
+            <a:ext cx="0" cy="3238728"/>
+          </a:xfrm>
+          <a:prstGeom prst="line">
+            <a:avLst/>
+          </a:prstGeom>
+          <a:ln w="25400" cap="sq">
+            <a:gradFill flip="none" rotWithShape="1">
+              <a:gsLst>
+                <a:gs pos="0">
+                  <a:schemeClr val="accent1"/>
+                </a:gs>
+                <a:gs pos="100000">
+                  <a:schemeClr val="accent2"/>
+                </a:gs>
+              </a:gsLst>
+              <a:lin ang="16200000" scaled="1"/>
+              <a:tileRect/>
+            </a:gradFill>
+            <a:bevel/>
+          </a:ln>
+        </p:spPr>
+        <p:style>
+          <a:lnRef idx="1">
+            <a:schemeClr val="accent1"/>
+          </a:lnRef>
+          <a:fillRef idx="0">
+            <a:schemeClr val="accent1"/>
+          </a:fillRef>
+          <a:effectRef idx="0">
+            <a:schemeClr val="accent1"/>
+          </a:effectRef>
+          <a:fontRef idx="minor">
+            <a:schemeClr val="tx1"/>
+          </a:fontRef>
+        </p:style>
+      </p:cxnSp>
     </p:spTree>
     <p:extLst>
       <p:ext uri="{BB962C8B-B14F-4D97-AF65-F5344CB8AC3E}">
@@ -4133,9 +12494,17 @@
 </p:sld>
 </file>
 
-<file path=ppt/slides/slide3.xml><?xml version="1.0" encoding="utf-8"?>
+<file path=ppt/slides/slide4.xml><?xml version="1.0" encoding="utf-8"?>
 <p:sld xmlns:a="http://schemas.openxmlformats.org/drawingml/2006/main" xmlns:r="http://schemas.openxmlformats.org/officeDocument/2006/relationships" xmlns:p="http://schemas.openxmlformats.org/presentationml/2006/main">
   <p:cSld>
+    <p:bg>
+      <p:bgPr>
+        <a:solidFill>
+          <a:schemeClr val="bg1"/>
+        </a:solidFill>
+        <a:effectLst/>
+      </p:bgPr>
+    </p:bg>
     <p:spTree>
       <p:nvGrpSpPr>
         <p:cNvPr id="1" name=""/>
@@ -4166,40 +12535,161 @@
             <p:ph type="title"/>
           </p:nvPr>
         </p:nvSpPr>
-        <p:spPr/>
+        <p:spPr>
+          <a:xfrm>
+            <a:off x="8153400" y="1128094"/>
+            <a:ext cx="3434180" cy="1415270"/>
+          </a:xfrm>
+        </p:spPr>
         <p:txBody>
-          <a:bodyPr/>
+          <a:bodyPr vert="horz" lIns="91440" tIns="45720" rIns="91440" bIns="45720" rtlCol="0" anchor="t">
+            <a:normAutofit/>
+          </a:bodyPr>
           <a:lstStyle/>
           <a:p>
             <a:r>
-              <a:rPr lang="en-GB" dirty="0"/>
-              <a:t>The opportunity</a:t>
+              <a:rPr lang="en-US" sz="3200" dirty="0"/>
+              <a:t>Our X factor</a:t>
             </a:r>
           </a:p>
         </p:txBody>
       </p:sp>
-      <p:sp>
-        <p:nvSpPr>
-          <p:cNvPr id="3" name="Content Placeholder 2">
+      <p:pic>
+        <p:nvPicPr>
+          <p:cNvPr id="1026" name="Picture 2" descr="X Logo, symbol, meaning, history, PNG, brand">
             <a:extLst>
               <a:ext uri="{FF2B5EF4-FFF2-40B4-BE49-F238E27FC236}">
-                <a16:creationId xmlns:a16="http://schemas.microsoft.com/office/drawing/2014/main" id="{66083186-FA13-2613-542F-9D18870DA737}"/>
+                <a16:creationId xmlns:a16="http://schemas.microsoft.com/office/drawing/2014/main" id="{7D9D55EC-0EDF-8C31-6295-EC2CB95DF7D8}"/>
               </a:ext>
             </a:extLst>
           </p:cNvPr>
-          <p:cNvSpPr>
-            <a:spLocks noGrp="1"/>
-          </p:cNvSpPr>
+          <p:cNvPicPr>
+            <a:picLocks noChangeAspect="1" noChangeArrowheads="1"/>
+          </p:cNvPicPr>
+          <p:nvPr/>
+        </p:nvPicPr>
+        <p:blipFill>
+          <a:blip r:embed="rId2">
+            <a:extLst>
+              <a:ext uri="{28A0092B-C50C-407E-A947-70E740481C1C}">
+                <a14:useLocalDpi xmlns:a14="http://schemas.microsoft.com/office/drawing/2010/main" val="0"/>
+              </a:ext>
+            </a:extLst>
+          </a:blip>
+          <a:srcRect l="18734" r="19155"/>
+          <a:stretch/>
+        </p:blipFill>
+        <p:spPr bwMode="auto">
+          <a:xfrm>
+            <a:off x="-9886" y="10"/>
+            <a:ext cx="7572605" cy="6857990"/>
+          </a:xfrm>
+          <a:prstGeom prst="rect">
+            <a:avLst/>
+          </a:prstGeom>
+          <a:noFill/>
+          <a:extLst>
+            <a:ext uri="{909E8E84-426E-40DD-AFC4-6F175D3DCCD1}">
+              <a14:hiddenFill xmlns:a14="http://schemas.microsoft.com/office/drawing/2010/main">
+                <a:solidFill>
+                  <a:srgbClr val="FFFFFF"/>
+                </a:solidFill>
+              </a14:hiddenFill>
+            </a:ext>
+          </a:extLst>
+        </p:spPr>
+      </p:pic>
+      <p:cxnSp>
+        <p:nvCxnSpPr>
+          <p:cNvPr id="1065" name="Straight Connector 1064">
+            <a:extLst>
+              <a:ext uri="{FF2B5EF4-FFF2-40B4-BE49-F238E27FC236}">
+                <a16:creationId xmlns:a16="http://schemas.microsoft.com/office/drawing/2014/main" id="{249EDD1B-F94D-B4E6-ACAA-566B9A26FDE3}"/>
+              </a:ext>
+              <a:ext uri="{C183D7F6-B498-43B3-948B-1728B52AA6E4}">
+                <adec:decorative xmlns:adec="http://schemas.microsoft.com/office/drawing/2017/decorative" val="1"/>
+              </a:ext>
+            </a:extLst>
+          </p:cNvPr>
+          <p:cNvCxnSpPr>
+            <a:cxnSpLocks noGrp="1" noRot="1" noChangeAspect="1" noMove="1" noResize="1" noEditPoints="1" noAdjustHandles="1" noChangeArrowheads="1" noChangeShapeType="1"/>
+          </p:cNvCxnSpPr>
           <p:nvPr>
-            <p:ph idx="1"/>
+            <p:extLst>
+              <p:ext uri="{386F3935-93C4-4BCD-93E2-E3B085C9AB24}">
+                <p16:designElem xmlns:p16="http://schemas.microsoft.com/office/powerpoint/2015/main" val="1"/>
+              </p:ext>
+            </p:extLst>
           </p:nvPr>
+        </p:nvCxnSpPr>
+        <p:spPr>
+          <a:xfrm>
+            <a:off x="8199390" y="871146"/>
+            <a:ext cx="736939" cy="0"/>
+          </a:xfrm>
+          <a:prstGeom prst="line">
+            <a:avLst/>
+          </a:prstGeom>
+          <a:ln w="57150">
+            <a:solidFill>
+              <a:schemeClr val="accent4"/>
+            </a:solidFill>
+          </a:ln>
+        </p:spPr>
+        <p:style>
+          <a:lnRef idx="1">
+            <a:schemeClr val="accent1"/>
+          </a:lnRef>
+          <a:fillRef idx="0">
+            <a:schemeClr val="accent1"/>
+          </a:fillRef>
+          <a:effectRef idx="0">
+            <a:schemeClr val="accent1"/>
+          </a:effectRef>
+          <a:fontRef idx="minor">
+            <a:schemeClr val="tx1"/>
+          </a:fontRef>
+        </p:style>
+      </p:cxnSp>
+      <p:sp>
+        <p:nvSpPr>
+          <p:cNvPr id="4" name="TextBox 3">
+            <a:extLst>
+              <a:ext uri="{FF2B5EF4-FFF2-40B4-BE49-F238E27FC236}">
+                <a16:creationId xmlns:a16="http://schemas.microsoft.com/office/drawing/2014/main" id="{AE748AC6-44E0-82D5-AA32-921953AD86E7}"/>
+              </a:ext>
+            </a:extLst>
+          </p:cNvPr>
+          <p:cNvSpPr txBox="1"/>
+          <p:nvPr/>
         </p:nvSpPr>
-        <p:spPr/>
+        <p:spPr>
+          <a:xfrm>
+            <a:off x="7562719" y="1926772"/>
+            <a:ext cx="4024861" cy="4215612"/>
+          </a:xfrm>
+          <a:prstGeom prst="rect">
+            <a:avLst/>
+          </a:prstGeom>
+        </p:spPr>
         <p:txBody>
-          <a:bodyPr/>
+          <a:bodyPr vert="horz" lIns="91440" tIns="45720" rIns="91440" bIns="45720" rtlCol="0">
+            <a:normAutofit lnSpcReduction="10000"/>
+          </a:bodyPr>
           <a:lstStyle/>
           <a:p>
-            <a:endParaRPr lang="en-GB"/>
+            <a:pPr>
+              <a:lnSpc>
+                <a:spcPct val="90000"/>
+              </a:lnSpc>
+              <a:spcAft>
+                <a:spcPts val="600"/>
+              </a:spcAft>
+            </a:pPr>
+            <a:r>
+              <a:rPr lang="en-US" sz="3200" dirty="0"/>
+              <a:t>With WealthWise we provide an all-in-one platform that provides users with the ability to learn finance through , interactive quizzes and personalized questions through our chatbot</a:t>
+            </a:r>
           </a:p>
         </p:txBody>
       </p:sp>
@@ -4207,89 +12697,6 @@
     <p:extLst>
       <p:ext uri="{BB962C8B-B14F-4D97-AF65-F5344CB8AC3E}">
         <p14:creationId xmlns:p14="http://schemas.microsoft.com/office/powerpoint/2010/main" val="807085202"/>
-      </p:ext>
-    </p:extLst>
-  </p:cSld>
-  <p:clrMapOvr>
-    <a:masterClrMapping/>
-  </p:clrMapOvr>
-</p:sld>
-</file>
-
-<file path=ppt/slides/slide4.xml><?xml version="1.0" encoding="utf-8"?>
-<p:sld xmlns:a="http://schemas.openxmlformats.org/drawingml/2006/main" xmlns:r="http://schemas.openxmlformats.org/officeDocument/2006/relationships" xmlns:p="http://schemas.openxmlformats.org/presentationml/2006/main">
-  <p:cSld>
-    <p:spTree>
-      <p:nvGrpSpPr>
-        <p:cNvPr id="1" name=""/>
-        <p:cNvGrpSpPr/>
-        <p:nvPr/>
-      </p:nvGrpSpPr>
-      <p:grpSpPr>
-        <a:xfrm>
-          <a:off x="0" y="0"/>
-          <a:ext cx="0" cy="0"/>
-          <a:chOff x="0" y="0"/>
-          <a:chExt cx="0" cy="0"/>
-        </a:xfrm>
-      </p:grpSpPr>
-      <p:sp>
-        <p:nvSpPr>
-          <p:cNvPr id="2" name="Title 1">
-            <a:extLst>
-              <a:ext uri="{FF2B5EF4-FFF2-40B4-BE49-F238E27FC236}">
-                <a16:creationId xmlns:a16="http://schemas.microsoft.com/office/drawing/2014/main" id="{69F76B67-C510-5412-0B97-4D4CD70D753E}"/>
-              </a:ext>
-            </a:extLst>
-          </p:cNvPr>
-          <p:cNvSpPr>
-            <a:spLocks noGrp="1"/>
-          </p:cNvSpPr>
-          <p:nvPr>
-            <p:ph type="title"/>
-          </p:nvPr>
-        </p:nvSpPr>
-        <p:spPr/>
-        <p:txBody>
-          <a:bodyPr/>
-          <a:lstStyle/>
-          <a:p>
-            <a:r>
-              <a:rPr lang="en-GB" dirty="0"/>
-              <a:t>Product and product category</a:t>
-            </a:r>
-          </a:p>
-        </p:txBody>
-      </p:sp>
-      <p:sp>
-        <p:nvSpPr>
-          <p:cNvPr id="3" name="Content Placeholder 2">
-            <a:extLst>
-              <a:ext uri="{FF2B5EF4-FFF2-40B4-BE49-F238E27FC236}">
-                <a16:creationId xmlns:a16="http://schemas.microsoft.com/office/drawing/2014/main" id="{CB1795AF-802B-AE3A-111D-86EA12CAC490}"/>
-              </a:ext>
-            </a:extLst>
-          </p:cNvPr>
-          <p:cNvSpPr>
-            <a:spLocks noGrp="1"/>
-          </p:cNvSpPr>
-          <p:nvPr>
-            <p:ph idx="1"/>
-          </p:nvPr>
-        </p:nvSpPr>
-        <p:spPr/>
-        <p:txBody>
-          <a:bodyPr/>
-          <a:lstStyle/>
-          <a:p>
-            <a:endParaRPr lang="en-GB"/>
-          </a:p>
-        </p:txBody>
-      </p:sp>
-    </p:spTree>
-    <p:extLst>
-      <p:ext uri="{BB962C8B-B14F-4D97-AF65-F5344CB8AC3E}">
-        <p14:creationId xmlns:p14="http://schemas.microsoft.com/office/powerpoint/2010/main" val="3231247062"/>
       </p:ext>
     </p:extLst>
   </p:cSld>
@@ -4316,63 +12723,40 @@
           <a:chExt cx="0" cy="0"/>
         </a:xfrm>
       </p:grpSpPr>
-      <p:sp>
-        <p:nvSpPr>
-          <p:cNvPr id="2" name="Title 1">
+      <p:pic>
+        <p:nvPicPr>
+          <p:cNvPr id="14" name="Picture 13">
             <a:extLst>
               <a:ext uri="{FF2B5EF4-FFF2-40B4-BE49-F238E27FC236}">
-                <a16:creationId xmlns:a16="http://schemas.microsoft.com/office/drawing/2014/main" id="{3F07BE41-4E94-CADD-BF52-923F8CCF3847}"/>
+                <a16:creationId xmlns:a16="http://schemas.microsoft.com/office/drawing/2014/main" id="{5B71CC0A-3A60-4CAB-2636-857F7A093791}"/>
               </a:ext>
             </a:extLst>
           </p:cNvPr>
-          <p:cNvSpPr>
-            <a:spLocks noGrp="1"/>
-          </p:cNvSpPr>
-          <p:nvPr>
-            <p:ph type="title"/>
-          </p:nvPr>
-        </p:nvSpPr>
-        <p:spPr/>
-        <p:txBody>
-          <a:bodyPr/>
-          <a:lstStyle/>
-          <a:p>
-            <a:r>
-              <a:rPr lang="en-GB" dirty="0"/>
-              <a:t>Key benefit</a:t>
-            </a:r>
-          </a:p>
-        </p:txBody>
-      </p:sp>
-      <p:sp>
-        <p:nvSpPr>
-          <p:cNvPr id="3" name="Content Placeholder 2">
-            <a:extLst>
-              <a:ext uri="{FF2B5EF4-FFF2-40B4-BE49-F238E27FC236}">
-                <a16:creationId xmlns:a16="http://schemas.microsoft.com/office/drawing/2014/main" id="{AA35FCC5-87F4-29A9-C76E-6878B0C7F07B}"/>
-              </a:ext>
-            </a:extLst>
-          </p:cNvPr>
-          <p:cNvSpPr>
-            <a:spLocks noGrp="1"/>
-          </p:cNvSpPr>
-          <p:nvPr>
-            <p:ph idx="1"/>
-          </p:nvPr>
-        </p:nvSpPr>
-        <p:spPr/>
-        <p:txBody>
-          <a:bodyPr/>
-          <a:lstStyle/>
-          <a:p>
-            <a:endParaRPr lang="en-GB"/>
-          </a:p>
-        </p:txBody>
-      </p:sp>
+          <p:cNvPicPr>
+            <a:picLocks noChangeAspect="1"/>
+          </p:cNvPicPr>
+          <p:nvPr/>
+        </p:nvPicPr>
+        <p:blipFill>
+          <a:blip r:embed="rId2"/>
+          <a:stretch>
+            <a:fillRect/>
+          </a:stretch>
+        </p:blipFill>
+        <p:spPr>
+          <a:xfrm>
+            <a:off x="0" y="23648"/>
+            <a:ext cx="12192000" cy="6810704"/>
+          </a:xfrm>
+          <a:prstGeom prst="rect">
+            <a:avLst/>
+          </a:prstGeom>
+        </p:spPr>
+      </p:pic>
     </p:spTree>
     <p:extLst>
       <p:ext uri="{BB962C8B-B14F-4D97-AF65-F5344CB8AC3E}">
-        <p14:creationId xmlns:p14="http://schemas.microsoft.com/office/powerpoint/2010/main" val="250266451"/>
+        <p14:creationId xmlns:p14="http://schemas.microsoft.com/office/powerpoint/2010/main" val="4254749346"/>
       </p:ext>
     </p:extLst>
   </p:cSld>
@@ -4385,6 +12769,14 @@
 <file path=ppt/slides/slide6.xml><?xml version="1.0" encoding="utf-8"?>
 <p:sld xmlns:a="http://schemas.openxmlformats.org/drawingml/2006/main" xmlns:r="http://schemas.openxmlformats.org/officeDocument/2006/relationships" xmlns:p="http://schemas.openxmlformats.org/presentationml/2006/main">
   <p:cSld>
+    <p:bg>
+      <p:bgPr>
+        <a:solidFill>
+          <a:schemeClr val="bg1"/>
+        </a:solidFill>
+        <a:effectLst/>
+      </p:bgPr>
+    </p:bg>
     <p:spTree>
       <p:nvGrpSpPr>
         <p:cNvPr id="1" name=""/>
@@ -4401,10 +12793,73 @@
       </p:grpSpPr>
       <p:sp>
         <p:nvSpPr>
+          <p:cNvPr id="35" name="Rectangle 34">
+            <a:extLst>
+              <a:ext uri="{FF2B5EF4-FFF2-40B4-BE49-F238E27FC236}">
+                <a16:creationId xmlns:a16="http://schemas.microsoft.com/office/drawing/2014/main" id="{AE2B703B-46F9-481A-A605-82E2A828C4FA}"/>
+              </a:ext>
+              <a:ext uri="{C183D7F6-B498-43B3-948B-1728B52AA6E4}">
+                <adec:decorative xmlns:adec="http://schemas.microsoft.com/office/drawing/2017/decorative" val="1"/>
+              </a:ext>
+            </a:extLst>
+          </p:cNvPr>
+          <p:cNvSpPr>
+            <a:spLocks noGrp="1" noRot="1" noChangeAspect="1" noMove="1" noResize="1" noEditPoints="1" noAdjustHandles="1" noChangeArrowheads="1" noChangeShapeType="1" noTextEdit="1"/>
+          </p:cNvSpPr>
+          <p:nvPr>
+            <p:extLst>
+              <p:ext uri="{386F3935-93C4-4BCD-93E2-E3B085C9AB24}">
+                <p16:designElem xmlns:p16="http://schemas.microsoft.com/office/powerpoint/2015/main" val="1"/>
+              </p:ext>
+            </p:extLst>
+          </p:nvPr>
+        </p:nvSpPr>
+        <p:spPr>
+          <a:xfrm>
+            <a:off x="0" y="0"/>
+            <a:ext cx="12192000" cy="6858000"/>
+          </a:xfrm>
+          <a:prstGeom prst="rect">
+            <a:avLst/>
+          </a:prstGeom>
+          <a:solidFill>
+            <a:schemeClr val="accent2"/>
+          </a:solidFill>
+          <a:ln>
+            <a:noFill/>
+          </a:ln>
+        </p:spPr>
+        <p:style>
+          <a:lnRef idx="2">
+            <a:schemeClr val="accent1">
+              <a:shade val="50000"/>
+            </a:schemeClr>
+          </a:lnRef>
+          <a:fillRef idx="1">
+            <a:schemeClr val="accent1"/>
+          </a:fillRef>
+          <a:effectRef idx="0">
+            <a:schemeClr val="accent1"/>
+          </a:effectRef>
+          <a:fontRef idx="minor">
+            <a:schemeClr val="lt1"/>
+          </a:fontRef>
+        </p:style>
+        <p:txBody>
+          <a:bodyPr rtlCol="0" anchor="ctr"/>
+          <a:lstStyle/>
+          <a:p>
+            <a:pPr algn="ctr"/>
+            <a:endParaRPr lang="en-US"/>
+          </a:p>
+        </p:txBody>
+      </p:sp>
+      <p:sp>
+        <p:nvSpPr>
           <p:cNvPr id="2" name="Title 1">
             <a:extLst>
               <a:ext uri="{FF2B5EF4-FFF2-40B4-BE49-F238E27FC236}">
-                <a16:creationId xmlns:a16="http://schemas.microsoft.com/office/drawing/2014/main" id="{F8EBE48E-356E-A802-97E0-C9473F85B529}"/>
+                <a16:creationId xmlns:a16="http://schemas.microsoft.com/office/drawing/2014/main" id="{26573775-6147-665A-DB0C-654492673DCD}"/>
               </a:ext>
             </a:extLst>
           </p:cNvPr>
@@ -4415,47 +12870,132 @@
             <p:ph type="title"/>
           </p:nvPr>
         </p:nvSpPr>
-        <p:spPr/>
+        <p:spPr>
+          <a:xfrm>
+            <a:off x="838200" y="459863"/>
+            <a:ext cx="10515600" cy="1004594"/>
+          </a:xfrm>
+        </p:spPr>
         <p:txBody>
-          <a:bodyPr/>
+          <a:bodyPr>
+            <a:normAutofit/>
+          </a:bodyPr>
           <a:lstStyle/>
           <a:p>
+            <a:pPr algn="ctr"/>
             <a:r>
-              <a:rPr lang="en-GB" dirty="0"/>
-              <a:t>What makes our product good </a:t>
+              <a:rPr lang="en-GB">
+                <a:solidFill>
+                  <a:srgbClr val="FFFFFF"/>
+                </a:solidFill>
+              </a:rPr>
+              <a:t>Conclusion </a:t>
             </a:r>
           </a:p>
         </p:txBody>
       </p:sp>
       <p:sp>
         <p:nvSpPr>
-          <p:cNvPr id="3" name="Content Placeholder 2">
+          <p:cNvPr id="37" name="Rectangle: Rounded Corners 36">
             <a:extLst>
               <a:ext uri="{FF2B5EF4-FFF2-40B4-BE49-F238E27FC236}">
-                <a16:creationId xmlns:a16="http://schemas.microsoft.com/office/drawing/2014/main" id="{0497B719-981A-1105-7E12-A2FC12A72524}"/>
+                <a16:creationId xmlns:a16="http://schemas.microsoft.com/office/drawing/2014/main" id="{F13BE4D7-0C3D-4906-B230-A1C5B4665CCF}"/>
+              </a:ext>
+              <a:ext uri="{C183D7F6-B498-43B3-948B-1728B52AA6E4}">
+                <adec:decorative xmlns:adec="http://schemas.microsoft.com/office/drawing/2017/decorative" val="1"/>
               </a:ext>
             </a:extLst>
           </p:cNvPr>
           <p:cNvSpPr>
-            <a:spLocks noGrp="1"/>
+            <a:spLocks noGrp="1" noRot="1" noChangeAspect="1" noMove="1" noResize="1" noEditPoints="1" noAdjustHandles="1" noChangeArrowheads="1" noChangeShapeType="1" noTextEdit="1"/>
           </p:cNvSpPr>
           <p:nvPr>
-            <p:ph idx="1"/>
+            <p:extLst>
+              <p:ext uri="{386F3935-93C4-4BCD-93E2-E3B085C9AB24}">
+                <p16:designElem xmlns:p16="http://schemas.microsoft.com/office/powerpoint/2015/main" val="1"/>
+              </p:ext>
+            </p:extLst>
           </p:nvPr>
         </p:nvSpPr>
-        <p:spPr/>
+        <p:spPr>
+          <a:xfrm>
+            <a:off x="579496" y="1587970"/>
+            <a:ext cx="11033008" cy="4768380"/>
+          </a:xfrm>
+          <a:prstGeom prst="roundRect">
+            <a:avLst>
+              <a:gd name="adj" fmla="val 3174"/>
+            </a:avLst>
+          </a:prstGeom>
+          <a:solidFill>
+            <a:schemeClr val="bg1">
+              <a:alpha val="95000"/>
+            </a:schemeClr>
+          </a:solidFill>
+          <a:ln>
+            <a:noFill/>
+          </a:ln>
+        </p:spPr>
+        <p:style>
+          <a:lnRef idx="2">
+            <a:schemeClr val="accent1">
+              <a:shade val="50000"/>
+            </a:schemeClr>
+          </a:lnRef>
+          <a:fillRef idx="1">
+            <a:schemeClr val="accent1"/>
+          </a:fillRef>
+          <a:effectRef idx="0">
+            <a:schemeClr val="accent1"/>
+          </a:effectRef>
+          <a:fontRef idx="minor">
+            <a:schemeClr val="lt1"/>
+          </a:fontRef>
+        </p:style>
         <p:txBody>
-          <a:bodyPr/>
+          <a:bodyPr rtlCol="0" anchor="ctr"/>
           <a:lstStyle/>
           <a:p>
-            <a:endParaRPr lang="en-GB"/>
+            <a:pPr algn="ctr"/>
+            <a:endParaRPr lang="en-US"/>
           </a:p>
         </p:txBody>
       </p:sp>
+      <p:graphicFrame>
+        <p:nvGraphicFramePr>
+          <p:cNvPr id="6" name="Content Placeholder 3">
+            <a:extLst>
+              <a:ext uri="{FF2B5EF4-FFF2-40B4-BE49-F238E27FC236}">
+                <a16:creationId xmlns:a16="http://schemas.microsoft.com/office/drawing/2014/main" id="{933E6399-DA49-D716-73B4-195B4DE46950}"/>
+              </a:ext>
+            </a:extLst>
+          </p:cNvPr>
+          <p:cNvGraphicFramePr>
+            <a:graphicFrameLocks noGrp="1"/>
+          </p:cNvGraphicFramePr>
+          <p:nvPr>
+            <p:ph idx="1"/>
+            <p:extLst>
+              <p:ext uri="{D42A27DB-BD31-4B8C-83A1-F6EECF244321}">
+                <p14:modId xmlns:p14="http://schemas.microsoft.com/office/powerpoint/2010/main" val="2760122700"/>
+              </p:ext>
+            </p:extLst>
+          </p:nvPr>
+        </p:nvGraphicFramePr>
+        <p:xfrm>
+          <a:off x="838200" y="1800911"/>
+          <a:ext cx="10515600" cy="4351338"/>
+        </p:xfrm>
+        <a:graphic>
+          <a:graphicData uri="http://schemas.openxmlformats.org/drawingml/2006/diagram">
+            <dgm:relIds xmlns:dgm="http://schemas.openxmlformats.org/drawingml/2006/diagram" xmlns:r="http://schemas.openxmlformats.org/officeDocument/2006/relationships" r:dm="rId2" r:lo="rId3" r:qs="rId4" r:cs="rId5"/>
+          </a:graphicData>
+        </a:graphic>
+      </p:graphicFrame>
     </p:spTree>
     <p:extLst>
       <p:ext uri="{BB962C8B-B14F-4D97-AF65-F5344CB8AC3E}">
-        <p14:creationId xmlns:p14="http://schemas.microsoft.com/office/powerpoint/2010/main" val="3238173425"/>
+        <p14:creationId xmlns:p14="http://schemas.microsoft.com/office/powerpoint/2010/main" val="1686954681"/>
       </p:ext>
     </p:extLst>
   </p:cSld>
